--- a/ShookaDesktop Guide - Farsi.pptx
+++ b/ShookaDesktop Guide - Farsi.pptx
@@ -313,7 +313,7 @@
           <a:p>
             <a:fld id="{F32E560B-4F83-45FF-AAA0-7CF2EC396768}" type="datetimeFigureOut">
               <a:rPr lang="en-US" smtClean="0"/>
-              <a:t>7/23/2014</a:t>
+              <a:t>7/26/2014</a:t>
             </a:fld>
             <a:endParaRPr lang="en-US"/>
           </a:p>
@@ -483,7 +483,7 @@
           <a:p>
             <a:fld id="{F32E560B-4F83-45FF-AAA0-7CF2EC396768}" type="datetimeFigureOut">
               <a:rPr lang="en-US" smtClean="0"/>
-              <a:t>7/23/2014</a:t>
+              <a:t>7/26/2014</a:t>
             </a:fld>
             <a:endParaRPr lang="en-US"/>
           </a:p>
@@ -663,7 +663,7 @@
           <a:p>
             <a:fld id="{F32E560B-4F83-45FF-AAA0-7CF2EC396768}" type="datetimeFigureOut">
               <a:rPr lang="en-US" smtClean="0"/>
-              <a:t>7/23/2014</a:t>
+              <a:t>7/26/2014</a:t>
             </a:fld>
             <a:endParaRPr lang="en-US"/>
           </a:p>
@@ -833,7 +833,7 @@
           <a:p>
             <a:fld id="{F32E560B-4F83-45FF-AAA0-7CF2EC396768}" type="datetimeFigureOut">
               <a:rPr lang="en-US" smtClean="0"/>
-              <a:t>7/23/2014</a:t>
+              <a:t>7/26/2014</a:t>
             </a:fld>
             <a:endParaRPr lang="en-US"/>
           </a:p>
@@ -1079,7 +1079,7 @@
           <a:p>
             <a:fld id="{F32E560B-4F83-45FF-AAA0-7CF2EC396768}" type="datetimeFigureOut">
               <a:rPr lang="en-US" smtClean="0"/>
-              <a:t>7/23/2014</a:t>
+              <a:t>7/26/2014</a:t>
             </a:fld>
             <a:endParaRPr lang="en-US"/>
           </a:p>
@@ -1367,7 +1367,7 @@
           <a:p>
             <a:fld id="{F32E560B-4F83-45FF-AAA0-7CF2EC396768}" type="datetimeFigureOut">
               <a:rPr lang="en-US" smtClean="0"/>
-              <a:t>7/23/2014</a:t>
+              <a:t>7/26/2014</a:t>
             </a:fld>
             <a:endParaRPr lang="en-US"/>
           </a:p>
@@ -1789,7 +1789,7 @@
           <a:p>
             <a:fld id="{F32E560B-4F83-45FF-AAA0-7CF2EC396768}" type="datetimeFigureOut">
               <a:rPr lang="en-US" smtClean="0"/>
-              <a:t>7/23/2014</a:t>
+              <a:t>7/26/2014</a:t>
             </a:fld>
             <a:endParaRPr lang="en-US"/>
           </a:p>
@@ -1907,7 +1907,7 @@
           <a:p>
             <a:fld id="{F32E560B-4F83-45FF-AAA0-7CF2EC396768}" type="datetimeFigureOut">
               <a:rPr lang="en-US" smtClean="0"/>
-              <a:t>7/23/2014</a:t>
+              <a:t>7/26/2014</a:t>
             </a:fld>
             <a:endParaRPr lang="en-US"/>
           </a:p>
@@ -2002,7 +2002,7 @@
           <a:p>
             <a:fld id="{F32E560B-4F83-45FF-AAA0-7CF2EC396768}" type="datetimeFigureOut">
               <a:rPr lang="en-US" smtClean="0"/>
-              <a:t>7/23/2014</a:t>
+              <a:t>7/26/2014</a:t>
             </a:fld>
             <a:endParaRPr lang="en-US"/>
           </a:p>
@@ -2279,7 +2279,7 @@
           <a:p>
             <a:fld id="{F32E560B-4F83-45FF-AAA0-7CF2EC396768}" type="datetimeFigureOut">
               <a:rPr lang="en-US" smtClean="0"/>
-              <a:t>7/23/2014</a:t>
+              <a:t>7/26/2014</a:t>
             </a:fld>
             <a:endParaRPr lang="en-US"/>
           </a:p>
@@ -2532,7 +2532,7 @@
           <a:p>
             <a:fld id="{F32E560B-4F83-45FF-AAA0-7CF2EC396768}" type="datetimeFigureOut">
               <a:rPr lang="en-US" smtClean="0"/>
-              <a:t>7/23/2014</a:t>
+              <a:t>7/26/2014</a:t>
             </a:fld>
             <a:endParaRPr lang="en-US"/>
           </a:p>
@@ -2745,7 +2745,7 @@
           <a:p>
             <a:fld id="{F32E560B-4F83-45FF-AAA0-7CF2EC396768}" type="datetimeFigureOut">
               <a:rPr lang="en-US" smtClean="0"/>
-              <a:t>7/23/2014</a:t>
+              <a:t>7/26/2014</a:t>
             </a:fld>
             <a:endParaRPr lang="en-US"/>
           </a:p>
@@ -3373,7 +3373,7 @@
         <p:spPr>
           <a:xfrm>
             <a:off x="5086597" y="1200149"/>
-            <a:ext cx="3657600" cy="2031325"/>
+            <a:ext cx="3657600" cy="2246769"/>
           </a:xfrm>
           <a:prstGeom prst="rect">
             <a:avLst/>
@@ -3504,8 +3504,30 @@
               <a:rPr lang="fa-IR" sz="1400" dirty="0">
                 <a:cs typeface="B Nazanin" pitchFamily="2" charset="-78"/>
               </a:rPr>
-              <a:t>پس از ورود اطلاعات فوق (مراحل 1-3) دکمه ورود را بزنید.</a:t>
-            </a:r>
+              <a:t>پس از ورود اطلاعات فوق (مراحل 1-3) دکمه ورود را بزنید</a:t>
+            </a:r>
+            <a:r>
+              <a:rPr lang="fa-IR" sz="1400" dirty="0" smtClean="0">
+                <a:cs typeface="B Nazanin" pitchFamily="2" charset="-78"/>
+              </a:rPr>
+              <a:t>.</a:t>
+            </a:r>
+            <a:r>
+              <a:rPr lang="fa-IR" sz="1400" dirty="0">
+                <a:cs typeface="B Nazanin" pitchFamily="2" charset="-78"/>
+              </a:rPr>
+              <a:t> </a:t>
+            </a:r>
+            <a:r>
+              <a:rPr lang="fa-IR" sz="1400" dirty="0" smtClean="0">
+                <a:cs typeface="B Nazanin" pitchFamily="2" charset="-78"/>
+                <a:hlinkClick r:id="rId3" action="ppaction://hlinksldjump"/>
+              </a:rPr>
+              <a:t>(بیشتر)</a:t>
+            </a:r>
+            <a:endParaRPr lang="fa-IR" sz="1400" dirty="0">
+              <a:cs typeface="B Nazanin" pitchFamily="2" charset="-78"/>
+            </a:endParaRPr>
           </a:p>
         </p:txBody>
       </p:sp>
@@ -3667,7 +3689,7 @@
           <p:nvPr/>
         </p:nvPicPr>
         <p:blipFill>
-          <a:blip r:embed="rId3">
+          <a:blip r:embed="rId4">
             <a:extLst>
               <a:ext uri="{28A0092B-C50C-407E-A947-70E740481C1C}">
                 <a14:useLocalDpi xmlns:a14="http://schemas.microsoft.com/office/drawing/2010/main"/>
@@ -3735,7 +3757,7 @@
           <p:nvPr/>
         </p:nvPicPr>
         <p:blipFill>
-          <a:blip r:embed="rId3">
+          <a:blip r:embed="rId4">
             <a:extLst>
               <a:ext uri="{28A0092B-C50C-407E-A947-70E740481C1C}">
                 <a14:useLocalDpi xmlns:a14="http://schemas.microsoft.com/office/drawing/2010/main"/>
@@ -14146,8 +14168,8 @@
         </p:nvSpPr>
         <p:spPr>
           <a:xfrm>
-            <a:off x="4283987" y="935534"/>
-            <a:ext cx="4505029" cy="5693866"/>
+            <a:off x="3962399" y="935534"/>
+            <a:ext cx="4826617" cy="5478423"/>
           </a:xfrm>
           <a:prstGeom prst="rect">
             <a:avLst/>
@@ -14265,8 +14287,24 @@
               <a:rPr lang="fa-IR" sz="1400" dirty="0">
                 <a:cs typeface="B Nazanin" pitchFamily="2" charset="-78"/>
               </a:rPr>
-              <a:t> بخش مربوط به برقراری تماس تصویری فقط بین دو نفر</a:t>
-            </a:r>
+              <a:t> بخش مربوط به برقراری تماس تصویری فقط بین دو </a:t>
+            </a:r>
+            <a:r>
+              <a:rPr lang="fa-IR" sz="1400" dirty="0" smtClean="0">
+                <a:cs typeface="B Nazanin" pitchFamily="2" charset="-78"/>
+              </a:rPr>
+              <a:t>نفر </a:t>
+            </a:r>
+            <a:r>
+              <a:rPr lang="fa-IR" sz="1400" dirty="0" smtClean="0">
+                <a:cs typeface="B Nazanin" pitchFamily="2" charset="-78"/>
+                <a:hlinkClick r:id="rId3" action="ppaction://hlinksldjump"/>
+              </a:rPr>
+              <a:t>(بیشتر)</a:t>
+            </a:r>
+            <a:endParaRPr lang="fa-IR" sz="1400" dirty="0">
+              <a:cs typeface="B Nazanin" pitchFamily="2" charset="-78"/>
+            </a:endParaRPr>
           </a:p>
           <a:p>
             <a:pPr algn="just" rtl="1"/>
@@ -14288,8 +14326,24 @@
               <a:rPr lang="fa-IR" sz="1400" dirty="0">
                 <a:cs typeface="B Nazanin" pitchFamily="2" charset="-78"/>
               </a:rPr>
-              <a:t>بخش مربوط به تشکیل جلسه‌ی چند نفره و یا حضور فرد در چنین جلسه</a:t>
-            </a:r>
+              <a:t>بخش مربوط به تشکیل جلسه‌ی چند نفره و یا حضور فرد در چنین </a:t>
+            </a:r>
+            <a:r>
+              <a:rPr lang="fa-IR" sz="1400" dirty="0" smtClean="0">
+                <a:cs typeface="B Nazanin" pitchFamily="2" charset="-78"/>
+              </a:rPr>
+              <a:t>جلسه </a:t>
+            </a:r>
+            <a:r>
+              <a:rPr lang="fa-IR" sz="1400" dirty="0" smtClean="0">
+                <a:cs typeface="B Nazanin" pitchFamily="2" charset="-78"/>
+                <a:hlinkClick r:id="rId4" action="ppaction://hlinksldjump"/>
+              </a:rPr>
+              <a:t>(بیشتر)</a:t>
+            </a:r>
+            <a:endParaRPr lang="fa-IR" sz="1400" dirty="0">
+              <a:cs typeface="B Nazanin" pitchFamily="2" charset="-78"/>
+            </a:endParaRPr>
           </a:p>
           <a:p>
             <a:pPr algn="just" rtl="1"/>
@@ -14313,8 +14367,36 @@
               <a:rPr lang="fa-IR" sz="1400" dirty="0">
                 <a:cs typeface="B Nazanin" pitchFamily="2" charset="-78"/>
               </a:rPr>
-              <a:t> بخش مربوط به تماس‌های خاص (تماس به شماره افراد، تماس بین سازمانی و تماس با دستگاه‌های قدیمی)</a:t>
-            </a:r>
+              <a:t> بخش مربوط به تماس‌های خاص </a:t>
+            </a:r>
+            <a:r>
+              <a:rPr lang="fa-IR" sz="1400" dirty="0" smtClean="0">
+                <a:cs typeface="B Nazanin" pitchFamily="2" charset="-78"/>
+              </a:rPr>
+              <a:t>شامل تماس </a:t>
+            </a:r>
+            <a:r>
+              <a:rPr lang="fa-IR" sz="1400" dirty="0">
+                <a:cs typeface="B Nazanin" pitchFamily="2" charset="-78"/>
+              </a:rPr>
+              <a:t>به شماره افراد، تماس بین سازمانی و تماس با دستگاه‌های </a:t>
+            </a:r>
+            <a:r>
+              <a:rPr lang="fa-IR" sz="1400" dirty="0" smtClean="0">
+                <a:cs typeface="B Nazanin" pitchFamily="2" charset="-78"/>
+              </a:rPr>
+              <a:t>قدیمی </a:t>
+            </a:r>
+            <a:r>
+              <a:rPr lang="fa-IR" sz="1400" dirty="0" smtClean="0">
+                <a:cs typeface="B Nazanin" pitchFamily="2" charset="-78"/>
+                <a:hlinkClick r:id="rId5" action="ppaction://hlinksldjump"/>
+              </a:rPr>
+              <a:t>(بیشتر)</a:t>
+            </a:r>
+            <a:endParaRPr lang="fa-IR" sz="1400" dirty="0">
+              <a:cs typeface="B Nazanin" pitchFamily="2" charset="-78"/>
+            </a:endParaRPr>
           </a:p>
           <a:p>
             <a:pPr algn="just" rtl="1"/>
@@ -14347,8 +14429,24 @@
               <a:rPr lang="fa-IR" sz="1400" dirty="0">
                 <a:cs typeface="B Nazanin" pitchFamily="2" charset="-78"/>
               </a:rPr>
-              <a:t>بخش مربوط به تنظیمات نرم افزار</a:t>
-            </a:r>
+              <a:t>بخش مربوط به تنظیمات نرم </a:t>
+            </a:r>
+            <a:r>
+              <a:rPr lang="fa-IR" sz="1400" dirty="0" smtClean="0">
+                <a:cs typeface="B Nazanin" pitchFamily="2" charset="-78"/>
+              </a:rPr>
+              <a:t>افزار </a:t>
+            </a:r>
+            <a:r>
+              <a:rPr lang="fa-IR" sz="1400" dirty="0" smtClean="0">
+                <a:cs typeface="B Nazanin" pitchFamily="2" charset="-78"/>
+                <a:hlinkClick r:id="rId6" action="ppaction://hlinksldjump"/>
+              </a:rPr>
+              <a:t>(بیشتر)</a:t>
+            </a:r>
+            <a:endParaRPr lang="fa-IR" sz="1400" dirty="0">
+              <a:cs typeface="B Nazanin" pitchFamily="2" charset="-78"/>
+            </a:endParaRPr>
           </a:p>
           <a:p>
             <a:pPr algn="just" rtl="1"/>
@@ -14370,8 +14468,17 @@
               <a:rPr lang="fa-IR" sz="1400" dirty="0">
                 <a:cs typeface="B Nazanin" pitchFamily="2" charset="-78"/>
               </a:rPr>
-              <a:t>کیفیت ارتباط شبکه‌تان با مرکز داده‌ی شوکا در هر لحظه توسط این آنتن کوچک نمایش داده می‌شود.</a:t>
-            </a:r>
+              <a:t>کیفیت ارتباط شبکه‌تان با مرکز داده‌ی شوکا در هر لحظه توسط این آنتن کوچک نمایش داده می‌شود</a:t>
+            </a:r>
+            <a:r>
+              <a:rPr lang="fa-IR" sz="1400" dirty="0" smtClean="0">
+                <a:cs typeface="B Nazanin" pitchFamily="2" charset="-78"/>
+              </a:rPr>
+              <a:t>.</a:t>
+            </a:r>
+            <a:endParaRPr lang="fa-IR" sz="1400" dirty="0">
+              <a:cs typeface="B Nazanin" pitchFamily="2" charset="-78"/>
+            </a:endParaRPr>
           </a:p>
           <a:p>
             <a:pPr algn="just" rtl="1"/>
@@ -14393,8 +14500,24 @@
               <a:rPr lang="fa-IR" sz="1400" dirty="0">
                 <a:cs typeface="B Nazanin" pitchFamily="2" charset="-78"/>
               </a:rPr>
-              <a:t>برای اطمینان یافتن از صحت کارکرد میکروفون، بلندگو و دوربین‌تان بر روی این قسمت کلیک کنید.</a:t>
-            </a:r>
+              <a:t>برای اطمینان یافتن از صحت کارکرد میکروفون، بلندگو و دوربین‌تان بر روی این قسمت کلیک کنید</a:t>
+            </a:r>
+            <a:r>
+              <a:rPr lang="fa-IR" sz="1400" dirty="0" smtClean="0">
+                <a:cs typeface="B Nazanin" pitchFamily="2" charset="-78"/>
+              </a:rPr>
+              <a:t>. </a:t>
+            </a:r>
+            <a:r>
+              <a:rPr lang="fa-IR" sz="1400" dirty="0" smtClean="0">
+                <a:cs typeface="B Nazanin" pitchFamily="2" charset="-78"/>
+                <a:hlinkClick r:id="rId7" action="ppaction://hlinksldjump"/>
+              </a:rPr>
+              <a:t>(بیشتر)</a:t>
+            </a:r>
+            <a:endParaRPr lang="fa-IR" sz="1400" dirty="0">
+              <a:cs typeface="B Nazanin" pitchFamily="2" charset="-78"/>
+            </a:endParaRPr>
           </a:p>
           <a:p>
             <a:pPr algn="just" rtl="1"/>
@@ -14416,8 +14539,24 @@
               <a:rPr lang="fa-IR" sz="1400" dirty="0">
                 <a:cs typeface="B Nazanin" pitchFamily="2" charset="-78"/>
               </a:rPr>
-              <a:t>اگر در حین کار با نرم افزار به خطایی برخوردید، بر روی این قسمت کلیک کنید تا به صورت خودکار ایمیلی برای پشتیبان ارسال و مشکل پیگیری شود.</a:t>
-            </a:r>
+              <a:t>اگر در حین کار با نرم افزار به خطایی برخوردید، بر روی این قسمت کلیک کنید تا به صورت خودکار ایمیلی برای پشتیبان ارسال و مشکل پیگیری شود</a:t>
+            </a:r>
+            <a:r>
+              <a:rPr lang="fa-IR" sz="1400" dirty="0" smtClean="0">
+                <a:cs typeface="B Nazanin" pitchFamily="2" charset="-78"/>
+              </a:rPr>
+              <a:t>. </a:t>
+            </a:r>
+            <a:r>
+              <a:rPr lang="fa-IR" sz="1400" dirty="0" smtClean="0">
+                <a:cs typeface="B Nazanin" pitchFamily="2" charset="-78"/>
+                <a:hlinkClick r:id="rId8" action="ppaction://hlinksldjump"/>
+              </a:rPr>
+              <a:t>(بیشتر)</a:t>
+            </a:r>
+            <a:endParaRPr lang="fa-IR" sz="1400" dirty="0">
+              <a:cs typeface="B Nazanin" pitchFamily="2" charset="-78"/>
+            </a:endParaRPr>
           </a:p>
         </p:txBody>
       </p:sp>
@@ -24277,8 +24416,17 @@
               <a:rPr lang="fa-IR" sz="1400" dirty="0">
                 <a:cs typeface="B Nazanin" pitchFamily="2" charset="-78"/>
               </a:rPr>
-              <a:t>هر سطر در این لیست، شامل نام و آیکون فرد است. برای تماس با هر فرد روی سطرش کلیک کنید. آیکون هر فرد نیز وضعیت فعلی وی (آفلاین، آنلاین، مشغول کنفرانس و ... ) را نشان می دهد.</a:t>
-            </a:r>
+              <a:t>هر سطر در این لیست، شامل نام و آیکون فرد است. برای تماس با هر فرد روی سطرش کلیک کنید. آیکون هر فرد نیز وضعیت فعلی وی (آفلاین، آنلاین، مشغول کنفرانس و ... ) را نشان می دهد</a:t>
+            </a:r>
+            <a:r>
+              <a:rPr lang="fa-IR" sz="1400" dirty="0" smtClean="0">
+                <a:cs typeface="B Nazanin" pitchFamily="2" charset="-78"/>
+              </a:rPr>
+              <a:t>. (تمامی </a:t>
+            </a:r>
+            <a:endParaRPr lang="fa-IR" sz="1400" dirty="0">
+              <a:cs typeface="B Nazanin" pitchFamily="2" charset="-78"/>
+            </a:endParaRPr>
           </a:p>
         </p:txBody>
       </p:sp>
@@ -27135,34 +27283,7 @@
                 </a:solidFill>
                 <a:cs typeface="B Titr" pitchFamily="2" charset="-78"/>
               </a:rPr>
-              <a:t>پنجره تست </a:t>
-            </a:r>
-            <a:r>
-              <a:rPr lang="fa-IR" sz="2800" dirty="0" smtClean="0">
-                <a:solidFill>
-                  <a:srgbClr val="0070C0"/>
-                </a:solidFill>
-                <a:cs typeface="B Titr" pitchFamily="2" charset="-78"/>
-              </a:rPr>
-              <a:t>دستگا</a:t>
-            </a:r>
-            <a:r>
-              <a:rPr lang="fa-IR" sz="2800" dirty="0" smtClean="0">
-                <a:solidFill>
-                  <a:srgbClr val="0070C0"/>
-                </a:solidFill>
-                <a:cs typeface="B Titr" pitchFamily="2" charset="-78"/>
-              </a:rPr>
-              <a:t>ه‌</a:t>
-            </a:r>
-            <a:r>
-              <a:rPr lang="fa-IR" sz="2800" dirty="0" smtClean="0">
-                <a:solidFill>
-                  <a:srgbClr val="0070C0"/>
-                </a:solidFill>
-                <a:cs typeface="B Titr" pitchFamily="2" charset="-78"/>
-              </a:rPr>
-              <a:t>های صوتی</a:t>
+              <a:t>پنجره تست دستگاه‌های صوتی</a:t>
             </a:r>
             <a:endParaRPr lang="en-US" sz="2800" dirty="0"/>
           </a:p>
@@ -27628,19 +27749,7 @@
               <a:rPr lang="fa-IR" sz="1400" dirty="0" smtClean="0">
                 <a:cs typeface="B Nazanin" pitchFamily="2" charset="-78"/>
               </a:rPr>
-              <a:t>جهت تست </a:t>
-            </a:r>
-            <a:r>
-              <a:rPr lang="fa-IR" sz="1400" dirty="0" smtClean="0">
-                <a:cs typeface="B Nazanin" pitchFamily="2" charset="-78"/>
-              </a:rPr>
-              <a:t>میکروفن، روی این دکمه کلیک </a:t>
-            </a:r>
-            <a:r>
-              <a:rPr lang="fa-IR" sz="1400" dirty="0" smtClean="0">
-                <a:cs typeface="B Nazanin" pitchFamily="2" charset="-78"/>
-              </a:rPr>
-              <a:t>کنید تا صدایتان ضبط شود. سپس شروع به صحبت کنید و چند لحظه بعد، دوباره روی همین دکمه کلیک کنید تا صدای ضبط شده‌تان را بشنوید و از صحت ارتباط میکروفون و بلندگو اطمینان یابید.</a:t>
+              <a:t>جهت تست میکروفن، روی این دکمه کلیک کنید تا صدایتان ضبط شود. سپس شروع به صحبت کنید و چند لحظه بعد، دوباره روی همین دکمه کلیک کنید تا صدای ضبط شده‌تان را بشنوید و از صحت ارتباط میکروفون و بلندگو اطمینان یابید.</a:t>
             </a:r>
           </a:p>
           <a:p>
@@ -27663,43 +27772,7 @@
               <a:rPr lang="fa-IR" sz="1400" dirty="0" smtClean="0">
                 <a:cs typeface="B Nazanin" pitchFamily="2" charset="-78"/>
               </a:rPr>
-              <a:t> اگر میکروفون سالم باشد، شدت صدای دریافتی میکروفن </a:t>
-            </a:r>
-            <a:r>
-              <a:rPr lang="fa-IR" sz="1400" dirty="0" smtClean="0">
-                <a:cs typeface="B Nazanin" pitchFamily="2" charset="-78"/>
-              </a:rPr>
-              <a:t>در </a:t>
-            </a:r>
-            <a:r>
-              <a:rPr lang="fa-IR" sz="1400" dirty="0" smtClean="0">
-                <a:cs typeface="B Nazanin" pitchFamily="2" charset="-78"/>
-              </a:rPr>
-              <a:t>هر لحظه </a:t>
-            </a:r>
-            <a:r>
-              <a:rPr lang="fa-IR" sz="1400" dirty="0" smtClean="0">
-                <a:cs typeface="B Nazanin" pitchFamily="2" charset="-78"/>
-              </a:rPr>
-              <a:t>را در این </a:t>
-            </a:r>
-            <a:r>
-              <a:rPr lang="fa-IR" sz="1400" dirty="0" smtClean="0">
-                <a:cs typeface="B Nazanin" pitchFamily="2" charset="-78"/>
-              </a:rPr>
-              <a:t>نوار </a:t>
-            </a:r>
-            <a:r>
-              <a:rPr lang="fa-IR" sz="1400" dirty="0" smtClean="0">
-                <a:cs typeface="B Nazanin" pitchFamily="2" charset="-78"/>
-              </a:rPr>
-              <a:t>می‌بینید</a:t>
-            </a:r>
-            <a:r>
-              <a:rPr lang="fa-IR" sz="1400" dirty="0" smtClean="0">
-                <a:cs typeface="B Nazanin" pitchFamily="2" charset="-78"/>
-              </a:rPr>
-              <a:t>. </a:t>
+              <a:t> اگر میکروفون سالم باشد، شدت صدای دریافتی میکروفن در هر لحظه را در این نوار می‌بینید. </a:t>
             </a:r>
           </a:p>
           <a:p>
@@ -27724,19 +27797,7 @@
               <a:rPr lang="fa-IR" sz="1400" dirty="0" smtClean="0">
                 <a:cs typeface="B Nazanin" pitchFamily="2" charset="-78"/>
               </a:rPr>
-              <a:t>برای تست مجزای بلندگو، </a:t>
-            </a:r>
-            <a:r>
-              <a:rPr lang="fa-IR" sz="1400" dirty="0" smtClean="0">
-                <a:cs typeface="B Nazanin" pitchFamily="2" charset="-78"/>
-              </a:rPr>
-              <a:t>روی این دکمه </a:t>
-            </a:r>
-            <a:r>
-              <a:rPr lang="fa-IR" sz="1400" dirty="0" smtClean="0">
-                <a:cs typeface="B Nazanin" pitchFamily="2" charset="-78"/>
-              </a:rPr>
-              <a:t>کلیک کنید. اگر صدای زنگ نرم افزار را شنیدید، یعنی بلندگویتان سالم است.</a:t>
+              <a:t>برای تست مجزای بلندگو، روی این دکمه کلیک کنید. اگر صدای زنگ نرم افزار را شنیدید، یعنی بلندگویتان سالم است.</a:t>
             </a:r>
           </a:p>
           <a:p>
@@ -27770,17 +27831,8 @@
               <a:rPr lang="fa-IR" sz="1400" dirty="0" smtClean="0">
                 <a:cs typeface="B Nazanin" pitchFamily="2" charset="-78"/>
               </a:rPr>
-              <a:t>بستن </a:t>
-            </a:r>
-            <a:r>
-              <a:rPr lang="fa-IR" sz="1400" dirty="0" smtClean="0">
-                <a:cs typeface="B Nazanin" pitchFamily="2" charset="-78"/>
-              </a:rPr>
-              <a:t>پنجره</a:t>
-            </a:r>
-            <a:endParaRPr lang="fa-IR" sz="1400" dirty="0" smtClean="0">
-              <a:cs typeface="B Nazanin" pitchFamily="2" charset="-78"/>
-            </a:endParaRPr>
+              <a:t>بستن پنجره</a:t>
+            </a:r>
           </a:p>
         </p:txBody>
       </p:sp>
@@ -27816,34 +27868,7 @@
                 </a:solidFill>
                 <a:cs typeface="B Nazanin" pitchFamily="2" charset="-78"/>
               </a:rPr>
-              <a:t>اگر </a:t>
-            </a:r>
-            <a:r>
-              <a:rPr lang="fa-IR" sz="1400" b="1" dirty="0" smtClean="0">
-                <a:solidFill>
-                  <a:srgbClr val="7030A0"/>
-                </a:solidFill>
-                <a:cs typeface="B Nazanin" pitchFamily="2" charset="-78"/>
-              </a:rPr>
-              <a:t>در </a:t>
-            </a:r>
-            <a:r>
-              <a:rPr lang="fa-IR" sz="1400" b="1" dirty="0" smtClean="0">
-                <a:solidFill>
-                  <a:srgbClr val="7030A0"/>
-                </a:solidFill>
-                <a:cs typeface="B Nazanin" pitchFamily="2" charset="-78"/>
-              </a:rPr>
-              <a:t>این بخش </a:t>
-            </a:r>
-            <a:r>
-              <a:rPr lang="fa-IR" sz="1400" b="1" dirty="0" smtClean="0">
-                <a:solidFill>
-                  <a:srgbClr val="7030A0"/>
-                </a:solidFill>
-                <a:cs typeface="B Nazanin" pitchFamily="2" charset="-78"/>
-              </a:rPr>
-              <a:t>میکروفون یا بلندگو کار نمی‌کنند</a:t>
+              <a:t>اگر در این بخش میکروفون یا بلندگو کار نمی‌کنند</a:t>
             </a:r>
             <a:r>
               <a:rPr lang="fa-IR" sz="1400" dirty="0" smtClean="0">
@@ -27858,13 +27883,7 @@
               <a:rPr lang="fa-IR" sz="1400" dirty="0" smtClean="0">
                 <a:cs typeface="B Nazanin" pitchFamily="2" charset="-78"/>
               </a:rPr>
-              <a:t>اتصالات </a:t>
-            </a:r>
-            <a:r>
-              <a:rPr lang="fa-IR" sz="1400" dirty="0" smtClean="0">
-                <a:cs typeface="B Nazanin" pitchFamily="2" charset="-78"/>
-              </a:rPr>
-              <a:t>سخت افزاری </a:t>
+              <a:t>اتصالات سخت افزاری </a:t>
             </a:r>
             <a:r>
               <a:rPr lang="fa-IR" sz="1400" dirty="0">
@@ -27876,19 +27895,7 @@
               <a:rPr lang="fa-IR" sz="1400" dirty="0" smtClean="0">
                 <a:cs typeface="B Nazanin" pitchFamily="2" charset="-78"/>
               </a:rPr>
-              <a:t>ا نصب نرم‌افزاری </a:t>
-            </a:r>
-            <a:r>
-              <a:rPr lang="fa-IR" sz="1400" dirty="0" smtClean="0">
-                <a:cs typeface="B Nazanin" pitchFamily="2" charset="-78"/>
-              </a:rPr>
-              <a:t>دوربین را </a:t>
-            </a:r>
-            <a:r>
-              <a:rPr lang="fa-IR" sz="1400" dirty="0" smtClean="0">
-                <a:cs typeface="B Nazanin" pitchFamily="2" charset="-78"/>
-              </a:rPr>
-              <a:t>بررسی کنید.</a:t>
+              <a:t>ا نصب نرم‌افزاری دوربین را بررسی کنید.</a:t>
             </a:r>
           </a:p>
           <a:p>
@@ -27909,34 +27916,7 @@
                 </a:solidFill>
                 <a:cs typeface="B Nazanin" pitchFamily="2" charset="-78"/>
               </a:rPr>
-              <a:t>اگر </a:t>
-            </a:r>
-            <a:r>
-              <a:rPr lang="fa-IR" sz="1400" b="1" dirty="0" smtClean="0">
-                <a:solidFill>
-                  <a:srgbClr val="7030A0"/>
-                </a:solidFill>
-                <a:cs typeface="B Nazanin" pitchFamily="2" charset="-78"/>
-              </a:rPr>
-              <a:t>در این بخش میکروفن و بلندگو کار می‌کنند اما </a:t>
-            </a:r>
-            <a:r>
-              <a:rPr lang="fa-IR" sz="1400" b="1" dirty="0" smtClean="0">
-                <a:solidFill>
-                  <a:srgbClr val="7030A0"/>
-                </a:solidFill>
-                <a:cs typeface="B Nazanin" pitchFamily="2" charset="-78"/>
-              </a:rPr>
-              <a:t>در حین کنفرانس </a:t>
-            </a:r>
-            <a:r>
-              <a:rPr lang="fa-IR" sz="1400" b="1" dirty="0" smtClean="0">
-                <a:solidFill>
-                  <a:srgbClr val="7030A0"/>
-                </a:solidFill>
-                <a:cs typeface="B Nazanin" pitchFamily="2" charset="-78"/>
-              </a:rPr>
-              <a:t>کار نمی‌کنند</a:t>
+              <a:t>اگر در این بخش میکروفن و بلندگو کار می‌کنند اما در حین کنفرانس کار نمی‌کنند</a:t>
             </a:r>
             <a:r>
               <a:rPr lang="fa-IR" sz="1400" dirty="0" smtClean="0">
@@ -27951,25 +27931,7 @@
               <a:rPr lang="fa-IR" sz="1400" dirty="0" smtClean="0">
                 <a:cs typeface="B Nazanin" pitchFamily="2" charset="-78"/>
               </a:rPr>
-              <a:t> وارد </a:t>
-            </a:r>
-            <a:r>
-              <a:rPr lang="fa-IR" sz="1400" dirty="0" smtClean="0">
-                <a:cs typeface="B Nazanin" pitchFamily="2" charset="-78"/>
-              </a:rPr>
-              <a:t>سربرگ تنظیمات شوید چرا که </a:t>
-            </a:r>
-            <a:r>
-              <a:rPr lang="fa-IR" sz="1400" dirty="0" smtClean="0">
-                <a:cs typeface="B Nazanin" pitchFamily="2" charset="-78"/>
-              </a:rPr>
-              <a:t>شاید دوربین دیگری انتخاب نشده </a:t>
-            </a:r>
-            <a:r>
-              <a:rPr lang="fa-IR" sz="1400" dirty="0" smtClean="0">
-                <a:cs typeface="B Nazanin" pitchFamily="2" charset="-78"/>
-              </a:rPr>
-              <a:t>باشد.</a:t>
+              <a:t> وارد سربرگ تنظیمات شوید چرا که شاید دوربین دیگری انتخاب نشده باشد.</a:t>
             </a:r>
           </a:p>
         </p:txBody>
@@ -28079,16 +28041,7 @@
                 </a:solidFill>
                 <a:cs typeface="B Titr" pitchFamily="2" charset="-78"/>
               </a:rPr>
-              <a:t>پنجره تست </a:t>
-            </a:r>
-            <a:r>
-              <a:rPr lang="fa-IR" sz="2800" dirty="0" smtClean="0">
-                <a:solidFill>
-                  <a:srgbClr val="0070C0"/>
-                </a:solidFill>
-                <a:cs typeface="B Titr" pitchFamily="2" charset="-78"/>
-              </a:rPr>
-              <a:t>دستگاه‌های تصویری</a:t>
+              <a:t>پنجره تست دستگاه‌های تصویری</a:t>
             </a:r>
             <a:endParaRPr lang="en-US" sz="2800" dirty="0"/>
           </a:p>
@@ -28386,19 +28339,7 @@
               <a:rPr lang="fa-IR" sz="1400" dirty="0" smtClean="0">
                 <a:cs typeface="B Nazanin" pitchFamily="2" charset="-78"/>
               </a:rPr>
-              <a:t>با کلیک </a:t>
-            </a:r>
-            <a:r>
-              <a:rPr lang="fa-IR" sz="1400" dirty="0" smtClean="0">
-                <a:cs typeface="B Nazanin" pitchFamily="2" charset="-78"/>
-              </a:rPr>
-              <a:t>روی </a:t>
-            </a:r>
-            <a:r>
-              <a:rPr lang="fa-IR" sz="1400" dirty="0" smtClean="0">
-                <a:cs typeface="B Nazanin" pitchFamily="2" charset="-78"/>
-              </a:rPr>
-              <a:t>این دکمه، ویدئوی دریافتی ویندوز از دوربین، در پنجره زیرین نمایش داده می‌شود.</a:t>
+              <a:t>با کلیک روی این دکمه، ویدئوی دریافتی ویندوز از دوربین، در پنجره زیرین نمایش داده می‌شود.</a:t>
             </a:r>
           </a:p>
           <a:p>
@@ -28429,13 +28370,7 @@
               <a:rPr lang="fa-IR" sz="1400" dirty="0" smtClean="0">
                 <a:cs typeface="B Nazanin" pitchFamily="2" charset="-78"/>
               </a:rPr>
-              <a:t>پنجره نمایش ویدئوی </a:t>
-            </a:r>
-            <a:r>
-              <a:rPr lang="fa-IR" sz="1400" dirty="0" smtClean="0">
-                <a:cs typeface="B Nazanin" pitchFamily="2" charset="-78"/>
-              </a:rPr>
-              <a:t>دوربین</a:t>
+              <a:t>پنجره نمایش ویدئوی دوربین</a:t>
             </a:r>
             <a:endParaRPr lang="en-US" sz="1400" dirty="0" smtClean="0">
               <a:cs typeface="B Nazanin" pitchFamily="2" charset="-78"/>
@@ -28695,34 +28630,7 @@
                 </a:solidFill>
                 <a:cs typeface="B Nazanin" pitchFamily="2" charset="-78"/>
               </a:rPr>
-              <a:t>اگر </a:t>
-            </a:r>
-            <a:r>
-              <a:rPr lang="fa-IR" sz="1400" b="1" dirty="0" smtClean="0">
-                <a:solidFill>
-                  <a:srgbClr val="7030A0"/>
-                </a:solidFill>
-                <a:cs typeface="B Nazanin" pitchFamily="2" charset="-78"/>
-              </a:rPr>
-              <a:t>در </a:t>
-            </a:r>
-            <a:r>
-              <a:rPr lang="fa-IR" sz="1400" b="1" dirty="0" smtClean="0">
-                <a:solidFill>
-                  <a:srgbClr val="7030A0"/>
-                </a:solidFill>
-                <a:cs typeface="B Nazanin" pitchFamily="2" charset="-78"/>
-              </a:rPr>
-              <a:t>این بخش </a:t>
-            </a:r>
-            <a:r>
-              <a:rPr lang="fa-IR" sz="1400" b="1" dirty="0" smtClean="0">
-                <a:solidFill>
-                  <a:srgbClr val="7030A0"/>
-                </a:solidFill>
-                <a:cs typeface="B Nazanin" pitchFamily="2" charset="-78"/>
-              </a:rPr>
-              <a:t>تصویر دوربین را ندارید</a:t>
+              <a:t>اگر در این بخش تصویر دوربین را ندارید</a:t>
             </a:r>
             <a:r>
               <a:rPr lang="fa-IR" sz="1400" dirty="0" smtClean="0">
@@ -28737,13 +28645,7 @@
               <a:rPr lang="fa-IR" sz="1400" dirty="0" smtClean="0">
                 <a:cs typeface="B Nazanin" pitchFamily="2" charset="-78"/>
               </a:rPr>
-              <a:t>اتصالات </a:t>
-            </a:r>
-            <a:r>
-              <a:rPr lang="fa-IR" sz="1400" dirty="0" smtClean="0">
-                <a:cs typeface="B Nazanin" pitchFamily="2" charset="-78"/>
-              </a:rPr>
-              <a:t>سخت افزاری </a:t>
+              <a:t>اتصالات سخت افزاری </a:t>
             </a:r>
             <a:r>
               <a:rPr lang="fa-IR" sz="1400" dirty="0">
@@ -28755,19 +28657,7 @@
               <a:rPr lang="fa-IR" sz="1400" dirty="0" smtClean="0">
                 <a:cs typeface="B Nazanin" pitchFamily="2" charset="-78"/>
               </a:rPr>
-              <a:t>ا نصب نرم‌افزاری </a:t>
-            </a:r>
-            <a:r>
-              <a:rPr lang="fa-IR" sz="1400" dirty="0" smtClean="0">
-                <a:cs typeface="B Nazanin" pitchFamily="2" charset="-78"/>
-              </a:rPr>
-              <a:t>دوربین را </a:t>
-            </a:r>
-            <a:r>
-              <a:rPr lang="fa-IR" sz="1400" dirty="0" smtClean="0">
-                <a:cs typeface="B Nazanin" pitchFamily="2" charset="-78"/>
-              </a:rPr>
-              <a:t>بررسی کنید.</a:t>
+              <a:t>ا نصب نرم‌افزاری دوربین را بررسی کنید.</a:t>
             </a:r>
           </a:p>
           <a:p>
@@ -28788,34 +28678,7 @@
                 </a:solidFill>
                 <a:cs typeface="B Nazanin" pitchFamily="2" charset="-78"/>
               </a:rPr>
-              <a:t>اگر </a:t>
-            </a:r>
-            <a:r>
-              <a:rPr lang="fa-IR" sz="1400" b="1" dirty="0" smtClean="0">
-                <a:solidFill>
-                  <a:srgbClr val="7030A0"/>
-                </a:solidFill>
-                <a:cs typeface="B Nazanin" pitchFamily="2" charset="-78"/>
-              </a:rPr>
-              <a:t>در این بخش تصویر دوربین را دارید </a:t>
-            </a:r>
-            <a:r>
-              <a:rPr lang="fa-IR" sz="1400" b="1" dirty="0" smtClean="0">
-                <a:solidFill>
-                  <a:srgbClr val="7030A0"/>
-                </a:solidFill>
-                <a:cs typeface="B Nazanin" pitchFamily="2" charset="-78"/>
-              </a:rPr>
-              <a:t>اما در حین کنفرانس </a:t>
-            </a:r>
-            <a:r>
-              <a:rPr lang="fa-IR" sz="1400" b="1" dirty="0" smtClean="0">
-                <a:solidFill>
-                  <a:srgbClr val="7030A0"/>
-                </a:solidFill>
-                <a:cs typeface="B Nazanin" pitchFamily="2" charset="-78"/>
-              </a:rPr>
-              <a:t>ندارید</a:t>
+              <a:t>اگر در این بخش تصویر دوربین را دارید اما در حین کنفرانس ندارید</a:t>
             </a:r>
             <a:r>
               <a:rPr lang="fa-IR" sz="1400" dirty="0" smtClean="0">
@@ -28830,25 +28693,7 @@
               <a:rPr lang="fa-IR" sz="1400" dirty="0" smtClean="0">
                 <a:cs typeface="B Nazanin" pitchFamily="2" charset="-78"/>
               </a:rPr>
-              <a:t> وارد </a:t>
-            </a:r>
-            <a:r>
-              <a:rPr lang="fa-IR" sz="1400" dirty="0" smtClean="0">
-                <a:cs typeface="B Nazanin" pitchFamily="2" charset="-78"/>
-              </a:rPr>
-              <a:t>سربرگ تنظیمات شوید چرا که </a:t>
-            </a:r>
-            <a:r>
-              <a:rPr lang="fa-IR" sz="1400" dirty="0" smtClean="0">
-                <a:cs typeface="B Nazanin" pitchFamily="2" charset="-78"/>
-              </a:rPr>
-              <a:t>شاید دوربین دیگری انتخاب نشده </a:t>
-            </a:r>
-            <a:r>
-              <a:rPr lang="fa-IR" sz="1400" dirty="0" smtClean="0">
-                <a:cs typeface="B Nazanin" pitchFamily="2" charset="-78"/>
-              </a:rPr>
-              <a:t>باشد.</a:t>
+              <a:t> وارد سربرگ تنظیمات شوید چرا که شاید دوربین دیگری انتخاب نشده باشد.</a:t>
             </a:r>
           </a:p>
         </p:txBody>

--- a/ShookaDesktop Guide - Farsi.pptx
+++ b/ShookaDesktop Guide - Farsi.pptx
@@ -313,7 +313,7 @@
           <a:p>
             <a:fld id="{F32E560B-4F83-45FF-AAA0-7CF2EC396768}" type="datetimeFigureOut">
               <a:rPr lang="en-US" smtClean="0"/>
-              <a:t>7/26/2014</a:t>
+              <a:t>7/27/2014</a:t>
             </a:fld>
             <a:endParaRPr lang="en-US"/>
           </a:p>
@@ -483,7 +483,7 @@
           <a:p>
             <a:fld id="{F32E560B-4F83-45FF-AAA0-7CF2EC396768}" type="datetimeFigureOut">
               <a:rPr lang="en-US" smtClean="0"/>
-              <a:t>7/26/2014</a:t>
+              <a:t>7/27/2014</a:t>
             </a:fld>
             <a:endParaRPr lang="en-US"/>
           </a:p>
@@ -663,7 +663,7 @@
           <a:p>
             <a:fld id="{F32E560B-4F83-45FF-AAA0-7CF2EC396768}" type="datetimeFigureOut">
               <a:rPr lang="en-US" smtClean="0"/>
-              <a:t>7/26/2014</a:t>
+              <a:t>7/27/2014</a:t>
             </a:fld>
             <a:endParaRPr lang="en-US"/>
           </a:p>
@@ -833,7 +833,7 @@
           <a:p>
             <a:fld id="{F32E560B-4F83-45FF-AAA0-7CF2EC396768}" type="datetimeFigureOut">
               <a:rPr lang="en-US" smtClean="0"/>
-              <a:t>7/26/2014</a:t>
+              <a:t>7/27/2014</a:t>
             </a:fld>
             <a:endParaRPr lang="en-US"/>
           </a:p>
@@ -1079,7 +1079,7 @@
           <a:p>
             <a:fld id="{F32E560B-4F83-45FF-AAA0-7CF2EC396768}" type="datetimeFigureOut">
               <a:rPr lang="en-US" smtClean="0"/>
-              <a:t>7/26/2014</a:t>
+              <a:t>7/27/2014</a:t>
             </a:fld>
             <a:endParaRPr lang="en-US"/>
           </a:p>
@@ -1367,7 +1367,7 @@
           <a:p>
             <a:fld id="{F32E560B-4F83-45FF-AAA0-7CF2EC396768}" type="datetimeFigureOut">
               <a:rPr lang="en-US" smtClean="0"/>
-              <a:t>7/26/2014</a:t>
+              <a:t>7/27/2014</a:t>
             </a:fld>
             <a:endParaRPr lang="en-US"/>
           </a:p>
@@ -1789,7 +1789,7 @@
           <a:p>
             <a:fld id="{F32E560B-4F83-45FF-AAA0-7CF2EC396768}" type="datetimeFigureOut">
               <a:rPr lang="en-US" smtClean="0"/>
-              <a:t>7/26/2014</a:t>
+              <a:t>7/27/2014</a:t>
             </a:fld>
             <a:endParaRPr lang="en-US"/>
           </a:p>
@@ -1907,7 +1907,7 @@
           <a:p>
             <a:fld id="{F32E560B-4F83-45FF-AAA0-7CF2EC396768}" type="datetimeFigureOut">
               <a:rPr lang="en-US" smtClean="0"/>
-              <a:t>7/26/2014</a:t>
+              <a:t>7/27/2014</a:t>
             </a:fld>
             <a:endParaRPr lang="en-US"/>
           </a:p>
@@ -2002,7 +2002,7 @@
           <a:p>
             <a:fld id="{F32E560B-4F83-45FF-AAA0-7CF2EC396768}" type="datetimeFigureOut">
               <a:rPr lang="en-US" smtClean="0"/>
-              <a:t>7/26/2014</a:t>
+              <a:t>7/27/2014</a:t>
             </a:fld>
             <a:endParaRPr lang="en-US"/>
           </a:p>
@@ -2279,7 +2279,7 @@
           <a:p>
             <a:fld id="{F32E560B-4F83-45FF-AAA0-7CF2EC396768}" type="datetimeFigureOut">
               <a:rPr lang="en-US" smtClean="0"/>
-              <a:t>7/26/2014</a:t>
+              <a:t>7/27/2014</a:t>
             </a:fld>
             <a:endParaRPr lang="en-US"/>
           </a:p>
@@ -2532,7 +2532,7 @@
           <a:p>
             <a:fld id="{F32E560B-4F83-45FF-AAA0-7CF2EC396768}" type="datetimeFigureOut">
               <a:rPr lang="en-US" smtClean="0"/>
-              <a:t>7/26/2014</a:t>
+              <a:t>7/27/2014</a:t>
             </a:fld>
             <a:endParaRPr lang="en-US"/>
           </a:p>
@@ -2745,7 +2745,7 @@
           <a:p>
             <a:fld id="{F32E560B-4F83-45FF-AAA0-7CF2EC396768}" type="datetimeFigureOut">
               <a:rPr lang="en-US" smtClean="0"/>
-              <a:t>7/26/2014</a:t>
+              <a:t>7/27/2014</a:t>
             </a:fld>
             <a:endParaRPr lang="en-US"/>
           </a:p>
@@ -3373,7 +3373,7 @@
         <p:spPr>
           <a:xfrm>
             <a:off x="5086597" y="1200149"/>
-            <a:ext cx="3657600" cy="2246769"/>
+            <a:ext cx="3657600" cy="2031325"/>
           </a:xfrm>
           <a:prstGeom prst="rect">
             <a:avLst/>
@@ -3518,16 +3518,6 @@
               </a:rPr>
               <a:t> </a:t>
             </a:r>
-            <a:r>
-              <a:rPr lang="fa-IR" sz="1400" dirty="0" smtClean="0">
-                <a:cs typeface="B Nazanin" pitchFamily="2" charset="-78"/>
-                <a:hlinkClick r:id="rId3" action="ppaction://hlinksldjump"/>
-              </a:rPr>
-              <a:t>(بیشتر)</a:t>
-            </a:r>
-            <a:endParaRPr lang="fa-IR" sz="1400" dirty="0">
-              <a:cs typeface="B Nazanin" pitchFamily="2" charset="-78"/>
-            </a:endParaRPr>
           </a:p>
         </p:txBody>
       </p:sp>
@@ -3689,7 +3679,7 @@
           <p:nvPr/>
         </p:nvPicPr>
         <p:blipFill>
-          <a:blip r:embed="rId4">
+          <a:blip r:embed="rId3">
             <a:extLst>
               <a:ext uri="{28A0092B-C50C-407E-A947-70E740481C1C}">
                 <a14:useLocalDpi xmlns:a14="http://schemas.microsoft.com/office/drawing/2010/main"/>
@@ -3757,7 +3747,7 @@
           <p:nvPr/>
         </p:nvPicPr>
         <p:blipFill>
-          <a:blip r:embed="rId4">
+          <a:blip r:embed="rId3">
             <a:extLst>
               <a:ext uri="{28A0092B-C50C-407E-A947-70E740481C1C}">
                 <a14:useLocalDpi xmlns:a14="http://schemas.microsoft.com/office/drawing/2010/main"/>
@@ -4413,7 +4403,7 @@
         </p:nvSpPr>
         <p:spPr>
           <a:xfrm>
-            <a:off x="1886792" y="4893091"/>
+            <a:off x="3474648" y="5696863"/>
             <a:ext cx="312906" cy="369332"/>
           </a:xfrm>
           <a:prstGeom prst="rect">
@@ -4442,14 +4432,14 @@
         <p:nvCxnSpPr>
           <p:cNvPr id="46" name="Straight Arrow Connector 45"/>
           <p:cNvCxnSpPr>
-            <a:stCxn id="45" idx="2"/>
+            <a:stCxn id="45" idx="1"/>
           </p:cNvCxnSpPr>
           <p:nvPr/>
         </p:nvCxnSpPr>
         <p:spPr>
-          <a:xfrm>
-            <a:off x="2043245" y="5262423"/>
-            <a:ext cx="0" cy="422565"/>
+          <a:xfrm flipH="1">
+            <a:off x="2895600" y="5881529"/>
+            <a:ext cx="579048" cy="0"/>
           </a:xfrm>
           <a:prstGeom prst="straightConnector1">
             <a:avLst/>
@@ -4708,7 +4698,7 @@
         <p:spPr>
           <a:xfrm>
             <a:off x="4025238" y="914400"/>
-            <a:ext cx="4763777" cy="5478423"/>
+            <a:ext cx="4763777" cy="5262979"/>
           </a:xfrm>
           <a:prstGeom prst="rect">
             <a:avLst/>
@@ -4733,41 +4723,13 @@
               <a:rPr lang="fa-IR" sz="1400" dirty="0" smtClean="0">
                 <a:cs typeface="B Nazanin" pitchFamily="2" charset="-78"/>
               </a:rPr>
-              <a:t>می‌خواهید در اتاق جلسه‌ی خودتان، جلسه ای برگزار کنید.</a:t>
-            </a:r>
-          </a:p>
-          <a:p>
-            <a:pPr algn="just" rtl="1"/>
-            <a:endParaRPr lang="en-US" sz="1400" dirty="0" smtClean="0">
-              <a:solidFill>
-                <a:srgbClr val="FF0000"/>
-              </a:solidFill>
-            </a:endParaRPr>
-          </a:p>
-          <a:p>
-            <a:pPr algn="just" rtl="1"/>
-            <a:r>
-              <a:rPr lang="fa-IR" sz="1400" dirty="0" smtClean="0">
-                <a:solidFill>
-                  <a:srgbClr val="FF0000"/>
-                </a:solidFill>
-              </a:rPr>
-              <a:t>2-</a:t>
-            </a:r>
-            <a:r>
-              <a:rPr lang="fa-IR" sz="1400" dirty="0" smtClean="0">
-                <a:solidFill>
-                  <a:srgbClr val="FF0000"/>
-                </a:solidFill>
-                <a:cs typeface="B Nazanin" pitchFamily="2" charset="-78"/>
-              </a:rPr>
-              <a:t> </a:t>
-            </a:r>
-            <a:r>
-              <a:rPr lang="fa-IR" sz="1400" dirty="0" smtClean="0">
-                <a:cs typeface="B Nazanin" pitchFamily="2" charset="-78"/>
-              </a:rPr>
-              <a:t>می‌خواهید وارد اتاق جلسه‌ی دیگران شوید تا در جلسه‌ای که در آن‌جا برگزار می‌شود، شرکت کنید.</a:t>
+              <a:t>می‌خواهید در اتاق جلسه‌ی خودتان، جلسه ای برگزار کنید</a:t>
+            </a:r>
+            <a:r>
+              <a:rPr lang="fa-IR" sz="1400" dirty="0" smtClean="0">
+                <a:cs typeface="B Nazanin" pitchFamily="2" charset="-78"/>
+              </a:rPr>
+              <a:t>.</a:t>
             </a:r>
           </a:p>
           <a:p>
@@ -4784,39 +4746,28 @@
                   <a:srgbClr val="FF0000"/>
                 </a:solidFill>
               </a:rPr>
-              <a:t>3- </a:t>
-            </a:r>
-            <a:r>
-              <a:rPr lang="fa-IR" sz="1400" dirty="0" smtClean="0">
-                <a:cs typeface="B Nazanin" pitchFamily="2" charset="-78"/>
-              </a:rPr>
-              <a:t>نام اتاق جلسه‌تان همراه با آیکونی که وضعیت فعلی اتاق جلسه‌ی شما را (خالی، اشغال، پر، قفل و ...) نشان می‌دهد.</a:t>
-            </a:r>
-          </a:p>
-          <a:p>
-            <a:pPr algn="just" rtl="1"/>
-            <a:endParaRPr lang="fa-IR" sz="1400" dirty="0">
-              <a:solidFill>
-                <a:srgbClr val="FF0000"/>
-              </a:solidFill>
-              <a:cs typeface="B Nazanin" pitchFamily="2" charset="-78"/>
-            </a:endParaRPr>
-          </a:p>
-          <a:p>
-            <a:pPr algn="just" rtl="1"/>
-            <a:r>
-              <a:rPr lang="fa-IR" sz="1400" dirty="0" smtClean="0">
-                <a:solidFill>
-                  <a:srgbClr val="FF0000"/>
-                </a:solidFill>
-              </a:rPr>
-              <a:t>4- </a:t>
-            </a:r>
-            <a:r>
-              <a:rPr lang="fa-IR" sz="1400" dirty="0" smtClean="0">
-                <a:cs typeface="B Nazanin" pitchFamily="2" charset="-78"/>
-              </a:rPr>
-              <a:t>برای ورود به اتاق جلسه‌تان بر روی این دکمه کلیک کنید.</a:t>
+              <a:t>2-</a:t>
+            </a:r>
+            <a:r>
+              <a:rPr lang="fa-IR" sz="1400" dirty="0" smtClean="0">
+                <a:solidFill>
+                  <a:srgbClr val="FF0000"/>
+                </a:solidFill>
+                <a:cs typeface="B Nazanin" pitchFamily="2" charset="-78"/>
+              </a:rPr>
+              <a:t> </a:t>
+            </a:r>
+            <a:r>
+              <a:rPr lang="fa-IR" sz="1400" dirty="0" smtClean="0">
+                <a:cs typeface="B Nazanin" pitchFamily="2" charset="-78"/>
+              </a:rPr>
+              <a:t>می‌خواهید وارد اتاق جلسه‌ی دیگران شوید تا در جلسه‌ای که در آن‌جا برگزار می‌شود، شرکت کنید</a:t>
+            </a:r>
+            <a:r>
+              <a:rPr lang="fa-IR" sz="1400" dirty="0" smtClean="0">
+                <a:cs typeface="B Nazanin" pitchFamily="2" charset="-78"/>
+              </a:rPr>
+              <a:t>.</a:t>
             </a:r>
           </a:p>
           <a:p>
@@ -4833,30 +4784,36 @@
                   <a:srgbClr val="FF0000"/>
                 </a:solidFill>
               </a:rPr>
-              <a:t>5- </a:t>
-            </a:r>
-            <a:r>
-              <a:rPr lang="fa-IR" sz="1400" dirty="0" smtClean="0">
-                <a:cs typeface="B Nazanin" pitchFamily="2" charset="-78"/>
-              </a:rPr>
-              <a:t>با کلیک بر روی </a:t>
-            </a:r>
-            <a:r>
-              <a:rPr lang="fa-IR" sz="1400" dirty="0">
-                <a:cs typeface="B Nazanin" pitchFamily="2" charset="-78"/>
-              </a:rPr>
-              <a:t>این </a:t>
-            </a:r>
-            <a:r>
-              <a:rPr lang="fa-IR" sz="1400" dirty="0" smtClean="0">
-                <a:cs typeface="B Nazanin" pitchFamily="2" charset="-78"/>
-              </a:rPr>
-              <a:t>دکمه، اتاق جلسه‌تان قفل می‌شود تا افراد متفرقه‌ای که شما دعوتشان نکرده‌اید، نتوانند وارد اتاق جلسه‌ی شما شوند. برای باز کردن قفل، دوباره بر روی همین دکمه کلیک کنید.</a:t>
+              <a:t>3- </a:t>
+            </a:r>
+            <a:r>
+              <a:rPr lang="fa-IR" sz="1400" dirty="0" smtClean="0">
+                <a:cs typeface="B Nazanin" pitchFamily="2" charset="-78"/>
+              </a:rPr>
+              <a:t>نام اتاق جلسه‌تان همراه با آیکونی که وضعیت فعلی اتاق جلسه‌ی شما را (خالی، اشغال، پر، قفل و ...) نشان می‌دهد</a:t>
+            </a:r>
+            <a:r>
+              <a:rPr lang="fa-IR" sz="1400" dirty="0" smtClean="0">
+                <a:cs typeface="B Nazanin" pitchFamily="2" charset="-78"/>
+              </a:rPr>
+              <a:t>.</a:t>
+            </a:r>
+            <a:r>
+              <a:rPr lang="en-US" sz="1400" dirty="0" smtClean="0">
+                <a:cs typeface="B Nazanin" pitchFamily="2" charset="-78"/>
+              </a:rPr>
+              <a:t> </a:t>
+            </a:r>
+            <a:r>
+              <a:rPr lang="fa-IR" sz="1400" dirty="0" smtClean="0">
+                <a:cs typeface="B Nazanin" pitchFamily="2" charset="-78"/>
+              </a:rPr>
+              <a:t>اگر غیر از اتاق خصوصی‌تان صاحب یک یا چند اتاق عمومی هم باشید، لیست آنها در اینجا نمایش داده می‌شود تا یکی از آنها را انتخاب کنید.</a:t>
             </a:r>
           </a:p>
           <a:p>
             <a:pPr algn="just" rtl="1"/>
-            <a:endParaRPr lang="fa-IR" sz="1400" dirty="0">
+            <a:endParaRPr lang="fa-IR" sz="1400" dirty="0" smtClean="0">
               <a:cs typeface="B Nazanin" pitchFamily="2" charset="-78"/>
             </a:endParaRPr>
           </a:p>
@@ -4868,25 +4825,13 @@
                   <a:srgbClr val="FF0000"/>
                 </a:solidFill>
               </a:rPr>
-              <a:t>6- </a:t>
-            </a:r>
-            <a:r>
-              <a:rPr lang="fa-IR" sz="1400" dirty="0">
-                <a:cs typeface="B Nazanin" pitchFamily="2" charset="-78"/>
-              </a:rPr>
-              <a:t>برای </a:t>
-            </a:r>
-            <a:r>
-              <a:rPr lang="fa-IR" sz="1400" dirty="0" smtClean="0">
-                <a:cs typeface="B Nazanin" pitchFamily="2" charset="-78"/>
-              </a:rPr>
-              <a:t>انجام تنظیمات پیشرفته‌ی اتاق جلسه‌تان (رمزگذاری و دعوت از مهمان) بر روی </a:t>
-            </a:r>
-            <a:r>
-              <a:rPr lang="fa-IR" sz="1400" dirty="0">
-                <a:cs typeface="B Nazanin" pitchFamily="2" charset="-78"/>
-              </a:rPr>
-              <a:t>این دکمه کلیک کنید</a:t>
+              <a:t>4- </a:t>
+            </a:r>
+            <a:r>
+              <a:rPr lang="fa-IR" sz="1400" dirty="0" smtClean="0">
+                <a:cs typeface="B Nazanin" pitchFamily="2" charset="-78"/>
+              </a:rPr>
+              <a:t>برای ورود به اتاق جلسه‌تان بر روی این دکمه کلیک کنید</a:t>
             </a:r>
             <a:r>
               <a:rPr lang="fa-IR" sz="1400" dirty="0" smtClean="0">
@@ -4897,7 +4842,7 @@
           </a:p>
           <a:p>
             <a:pPr algn="just" rtl="1"/>
-            <a:endParaRPr lang="fa-IR" sz="1400" dirty="0">
+            <a:endParaRPr lang="fa-IR" sz="1400" dirty="0" smtClean="0">
               <a:cs typeface="B Nazanin" pitchFamily="2" charset="-78"/>
             </a:endParaRPr>
           </a:p>
@@ -4909,18 +4854,36 @@
                   <a:srgbClr val="FF0000"/>
                 </a:solidFill>
               </a:rPr>
-              <a:t>7- </a:t>
-            </a:r>
-            <a:r>
-              <a:rPr lang="fa-IR" sz="1400" dirty="0" smtClean="0">
-                <a:cs typeface="B Nazanin" pitchFamily="2" charset="-78"/>
-              </a:rPr>
-              <a:t>لیست افراد حاضر در اتاق جلسه‌تان.</a:t>
+              <a:t>5- </a:t>
+            </a:r>
+            <a:r>
+              <a:rPr lang="fa-IR" sz="1400" dirty="0" smtClean="0">
+                <a:cs typeface="B Nazanin" pitchFamily="2" charset="-78"/>
+              </a:rPr>
+              <a:t>با کلیک بر روی </a:t>
+            </a:r>
+            <a:r>
+              <a:rPr lang="fa-IR" sz="1400" dirty="0">
+                <a:cs typeface="B Nazanin" pitchFamily="2" charset="-78"/>
+              </a:rPr>
+              <a:t>این </a:t>
+            </a:r>
+            <a:r>
+              <a:rPr lang="fa-IR" sz="1400" dirty="0" smtClean="0">
+                <a:cs typeface="B Nazanin" pitchFamily="2" charset="-78"/>
+              </a:rPr>
+              <a:t>دکمه، اتاق جلسه‌تان قفل می‌شود تا افراد متفرقه‌ای که شما دعوتشان نکرده‌اید، نتوانند وارد اتاق جلسه‌ی شما شوند. برای باز کردن قفل، دوباره بر روی همین دکمه کلیک کنید</a:t>
+            </a:r>
+            <a:r>
+              <a:rPr lang="fa-IR" sz="1400" dirty="0" smtClean="0">
+                <a:cs typeface="B Nazanin" pitchFamily="2" charset="-78"/>
+              </a:rPr>
+              <a:t>.</a:t>
             </a:r>
           </a:p>
           <a:p>
             <a:pPr algn="just" rtl="1"/>
-            <a:endParaRPr lang="fa-IR" sz="1400" dirty="0">
+            <a:endParaRPr lang="fa-IR" sz="1400" dirty="0" smtClean="0">
               <a:cs typeface="B Nazanin" pitchFamily="2" charset="-78"/>
             </a:endParaRPr>
           </a:p>
@@ -4932,18 +4895,85 @@
                   <a:srgbClr val="FF0000"/>
                 </a:solidFill>
               </a:rPr>
+              <a:t>6- </a:t>
+            </a:r>
+            <a:r>
+              <a:rPr lang="fa-IR" sz="1400" dirty="0">
+                <a:cs typeface="B Nazanin" pitchFamily="2" charset="-78"/>
+              </a:rPr>
+              <a:t>برای </a:t>
+            </a:r>
+            <a:r>
+              <a:rPr lang="fa-IR" sz="1400" dirty="0" smtClean="0">
+                <a:cs typeface="B Nazanin" pitchFamily="2" charset="-78"/>
+              </a:rPr>
+              <a:t>انجام تنظیمات پیشرفته‌ی اتاق جلسه‌تان (رمزگذاری و دعوت از مهمان) بر روی </a:t>
+            </a:r>
+            <a:r>
+              <a:rPr lang="fa-IR" sz="1400" dirty="0">
+                <a:cs typeface="B Nazanin" pitchFamily="2" charset="-78"/>
+              </a:rPr>
+              <a:t>این دکمه کلیک کنید</a:t>
+            </a:r>
+            <a:r>
+              <a:rPr lang="fa-IR" sz="1400" dirty="0" smtClean="0">
+                <a:cs typeface="B Nazanin" pitchFamily="2" charset="-78"/>
+              </a:rPr>
+              <a:t>.</a:t>
+            </a:r>
+            <a:endParaRPr lang="fa-IR" sz="1400" dirty="0" smtClean="0">
+              <a:cs typeface="B Nazanin" pitchFamily="2" charset="-78"/>
+            </a:endParaRPr>
+          </a:p>
+          <a:p>
+            <a:pPr algn="just" rtl="1"/>
+            <a:r>
+              <a:rPr lang="fa-IR" sz="1400" dirty="0" smtClean="0">
+                <a:solidFill>
+                  <a:srgbClr val="FF0000"/>
+                </a:solidFill>
+              </a:rPr>
+              <a:t>7- </a:t>
+            </a:r>
+            <a:r>
+              <a:rPr lang="fa-IR" sz="1400" dirty="0" smtClean="0">
+                <a:cs typeface="B Nazanin" pitchFamily="2" charset="-78"/>
+              </a:rPr>
+              <a:t>لیست افراد حاضر در اتاق جلسه‌تان</a:t>
+            </a:r>
+            <a:r>
+              <a:rPr lang="fa-IR" sz="1400" dirty="0" smtClean="0">
+                <a:cs typeface="B Nazanin" pitchFamily="2" charset="-78"/>
+              </a:rPr>
+              <a:t>.</a:t>
+            </a:r>
+            <a:endParaRPr lang="fa-IR" sz="1400" dirty="0" smtClean="0">
+              <a:cs typeface="B Nazanin" pitchFamily="2" charset="-78"/>
+            </a:endParaRPr>
+          </a:p>
+          <a:p>
+            <a:pPr algn="just" rtl="1"/>
+            <a:r>
+              <a:rPr lang="fa-IR" sz="1400" dirty="0" smtClean="0">
+                <a:solidFill>
+                  <a:srgbClr val="FF0000"/>
+                </a:solidFill>
+              </a:rPr>
               <a:t>8- </a:t>
             </a:r>
             <a:r>
               <a:rPr lang="fa-IR" sz="1400" dirty="0" smtClean="0">
                 <a:cs typeface="B Nazanin" pitchFamily="2" charset="-78"/>
               </a:rPr>
-              <a:t>هر سطر از لیست شامل نام فرد و آیکونِ بیانگر وضعیت وی می‌باشد. برای کنترل حضور فرد (قطع صدا و تصویر یا بیرون انداختن وی از اتاق جلسه) بر روی فرد کلیک کنید.</a:t>
-            </a:r>
-          </a:p>
-          <a:p>
-            <a:pPr algn="just" rtl="1"/>
-            <a:endParaRPr lang="fa-IR" sz="1400" dirty="0">
+              <a:t>هر سطر از لیست شامل نام فرد و آیکونِ بیانگر وضعیت وی می‌باشد. برای کنترل حضور فرد (قطع صدا و تصویر یا بیرون انداختن وی از اتاق جلسه) بر روی فرد کلیک کنید</a:t>
+            </a:r>
+            <a:r>
+              <a:rPr lang="fa-IR" sz="1400" dirty="0" smtClean="0">
+                <a:cs typeface="B Nazanin" pitchFamily="2" charset="-78"/>
+              </a:rPr>
+              <a:t>.</a:t>
+            </a:r>
+            <a:endParaRPr lang="fa-IR" sz="1400" dirty="0" smtClean="0">
               <a:cs typeface="B Nazanin" pitchFamily="2" charset="-78"/>
             </a:endParaRPr>
           </a:p>
@@ -7219,7 +7249,7 @@
       </p:grpSpPr>
       <p:pic>
         <p:nvPicPr>
-          <p:cNvPr id="3" name="Picture 2"/>
+          <p:cNvPr id="4" name="Picture 3"/>
           <p:cNvPicPr>
             <a:picLocks noChangeAspect="1"/>
           </p:cNvPicPr>
@@ -7239,7 +7269,7 @@
         </p:blipFill>
         <p:spPr>
           <a:xfrm>
-            <a:off x="3519785" y="1105096"/>
+            <a:off x="3517075" y="1105096"/>
             <a:ext cx="4910526" cy="5348514"/>
           </a:xfrm>
           <a:prstGeom prst="rect">
@@ -7460,12 +7490,12 @@
           <a:lstStyle/>
           <a:p>
             <a:r>
-              <a:rPr lang="en-US" dirty="0" smtClean="0">
-                <a:solidFill>
-                  <a:srgbClr val="FF0000"/>
-                </a:solidFill>
-              </a:rPr>
-              <a:t>4</a:t>
+              <a:rPr lang="fa-IR" dirty="0" smtClean="0">
+                <a:solidFill>
+                  <a:srgbClr val="FF0000"/>
+                </a:solidFill>
+              </a:rPr>
+              <a:t>3</a:t>
             </a:r>
             <a:endParaRPr lang="en-US" dirty="0">
               <a:solidFill>
@@ -7510,263 +7540,6 @@
           </a:fontRef>
         </p:style>
       </p:cxnSp>
-      <p:sp>
-        <p:nvSpPr>
-          <p:cNvPr id="32" name="Rectangle 31"/>
-          <p:cNvSpPr/>
-          <p:nvPr/>
-        </p:nvSpPr>
-        <p:spPr>
-          <a:xfrm>
-            <a:off x="304800" y="1245114"/>
-            <a:ext cx="4953000" cy="5262979"/>
-          </a:xfrm>
-          <a:prstGeom prst="rect">
-            <a:avLst/>
-          </a:prstGeom>
-        </p:spPr>
-        <p:txBody>
-          <a:bodyPr wrap="square">
-            <a:spAutoFit/>
-          </a:bodyPr>
-          <a:lstStyle/>
-          <a:p>
-            <a:pPr algn="just" rtl="1"/>
-            <a:r>
-              <a:rPr lang="fa-IR" sz="1400" dirty="0" smtClean="0">
-                <a:solidFill>
-                  <a:srgbClr val="FF0000"/>
-                </a:solidFill>
-              </a:rPr>
-              <a:t>1- </a:t>
-            </a:r>
-            <a:r>
-              <a:rPr lang="fa-IR" sz="1400" dirty="0" smtClean="0">
-                <a:cs typeface="B Nazanin" pitchFamily="2" charset="-78"/>
-              </a:rPr>
-              <a:t>با کلیک روی این دکمه، از این پس صدای فرد در جلسه شنیده نخواهد شد. (با کلیک دوباره روی آن می‌توانید صدا را مجددا وصل نمائید.)</a:t>
-            </a:r>
-          </a:p>
-          <a:p>
-            <a:pPr algn="just" rtl="1"/>
-            <a:endParaRPr lang="fa-IR" sz="1400" dirty="0" smtClean="0">
-              <a:cs typeface="B Nazanin" pitchFamily="2" charset="-78"/>
-            </a:endParaRPr>
-          </a:p>
-          <a:p>
-            <a:pPr algn="just" rtl="1"/>
-            <a:r>
-              <a:rPr lang="fa-IR" sz="1400" dirty="0">
-                <a:solidFill>
-                  <a:srgbClr val="FF0000"/>
-                </a:solidFill>
-              </a:rPr>
-              <a:t>2- </a:t>
-            </a:r>
-            <a:r>
-              <a:rPr lang="fa-IR" sz="1400" dirty="0">
-                <a:cs typeface="B Nazanin" pitchFamily="2" charset="-78"/>
-              </a:rPr>
-              <a:t>با کلیک بر روی این دکمه، </a:t>
-            </a:r>
-            <a:r>
-              <a:rPr lang="fa-IR" sz="1400" dirty="0" smtClean="0">
-                <a:cs typeface="B Nazanin" pitchFamily="2" charset="-78"/>
-              </a:rPr>
-              <a:t>از این پس تصویر </a:t>
-            </a:r>
-            <a:r>
-              <a:rPr lang="fa-IR" sz="1400" dirty="0">
-                <a:cs typeface="B Nazanin" pitchFamily="2" charset="-78"/>
-              </a:rPr>
-              <a:t>فرد در جلسه دیده نخواهد شد</a:t>
-            </a:r>
-            <a:r>
-              <a:rPr lang="fa-IR" sz="1400" dirty="0" smtClean="0">
-                <a:cs typeface="B Nazanin" pitchFamily="2" charset="-78"/>
-              </a:rPr>
-              <a:t>.</a:t>
-            </a:r>
-            <a:r>
-              <a:rPr lang="fa-IR" sz="1400" dirty="0">
-                <a:cs typeface="B Nazanin" pitchFamily="2" charset="-78"/>
-              </a:rPr>
-              <a:t> (با کلیک دوباره روی آن می‌توانید </a:t>
-            </a:r>
-            <a:r>
-              <a:rPr lang="fa-IR" sz="1400" dirty="0" smtClean="0">
-                <a:cs typeface="B Nazanin" pitchFamily="2" charset="-78"/>
-              </a:rPr>
-              <a:t>تصویر </a:t>
-            </a:r>
-            <a:r>
-              <a:rPr lang="fa-IR" sz="1400" dirty="0">
-                <a:cs typeface="B Nazanin" pitchFamily="2" charset="-78"/>
-              </a:rPr>
-              <a:t>را مجددا وصل نمائید.)</a:t>
-            </a:r>
-          </a:p>
-          <a:p>
-            <a:pPr algn="just" rtl="1"/>
-            <a:endParaRPr lang="fa-IR" sz="1400" dirty="0" smtClean="0">
-              <a:cs typeface="B Nazanin" pitchFamily="2" charset="-78"/>
-            </a:endParaRPr>
-          </a:p>
-          <a:p>
-            <a:pPr algn="just" rtl="1"/>
-            <a:endParaRPr lang="fa-IR" sz="1400" dirty="0" smtClean="0">
-              <a:cs typeface="B Nazanin" pitchFamily="2" charset="-78"/>
-            </a:endParaRPr>
-          </a:p>
-          <a:p>
-            <a:pPr algn="just" rtl="1"/>
-            <a:endParaRPr lang="fa-IR" sz="1400" dirty="0">
-              <a:cs typeface="B Nazanin" pitchFamily="2" charset="-78"/>
-            </a:endParaRPr>
-          </a:p>
-          <a:p>
-            <a:pPr algn="just" rtl="1"/>
-            <a:endParaRPr lang="fa-IR" sz="1400" dirty="0" smtClean="0">
-              <a:cs typeface="B Nazanin" pitchFamily="2" charset="-78"/>
-            </a:endParaRPr>
-          </a:p>
-          <a:p>
-            <a:pPr algn="just" rtl="1"/>
-            <a:endParaRPr lang="fa-IR" sz="1400" dirty="0">
-              <a:cs typeface="B Nazanin" pitchFamily="2" charset="-78"/>
-            </a:endParaRPr>
-          </a:p>
-          <a:p>
-            <a:pPr algn="just" rtl="1"/>
-            <a:endParaRPr lang="fa-IR" sz="1400" dirty="0" smtClean="0">
-              <a:cs typeface="B Nazanin" pitchFamily="2" charset="-78"/>
-            </a:endParaRPr>
-          </a:p>
-          <a:p>
-            <a:pPr algn="just" rtl="1"/>
-            <a:endParaRPr lang="fa-IR" sz="1400" dirty="0">
-              <a:cs typeface="B Nazanin" pitchFamily="2" charset="-78"/>
-            </a:endParaRPr>
-          </a:p>
-          <a:p>
-            <a:pPr algn="just" rtl="1"/>
-            <a:endParaRPr lang="fa-IR" sz="1400" dirty="0" smtClean="0">
-              <a:cs typeface="B Nazanin" pitchFamily="2" charset="-78"/>
-            </a:endParaRPr>
-          </a:p>
-          <a:p>
-            <a:pPr algn="just" rtl="1"/>
-            <a:endParaRPr lang="fa-IR" sz="1400" dirty="0">
-              <a:cs typeface="B Nazanin" pitchFamily="2" charset="-78"/>
-            </a:endParaRPr>
-          </a:p>
-          <a:p>
-            <a:pPr algn="just" rtl="1"/>
-            <a:endParaRPr lang="fa-IR" sz="1400" dirty="0" smtClean="0">
-              <a:cs typeface="B Nazanin" pitchFamily="2" charset="-78"/>
-            </a:endParaRPr>
-          </a:p>
-          <a:p>
-            <a:pPr algn="just" rtl="1"/>
-            <a:endParaRPr lang="fa-IR" sz="1400" dirty="0">
-              <a:cs typeface="B Nazanin" pitchFamily="2" charset="-78"/>
-            </a:endParaRPr>
-          </a:p>
-          <a:p>
-            <a:pPr algn="just" rtl="1"/>
-            <a:endParaRPr lang="fa-IR" sz="1400" dirty="0" smtClean="0">
-              <a:cs typeface="B Nazanin" pitchFamily="2" charset="-78"/>
-            </a:endParaRPr>
-          </a:p>
-          <a:p>
-            <a:pPr algn="just" rtl="1"/>
-            <a:endParaRPr lang="fa-IR" sz="1400" dirty="0" smtClean="0">
-              <a:cs typeface="B Nazanin" pitchFamily="2" charset="-78"/>
-            </a:endParaRPr>
-          </a:p>
-          <a:p>
-            <a:pPr algn="just" rtl="1"/>
-            <a:r>
-              <a:rPr lang="fa-IR" sz="1400" dirty="0" smtClean="0">
-                <a:solidFill>
-                  <a:srgbClr val="FF0000"/>
-                </a:solidFill>
-              </a:rPr>
-              <a:t>3- </a:t>
-            </a:r>
-            <a:r>
-              <a:rPr lang="fa-IR" sz="1400" dirty="0" smtClean="0">
-                <a:cs typeface="B Nazanin" pitchFamily="2" charset="-78"/>
-              </a:rPr>
-              <a:t>اگر دیدن تصویر این فرد در حین جلسه برایتان مهم است و می‌خواهید حتی با ورود افراد دیگربه جلسه، همواره تصویر این فرد را ببینید، روی این دکمه کلیک کنید.</a:t>
-            </a:r>
-          </a:p>
-          <a:p>
-            <a:pPr algn="just" rtl="1"/>
-            <a:endParaRPr lang="fa-IR" sz="1400" dirty="0" smtClean="0">
-              <a:cs typeface="B Nazanin" pitchFamily="2" charset="-78"/>
-            </a:endParaRPr>
-          </a:p>
-          <a:p>
-            <a:pPr algn="just" rtl="1"/>
-            <a:r>
-              <a:rPr lang="en-US" sz="1400" dirty="0" smtClean="0">
-                <a:solidFill>
-                  <a:srgbClr val="FF0000"/>
-                </a:solidFill>
-              </a:rPr>
-              <a:t>4</a:t>
-            </a:r>
-            <a:r>
-              <a:rPr lang="fa-IR" sz="1400" dirty="0" smtClean="0">
-                <a:solidFill>
-                  <a:srgbClr val="FF0000"/>
-                </a:solidFill>
-              </a:rPr>
-              <a:t>- </a:t>
-            </a:r>
-            <a:r>
-              <a:rPr lang="fa-IR" sz="1400" dirty="0" smtClean="0">
-                <a:cs typeface="B Nazanin" pitchFamily="2" charset="-78"/>
-              </a:rPr>
-              <a:t>با کلیک روی این دکمه</a:t>
-            </a:r>
-            <a:r>
-              <a:rPr lang="fa-IR" sz="1400" dirty="0">
-                <a:cs typeface="B Nazanin" pitchFamily="2" charset="-78"/>
-              </a:rPr>
-              <a:t>، فرد از اتاق جلسه بیرون خواهد </a:t>
-            </a:r>
-            <a:r>
-              <a:rPr lang="fa-IR" sz="1400" dirty="0" smtClean="0">
-                <a:cs typeface="B Nazanin" pitchFamily="2" charset="-78"/>
-              </a:rPr>
-              <a:t>افتاد. </a:t>
-            </a:r>
-            <a:r>
-              <a:rPr lang="fa-IR" sz="1400" dirty="0">
-                <a:cs typeface="B Nazanin" pitchFamily="2" charset="-78"/>
-              </a:rPr>
-              <a:t>(وی را از جلسه بیرون می‌اندازیم).</a:t>
-            </a:r>
-            <a:endParaRPr lang="fa-IR" sz="1400" dirty="0">
-              <a:solidFill>
-                <a:srgbClr val="FF0000"/>
-              </a:solidFill>
-              <a:cs typeface="B Nazanin" pitchFamily="2" charset="-78"/>
-            </a:endParaRPr>
-          </a:p>
-          <a:p>
-            <a:pPr algn="just" rtl="1"/>
-            <a:endParaRPr lang="fa-IR" sz="1400" dirty="0">
-              <a:solidFill>
-                <a:srgbClr val="FF0000"/>
-              </a:solidFill>
-              <a:cs typeface="B Nazanin" pitchFamily="2" charset="-78"/>
-            </a:endParaRPr>
-          </a:p>
-        </p:txBody>
-      </p:sp>
       <p:sp>
         <p:nvSpPr>
           <p:cNvPr id="45" name="Right Brace 44"/>
@@ -8151,77 +7924,194 @@
       </p:pic>
       <p:sp>
         <p:nvSpPr>
-          <p:cNvPr id="25" name="TextBox 24"/>
-          <p:cNvSpPr txBox="1"/>
-          <p:nvPr/>
-        </p:nvSpPr>
-        <p:spPr>
-          <a:xfrm>
-            <a:off x="3171825" y="3942071"/>
-            <a:ext cx="338860" cy="369332"/>
+          <p:cNvPr id="32" name="Rectangle 31"/>
+          <p:cNvSpPr/>
+          <p:nvPr/>
+        </p:nvSpPr>
+        <p:spPr>
+          <a:xfrm>
+            <a:off x="0" y="1108418"/>
+            <a:ext cx="5606424" cy="1815882"/>
           </a:xfrm>
           <a:prstGeom prst="rect">
             <a:avLst/>
           </a:prstGeom>
-          <a:noFill/>
-        </p:spPr>
-        <p:txBody>
-          <a:bodyPr wrap="square" rtlCol="0">
+        </p:spPr>
+        <p:txBody>
+          <a:bodyPr wrap="square">
             <a:spAutoFit/>
           </a:bodyPr>
           <a:lstStyle/>
           <a:p>
-            <a:r>
-              <a:rPr lang="fa-IR" dirty="0" smtClean="0">
-                <a:solidFill>
-                  <a:srgbClr val="FF0000"/>
-                </a:solidFill>
-              </a:rPr>
-              <a:t>3</a:t>
-            </a:r>
-            <a:endParaRPr lang="en-US" dirty="0">
+            <a:pPr algn="just" rtl="1"/>
+            <a:r>
+              <a:rPr lang="fa-IR" sz="1400" dirty="0" smtClean="0">
+                <a:solidFill>
+                  <a:srgbClr val="FF0000"/>
+                </a:solidFill>
+              </a:rPr>
+              <a:t>1- </a:t>
+            </a:r>
+            <a:r>
+              <a:rPr lang="fa-IR" sz="1400" dirty="0" smtClean="0">
+                <a:cs typeface="B Nazanin" pitchFamily="2" charset="-78"/>
+              </a:rPr>
+              <a:t>با کلیک روی این دکمه، از این پس صدای فرد در جلسه شنیده نخواهد شد</a:t>
+            </a:r>
+            <a:r>
+              <a:rPr lang="fa-IR" sz="1400" dirty="0" smtClean="0">
+                <a:cs typeface="B Nazanin" pitchFamily="2" charset="-78"/>
+              </a:rPr>
+              <a:t>.</a:t>
+            </a:r>
+            <a:endParaRPr lang="en-US" sz="1400" dirty="0" smtClean="0">
+              <a:cs typeface="B Nazanin" pitchFamily="2" charset="-78"/>
+            </a:endParaRPr>
+          </a:p>
+          <a:p>
+            <a:pPr algn="just" rtl="1"/>
+            <a:r>
+              <a:rPr lang="fa-IR" sz="1400" dirty="0" smtClean="0">
+                <a:cs typeface="B Nazanin" pitchFamily="2" charset="-78"/>
+              </a:rPr>
+              <a:t>(</a:t>
+            </a:r>
+            <a:r>
+              <a:rPr lang="fa-IR" sz="1400" dirty="0" smtClean="0">
+                <a:cs typeface="B Nazanin" pitchFamily="2" charset="-78"/>
+              </a:rPr>
+              <a:t>با کلیک دوباره روی آن می‌توانید صدا را مجددا وصل نمائید.)</a:t>
+            </a:r>
+          </a:p>
+          <a:p>
+            <a:pPr algn="just" rtl="1"/>
+            <a:endParaRPr lang="fa-IR" sz="1400" dirty="0" smtClean="0">
+              <a:cs typeface="B Nazanin" pitchFamily="2" charset="-78"/>
+            </a:endParaRPr>
+          </a:p>
+          <a:p>
+            <a:pPr algn="just" rtl="1"/>
+            <a:r>
+              <a:rPr lang="fa-IR" sz="1400" dirty="0">
+                <a:solidFill>
+                  <a:srgbClr val="FF0000"/>
+                </a:solidFill>
+              </a:rPr>
+              <a:t>2- </a:t>
+            </a:r>
+            <a:r>
+              <a:rPr lang="fa-IR" sz="1400" dirty="0">
+                <a:cs typeface="B Nazanin" pitchFamily="2" charset="-78"/>
+              </a:rPr>
+              <a:t>با کلیک بر روی این دکمه، </a:t>
+            </a:r>
+            <a:r>
+              <a:rPr lang="fa-IR" sz="1400" dirty="0" smtClean="0">
+                <a:cs typeface="B Nazanin" pitchFamily="2" charset="-78"/>
+              </a:rPr>
+              <a:t>از این پس تصویر </a:t>
+            </a:r>
+            <a:r>
+              <a:rPr lang="fa-IR" sz="1400" dirty="0">
+                <a:cs typeface="B Nazanin" pitchFamily="2" charset="-78"/>
+              </a:rPr>
+              <a:t>فرد در جلسه دیده نخواهد شد</a:t>
+            </a:r>
+            <a:r>
+              <a:rPr lang="fa-IR" sz="1400" dirty="0" smtClean="0">
+                <a:cs typeface="B Nazanin" pitchFamily="2" charset="-78"/>
+              </a:rPr>
+              <a:t>.</a:t>
+            </a:r>
+            <a:endParaRPr lang="en-US" sz="1400" dirty="0">
+              <a:cs typeface="B Nazanin" pitchFamily="2" charset="-78"/>
+            </a:endParaRPr>
+          </a:p>
+          <a:p>
+            <a:pPr algn="just" rtl="1"/>
+            <a:r>
+              <a:rPr lang="fa-IR" sz="1400" dirty="0" smtClean="0">
+                <a:cs typeface="B Nazanin" pitchFamily="2" charset="-78"/>
+              </a:rPr>
+              <a:t>(</a:t>
+            </a:r>
+            <a:r>
+              <a:rPr lang="fa-IR" sz="1400" dirty="0">
+                <a:cs typeface="B Nazanin" pitchFamily="2" charset="-78"/>
+              </a:rPr>
+              <a:t>با کلیک دوباره روی آن می‌توانید </a:t>
+            </a:r>
+            <a:r>
+              <a:rPr lang="fa-IR" sz="1400" dirty="0" smtClean="0">
+                <a:cs typeface="B Nazanin" pitchFamily="2" charset="-78"/>
+              </a:rPr>
+              <a:t>تصویر </a:t>
+            </a:r>
+            <a:r>
+              <a:rPr lang="fa-IR" sz="1400" dirty="0">
+                <a:cs typeface="B Nazanin" pitchFamily="2" charset="-78"/>
+              </a:rPr>
+              <a:t>را مجددا وصل نمائید.)</a:t>
+            </a:r>
+          </a:p>
+          <a:p>
+            <a:pPr algn="just" rtl="1"/>
+            <a:endParaRPr lang="fa-IR" sz="1400" dirty="0" smtClean="0">
+              <a:cs typeface="B Nazanin" pitchFamily="2" charset="-78"/>
+            </a:endParaRPr>
+          </a:p>
+          <a:p>
+            <a:pPr algn="just" rtl="1"/>
+            <a:r>
+              <a:rPr lang="fa-IR" sz="1400" dirty="0" smtClean="0">
+                <a:solidFill>
+                  <a:srgbClr val="FF0000"/>
+                </a:solidFill>
+              </a:rPr>
+              <a:t>3- </a:t>
+            </a:r>
+            <a:r>
+              <a:rPr lang="fa-IR" sz="1400" dirty="0" smtClean="0">
+                <a:cs typeface="B Nazanin" pitchFamily="2" charset="-78"/>
+              </a:rPr>
+              <a:t>با کلیک روی این دکمه</a:t>
+            </a:r>
+            <a:r>
+              <a:rPr lang="fa-IR" sz="1400" dirty="0">
+                <a:cs typeface="B Nazanin" pitchFamily="2" charset="-78"/>
+              </a:rPr>
+              <a:t>، فرد از اتاق جلسه بیرون خواهد </a:t>
+            </a:r>
+            <a:r>
+              <a:rPr lang="fa-IR" sz="1400" dirty="0" smtClean="0">
+                <a:cs typeface="B Nazanin" pitchFamily="2" charset="-78"/>
+              </a:rPr>
+              <a:t>افتاد. </a:t>
+            </a:r>
+            <a:r>
+              <a:rPr lang="fa-IR" sz="1400" dirty="0">
+                <a:cs typeface="B Nazanin" pitchFamily="2" charset="-78"/>
+              </a:rPr>
+              <a:t>(وی را از جلسه بیرون می‌اندازیم).</a:t>
+            </a:r>
+            <a:endParaRPr lang="fa-IR" sz="1400" dirty="0">
               <a:solidFill>
                 <a:srgbClr val="FF0000"/>
               </a:solidFill>
+              <a:cs typeface="B Nazanin" pitchFamily="2" charset="-78"/>
             </a:endParaRPr>
           </a:p>
-        </p:txBody>
-      </p:sp>
-      <p:cxnSp>
-        <p:nvCxnSpPr>
-          <p:cNvPr id="26" name="Straight Arrow Connector 25"/>
-          <p:cNvCxnSpPr>
-            <a:stCxn id="25" idx="3"/>
-          </p:cNvCxnSpPr>
-          <p:nvPr/>
-        </p:nvCxnSpPr>
-        <p:spPr>
-          <a:xfrm>
-            <a:off x="3510685" y="4126737"/>
-            <a:ext cx="756515" cy="0"/>
-          </a:xfrm>
-          <a:prstGeom prst="straightConnector1">
-            <a:avLst/>
-          </a:prstGeom>
-          <a:ln>
-            <a:tailEnd type="arrow"/>
-          </a:ln>
-        </p:spPr>
-        <p:style>
-          <a:lnRef idx="1">
-            <a:schemeClr val="accent1"/>
-          </a:lnRef>
-          <a:fillRef idx="0">
-            <a:schemeClr val="accent1"/>
-          </a:fillRef>
-          <a:effectRef idx="0">
-            <a:schemeClr val="accent1"/>
-          </a:effectRef>
-          <a:fontRef idx="minor">
-            <a:schemeClr val="tx1"/>
-          </a:fontRef>
-        </p:style>
-      </p:cxnSp>
+          <a:p>
+            <a:pPr algn="just" rtl="1"/>
+            <a:endParaRPr lang="fa-IR" sz="1400" dirty="0">
+              <a:solidFill>
+                <a:srgbClr val="FF0000"/>
+              </a:solidFill>
+              <a:cs typeface="B Nazanin" pitchFamily="2" charset="-78"/>
+            </a:endParaRPr>
+          </a:p>
+        </p:txBody>
+      </p:sp>
     </p:spTree>
     <p:extLst>
       <p:ext uri="{BB962C8B-B14F-4D97-AF65-F5344CB8AC3E}">
@@ -8813,7 +8703,31 @@
               <a:rPr lang="fa-IR" sz="1400" dirty="0" smtClean="0">
                 <a:cs typeface="B Nazanin" pitchFamily="2" charset="-78"/>
               </a:rPr>
-              <a:t> آدرس اینترنتی اتاق جلسه‌ی شما برای ورود مهمانان - کافیست این آدرس را برای مهمانان جلسه ایمیل کنید تا آنها با وارد کردن آن در مرورگر، بتوانند بدون داشتن نام کاربری و رمزعبور وارد اتاق جلسه شما شوند و با شما کنفرانس داشته باشند. (برای استفاده از این قابلیت، لازم است که قبلاً آن را فعال کرده باشید.)</a:t>
+              <a:t> آدرس اینترنتی اتاق جلسه‌ی شما برای ورود </a:t>
+            </a:r>
+            <a:r>
+              <a:rPr lang="fa-IR" sz="1400" dirty="0" smtClean="0">
+                <a:cs typeface="B Nazanin" pitchFamily="2" charset="-78"/>
+              </a:rPr>
+              <a:t>مهمانان</a:t>
+            </a:r>
+            <a:r>
+              <a:rPr lang="en-US" sz="1400" dirty="0" smtClean="0">
+                <a:cs typeface="B Nazanin" pitchFamily="2" charset="-78"/>
+              </a:rPr>
+              <a:t> </a:t>
+            </a:r>
+            <a:r>
+              <a:rPr lang="fa-IR" sz="1400" dirty="0" smtClean="0">
+                <a:cs typeface="B Nazanin" pitchFamily="2" charset="-78"/>
+              </a:rPr>
+              <a:t> (افراد بدون نام کاربری) - </a:t>
+            </a:r>
+            <a:r>
+              <a:rPr lang="fa-IR" sz="1400" dirty="0" smtClean="0">
+                <a:cs typeface="B Nazanin" pitchFamily="2" charset="-78"/>
+              </a:rPr>
+              <a:t>کافیست این آدرس را برای مهمانان جلسه ایمیل کنید تا آنها با وارد کردن آن در مرورگر، بتوانند بدون داشتن نام کاربری و رمزعبور وارد اتاق جلسه شما شوند و با شما کنفرانس داشته باشند. (برای استفاده از این قابلیت، لازم است که قبلاً آن را فعال کرده باشید.)</a:t>
             </a:r>
           </a:p>
           <a:p>
@@ -14293,18 +14207,8 @@
               <a:rPr lang="fa-IR" sz="1400" dirty="0" smtClean="0">
                 <a:cs typeface="B Nazanin" pitchFamily="2" charset="-78"/>
               </a:rPr>
-              <a:t>نفر </a:t>
-            </a:r>
-            <a:r>
-              <a:rPr lang="fa-IR" sz="1400" dirty="0" smtClean="0">
-                <a:cs typeface="B Nazanin" pitchFamily="2" charset="-78"/>
-                <a:hlinkClick r:id="rId3" action="ppaction://hlinksldjump"/>
-              </a:rPr>
-              <a:t>(بیشتر)</a:t>
-            </a:r>
-            <a:endParaRPr lang="fa-IR" sz="1400" dirty="0">
-              <a:cs typeface="B Nazanin" pitchFamily="2" charset="-78"/>
-            </a:endParaRPr>
+              <a:t>نفر</a:t>
+            </a:r>
           </a:p>
           <a:p>
             <a:pPr algn="just" rtl="1"/>
@@ -14332,18 +14236,8 @@
               <a:rPr lang="fa-IR" sz="1400" dirty="0" smtClean="0">
                 <a:cs typeface="B Nazanin" pitchFamily="2" charset="-78"/>
               </a:rPr>
-              <a:t>جلسه </a:t>
-            </a:r>
-            <a:r>
-              <a:rPr lang="fa-IR" sz="1400" dirty="0" smtClean="0">
-                <a:cs typeface="B Nazanin" pitchFamily="2" charset="-78"/>
-                <a:hlinkClick r:id="rId4" action="ppaction://hlinksldjump"/>
-              </a:rPr>
-              <a:t>(بیشتر)</a:t>
-            </a:r>
-            <a:endParaRPr lang="fa-IR" sz="1400" dirty="0">
-              <a:cs typeface="B Nazanin" pitchFamily="2" charset="-78"/>
-            </a:endParaRPr>
+              <a:t>جلسه</a:t>
+            </a:r>
           </a:p>
           <a:p>
             <a:pPr algn="just" rtl="1"/>
@@ -14385,18 +14279,8 @@
               <a:rPr lang="fa-IR" sz="1400" dirty="0" smtClean="0">
                 <a:cs typeface="B Nazanin" pitchFamily="2" charset="-78"/>
               </a:rPr>
-              <a:t>قدیمی </a:t>
-            </a:r>
-            <a:r>
-              <a:rPr lang="fa-IR" sz="1400" dirty="0" smtClean="0">
-                <a:cs typeface="B Nazanin" pitchFamily="2" charset="-78"/>
-                <a:hlinkClick r:id="rId5" action="ppaction://hlinksldjump"/>
-              </a:rPr>
-              <a:t>(بیشتر)</a:t>
-            </a:r>
-            <a:endParaRPr lang="fa-IR" sz="1400" dirty="0">
-              <a:cs typeface="B Nazanin" pitchFamily="2" charset="-78"/>
-            </a:endParaRPr>
+              <a:t>قدیمی</a:t>
+            </a:r>
           </a:p>
           <a:p>
             <a:pPr algn="just" rtl="1"/>
@@ -14435,18 +14319,8 @@
               <a:rPr lang="fa-IR" sz="1400" dirty="0" smtClean="0">
                 <a:cs typeface="B Nazanin" pitchFamily="2" charset="-78"/>
               </a:rPr>
-              <a:t>افزار </a:t>
-            </a:r>
-            <a:r>
-              <a:rPr lang="fa-IR" sz="1400" dirty="0" smtClean="0">
-                <a:cs typeface="B Nazanin" pitchFamily="2" charset="-78"/>
-                <a:hlinkClick r:id="rId6" action="ppaction://hlinksldjump"/>
-              </a:rPr>
-              <a:t>(بیشتر)</a:t>
-            </a:r>
-            <a:endParaRPr lang="fa-IR" sz="1400" dirty="0">
-              <a:cs typeface="B Nazanin" pitchFamily="2" charset="-78"/>
-            </a:endParaRPr>
+              <a:t>افزار</a:t>
+            </a:r>
           </a:p>
           <a:p>
             <a:pPr algn="just" rtl="1"/>
@@ -14508,14 +14382,7 @@
               </a:rPr>
               <a:t>. </a:t>
             </a:r>
-            <a:r>
-              <a:rPr lang="fa-IR" sz="1400" dirty="0" smtClean="0">
-                <a:cs typeface="B Nazanin" pitchFamily="2" charset="-78"/>
-                <a:hlinkClick r:id="rId7" action="ppaction://hlinksldjump"/>
-              </a:rPr>
-              <a:t>(بیشتر)</a:t>
-            </a:r>
-            <a:endParaRPr lang="fa-IR" sz="1400" dirty="0">
+            <a:endParaRPr lang="fa-IR" sz="1400" dirty="0" smtClean="0">
               <a:cs typeface="B Nazanin" pitchFamily="2" charset="-78"/>
             </a:endParaRPr>
           </a:p>
@@ -14546,13 +14413,6 @@
                 <a:cs typeface="B Nazanin" pitchFamily="2" charset="-78"/>
               </a:rPr>
               <a:t>. </a:t>
-            </a:r>
-            <a:r>
-              <a:rPr lang="fa-IR" sz="1400" dirty="0" smtClean="0">
-                <a:cs typeface="B Nazanin" pitchFamily="2" charset="-78"/>
-                <a:hlinkClick r:id="rId8" action="ppaction://hlinksldjump"/>
-              </a:rPr>
-              <a:t>(بیشتر)</a:t>
             </a:r>
             <a:endParaRPr lang="fa-IR" sz="1400" dirty="0">
               <a:cs typeface="B Nazanin" pitchFamily="2" charset="-78"/>
@@ -30851,7 +30711,7 @@
       </p:grpSpPr>
       <p:pic>
         <p:nvPicPr>
-          <p:cNvPr id="3" name="Picture 2"/>
+          <p:cNvPr id="4" name="Picture 3"/>
           <p:cNvPicPr>
             <a:picLocks noChangeAspect="1"/>
           </p:cNvPicPr>
@@ -30861,7 +30721,7 @@
           <a:blip r:embed="rId2">
             <a:extLst>
               <a:ext uri="{28A0092B-C50C-407E-A947-70E740481C1C}">
-                <a14:useLocalDpi xmlns:a14="http://schemas.microsoft.com/office/drawing/2010/main"/>
+                <a14:useLocalDpi xmlns:a14="http://schemas.microsoft.com/office/drawing/2010/main" val="0"/>
               </a:ext>
             </a:extLst>
           </a:blip>
@@ -30871,8 +30731,8 @@
         </p:blipFill>
         <p:spPr>
           <a:xfrm>
-            <a:off x="458974" y="963304"/>
-            <a:ext cx="2971556" cy="5676315"/>
+            <a:off x="455516" y="963304"/>
+            <a:ext cx="2975014" cy="5682921"/>
           </a:xfrm>
           <a:prstGeom prst="rect">
             <a:avLst/>
@@ -31046,14 +30906,19 @@
           <a:lstStyle/>
           <a:p>
             <a:r>
-              <a:rPr lang="fa-IR" dirty="0" smtClean="0">
-                <a:solidFill>
-                  <a:srgbClr val="FF0000"/>
-                </a:solidFill>
-              </a:rPr>
-              <a:t>5</a:t>
-            </a:r>
-            <a:endParaRPr lang="en-US" dirty="0"/>
+              <a:rPr lang="en-US" dirty="0" smtClean="0">
+                <a:solidFill>
+                  <a:srgbClr val="FF0000"/>
+                </a:solidFill>
+                <a:latin typeface="Arial" pitchFamily="34" charset="0"/>
+                <a:cs typeface="Arial" pitchFamily="34" charset="0"/>
+              </a:rPr>
+              <a:t>6</a:t>
+            </a:r>
+            <a:endParaRPr lang="en-US" dirty="0">
+              <a:latin typeface="Arial" pitchFamily="34" charset="0"/>
+              <a:cs typeface="Arial" pitchFamily="34" charset="0"/>
+            </a:endParaRPr>
           </a:p>
         </p:txBody>
       </p:sp>
@@ -31593,8 +31458,8 @@
         </p:nvSpPr>
         <p:spPr>
           <a:xfrm>
-            <a:off x="4283986" y="1248747"/>
-            <a:ext cx="4505029" cy="3323987"/>
+            <a:off x="4283986" y="1066800"/>
+            <a:ext cx="4505029" cy="5262979"/>
           </a:xfrm>
           <a:prstGeom prst="rect">
             <a:avLst/>
@@ -31612,6 +31477,8 @@
                 <a:solidFill>
                   <a:srgbClr val="FF0000"/>
                 </a:solidFill>
+                <a:latin typeface="Arial" pitchFamily="34" charset="0"/>
+                <a:cs typeface="Arial" pitchFamily="34" charset="0"/>
               </a:rPr>
               <a:t>1</a:t>
             </a:r>
@@ -31620,14 +31487,23 @@
                 <a:solidFill>
                   <a:srgbClr val="FF0000"/>
                 </a:solidFill>
+                <a:latin typeface="Arial" pitchFamily="34" charset="0"/>
+                <a:cs typeface="Arial" pitchFamily="34" charset="0"/>
               </a:rPr>
               <a:t>-</a:t>
             </a:r>
             <a:r>
               <a:rPr lang="fa-IR" sz="1400" dirty="0" smtClean="0">
-                <a:cs typeface="B Nazanin" pitchFamily="2" charset="-78"/>
-              </a:rPr>
-              <a:t> تاریخ تماس‌ها</a:t>
+                <a:latin typeface="Arial" pitchFamily="34" charset="0"/>
+                <a:cs typeface="Arial" pitchFamily="34" charset="0"/>
+              </a:rPr>
+              <a:t> </a:t>
+            </a:r>
+            <a:r>
+              <a:rPr lang="fa-IR" sz="1400" dirty="0" smtClean="0">
+                <a:cs typeface="B Nazanin" pitchFamily="2" charset="-78"/>
+              </a:rPr>
+              <a:t>تاریخ تماس‌ها</a:t>
             </a:r>
           </a:p>
           <a:p>
@@ -31650,7 +31526,19 @@
               <a:rPr lang="fa-IR" sz="1400" dirty="0" smtClean="0">
                 <a:cs typeface="B Nazanin" pitchFamily="2" charset="-78"/>
               </a:rPr>
-              <a:t>تماس دریافتی شما - برای اطلاع یافتن </a:t>
+              <a:t>پیام</a:t>
+            </a:r>
+            <a:r>
+              <a:rPr lang="fa-IR" sz="1400" dirty="0" smtClean="0">
+                <a:cs typeface="B Nazanin" pitchFamily="2" charset="-78"/>
+              </a:rPr>
+              <a:t> </a:t>
+            </a:r>
+            <a:r>
+              <a:rPr lang="fa-IR" sz="1400" dirty="0" smtClean="0">
+                <a:cs typeface="B Nazanin" pitchFamily="2" charset="-78"/>
+              </a:rPr>
+              <a:t>دریافتی شما - برای اطلاع یافتن </a:t>
             </a:r>
             <a:r>
               <a:rPr lang="fa-IR" sz="1400" dirty="0">
@@ -31681,52 +31569,52 @@
                   <a:srgbClr val="FF0000"/>
                 </a:solidFill>
               </a:rPr>
-              <a:t>3-</a:t>
-            </a:r>
-            <a:r>
-              <a:rPr lang="fa-IR" sz="1400" dirty="0" smtClean="0">
-                <a:solidFill>
-                  <a:srgbClr val="FF0000"/>
-                </a:solidFill>
-                <a:cs typeface="B Nazanin" pitchFamily="2" charset="-78"/>
-              </a:rPr>
-              <a:t> </a:t>
-            </a:r>
-            <a:r>
-              <a:rPr lang="fa-IR" sz="1400" dirty="0" smtClean="0">
-                <a:cs typeface="B Nazanin" pitchFamily="2" charset="-78"/>
-              </a:rPr>
-              <a:t>تماس از دست‌رفته‌ی شما (تماسی که به آن پاسخ نداده‌اید</a:t>
+              <a:t>3- </a:t>
+            </a:r>
+            <a:r>
+              <a:rPr lang="fa-IR" sz="1400" dirty="0" smtClean="0">
+                <a:cs typeface="B Nazanin" pitchFamily="2" charset="-78"/>
+              </a:rPr>
+              <a:t>تماس </a:t>
             </a:r>
             <a:r>
               <a:rPr lang="fa-IR" sz="1400" dirty="0">
                 <a:cs typeface="B Nazanin" pitchFamily="2" charset="-78"/>
               </a:rPr>
-              <a:t>.) - برای اطلاع یافتن از وضعیت فعلی این فرد (آنلاین یا آفلاین بودنش) و تماس با وی </a:t>
-            </a:r>
-            <a:r>
-              <a:rPr lang="fa-IR" sz="1400" dirty="0" smtClean="0">
-                <a:cs typeface="B Nazanin" pitchFamily="2" charset="-78"/>
-              </a:rPr>
-              <a:t>بر روی سطر مربوط به فرد کلیک </a:t>
+              <a:t>دریافتی شما - برای اطلاع یافتن از وضعیت فعلی این فرد (آنلاین یا آفلاین بودنش) و تماس با وی بر روی سطر مربوط به فرد کلیک کنید.</a:t>
+            </a:r>
+          </a:p>
+          <a:p>
+            <a:pPr algn="just" rtl="1"/>
+            <a:endParaRPr lang="en-US" sz="1400" dirty="0" smtClean="0">
+              <a:solidFill>
+                <a:srgbClr val="FF0000"/>
+              </a:solidFill>
+            </a:endParaRPr>
+          </a:p>
+          <a:p>
+            <a:pPr algn="just" rtl="1"/>
+            <a:r>
+              <a:rPr lang="fa-IR" sz="1400" dirty="0" smtClean="0">
+                <a:solidFill>
+                  <a:srgbClr val="FF0000"/>
+                </a:solidFill>
+              </a:rPr>
+              <a:t>4- </a:t>
             </a:r>
             <a:r>
               <a:rPr lang="fa-IR" sz="1400" dirty="0">
                 <a:cs typeface="B Nazanin" pitchFamily="2" charset="-78"/>
               </a:rPr>
-              <a:t>کنید</a:t>
-            </a:r>
-            <a:r>
-              <a:rPr lang="fa-IR" sz="1400" dirty="0" smtClean="0">
-                <a:cs typeface="B Nazanin" pitchFamily="2" charset="-78"/>
-              </a:rPr>
-              <a:t>.</a:t>
+              <a:t>تماس ارسالی توسط شما (موفق یا ناموفق) - برای اطلاع یافتن از وضعیت فعلی این فرد (آنلاین یا آفلاین بودنش) و تماس با وی بر روی سطر مربوط به فرد کلیک کنید.</a:t>
             </a:r>
           </a:p>
           <a:p>
             <a:pPr algn="just" rtl="1"/>
             <a:endParaRPr lang="fa-IR" sz="1400" dirty="0" smtClean="0">
-              <a:cs typeface="B Nazanin" pitchFamily="2" charset="-78"/>
+              <a:solidFill>
+                <a:srgbClr val="FF0000"/>
+              </a:solidFill>
             </a:endParaRPr>
           </a:p>
           <a:p>
@@ -31737,31 +31625,40 @@
                   <a:srgbClr val="FF0000"/>
                 </a:solidFill>
               </a:rPr>
-              <a:t>4- </a:t>
-            </a:r>
-            <a:r>
-              <a:rPr lang="fa-IR" sz="1400" dirty="0" smtClean="0">
-                <a:cs typeface="B Nazanin" pitchFamily="2" charset="-78"/>
-              </a:rPr>
-              <a:t>تماس ارسالی توسط شما (موفق یا ناموفق)</a:t>
+              <a:t>5-</a:t>
+            </a:r>
+            <a:r>
+              <a:rPr lang="fa-IR" sz="1400" dirty="0" smtClean="0">
+                <a:solidFill>
+                  <a:srgbClr val="FF0000"/>
+                </a:solidFill>
+                <a:cs typeface="B Nazanin" pitchFamily="2" charset="-78"/>
+              </a:rPr>
+              <a:t> </a:t>
+            </a:r>
+            <a:r>
+              <a:rPr lang="fa-IR" sz="1400" dirty="0" smtClean="0">
+                <a:cs typeface="B Nazanin" pitchFamily="2" charset="-78"/>
+              </a:rPr>
+              <a:t>تماس از دست‌رفته‌ی شما (تماسی که به آن پاسخ نداده‌اید</a:t>
             </a:r>
             <a:r>
               <a:rPr lang="fa-IR" sz="1400" dirty="0">
                 <a:cs typeface="B Nazanin" pitchFamily="2" charset="-78"/>
               </a:rPr>
-              <a:t> - برای اطلاع یافتن از وضعیت فعلی این فرد (آنلاین یا آفلاین بودنش) و تماس با وی </a:t>
-            </a:r>
-            <a:r>
-              <a:rPr lang="fa-IR" sz="1400" dirty="0" smtClean="0">
-                <a:cs typeface="B Nazanin" pitchFamily="2" charset="-78"/>
-              </a:rPr>
-              <a:t>بر روی سطر مربوط به فرد </a:t>
+              <a:t>.) - برای اطلاع یافتن از وضعیت فعلی این فرد (آنلاین یا آفلاین بودنش) و تماس با وی </a:t>
+            </a:r>
+            <a:r>
+              <a:rPr lang="fa-IR" sz="1400" dirty="0" smtClean="0">
+                <a:cs typeface="B Nazanin" pitchFamily="2" charset="-78"/>
+              </a:rPr>
+              <a:t>بر روی سطر مربوط به فرد کلیک </a:t>
             </a:r>
             <a:r>
               <a:rPr lang="fa-IR" sz="1400" dirty="0">
                 <a:cs typeface="B Nazanin" pitchFamily="2" charset="-78"/>
               </a:rPr>
-              <a:t>کلیک کنید</a:t>
+              <a:t>کنید</a:t>
             </a:r>
             <a:r>
               <a:rPr lang="fa-IR" sz="1400" dirty="0" smtClean="0">
@@ -31782,25 +31679,337 @@
           <a:p>
             <a:pPr algn="just" rtl="1"/>
             <a:r>
-              <a:rPr lang="fa-IR" sz="1400" dirty="0">
-                <a:solidFill>
-                  <a:srgbClr val="FF0000"/>
-                </a:solidFill>
-              </a:rPr>
-              <a:t>5- </a:t>
-            </a:r>
-            <a:r>
-              <a:rPr lang="fa-IR" sz="1400" dirty="0" smtClean="0">
-                <a:cs typeface="B Nazanin" pitchFamily="2" charset="-78"/>
-              </a:rPr>
-              <a:t>برای مشاهده‌ی تماس‌های دیروز، هفته‌ی گذشته یا ماه اخیر بر روی این قسمت کلیک کنید.</a:t>
-            </a:r>
+              <a:rPr lang="en-US" sz="1400" dirty="0" smtClean="0">
+                <a:solidFill>
+                  <a:srgbClr val="FF0000"/>
+                </a:solidFill>
+              </a:rPr>
+              <a:t>6</a:t>
+            </a:r>
+            <a:r>
+              <a:rPr lang="fa-IR" sz="1400" dirty="0" smtClean="0">
+                <a:solidFill>
+                  <a:srgbClr val="FF0000"/>
+                </a:solidFill>
+              </a:rPr>
+              <a:t>- </a:t>
+            </a:r>
+            <a:r>
+              <a:rPr lang="fa-IR" sz="1400" dirty="0" smtClean="0">
+                <a:cs typeface="B Nazanin" pitchFamily="2" charset="-78"/>
+              </a:rPr>
+              <a:t>برای مشاهده‌ی تماس‌های دیروز، </a:t>
+            </a:r>
+            <a:r>
+              <a:rPr lang="fa-IR" sz="1400" dirty="0" smtClean="0">
+                <a:cs typeface="B Nazanin" pitchFamily="2" charset="-78"/>
+              </a:rPr>
+              <a:t>هفته </a:t>
+            </a:r>
+            <a:r>
+              <a:rPr lang="fa-IR" sz="1400" dirty="0" smtClean="0">
+                <a:cs typeface="B Nazanin" pitchFamily="2" charset="-78"/>
+              </a:rPr>
+              <a:t>یا ماه اخیر بر روی این قسمت کلیک کنید</a:t>
+            </a:r>
+            <a:r>
+              <a:rPr lang="fa-IR" sz="1400" dirty="0" smtClean="0">
+                <a:cs typeface="B Nazanin" pitchFamily="2" charset="-78"/>
+              </a:rPr>
+              <a:t>.</a:t>
+            </a:r>
+          </a:p>
+          <a:p>
+            <a:pPr algn="just" rtl="1"/>
             <a:endParaRPr lang="fa-IR" sz="1400" dirty="0">
               <a:cs typeface="B Nazanin" pitchFamily="2" charset="-78"/>
             </a:endParaRPr>
           </a:p>
-        </p:txBody>
-      </p:sp>
+          <a:p>
+            <a:pPr algn="just" rtl="1"/>
+            <a:r>
+              <a:rPr lang="fa-IR" sz="1400" dirty="0" smtClean="0">
+                <a:solidFill>
+                  <a:srgbClr val="FF0000"/>
+                </a:solidFill>
+              </a:rPr>
+              <a:t>7- </a:t>
+            </a:r>
+            <a:r>
+              <a:rPr lang="fa-IR" sz="1400" dirty="0" smtClean="0">
+                <a:cs typeface="B Nazanin" pitchFamily="2" charset="-78"/>
+              </a:rPr>
+              <a:t>ساعت تماس</a:t>
+            </a:r>
+            <a:endParaRPr lang="fa-IR" sz="1400" dirty="0">
+              <a:cs typeface="B Nazanin" pitchFamily="2" charset="-78"/>
+            </a:endParaRPr>
+          </a:p>
+          <a:p>
+            <a:pPr algn="just" rtl="1"/>
+            <a:endParaRPr lang="fa-IR" sz="1400" dirty="0" smtClean="0">
+              <a:solidFill>
+                <a:srgbClr val="FF0000"/>
+              </a:solidFill>
+            </a:endParaRPr>
+          </a:p>
+          <a:p>
+            <a:pPr algn="just" rtl="1"/>
+            <a:r>
+              <a:rPr lang="fa-IR" sz="1400" dirty="0" smtClean="0">
+                <a:solidFill>
+                  <a:srgbClr val="FF0000"/>
+                </a:solidFill>
+              </a:rPr>
+              <a:t>8- </a:t>
+            </a:r>
+            <a:r>
+              <a:rPr lang="fa-IR" sz="1400" dirty="0" smtClean="0">
+                <a:cs typeface="B Nazanin" pitchFamily="2" charset="-78"/>
+              </a:rPr>
+              <a:t>تعداد پیامهای دریافتی</a:t>
+            </a:r>
+            <a:endParaRPr lang="fa-IR" sz="1400" dirty="0">
+              <a:cs typeface="B Nazanin" pitchFamily="2" charset="-78"/>
+            </a:endParaRPr>
+          </a:p>
+          <a:p>
+            <a:pPr algn="just" rtl="1"/>
+            <a:endParaRPr lang="fa-IR" sz="1400" dirty="0">
+              <a:cs typeface="B Nazanin" pitchFamily="2" charset="-78"/>
+            </a:endParaRPr>
+          </a:p>
+          <a:p>
+            <a:pPr algn="just" rtl="1"/>
+            <a:endParaRPr lang="fa-IR" sz="1400" dirty="0">
+              <a:cs typeface="B Nazanin" pitchFamily="2" charset="-78"/>
+            </a:endParaRPr>
+          </a:p>
+        </p:txBody>
+      </p:sp>
+      <p:sp>
+        <p:nvSpPr>
+          <p:cNvPr id="25" name="TextBox 24"/>
+          <p:cNvSpPr txBox="1"/>
+          <p:nvPr/>
+        </p:nvSpPr>
+        <p:spPr>
+          <a:xfrm>
+            <a:off x="3676983" y="3809793"/>
+            <a:ext cx="321587" cy="369332"/>
+          </a:xfrm>
+          <a:prstGeom prst="rect">
+            <a:avLst/>
+          </a:prstGeom>
+          <a:noFill/>
+        </p:spPr>
+        <p:txBody>
+          <a:bodyPr wrap="square" rtlCol="0">
+            <a:spAutoFit/>
+          </a:bodyPr>
+          <a:lstStyle/>
+          <a:p>
+            <a:r>
+              <a:rPr lang="en-US" dirty="0" smtClean="0">
+                <a:solidFill>
+                  <a:srgbClr val="FF0000"/>
+                </a:solidFill>
+                <a:latin typeface="Arial" pitchFamily="34" charset="0"/>
+                <a:cs typeface="Arial" pitchFamily="34" charset="0"/>
+              </a:rPr>
+              <a:t>5</a:t>
+            </a:r>
+            <a:endParaRPr lang="en-US" dirty="0">
+              <a:solidFill>
+                <a:srgbClr val="FF0000"/>
+              </a:solidFill>
+              <a:latin typeface="Arial" pitchFamily="34" charset="0"/>
+              <a:cs typeface="Arial" pitchFamily="34" charset="0"/>
+            </a:endParaRPr>
+          </a:p>
+        </p:txBody>
+      </p:sp>
+      <p:cxnSp>
+        <p:nvCxnSpPr>
+          <p:cNvPr id="31" name="Straight Arrow Connector 30"/>
+          <p:cNvCxnSpPr>
+            <a:stCxn id="25" idx="1"/>
+          </p:cNvCxnSpPr>
+          <p:nvPr/>
+        </p:nvCxnSpPr>
+        <p:spPr>
+          <a:xfrm flipH="1">
+            <a:off x="3200400" y="3994459"/>
+            <a:ext cx="476583" cy="0"/>
+          </a:xfrm>
+          <a:prstGeom prst="straightConnector1">
+            <a:avLst/>
+          </a:prstGeom>
+          <a:ln>
+            <a:tailEnd type="arrow"/>
+          </a:ln>
+        </p:spPr>
+        <p:style>
+          <a:lnRef idx="1">
+            <a:schemeClr val="accent1"/>
+          </a:lnRef>
+          <a:fillRef idx="0">
+            <a:schemeClr val="accent1"/>
+          </a:fillRef>
+          <a:effectRef idx="0">
+            <a:schemeClr val="accent1"/>
+          </a:effectRef>
+          <a:fontRef idx="minor">
+            <a:schemeClr val="tx1"/>
+          </a:fontRef>
+        </p:style>
+      </p:cxnSp>
+      <p:sp>
+        <p:nvSpPr>
+          <p:cNvPr id="32" name="Rectangle 31"/>
+          <p:cNvSpPr/>
+          <p:nvPr/>
+        </p:nvSpPr>
+        <p:spPr>
+          <a:xfrm>
+            <a:off x="998706" y="5105400"/>
+            <a:ext cx="312906" cy="369332"/>
+          </a:xfrm>
+          <a:prstGeom prst="rect">
+            <a:avLst/>
+          </a:prstGeom>
+        </p:spPr>
+        <p:txBody>
+          <a:bodyPr wrap="none">
+            <a:spAutoFit/>
+          </a:bodyPr>
+          <a:lstStyle/>
+          <a:p>
+            <a:r>
+              <a:rPr lang="en-US" dirty="0" smtClean="0">
+                <a:solidFill>
+                  <a:srgbClr val="FF0000"/>
+                </a:solidFill>
+                <a:latin typeface="Arial" pitchFamily="34" charset="0"/>
+                <a:cs typeface="Arial" pitchFamily="34" charset="0"/>
+              </a:rPr>
+              <a:t>8</a:t>
+            </a:r>
+            <a:endParaRPr lang="en-US" dirty="0">
+              <a:latin typeface="Arial" pitchFamily="34" charset="0"/>
+              <a:cs typeface="Arial" pitchFamily="34" charset="0"/>
+            </a:endParaRPr>
+          </a:p>
+        </p:txBody>
+      </p:sp>
+      <p:cxnSp>
+        <p:nvCxnSpPr>
+          <p:cNvPr id="33" name="Straight Arrow Connector 32"/>
+          <p:cNvCxnSpPr>
+            <a:stCxn id="32" idx="0"/>
+          </p:cNvCxnSpPr>
+          <p:nvPr/>
+        </p:nvCxnSpPr>
+        <p:spPr>
+          <a:xfrm flipV="1">
+            <a:off x="1155159" y="3264393"/>
+            <a:ext cx="0" cy="1841007"/>
+          </a:xfrm>
+          <a:prstGeom prst="straightConnector1">
+            <a:avLst/>
+          </a:prstGeom>
+          <a:ln>
+            <a:tailEnd type="arrow"/>
+          </a:ln>
+        </p:spPr>
+        <p:style>
+          <a:lnRef idx="1">
+            <a:schemeClr val="accent1"/>
+          </a:lnRef>
+          <a:fillRef idx="0">
+            <a:schemeClr val="accent1"/>
+          </a:fillRef>
+          <a:effectRef idx="0">
+            <a:schemeClr val="accent1"/>
+          </a:effectRef>
+          <a:fontRef idx="minor">
+            <a:schemeClr val="tx1"/>
+          </a:fontRef>
+        </p:style>
+      </p:cxnSp>
+      <p:sp>
+        <p:nvSpPr>
+          <p:cNvPr id="34" name="Rectangle 33"/>
+          <p:cNvSpPr/>
+          <p:nvPr/>
+        </p:nvSpPr>
+        <p:spPr>
+          <a:xfrm>
+            <a:off x="685800" y="5105400"/>
+            <a:ext cx="312906" cy="369332"/>
+          </a:xfrm>
+          <a:prstGeom prst="rect">
+            <a:avLst/>
+          </a:prstGeom>
+        </p:spPr>
+        <p:txBody>
+          <a:bodyPr wrap="none">
+            <a:spAutoFit/>
+          </a:bodyPr>
+          <a:lstStyle/>
+          <a:p>
+            <a:r>
+              <a:rPr lang="en-US" dirty="0" smtClean="0">
+                <a:solidFill>
+                  <a:srgbClr val="FF0000"/>
+                </a:solidFill>
+                <a:latin typeface="Arial" pitchFamily="34" charset="0"/>
+                <a:cs typeface="Arial" pitchFamily="34" charset="0"/>
+              </a:rPr>
+              <a:t>7</a:t>
+            </a:r>
+            <a:endParaRPr lang="en-US" dirty="0">
+              <a:latin typeface="Arial" pitchFamily="34" charset="0"/>
+              <a:cs typeface="Arial" pitchFamily="34" charset="0"/>
+            </a:endParaRPr>
+          </a:p>
+        </p:txBody>
+      </p:sp>
+      <p:cxnSp>
+        <p:nvCxnSpPr>
+          <p:cNvPr id="35" name="Straight Arrow Connector 34"/>
+          <p:cNvCxnSpPr>
+            <a:stCxn id="34" idx="0"/>
+          </p:cNvCxnSpPr>
+          <p:nvPr/>
+        </p:nvCxnSpPr>
+        <p:spPr>
+          <a:xfrm flipV="1">
+            <a:off x="842253" y="4336268"/>
+            <a:ext cx="0" cy="769132"/>
+          </a:xfrm>
+          <a:prstGeom prst="straightConnector1">
+            <a:avLst/>
+          </a:prstGeom>
+          <a:ln>
+            <a:tailEnd type="arrow"/>
+          </a:ln>
+        </p:spPr>
+        <p:style>
+          <a:lnRef idx="1">
+            <a:schemeClr val="accent1"/>
+          </a:lnRef>
+          <a:fillRef idx="0">
+            <a:schemeClr val="accent1"/>
+          </a:fillRef>
+          <a:effectRef idx="0">
+            <a:schemeClr val="accent1"/>
+          </a:effectRef>
+          <a:fontRef idx="minor">
+            <a:schemeClr val="tx1"/>
+          </a:fontRef>
+        </p:style>
+      </p:cxnSp>
     </p:spTree>
     <p:extLst>
       <p:ext uri="{BB962C8B-B14F-4D97-AF65-F5344CB8AC3E}">

--- a/ShookaDesktop Guide - Farsi.pptx
+++ b/ShookaDesktop Guide - Farsi.pptx
@@ -314,7 +314,7 @@
           <a:p>
             <a:fld id="{F32E560B-4F83-45FF-AAA0-7CF2EC396768}" type="datetimeFigureOut">
               <a:rPr lang="en-US" smtClean="0"/>
-              <a:t>8/4/2014</a:t>
+              <a:t>8/5/2014</a:t>
             </a:fld>
             <a:endParaRPr lang="en-US"/>
           </a:p>
@@ -484,7 +484,7 @@
           <a:p>
             <a:fld id="{F32E560B-4F83-45FF-AAA0-7CF2EC396768}" type="datetimeFigureOut">
               <a:rPr lang="en-US" smtClean="0"/>
-              <a:t>8/4/2014</a:t>
+              <a:t>8/5/2014</a:t>
             </a:fld>
             <a:endParaRPr lang="en-US"/>
           </a:p>
@@ -664,7 +664,7 @@
           <a:p>
             <a:fld id="{F32E560B-4F83-45FF-AAA0-7CF2EC396768}" type="datetimeFigureOut">
               <a:rPr lang="en-US" smtClean="0"/>
-              <a:t>8/4/2014</a:t>
+              <a:t>8/5/2014</a:t>
             </a:fld>
             <a:endParaRPr lang="en-US"/>
           </a:p>
@@ -834,7 +834,7 @@
           <a:p>
             <a:fld id="{F32E560B-4F83-45FF-AAA0-7CF2EC396768}" type="datetimeFigureOut">
               <a:rPr lang="en-US" smtClean="0"/>
-              <a:t>8/4/2014</a:t>
+              <a:t>8/5/2014</a:t>
             </a:fld>
             <a:endParaRPr lang="en-US"/>
           </a:p>
@@ -1080,7 +1080,7 @@
           <a:p>
             <a:fld id="{F32E560B-4F83-45FF-AAA0-7CF2EC396768}" type="datetimeFigureOut">
               <a:rPr lang="en-US" smtClean="0"/>
-              <a:t>8/4/2014</a:t>
+              <a:t>8/5/2014</a:t>
             </a:fld>
             <a:endParaRPr lang="en-US"/>
           </a:p>
@@ -1368,7 +1368,7 @@
           <a:p>
             <a:fld id="{F32E560B-4F83-45FF-AAA0-7CF2EC396768}" type="datetimeFigureOut">
               <a:rPr lang="en-US" smtClean="0"/>
-              <a:t>8/4/2014</a:t>
+              <a:t>8/5/2014</a:t>
             </a:fld>
             <a:endParaRPr lang="en-US"/>
           </a:p>
@@ -1790,7 +1790,7 @@
           <a:p>
             <a:fld id="{F32E560B-4F83-45FF-AAA0-7CF2EC396768}" type="datetimeFigureOut">
               <a:rPr lang="en-US" smtClean="0"/>
-              <a:t>8/4/2014</a:t>
+              <a:t>8/5/2014</a:t>
             </a:fld>
             <a:endParaRPr lang="en-US"/>
           </a:p>
@@ -1908,7 +1908,7 @@
           <a:p>
             <a:fld id="{F32E560B-4F83-45FF-AAA0-7CF2EC396768}" type="datetimeFigureOut">
               <a:rPr lang="en-US" smtClean="0"/>
-              <a:t>8/4/2014</a:t>
+              <a:t>8/5/2014</a:t>
             </a:fld>
             <a:endParaRPr lang="en-US"/>
           </a:p>
@@ -2003,7 +2003,7 @@
           <a:p>
             <a:fld id="{F32E560B-4F83-45FF-AAA0-7CF2EC396768}" type="datetimeFigureOut">
               <a:rPr lang="en-US" smtClean="0"/>
-              <a:t>8/4/2014</a:t>
+              <a:t>8/5/2014</a:t>
             </a:fld>
             <a:endParaRPr lang="en-US"/>
           </a:p>
@@ -2280,7 +2280,7 @@
           <a:p>
             <a:fld id="{F32E560B-4F83-45FF-AAA0-7CF2EC396768}" type="datetimeFigureOut">
               <a:rPr lang="en-US" smtClean="0"/>
-              <a:t>8/4/2014</a:t>
+              <a:t>8/5/2014</a:t>
             </a:fld>
             <a:endParaRPr lang="en-US"/>
           </a:p>
@@ -2533,7 +2533,7 @@
           <a:p>
             <a:fld id="{F32E560B-4F83-45FF-AAA0-7CF2EC396768}" type="datetimeFigureOut">
               <a:rPr lang="en-US" smtClean="0"/>
-              <a:t>8/4/2014</a:t>
+              <a:t>8/5/2014</a:t>
             </a:fld>
             <a:endParaRPr lang="en-US"/>
           </a:p>
@@ -2746,7 +2746,7 @@
           <a:p>
             <a:fld id="{F32E560B-4F83-45FF-AAA0-7CF2EC396768}" type="datetimeFigureOut">
               <a:rPr lang="en-US" smtClean="0"/>
-              <a:t>8/4/2014</a:t>
+              <a:t>8/5/2014</a:t>
             </a:fld>
             <a:endParaRPr lang="en-US"/>
           </a:p>
@@ -3123,7 +3123,7 @@
       </p:grpSpPr>
       <p:pic>
         <p:nvPicPr>
-          <p:cNvPr id="3" name="Picture 2"/>
+          <p:cNvPr id="2" name="Picture 1"/>
           <p:cNvPicPr>
             <a:picLocks noChangeAspect="1"/>
           </p:cNvPicPr>
@@ -3133,7 +3133,7 @@
           <a:blip r:embed="rId2">
             <a:extLst>
               <a:ext uri="{28A0092B-C50C-407E-A947-70E740481C1C}">
-                <a14:useLocalDpi xmlns:a14="http://schemas.microsoft.com/office/drawing/2010/main"/>
+                <a14:useLocalDpi xmlns:a14="http://schemas.microsoft.com/office/drawing/2010/main" val="0"/>
               </a:ext>
             </a:extLst>
           </a:blip>
@@ -3143,8 +3143,8 @@
         </p:blipFill>
         <p:spPr>
           <a:xfrm>
-            <a:off x="472605" y="914401"/>
-            <a:ext cx="3026296" cy="5785835"/>
+            <a:off x="496352" y="1062975"/>
+            <a:ext cx="2894247" cy="5596760"/>
           </a:xfrm>
           <a:prstGeom prst="rect">
             <a:avLst/>
@@ -11286,7 +11286,7 @@
       </p:grpSpPr>
       <p:pic>
         <p:nvPicPr>
-          <p:cNvPr id="4" name="Picture 3"/>
+          <p:cNvPr id="3" name="Picture 2"/>
           <p:cNvPicPr>
             <a:picLocks noChangeAspect="1"/>
           </p:cNvPicPr>
@@ -11296,7 +11296,7 @@
           <a:blip r:embed="rId2">
             <a:extLst>
               <a:ext uri="{28A0092B-C50C-407E-A947-70E740481C1C}">
-                <a14:useLocalDpi xmlns:a14="http://schemas.microsoft.com/office/drawing/2010/main"/>
+                <a14:useLocalDpi xmlns:a14="http://schemas.microsoft.com/office/drawing/2010/main" val="0"/>
               </a:ext>
             </a:extLst>
           </a:blip>
@@ -11306,8 +11306,8 @@
         </p:blipFill>
         <p:spPr>
           <a:xfrm>
-            <a:off x="472621" y="985549"/>
-            <a:ext cx="2917037" cy="5714687"/>
+            <a:off x="488118" y="997996"/>
+            <a:ext cx="2877790" cy="5618542"/>
           </a:xfrm>
           <a:prstGeom prst="rect">
             <a:avLst/>
@@ -11381,12 +11381,12 @@
           <a:lstStyle/>
           <a:p>
             <a:r>
-              <a:rPr lang="fa-IR" dirty="0" smtClean="0">
-                <a:solidFill>
-                  <a:srgbClr val="FF0000"/>
-                </a:solidFill>
-              </a:rPr>
-              <a:t>4</a:t>
+              <a:rPr lang="en-US" dirty="0" smtClean="0">
+                <a:solidFill>
+                  <a:srgbClr val="FF0000"/>
+                </a:solidFill>
+              </a:rPr>
+              <a:t>5</a:t>
             </a:r>
             <a:endParaRPr lang="en-US" dirty="0">
               <a:solidFill>
@@ -11439,8 +11439,8 @@
         </p:nvSpPr>
         <p:spPr>
           <a:xfrm>
-            <a:off x="3962399" y="935534"/>
-            <a:ext cx="4826617" cy="5478423"/>
+            <a:off x="3810001" y="1061621"/>
+            <a:ext cx="4979016" cy="5262979"/>
           </a:xfrm>
           <a:prstGeom prst="rect">
             <a:avLst/>
@@ -11454,82 +11454,185 @@
           <a:p>
             <a:pPr algn="just" rtl="1"/>
             <a:r>
-              <a:rPr lang="fa-IR" sz="1400" dirty="0">
-                <a:solidFill>
-                  <a:srgbClr val="FF0000"/>
-                </a:solidFill>
+              <a:rPr lang="fa-IR" sz="1200" dirty="0">
+                <a:solidFill>
+                  <a:srgbClr val="FF0000"/>
+                </a:solidFill>
+                <a:latin typeface="Tahoma" pitchFamily="34" charset="0"/>
+                <a:ea typeface="Tahoma" pitchFamily="34" charset="0"/>
+                <a:cs typeface="B Nazanin" pitchFamily="2" charset="-78"/>
               </a:rPr>
               <a:t>1- </a:t>
             </a:r>
             <a:r>
-              <a:rPr lang="fa-IR" sz="1400" dirty="0">
-                <a:cs typeface="B Nazanin" pitchFamily="2" charset="-78"/>
-              </a:rPr>
-              <a:t>با کلیک بر روی این قسمت، نرم‌افزار بسته  می‌شود.</a:t>
-            </a:r>
-          </a:p>
-          <a:p>
-            <a:pPr algn="just" rtl="1"/>
-            <a:endParaRPr lang="fa-IR" sz="1400" dirty="0">
+              <a:rPr lang="fa-IR" sz="1200" dirty="0">
+                <a:latin typeface="Tahoma" pitchFamily="34" charset="0"/>
+                <a:ea typeface="Tahoma" pitchFamily="34" charset="0"/>
+                <a:cs typeface="B Nazanin" pitchFamily="2" charset="-78"/>
+              </a:rPr>
+              <a:t>با کلیک بر روی این قسمت، نرم‌افزار بسته  می‌شود</a:t>
+            </a:r>
+            <a:r>
+              <a:rPr lang="fa-IR" sz="1200" dirty="0" smtClean="0">
+                <a:latin typeface="Tahoma" pitchFamily="34" charset="0"/>
+                <a:ea typeface="Tahoma" pitchFamily="34" charset="0"/>
+                <a:cs typeface="B Nazanin" pitchFamily="2" charset="-78"/>
+              </a:rPr>
+              <a:t>.</a:t>
+            </a:r>
+            <a:endParaRPr lang="en-US" sz="1200" dirty="0" smtClean="0">
+              <a:latin typeface="Tahoma" pitchFamily="34" charset="0"/>
+              <a:ea typeface="Tahoma" pitchFamily="34" charset="0"/>
               <a:cs typeface="B Nazanin" pitchFamily="2" charset="-78"/>
             </a:endParaRPr>
           </a:p>
           <a:p>
             <a:pPr algn="just" rtl="1"/>
-            <a:r>
-              <a:rPr lang="fa-IR" sz="1400" dirty="0">
-                <a:solidFill>
-                  <a:srgbClr val="FF0000"/>
-                </a:solidFill>
-              </a:rPr>
-              <a:t>2-</a:t>
-            </a:r>
-            <a:r>
-              <a:rPr lang="fa-IR" sz="1400" dirty="0">
-                <a:solidFill>
-                  <a:srgbClr val="FF0000"/>
-                </a:solidFill>
-                <a:cs typeface="B Nazanin" pitchFamily="2" charset="-78"/>
-              </a:rPr>
-              <a:t> </a:t>
-            </a:r>
-            <a:r>
-              <a:rPr lang="fa-IR" sz="1400" dirty="0">
-                <a:cs typeface="B Nazanin" pitchFamily="2" charset="-78"/>
-              </a:rPr>
-              <a:t>با کلیک بر روی این قسمت، پنجره نرم‌افزار به </a:t>
-            </a:r>
-            <a:r>
-              <a:rPr lang="en-US" sz="1400" dirty="0">
-                <a:cs typeface="B Nazanin" pitchFamily="2" charset="-78"/>
-              </a:rPr>
-              <a:t>Tray Icon</a:t>
-            </a:r>
-            <a:r>
-              <a:rPr lang="fa-IR" sz="1400" dirty="0">
-                <a:cs typeface="B Nazanin" pitchFamily="2" charset="-78"/>
-              </a:rPr>
-              <a:t> تبدیل می‌شود تا حضورش در طول روز مزاحم‌تان نشود. برای برگرداندن صفحه نرم‌افزار باید روی آیکون کوچک واقع در گوشه پائین سمت راست میز کارتان (دسکتاب) کلیک کنید.</a:t>
-            </a:r>
-          </a:p>
-          <a:p>
-            <a:pPr algn="just" rtl="1"/>
-            <a:endParaRPr lang="fa-IR" sz="1400" dirty="0">
+            <a:endParaRPr lang="en-US" sz="1200" dirty="0">
+              <a:latin typeface="Tahoma" pitchFamily="34" charset="0"/>
+              <a:ea typeface="Tahoma" pitchFamily="34" charset="0"/>
               <a:cs typeface="B Nazanin" pitchFamily="2" charset="-78"/>
             </a:endParaRPr>
           </a:p>
           <a:p>
             <a:pPr algn="just" rtl="1"/>
             <a:r>
-              <a:rPr lang="fa-IR" sz="1400" dirty="0">
-                <a:solidFill>
-                  <a:srgbClr val="FF0000"/>
-                </a:solidFill>
-              </a:rPr>
-              <a:t>3- </a:t>
-            </a:r>
-            <a:r>
-              <a:rPr lang="fa-IR" sz="1400" dirty="0">
+              <a:rPr lang="en-US" sz="1200" dirty="0" smtClean="0">
+                <a:solidFill>
+                  <a:srgbClr val="FF0000"/>
+                </a:solidFill>
+                <a:latin typeface="Tahoma" pitchFamily="34" charset="0"/>
+                <a:ea typeface="Tahoma" pitchFamily="34" charset="0"/>
+                <a:cs typeface="B Nazanin" pitchFamily="2" charset="-78"/>
+              </a:rPr>
+              <a:t>2</a:t>
+            </a:r>
+            <a:r>
+              <a:rPr lang="fa-IR" sz="1200" dirty="0" smtClean="0">
+                <a:solidFill>
+                  <a:srgbClr val="FF0000"/>
+                </a:solidFill>
+                <a:latin typeface="Tahoma" pitchFamily="34" charset="0"/>
+                <a:ea typeface="Tahoma" pitchFamily="34" charset="0"/>
+                <a:cs typeface="B Nazanin" pitchFamily="2" charset="-78"/>
+              </a:rPr>
+              <a:t>- </a:t>
+            </a:r>
+            <a:r>
+              <a:rPr lang="fa-IR" sz="1200" dirty="0">
+                <a:latin typeface="Tahoma" pitchFamily="34" charset="0"/>
+                <a:ea typeface="Tahoma" pitchFamily="34" charset="0"/>
+                <a:cs typeface="B Nazanin" pitchFamily="2" charset="-78"/>
+              </a:rPr>
+              <a:t>با کلیک بر روی این قسمت، </a:t>
+            </a:r>
+            <a:r>
+              <a:rPr lang="fa-IR" sz="1200" dirty="0" smtClean="0">
+                <a:latin typeface="Tahoma" pitchFamily="34" charset="0"/>
+                <a:ea typeface="Tahoma" pitchFamily="34" charset="0"/>
+                <a:cs typeface="B Nazanin" pitchFamily="2" charset="-78"/>
+              </a:rPr>
+              <a:t>از نرم‌افزار خارج می‌شوید و دوباره صفحه ورود به نرم‌افزار نمایش داده می‌شود تا دوباره نام کاربری و رمز عبور را وارد کنید.</a:t>
+            </a:r>
+            <a:endParaRPr lang="fa-IR" sz="1200" dirty="0">
+              <a:latin typeface="Tahoma" pitchFamily="34" charset="0"/>
+              <a:ea typeface="Tahoma" pitchFamily="34" charset="0"/>
+              <a:cs typeface="B Nazanin" pitchFamily="2" charset="-78"/>
+            </a:endParaRPr>
+          </a:p>
+          <a:p>
+            <a:pPr algn="just" rtl="1"/>
+            <a:endParaRPr lang="fa-IR" sz="1200" dirty="0">
+              <a:latin typeface="Tahoma" pitchFamily="34" charset="0"/>
+              <a:ea typeface="Tahoma" pitchFamily="34" charset="0"/>
+              <a:cs typeface="B Nazanin" pitchFamily="2" charset="-78"/>
+            </a:endParaRPr>
+          </a:p>
+          <a:p>
+            <a:pPr algn="just" rtl="1"/>
+            <a:r>
+              <a:rPr lang="en-US" sz="1200" dirty="0" smtClean="0">
+                <a:solidFill>
+                  <a:srgbClr val="FF0000"/>
+                </a:solidFill>
+                <a:latin typeface="Tahoma" pitchFamily="34" charset="0"/>
+                <a:ea typeface="Tahoma" pitchFamily="34" charset="0"/>
+                <a:cs typeface="B Nazanin" pitchFamily="2" charset="-78"/>
+              </a:rPr>
+              <a:t>3</a:t>
+            </a:r>
+            <a:r>
+              <a:rPr lang="fa-IR" sz="1200" dirty="0" smtClean="0">
+                <a:solidFill>
+                  <a:srgbClr val="FF0000"/>
+                </a:solidFill>
+                <a:latin typeface="Tahoma" pitchFamily="34" charset="0"/>
+                <a:ea typeface="Tahoma" pitchFamily="34" charset="0"/>
+                <a:cs typeface="B Nazanin" pitchFamily="2" charset="-78"/>
+              </a:rPr>
+              <a:t>- </a:t>
+            </a:r>
+            <a:r>
+              <a:rPr lang="fa-IR" sz="1200" dirty="0">
+                <a:latin typeface="Tahoma" pitchFamily="34" charset="0"/>
+                <a:ea typeface="Tahoma" pitchFamily="34" charset="0"/>
+                <a:cs typeface="B Nazanin" pitchFamily="2" charset="-78"/>
+              </a:rPr>
+              <a:t>با کلیک بر روی این قسمت، پنجره نرم‌افزار به </a:t>
+            </a:r>
+            <a:r>
+              <a:rPr lang="en-US" sz="1200" dirty="0">
+                <a:latin typeface="Tahoma" pitchFamily="34" charset="0"/>
+                <a:ea typeface="Tahoma" pitchFamily="34" charset="0"/>
+                <a:cs typeface="B Nazanin" pitchFamily="2" charset="-78"/>
+              </a:rPr>
+              <a:t>Tray Icon</a:t>
+            </a:r>
+            <a:r>
+              <a:rPr lang="fa-IR" sz="1200" dirty="0">
+                <a:latin typeface="Tahoma" pitchFamily="34" charset="0"/>
+                <a:ea typeface="Tahoma" pitchFamily="34" charset="0"/>
+                <a:cs typeface="B Nazanin" pitchFamily="2" charset="-78"/>
+              </a:rPr>
+              <a:t> تبدیل می‌شود تا حضورش در طول روز مزاحم‌تان نشود. برای برگرداندن صفحه نرم‌افزار باید روی آیکون کوچک واقع در گوشه پائین سمت راست میز کارتان (دسکتاب) کلیک کنید.</a:t>
+            </a:r>
+          </a:p>
+          <a:p>
+            <a:pPr algn="just" rtl="1"/>
+            <a:endParaRPr lang="fa-IR" sz="1200" dirty="0">
+              <a:latin typeface="Tahoma" pitchFamily="34" charset="0"/>
+              <a:ea typeface="Tahoma" pitchFamily="34" charset="0"/>
+              <a:cs typeface="B Nazanin" pitchFamily="2" charset="-78"/>
+            </a:endParaRPr>
+          </a:p>
+          <a:p>
+            <a:pPr algn="just" rtl="1"/>
+            <a:r>
+              <a:rPr lang="en-US" sz="1200" dirty="0" smtClean="0">
+                <a:solidFill>
+                  <a:srgbClr val="FF0000"/>
+                </a:solidFill>
+                <a:latin typeface="Tahoma" pitchFamily="34" charset="0"/>
+                <a:ea typeface="Tahoma" pitchFamily="34" charset="0"/>
+                <a:cs typeface="B Nazanin" pitchFamily="2" charset="-78"/>
+              </a:rPr>
+              <a:t>4</a:t>
+            </a:r>
+            <a:r>
+              <a:rPr lang="fa-IR" sz="1200" dirty="0" smtClean="0">
+                <a:solidFill>
+                  <a:srgbClr val="FF0000"/>
+                </a:solidFill>
+                <a:latin typeface="Tahoma" pitchFamily="34" charset="0"/>
+                <a:ea typeface="Tahoma" pitchFamily="34" charset="0"/>
+                <a:cs typeface="B Nazanin" pitchFamily="2" charset="-78"/>
+              </a:rPr>
+              <a:t>- </a:t>
+            </a:r>
+            <a:r>
+              <a:rPr lang="fa-IR" sz="1200" dirty="0">
+                <a:latin typeface="Tahoma" pitchFamily="34" charset="0"/>
+                <a:ea typeface="Tahoma" pitchFamily="34" charset="0"/>
                 <a:cs typeface="B Nazanin" pitchFamily="2" charset="-78"/>
               </a:rPr>
               <a:t>برای کوچک کردن پنجره نرم‌افزار بر روی این قسمت کلیک کنید.</a:t>
@@ -11537,60 +11640,100 @@
           </a:p>
           <a:p>
             <a:pPr algn="just" rtl="1"/>
-            <a:endParaRPr lang="en-US" sz="1400" dirty="0">
+            <a:endParaRPr lang="en-US" sz="1200" dirty="0">
               <a:solidFill>
                 <a:srgbClr val="FF0000"/>
               </a:solidFill>
+              <a:latin typeface="Tahoma" pitchFamily="34" charset="0"/>
+              <a:ea typeface="Tahoma" pitchFamily="34" charset="0"/>
               <a:cs typeface="B Nazanin" pitchFamily="2" charset="-78"/>
             </a:endParaRPr>
           </a:p>
           <a:p>
             <a:pPr algn="just" rtl="1"/>
             <a:r>
-              <a:rPr lang="fa-IR" sz="1400" dirty="0">
-                <a:solidFill>
-                  <a:srgbClr val="FF0000"/>
-                </a:solidFill>
-              </a:rPr>
-              <a:t>4-</a:t>
-            </a:r>
-            <a:r>
-              <a:rPr lang="fa-IR" sz="1400" dirty="0">
-                <a:cs typeface="B Nazanin" pitchFamily="2" charset="-78"/>
-              </a:rPr>
-              <a:t> بخش مربوط به برقراری تماس تصویری فقط بین دو </a:t>
-            </a:r>
-            <a:r>
-              <a:rPr lang="fa-IR" sz="1400" dirty="0" smtClean="0">
-                <a:cs typeface="B Nazanin" pitchFamily="2" charset="-78"/>
-              </a:rPr>
-              <a:t>نفر</a:t>
-            </a:r>
-          </a:p>
-          <a:p>
-            <a:pPr algn="just" rtl="1"/>
-            <a:endParaRPr lang="fa-IR" sz="1400" dirty="0">
+              <a:rPr lang="en-US" sz="1200" dirty="0" smtClean="0">
+                <a:solidFill>
+                  <a:srgbClr val="FF0000"/>
+                </a:solidFill>
+                <a:latin typeface="Tahoma" pitchFamily="34" charset="0"/>
+                <a:ea typeface="Tahoma" pitchFamily="34" charset="0"/>
+                <a:cs typeface="B Nazanin" pitchFamily="2" charset="-78"/>
+              </a:rPr>
+              <a:t>5</a:t>
+            </a:r>
+            <a:r>
+              <a:rPr lang="fa-IR" sz="1200" dirty="0" smtClean="0">
+                <a:solidFill>
+                  <a:srgbClr val="FF0000"/>
+                </a:solidFill>
+                <a:latin typeface="Tahoma" pitchFamily="34" charset="0"/>
+                <a:ea typeface="Tahoma" pitchFamily="34" charset="0"/>
+                <a:cs typeface="B Nazanin" pitchFamily="2" charset="-78"/>
+              </a:rPr>
+              <a:t>-</a:t>
+            </a:r>
+            <a:r>
+              <a:rPr lang="fa-IR" sz="1200" dirty="0" smtClean="0">
+                <a:latin typeface="Tahoma" pitchFamily="34" charset="0"/>
+                <a:ea typeface="Tahoma" pitchFamily="34" charset="0"/>
+                <a:cs typeface="B Nazanin" pitchFamily="2" charset="-78"/>
+              </a:rPr>
+              <a:t> </a:t>
+            </a:r>
+            <a:r>
+              <a:rPr lang="fa-IR" sz="1200" dirty="0">
+                <a:latin typeface="Tahoma" pitchFamily="34" charset="0"/>
+                <a:ea typeface="Tahoma" pitchFamily="34" charset="0"/>
+                <a:cs typeface="B Nazanin" pitchFamily="2" charset="-78"/>
+              </a:rPr>
+              <a:t>بخش مربوط به برقراری تماس تصویری فقط بین دو نفر</a:t>
+            </a:r>
+          </a:p>
+          <a:p>
+            <a:pPr algn="just" rtl="1"/>
+            <a:endParaRPr lang="fa-IR" sz="1200" dirty="0">
+              <a:latin typeface="Tahoma" pitchFamily="34" charset="0"/>
+              <a:ea typeface="Tahoma" pitchFamily="34" charset="0"/>
               <a:cs typeface="B Nazanin" pitchFamily="2" charset="-78"/>
             </a:endParaRPr>
           </a:p>
           <a:p>
             <a:pPr algn="just" rtl="1"/>
             <a:r>
-              <a:rPr lang="fa-IR" sz="1400" dirty="0">
-                <a:solidFill>
-                  <a:srgbClr val="FF0000"/>
-                </a:solidFill>
-              </a:rPr>
-              <a:t>5- </a:t>
-            </a:r>
-            <a:r>
-              <a:rPr lang="fa-IR" sz="1400" dirty="0">
+              <a:rPr lang="en-US" sz="1200" dirty="0" smtClean="0">
+                <a:solidFill>
+                  <a:srgbClr val="FF0000"/>
+                </a:solidFill>
+                <a:latin typeface="Tahoma" pitchFamily="34" charset="0"/>
+                <a:ea typeface="Tahoma" pitchFamily="34" charset="0"/>
+                <a:cs typeface="B Nazanin" pitchFamily="2" charset="-78"/>
+              </a:rPr>
+              <a:t>6</a:t>
+            </a:r>
+            <a:r>
+              <a:rPr lang="fa-IR" sz="1200" dirty="0" smtClean="0">
+                <a:solidFill>
+                  <a:srgbClr val="FF0000"/>
+                </a:solidFill>
+                <a:latin typeface="Tahoma" pitchFamily="34" charset="0"/>
+                <a:ea typeface="Tahoma" pitchFamily="34" charset="0"/>
+                <a:cs typeface="B Nazanin" pitchFamily="2" charset="-78"/>
+              </a:rPr>
+              <a:t>- </a:t>
+            </a:r>
+            <a:r>
+              <a:rPr lang="fa-IR" sz="1200" dirty="0">
+                <a:latin typeface="Tahoma" pitchFamily="34" charset="0"/>
+                <a:ea typeface="Tahoma" pitchFamily="34" charset="0"/>
                 <a:cs typeface="B Nazanin" pitchFamily="2" charset="-78"/>
               </a:rPr>
               <a:t>بخش مربوط به تشکیل جلسه‌ی چند نفره و یا حضور فرد در چنین </a:t>
             </a:r>
             <a:r>
-              <a:rPr lang="fa-IR" sz="1400" dirty="0" smtClean="0">
+              <a:rPr lang="fa-IR" sz="1200" dirty="0" smtClean="0">
+                <a:latin typeface="Tahoma" pitchFamily="34" charset="0"/>
+                <a:ea typeface="Tahoma" pitchFamily="34" charset="0"/>
                 <a:cs typeface="B Nazanin" pitchFamily="2" charset="-78"/>
               </a:rPr>
               <a:t>جلسه</a:t>
@@ -11598,42 +11741,75 @@
           </a:p>
           <a:p>
             <a:pPr algn="just" rtl="1"/>
-            <a:endParaRPr lang="en-US" sz="1400" dirty="0">
+            <a:endParaRPr lang="en-US" sz="1200" dirty="0">
               <a:solidFill>
                 <a:srgbClr val="FF0000"/>
               </a:solidFill>
+              <a:latin typeface="Tahoma" pitchFamily="34" charset="0"/>
+              <a:ea typeface="Tahoma" pitchFamily="34" charset="0"/>
+              <a:cs typeface="B Nazanin" pitchFamily="2" charset="-78"/>
             </a:endParaRPr>
           </a:p>
           <a:p>
             <a:pPr algn="just" rtl="1"/>
             <a:r>
-              <a:rPr lang="fa-IR" sz="1400" dirty="0">
-                <a:solidFill>
-                  <a:srgbClr val="FF0000"/>
-                </a:solidFill>
-              </a:rPr>
-              <a:t>6-</a:t>
-            </a:r>
-            <a:r>
-              <a:rPr lang="fa-IR" sz="1400" dirty="0">
-                <a:cs typeface="B Nazanin" pitchFamily="2" charset="-78"/>
-              </a:rPr>
-              <a:t> بخش مربوط به تماس‌های خاص </a:t>
-            </a:r>
-            <a:r>
-              <a:rPr lang="fa-IR" sz="1400" dirty="0" smtClean="0">
+              <a:rPr lang="en-US" sz="1200" dirty="0" smtClean="0">
+                <a:solidFill>
+                  <a:srgbClr val="FF0000"/>
+                </a:solidFill>
+                <a:latin typeface="Tahoma" pitchFamily="34" charset="0"/>
+                <a:ea typeface="Tahoma" pitchFamily="34" charset="0"/>
+                <a:cs typeface="B Nazanin" pitchFamily="2" charset="-78"/>
+              </a:rPr>
+              <a:t>7</a:t>
+            </a:r>
+            <a:r>
+              <a:rPr lang="fa-IR" sz="1200" dirty="0" smtClean="0">
+                <a:solidFill>
+                  <a:srgbClr val="FF0000"/>
+                </a:solidFill>
+                <a:latin typeface="Tahoma" pitchFamily="34" charset="0"/>
+                <a:ea typeface="Tahoma" pitchFamily="34" charset="0"/>
+                <a:cs typeface="B Nazanin" pitchFamily="2" charset="-78"/>
+              </a:rPr>
+              <a:t>-</a:t>
+            </a:r>
+            <a:r>
+              <a:rPr lang="fa-IR" sz="1200" dirty="0" smtClean="0">
+                <a:latin typeface="Tahoma" pitchFamily="34" charset="0"/>
+                <a:ea typeface="Tahoma" pitchFamily="34" charset="0"/>
+                <a:cs typeface="B Nazanin" pitchFamily="2" charset="-78"/>
+              </a:rPr>
+              <a:t> </a:t>
+            </a:r>
+            <a:r>
+              <a:rPr lang="fa-IR" sz="1200" dirty="0">
+                <a:latin typeface="Tahoma" pitchFamily="34" charset="0"/>
+                <a:ea typeface="Tahoma" pitchFamily="34" charset="0"/>
+                <a:cs typeface="B Nazanin" pitchFamily="2" charset="-78"/>
+              </a:rPr>
+              <a:t>بخش مربوط به تماس‌های خاص </a:t>
+            </a:r>
+            <a:r>
+              <a:rPr lang="fa-IR" sz="1200" dirty="0" smtClean="0">
+                <a:latin typeface="Tahoma" pitchFamily="34" charset="0"/>
+                <a:ea typeface="Tahoma" pitchFamily="34" charset="0"/>
                 <a:cs typeface="B Nazanin" pitchFamily="2" charset="-78"/>
               </a:rPr>
               <a:t>شامل تماس </a:t>
             </a:r>
             <a:r>
-              <a:rPr lang="fa-IR" sz="1400" dirty="0">
+              <a:rPr lang="fa-IR" sz="1200" dirty="0">
+                <a:latin typeface="Tahoma" pitchFamily="34" charset="0"/>
+                <a:ea typeface="Tahoma" pitchFamily="34" charset="0"/>
                 <a:cs typeface="B Nazanin" pitchFamily="2" charset="-78"/>
               </a:rPr>
               <a:t>به شماره افراد، تماس بین سازمانی و تماس با دستگاه‌های </a:t>
             </a:r>
             <a:r>
-              <a:rPr lang="fa-IR" sz="1400" dirty="0" smtClean="0">
+              <a:rPr lang="fa-IR" sz="1200" dirty="0" smtClean="0">
+                <a:latin typeface="Tahoma" pitchFamily="34" charset="0"/>
+                <a:ea typeface="Tahoma" pitchFamily="34" charset="0"/>
                 <a:cs typeface="B Nazanin" pitchFamily="2" charset="-78"/>
               </a:rPr>
               <a:t>قدیمی</a:t>
@@ -11641,134 +11817,210 @@
           </a:p>
           <a:p>
             <a:pPr algn="just" rtl="1"/>
-            <a:endParaRPr lang="en-US" sz="1400" dirty="0">
+            <a:endParaRPr lang="en-US" sz="1200" dirty="0">
               <a:solidFill>
                 <a:srgbClr val="FF0000"/>
               </a:solidFill>
-            </a:endParaRPr>
-          </a:p>
-          <a:p>
-            <a:pPr algn="just" rtl="1"/>
-            <a:r>
-              <a:rPr lang="fa-IR" sz="1400" dirty="0">
-                <a:solidFill>
-                  <a:srgbClr val="FF0000"/>
-                </a:solidFill>
-              </a:rPr>
-              <a:t>7-</a:t>
-            </a:r>
-            <a:r>
-              <a:rPr lang="fa-IR" sz="1400" dirty="0">
-                <a:solidFill>
-                  <a:srgbClr val="FF0000"/>
-                </a:solidFill>
-                <a:cs typeface="B Nazanin" pitchFamily="2" charset="-78"/>
-              </a:rPr>
-              <a:t> </a:t>
-            </a:r>
-            <a:r>
-              <a:rPr lang="fa-IR" sz="1400" dirty="0">
-                <a:cs typeface="B Nazanin" pitchFamily="2" charset="-78"/>
-              </a:rPr>
-              <a:t>بخش مربوط به تنظیمات نرم </a:t>
-            </a:r>
-            <a:r>
-              <a:rPr lang="fa-IR" sz="1400" dirty="0" smtClean="0">
-                <a:cs typeface="B Nazanin" pitchFamily="2" charset="-78"/>
-              </a:rPr>
-              <a:t>افزار</a:t>
-            </a:r>
-          </a:p>
-          <a:p>
-            <a:pPr algn="just" rtl="1"/>
-            <a:endParaRPr lang="fa-IR" sz="1400" dirty="0">
+              <a:latin typeface="Tahoma" pitchFamily="34" charset="0"/>
+              <a:ea typeface="Tahoma" pitchFamily="34" charset="0"/>
               <a:cs typeface="B Nazanin" pitchFamily="2" charset="-78"/>
             </a:endParaRPr>
           </a:p>
           <a:p>
             <a:pPr algn="just" rtl="1"/>
             <a:r>
-              <a:rPr lang="fa-IR" sz="1400" dirty="0">
-                <a:solidFill>
-                  <a:srgbClr val="FF0000"/>
-                </a:solidFill>
-              </a:rPr>
-              <a:t>8- </a:t>
-            </a:r>
-            <a:r>
-              <a:rPr lang="fa-IR" sz="1400" dirty="0">
-                <a:cs typeface="B Nazanin" pitchFamily="2" charset="-78"/>
-              </a:rPr>
-              <a:t>کیفیت ارتباط شبکه‌تان با مرکز داده‌ی شوکا در هر لحظه توسط این آنتن کوچک نمایش داده می‌شود</a:t>
-            </a:r>
-            <a:r>
-              <a:rPr lang="fa-IR" sz="1400" dirty="0" smtClean="0">
-                <a:cs typeface="B Nazanin" pitchFamily="2" charset="-78"/>
-              </a:rPr>
-              <a:t>.</a:t>
-            </a:r>
-            <a:endParaRPr lang="fa-IR" sz="1400" dirty="0">
+              <a:rPr lang="en-US" sz="1200" dirty="0" smtClean="0">
+                <a:solidFill>
+                  <a:srgbClr val="FF0000"/>
+                </a:solidFill>
+                <a:latin typeface="Tahoma" pitchFamily="34" charset="0"/>
+                <a:ea typeface="Tahoma" pitchFamily="34" charset="0"/>
+                <a:cs typeface="B Nazanin" pitchFamily="2" charset="-78"/>
+              </a:rPr>
+              <a:t>8</a:t>
+            </a:r>
+            <a:r>
+              <a:rPr lang="fa-IR" sz="1200" dirty="0" smtClean="0">
+                <a:solidFill>
+                  <a:srgbClr val="FF0000"/>
+                </a:solidFill>
+                <a:latin typeface="Tahoma" pitchFamily="34" charset="0"/>
+                <a:ea typeface="Tahoma" pitchFamily="34" charset="0"/>
+                <a:cs typeface="B Nazanin" pitchFamily="2" charset="-78"/>
+              </a:rPr>
+              <a:t>- </a:t>
+            </a:r>
+            <a:r>
+              <a:rPr lang="fa-IR" sz="1200" dirty="0">
+                <a:latin typeface="Tahoma" pitchFamily="34" charset="0"/>
+                <a:ea typeface="Tahoma" pitchFamily="34" charset="0"/>
+                <a:cs typeface="B Nazanin" pitchFamily="2" charset="-78"/>
+              </a:rPr>
+              <a:t>بخش مربوط به تنظیمات نرم </a:t>
+            </a:r>
+            <a:r>
+              <a:rPr lang="fa-IR" sz="1200" dirty="0" smtClean="0">
+                <a:latin typeface="Tahoma" pitchFamily="34" charset="0"/>
+                <a:ea typeface="Tahoma" pitchFamily="34" charset="0"/>
+                <a:cs typeface="B Nazanin" pitchFamily="2" charset="-78"/>
+              </a:rPr>
+              <a:t>افزار</a:t>
+            </a:r>
+          </a:p>
+          <a:p>
+            <a:pPr algn="just" rtl="1"/>
+            <a:endParaRPr lang="fa-IR" sz="1200" dirty="0">
+              <a:latin typeface="Tahoma" pitchFamily="34" charset="0"/>
+              <a:ea typeface="Tahoma" pitchFamily="34" charset="0"/>
               <a:cs typeface="B Nazanin" pitchFamily="2" charset="-78"/>
             </a:endParaRPr>
           </a:p>
           <a:p>
             <a:pPr algn="just" rtl="1"/>
-            <a:endParaRPr lang="fa-IR" sz="1400" dirty="0">
+            <a:r>
+              <a:rPr lang="en-US" sz="1200" dirty="0" smtClean="0">
+                <a:solidFill>
+                  <a:srgbClr val="FF0000"/>
+                </a:solidFill>
+                <a:latin typeface="Tahoma" pitchFamily="34" charset="0"/>
+                <a:ea typeface="Tahoma" pitchFamily="34" charset="0"/>
+                <a:cs typeface="B Nazanin" pitchFamily="2" charset="-78"/>
+              </a:rPr>
+              <a:t>9</a:t>
+            </a:r>
+            <a:r>
+              <a:rPr lang="fa-IR" sz="1200" dirty="0" smtClean="0">
+                <a:solidFill>
+                  <a:srgbClr val="FF0000"/>
+                </a:solidFill>
+                <a:latin typeface="Tahoma" pitchFamily="34" charset="0"/>
+                <a:ea typeface="Tahoma" pitchFamily="34" charset="0"/>
+                <a:cs typeface="B Nazanin" pitchFamily="2" charset="-78"/>
+              </a:rPr>
+              <a:t>- </a:t>
+            </a:r>
+            <a:r>
+              <a:rPr lang="fa-IR" sz="1200" dirty="0">
+                <a:latin typeface="Tahoma" pitchFamily="34" charset="0"/>
+                <a:ea typeface="Tahoma" pitchFamily="34" charset="0"/>
+                <a:cs typeface="B Nazanin" pitchFamily="2" charset="-78"/>
+              </a:rPr>
+              <a:t>کیفیت ارتباط شبکه‌تان با مرکز داده‌ی شوکا در هر لحظه توسط این آنتن کوچک نمایش داده می‌شود</a:t>
+            </a:r>
+            <a:r>
+              <a:rPr lang="fa-IR" sz="1200" dirty="0" smtClean="0">
+                <a:latin typeface="Tahoma" pitchFamily="34" charset="0"/>
+                <a:ea typeface="Tahoma" pitchFamily="34" charset="0"/>
+                <a:cs typeface="B Nazanin" pitchFamily="2" charset="-78"/>
+              </a:rPr>
+              <a:t>.</a:t>
+            </a:r>
+            <a:endParaRPr lang="fa-IR" sz="1200" dirty="0">
+              <a:latin typeface="Tahoma" pitchFamily="34" charset="0"/>
+              <a:ea typeface="Tahoma" pitchFamily="34" charset="0"/>
               <a:cs typeface="B Nazanin" pitchFamily="2" charset="-78"/>
             </a:endParaRPr>
           </a:p>
           <a:p>
             <a:pPr algn="just" rtl="1"/>
-            <a:r>
-              <a:rPr lang="fa-IR" sz="1400" dirty="0">
-                <a:solidFill>
-                  <a:srgbClr val="FF0000"/>
-                </a:solidFill>
-              </a:rPr>
-              <a:t>9- </a:t>
-            </a:r>
-            <a:r>
-              <a:rPr lang="fa-IR" sz="1400" dirty="0">
-                <a:cs typeface="B Nazanin" pitchFamily="2" charset="-78"/>
-              </a:rPr>
-              <a:t>برای اطمینان یافتن از صحت کارکرد میکروفون، بلندگو و دوربین‌تان بر روی این قسمت کلیک کنید</a:t>
-            </a:r>
-            <a:r>
-              <a:rPr lang="fa-IR" sz="1400" dirty="0" smtClean="0">
-                <a:cs typeface="B Nazanin" pitchFamily="2" charset="-78"/>
-              </a:rPr>
-              <a:t>. </a:t>
-            </a:r>
-          </a:p>
-          <a:p>
-            <a:pPr algn="just" rtl="1"/>
-            <a:endParaRPr lang="fa-IR" sz="1400" dirty="0">
+            <a:endParaRPr lang="fa-IR" sz="1200" dirty="0">
+              <a:latin typeface="Tahoma" pitchFamily="34" charset="0"/>
+              <a:ea typeface="Tahoma" pitchFamily="34" charset="0"/>
               <a:cs typeface="B Nazanin" pitchFamily="2" charset="-78"/>
             </a:endParaRPr>
           </a:p>
           <a:p>
             <a:pPr algn="just" rtl="1"/>
             <a:r>
-              <a:rPr lang="fa-IR" sz="1400" dirty="0">
-                <a:solidFill>
-                  <a:srgbClr val="FF0000"/>
-                </a:solidFill>
-              </a:rPr>
-              <a:t>10- </a:t>
-            </a:r>
-            <a:r>
-              <a:rPr lang="fa-IR" sz="1400" dirty="0">
+              <a:rPr lang="en-US" sz="1200" dirty="0" smtClean="0">
+                <a:solidFill>
+                  <a:srgbClr val="FF0000"/>
+                </a:solidFill>
+                <a:latin typeface="Tahoma" pitchFamily="34" charset="0"/>
+                <a:ea typeface="Tahoma" pitchFamily="34" charset="0"/>
+                <a:cs typeface="B Nazanin" pitchFamily="2" charset="-78"/>
+              </a:rPr>
+              <a:t>10</a:t>
+            </a:r>
+            <a:r>
+              <a:rPr lang="fa-IR" sz="1200" dirty="0" smtClean="0">
+                <a:solidFill>
+                  <a:srgbClr val="FF0000"/>
+                </a:solidFill>
+                <a:latin typeface="Tahoma" pitchFamily="34" charset="0"/>
+                <a:ea typeface="Tahoma" pitchFamily="34" charset="0"/>
+                <a:cs typeface="B Nazanin" pitchFamily="2" charset="-78"/>
+              </a:rPr>
+              <a:t>- </a:t>
+            </a:r>
+            <a:r>
+              <a:rPr lang="fa-IR" sz="1200" dirty="0">
+                <a:latin typeface="Tahoma" pitchFamily="34" charset="0"/>
+                <a:ea typeface="Tahoma" pitchFamily="34" charset="0"/>
+                <a:cs typeface="B Nazanin" pitchFamily="2" charset="-78"/>
+              </a:rPr>
+              <a:t>برای اطمینان یافتن از صحت کارکرد میکروفون، بلندگو و دوربین‌تان بر روی این قسمت کلیک کنید</a:t>
+            </a:r>
+            <a:r>
+              <a:rPr lang="fa-IR" sz="1200" dirty="0" smtClean="0">
+                <a:latin typeface="Tahoma" pitchFamily="34" charset="0"/>
+                <a:ea typeface="Tahoma" pitchFamily="34" charset="0"/>
+                <a:cs typeface="B Nazanin" pitchFamily="2" charset="-78"/>
+              </a:rPr>
+              <a:t>. </a:t>
+            </a:r>
+          </a:p>
+          <a:p>
+            <a:pPr algn="just" rtl="1"/>
+            <a:endParaRPr lang="fa-IR" sz="1200" dirty="0">
+              <a:latin typeface="Tahoma" pitchFamily="34" charset="0"/>
+              <a:ea typeface="Tahoma" pitchFamily="34" charset="0"/>
+              <a:cs typeface="B Nazanin" pitchFamily="2" charset="-78"/>
+            </a:endParaRPr>
+          </a:p>
+          <a:p>
+            <a:pPr algn="just" rtl="1"/>
+            <a:r>
+              <a:rPr lang="en-US" sz="1200" dirty="0" smtClean="0">
+                <a:solidFill>
+                  <a:srgbClr val="FF0000"/>
+                </a:solidFill>
+                <a:latin typeface="Tahoma" pitchFamily="34" charset="0"/>
+                <a:ea typeface="Tahoma" pitchFamily="34" charset="0"/>
+                <a:cs typeface="B Nazanin" pitchFamily="2" charset="-78"/>
+              </a:rPr>
+              <a:t>11</a:t>
+            </a:r>
+            <a:r>
+              <a:rPr lang="fa-IR" sz="1200" dirty="0" smtClean="0">
+                <a:solidFill>
+                  <a:srgbClr val="FF0000"/>
+                </a:solidFill>
+                <a:latin typeface="Tahoma" pitchFamily="34" charset="0"/>
+                <a:ea typeface="Tahoma" pitchFamily="34" charset="0"/>
+                <a:cs typeface="B Nazanin" pitchFamily="2" charset="-78"/>
+              </a:rPr>
+              <a:t>- </a:t>
+            </a:r>
+            <a:r>
+              <a:rPr lang="fa-IR" sz="1200" dirty="0">
+                <a:latin typeface="Tahoma" pitchFamily="34" charset="0"/>
+                <a:ea typeface="Tahoma" pitchFamily="34" charset="0"/>
                 <a:cs typeface="B Nazanin" pitchFamily="2" charset="-78"/>
               </a:rPr>
               <a:t>اگر در حین کار با نرم افزار به خطایی برخوردید، بر روی این قسمت کلیک کنید تا به صورت خودکار ایمیلی برای پشتیبان ارسال و مشکل پیگیری شود</a:t>
             </a:r>
             <a:r>
-              <a:rPr lang="fa-IR" sz="1400" dirty="0" smtClean="0">
+              <a:rPr lang="fa-IR" sz="1200" dirty="0" smtClean="0">
+                <a:latin typeface="Tahoma" pitchFamily="34" charset="0"/>
+                <a:ea typeface="Tahoma" pitchFamily="34" charset="0"/>
                 <a:cs typeface="B Nazanin" pitchFamily="2" charset="-78"/>
               </a:rPr>
               <a:t>. </a:t>
             </a:r>
-            <a:endParaRPr lang="fa-IR" sz="1400" dirty="0">
+            <a:endParaRPr lang="fa-IR" sz="1200" dirty="0">
+              <a:latin typeface="Tahoma" pitchFamily="34" charset="0"/>
+              <a:ea typeface="Tahoma" pitchFamily="34" charset="0"/>
               <a:cs typeface="B Nazanin" pitchFamily="2" charset="-78"/>
             </a:endParaRPr>
           </a:p>
@@ -11797,12 +12049,12 @@
           <a:lstStyle/>
           <a:p>
             <a:r>
-              <a:rPr lang="fa-IR" dirty="0" smtClean="0">
-                <a:solidFill>
-                  <a:srgbClr val="FF0000"/>
-                </a:solidFill>
-              </a:rPr>
-              <a:t>8</a:t>
+              <a:rPr lang="en-US" dirty="0" smtClean="0">
+                <a:solidFill>
+                  <a:srgbClr val="FF0000"/>
+                </a:solidFill>
+              </a:rPr>
+              <a:t>9</a:t>
             </a:r>
             <a:endParaRPr lang="en-US" dirty="0">
               <a:solidFill>
@@ -11870,12 +12122,12 @@
           <a:lstStyle/>
           <a:p>
             <a:r>
-              <a:rPr lang="fa-IR" dirty="0" smtClean="0">
-                <a:solidFill>
-                  <a:srgbClr val="FF0000"/>
-                </a:solidFill>
-              </a:rPr>
-              <a:t>10</a:t>
+              <a:rPr lang="en-US" dirty="0" smtClean="0">
+                <a:solidFill>
+                  <a:srgbClr val="FF0000"/>
+                </a:solidFill>
+              </a:rPr>
+              <a:t>11</a:t>
             </a:r>
             <a:endParaRPr lang="en-US" dirty="0">
               <a:solidFill>
@@ -11928,8 +12180,8 @@
         </p:nvSpPr>
         <p:spPr>
           <a:xfrm>
-            <a:off x="2086465" y="5434805"/>
-            <a:ext cx="368730" cy="369332"/>
+            <a:off x="1974513" y="5434805"/>
+            <a:ext cx="435187" cy="369332"/>
           </a:xfrm>
           <a:prstGeom prst="rect">
             <a:avLst/>
@@ -11943,12 +12195,12 @@
           <a:lstStyle/>
           <a:p>
             <a:r>
-              <a:rPr lang="fa-IR" dirty="0" smtClean="0">
-                <a:solidFill>
-                  <a:srgbClr val="FF0000"/>
-                </a:solidFill>
-              </a:rPr>
-              <a:t>9</a:t>
+              <a:rPr lang="en-US" dirty="0" smtClean="0">
+                <a:solidFill>
+                  <a:srgbClr val="FF0000"/>
+                </a:solidFill>
+              </a:rPr>
+              <a:t>10</a:t>
             </a:r>
             <a:endParaRPr lang="en-US" dirty="0">
               <a:solidFill>
@@ -11968,7 +12220,7 @@
         </p:nvCxnSpPr>
         <p:spPr>
           <a:xfrm>
-            <a:off x="2270830" y="5804137"/>
+            <a:off x="2192107" y="5804137"/>
             <a:ext cx="0" cy="466726"/>
           </a:xfrm>
           <a:prstGeom prst="straightConnector1">
@@ -12016,12 +12268,12 @@
           <a:lstStyle/>
           <a:p>
             <a:r>
-              <a:rPr lang="fa-IR" dirty="0" smtClean="0">
-                <a:solidFill>
-                  <a:srgbClr val="FF0000"/>
-                </a:solidFill>
-              </a:rPr>
-              <a:t>5</a:t>
+              <a:rPr lang="en-US" dirty="0" smtClean="0">
+                <a:solidFill>
+                  <a:srgbClr val="FF0000"/>
+                </a:solidFill>
+              </a:rPr>
+              <a:t>6</a:t>
             </a:r>
             <a:endParaRPr lang="en-US" dirty="0">
               <a:solidFill>
@@ -12089,12 +12341,12 @@
           <a:lstStyle/>
           <a:p>
             <a:r>
-              <a:rPr lang="fa-IR" dirty="0" smtClean="0">
-                <a:solidFill>
-                  <a:srgbClr val="FF0000"/>
-                </a:solidFill>
-              </a:rPr>
-              <a:t>6</a:t>
+              <a:rPr lang="en-US" dirty="0" smtClean="0">
+                <a:solidFill>
+                  <a:srgbClr val="FF0000"/>
+                </a:solidFill>
+              </a:rPr>
+              <a:t>7</a:t>
             </a:r>
             <a:endParaRPr lang="en-US" dirty="0">
               <a:solidFill>
@@ -12162,12 +12414,12 @@
           <a:lstStyle/>
           <a:p>
             <a:r>
-              <a:rPr lang="fa-IR" dirty="0" smtClean="0">
-                <a:solidFill>
-                  <a:srgbClr val="FF0000"/>
-                </a:solidFill>
-              </a:rPr>
-              <a:t>7</a:t>
+              <a:rPr lang="en-US" dirty="0" smtClean="0">
+                <a:solidFill>
+                  <a:srgbClr val="FF0000"/>
+                </a:solidFill>
+              </a:rPr>
+              <a:t>8</a:t>
             </a:r>
             <a:endParaRPr lang="en-US" dirty="0">
               <a:solidFill>
@@ -12220,7 +12472,7 @@
         </p:nvSpPr>
         <p:spPr>
           <a:xfrm>
-            <a:off x="2992189" y="1423405"/>
+            <a:off x="3015939" y="1423405"/>
             <a:ext cx="290941" cy="369332"/>
           </a:xfrm>
           <a:prstGeom prst="rect">
@@ -12260,7 +12512,7 @@
         </p:nvCxnSpPr>
         <p:spPr>
           <a:xfrm flipV="1">
-            <a:off x="3137660" y="1187301"/>
+            <a:off x="3161410" y="1187301"/>
             <a:ext cx="1908" cy="236104"/>
           </a:xfrm>
           <a:prstGeom prst="straightConnector1">
@@ -12408,6 +12660,83 @@
           <a:xfrm flipV="1">
             <a:off x="2703256" y="1187301"/>
             <a:ext cx="0" cy="223443"/>
+          </a:xfrm>
+          <a:prstGeom prst="straightConnector1">
+            <a:avLst/>
+          </a:prstGeom>
+          <a:ln>
+            <a:tailEnd type="arrow"/>
+          </a:ln>
+        </p:spPr>
+        <p:style>
+          <a:lnRef idx="1">
+            <a:schemeClr val="accent1"/>
+          </a:lnRef>
+          <a:fillRef idx="0">
+            <a:schemeClr val="accent1"/>
+          </a:fillRef>
+          <a:effectRef idx="0">
+            <a:schemeClr val="accent1"/>
+          </a:effectRef>
+          <a:fontRef idx="minor">
+            <a:schemeClr val="tx1"/>
+          </a:fontRef>
+        </p:style>
+      </p:cxnSp>
+      <p:sp>
+        <p:nvSpPr>
+          <p:cNvPr id="26" name="TextBox 25"/>
+          <p:cNvSpPr txBox="1"/>
+          <p:nvPr/>
+        </p:nvSpPr>
+        <p:spPr>
+          <a:xfrm>
+            <a:off x="2301748" y="1418893"/>
+            <a:ext cx="365252" cy="369332"/>
+          </a:xfrm>
+          <a:prstGeom prst="rect">
+            <a:avLst/>
+          </a:prstGeom>
+          <a:noFill/>
+        </p:spPr>
+        <p:txBody>
+          <a:bodyPr wrap="square" rtlCol="0">
+            <a:spAutoFit/>
+          </a:bodyPr>
+          <a:lstStyle/>
+          <a:p>
+            <a:r>
+              <a:rPr lang="en-US" dirty="0" smtClean="0">
+                <a:solidFill>
+                  <a:srgbClr val="FF0000"/>
+                </a:solidFill>
+                <a:latin typeface="Arial" pitchFamily="34" charset="0"/>
+                <a:cs typeface="Arial" pitchFamily="34" charset="0"/>
+              </a:rPr>
+              <a:t>4</a:t>
+            </a:r>
+            <a:endParaRPr lang="en-US" dirty="0">
+              <a:solidFill>
+                <a:srgbClr val="FF0000"/>
+              </a:solidFill>
+              <a:latin typeface="Arial" pitchFamily="34" charset="0"/>
+              <a:cs typeface="Arial" pitchFamily="34" charset="0"/>
+            </a:endParaRPr>
+          </a:p>
+        </p:txBody>
+      </p:sp>
+      <p:cxnSp>
+        <p:nvCxnSpPr>
+          <p:cNvPr id="27" name="Straight Arrow Connector 26"/>
+          <p:cNvCxnSpPr>
+            <a:stCxn id="26" idx="0"/>
+          </p:cNvCxnSpPr>
+          <p:nvPr/>
+        </p:nvCxnSpPr>
+        <p:spPr>
+          <a:xfrm flipV="1">
+            <a:off x="2484374" y="1195451"/>
+            <a:ext cx="0" cy="223442"/>
           </a:xfrm>
           <a:prstGeom prst="straightConnector1">
             <a:avLst/>
@@ -18701,34 +19030,7 @@
                 </a:solidFill>
                 <a:cs typeface="B Nazanin" pitchFamily="2" charset="-78"/>
               </a:rPr>
-              <a:t>کلیک </a:t>
-            </a:r>
-            <a:r>
-              <a:rPr lang="fa-IR" sz="1400" dirty="0" smtClean="0">
-                <a:solidFill>
-                  <a:schemeClr val="bg1"/>
-                </a:solidFill>
-                <a:cs typeface="B Nazanin" pitchFamily="2" charset="-78"/>
-              </a:rPr>
-              <a:t>بر </a:t>
-            </a:r>
-            <a:r>
-              <a:rPr lang="fa-IR" sz="1400" dirty="0" smtClean="0">
-                <a:solidFill>
-                  <a:schemeClr val="bg1"/>
-                </a:solidFill>
-                <a:cs typeface="B Nazanin" pitchFamily="2" charset="-78"/>
-              </a:rPr>
-              <a:t>روی این قسمت، </a:t>
-            </a:r>
-            <a:r>
-              <a:rPr lang="fa-IR" sz="1400" dirty="0" smtClean="0">
-                <a:solidFill>
-                  <a:schemeClr val="bg1"/>
-                </a:solidFill>
-                <a:cs typeface="B Nazanin" pitchFamily="2" charset="-78"/>
-              </a:rPr>
-              <a:t>تصویرتان برای اعضای جلسه قطع (یا وصل) می‌شود.</a:t>
+              <a:t>کلیک بر روی این قسمت، تصویرتان برای اعضای جلسه قطع (یا وصل) می‌شود.</a:t>
             </a:r>
             <a:endParaRPr lang="fa-IR" sz="1400" dirty="0">
               <a:solidFill>
@@ -19436,25 +19738,7 @@
                 </a:solidFill>
                 <a:cs typeface="B Titr" pitchFamily="2" charset="-78"/>
               </a:rPr>
-              <a:t>پنجره </a:t>
-            </a:r>
-            <a:r>
-              <a:rPr lang="fa-IR" sz="2800" dirty="0" smtClean="0">
-                <a:solidFill>
-                  <a:srgbClr val="0070C0"/>
-                </a:solidFill>
-                <a:cs typeface="B Titr" pitchFamily="2" charset="-78"/>
-              </a:rPr>
-              <a:t>ارسال پیام حین </a:t>
-            </a:r>
-            <a:r>
-              <a:rPr lang="fa-IR" sz="2800" dirty="0" smtClean="0">
-                <a:solidFill>
-                  <a:srgbClr val="0070C0"/>
-                </a:solidFill>
-                <a:cs typeface="B Titr" pitchFamily="2" charset="-78"/>
-              </a:rPr>
-              <a:t>کنفرانس</a:t>
+              <a:t>پنجره ارسال پیام حین کنفرانس</a:t>
             </a:r>
             <a:endParaRPr lang="en-US" sz="2800" dirty="0"/>
           </a:p>
@@ -19952,12 +20236,6 @@
               </a:rPr>
               <a:t>پس از ارسال یا خواندن پیام‌های موردنظرتان، روی این دکمه کلیک کنید تا پنجره ارسال پیام بسته شود.</a:t>
             </a:r>
-            <a:endParaRPr lang="fa-IR" sz="1400" dirty="0" smtClean="0">
-              <a:solidFill>
-                <a:schemeClr val="bg1"/>
-              </a:solidFill>
-              <a:cs typeface="B Nazanin" pitchFamily="2" charset="-78"/>
-            </a:endParaRPr>
           </a:p>
         </p:txBody>
       </p:sp>
@@ -20073,7 +20351,7 @@
       </p:grpSpPr>
       <p:pic>
         <p:nvPicPr>
-          <p:cNvPr id="3" name="Picture 2"/>
+          <p:cNvPr id="6" name="Picture 5"/>
           <p:cNvPicPr>
             <a:picLocks noChangeAspect="1"/>
           </p:cNvPicPr>
@@ -20083,7 +20361,7 @@
           <a:blip r:embed="rId2">
             <a:extLst>
               <a:ext uri="{28A0092B-C50C-407E-A947-70E740481C1C}">
-                <a14:useLocalDpi xmlns:a14="http://schemas.microsoft.com/office/drawing/2010/main"/>
+                <a14:useLocalDpi xmlns:a14="http://schemas.microsoft.com/office/drawing/2010/main" val="0"/>
               </a:ext>
             </a:extLst>
           </a:blip>
@@ -20093,8 +20371,8 @@
         </p:blipFill>
         <p:spPr>
           <a:xfrm>
-            <a:off x="459492" y="976952"/>
-            <a:ext cx="2942514" cy="5710862"/>
+            <a:off x="466295" y="929452"/>
+            <a:ext cx="2914636" cy="5636187"/>
           </a:xfrm>
           <a:prstGeom prst="rect">
             <a:avLst/>
@@ -20332,7 +20610,7 @@
         <p:spPr>
           <a:xfrm>
             <a:off x="299258" y="3046455"/>
-            <a:ext cx="261208" cy="552019"/>
+            <a:ext cx="274856" cy="552019"/>
           </a:xfrm>
           <a:prstGeom prst="straightConnector1">
             <a:avLst/>
@@ -20643,7 +20921,7 @@
         </p:nvSpPr>
         <p:spPr>
           <a:xfrm>
-            <a:off x="3670274" y="3962935"/>
+            <a:off x="3670274" y="3986685"/>
             <a:ext cx="312906" cy="369332"/>
           </a:xfrm>
           <a:prstGeom prst="rect">
@@ -20678,8 +20956,8 @@
         </p:nvCxnSpPr>
         <p:spPr>
           <a:xfrm flipH="1">
-            <a:off x="2816334" y="4147601"/>
-            <a:ext cx="853940" cy="0"/>
+            <a:off x="3012708" y="4171351"/>
+            <a:ext cx="657566" cy="0"/>
           </a:xfrm>
           <a:prstGeom prst="straightConnector1">
             <a:avLst/>
@@ -23226,6 +23504,36 @@
           <a:chExt cx="0" cy="0"/>
         </a:xfrm>
       </p:grpSpPr>
+      <p:pic>
+        <p:nvPicPr>
+          <p:cNvPr id="5" name="Picture 4"/>
+          <p:cNvPicPr>
+            <a:picLocks noChangeAspect="1"/>
+          </p:cNvPicPr>
+          <p:nvPr/>
+        </p:nvPicPr>
+        <p:blipFill>
+          <a:blip r:embed="rId2">
+            <a:extLst>
+              <a:ext uri="{28A0092B-C50C-407E-A947-70E740481C1C}">
+                <a14:useLocalDpi xmlns:a14="http://schemas.microsoft.com/office/drawing/2010/main" val="0"/>
+              </a:ext>
+            </a:extLst>
+          </a:blip>
+          <a:stretch>
+            <a:fillRect/>
+          </a:stretch>
+        </p:blipFill>
+        <p:spPr>
+          <a:xfrm>
+            <a:off x="550618" y="1526562"/>
+            <a:ext cx="2934110" cy="3600953"/>
+          </a:xfrm>
+          <a:prstGeom prst="rect">
+            <a:avLst/>
+          </a:prstGeom>
+        </p:spPr>
+      </p:pic>
       <p:sp>
         <p:nvSpPr>
           <p:cNvPr id="2" name="Title 1"/>
@@ -23270,36 +23578,6 @@
           </a:p>
         </p:txBody>
       </p:sp>
-      <p:pic>
-        <p:nvPicPr>
-          <p:cNvPr id="4" name="Picture 3"/>
-          <p:cNvPicPr>
-            <a:picLocks noChangeAspect="1"/>
-          </p:cNvPicPr>
-          <p:nvPr/>
-        </p:nvPicPr>
-        <p:blipFill>
-          <a:blip r:embed="rId2">
-            <a:extLst>
-              <a:ext uri="{28A0092B-C50C-407E-A947-70E740481C1C}">
-                <a14:useLocalDpi xmlns:a14="http://schemas.microsoft.com/office/drawing/2010/main"/>
-              </a:ext>
-            </a:extLst>
-          </a:blip>
-          <a:stretch>
-            <a:fillRect/>
-          </a:stretch>
-        </p:blipFill>
-        <p:spPr>
-          <a:xfrm>
-            <a:off x="534984" y="1672874"/>
-            <a:ext cx="2626718" cy="3203926"/>
-          </a:xfrm>
-          <a:prstGeom prst="rect">
-            <a:avLst/>
-          </a:prstGeom>
-        </p:spPr>
-      </p:pic>
       <p:sp>
         <p:nvSpPr>
           <p:cNvPr id="7" name="TextBox 6"/>
@@ -23308,7 +23586,7 @@
         </p:nvSpPr>
         <p:spPr>
           <a:xfrm>
-            <a:off x="3318740" y="2053657"/>
+            <a:off x="3669065" y="1981038"/>
             <a:ext cx="338860" cy="369332"/>
           </a:xfrm>
           <a:prstGeom prst="rect">
@@ -23348,8 +23626,8 @@
         </p:nvCxnSpPr>
         <p:spPr>
           <a:xfrm flipH="1">
-            <a:off x="2539624" y="2238323"/>
-            <a:ext cx="779116" cy="0"/>
+            <a:off x="2819400" y="2165704"/>
+            <a:ext cx="849665" cy="0"/>
           </a:xfrm>
           <a:prstGeom prst="straightConnector1">
             <a:avLst/>
@@ -23381,7 +23659,7 @@
         </p:nvSpPr>
         <p:spPr>
           <a:xfrm>
-            <a:off x="3315298" y="2815657"/>
+            <a:off x="3665623" y="2849913"/>
             <a:ext cx="338860" cy="369332"/>
           </a:xfrm>
           <a:prstGeom prst="rect">
@@ -23421,8 +23699,8 @@
         </p:nvCxnSpPr>
         <p:spPr>
           <a:xfrm flipH="1">
-            <a:off x="2323502" y="3000323"/>
-            <a:ext cx="991796" cy="0"/>
+            <a:off x="2438400" y="3034579"/>
+            <a:ext cx="1227223" cy="0"/>
           </a:xfrm>
           <a:prstGeom prst="straightConnector1">
             <a:avLst/>
@@ -23454,7 +23732,7 @@
         </p:nvSpPr>
         <p:spPr>
           <a:xfrm>
-            <a:off x="3315298" y="3091181"/>
+            <a:off x="3665623" y="3149187"/>
             <a:ext cx="338860" cy="369332"/>
           </a:xfrm>
           <a:prstGeom prst="rect">
@@ -23494,7 +23772,7 @@
         </p:nvCxnSpPr>
         <p:spPr>
           <a:xfrm flipH="1">
-            <a:off x="2323502" y="3275847"/>
+            <a:off x="2673827" y="3333853"/>
             <a:ext cx="991796" cy="0"/>
           </a:xfrm>
           <a:prstGeom prst="straightConnector1">
@@ -23527,7 +23805,7 @@
         </p:nvSpPr>
         <p:spPr>
           <a:xfrm>
-            <a:off x="3315298" y="3996185"/>
+            <a:off x="3665623" y="4184816"/>
             <a:ext cx="338860" cy="369332"/>
           </a:xfrm>
           <a:prstGeom prst="rect">
@@ -23567,8 +23845,8 @@
         </p:nvCxnSpPr>
         <p:spPr>
           <a:xfrm flipH="1">
-            <a:off x="2323502" y="4180851"/>
-            <a:ext cx="991796" cy="0"/>
+            <a:off x="2438400" y="4369482"/>
+            <a:ext cx="1227223" cy="0"/>
           </a:xfrm>
           <a:prstGeom prst="straightConnector1">
             <a:avLst/>
@@ -23600,7 +23878,7 @@
         </p:nvSpPr>
         <p:spPr>
           <a:xfrm>
-            <a:off x="3315298" y="1655994"/>
+            <a:off x="3665623" y="1524000"/>
             <a:ext cx="338860" cy="369332"/>
           </a:xfrm>
           <a:prstGeom prst="rect">
@@ -23640,7 +23918,7 @@
         </p:nvCxnSpPr>
         <p:spPr>
           <a:xfrm flipH="1">
-            <a:off x="2929182" y="1840660"/>
+            <a:off x="3279507" y="1708666"/>
             <a:ext cx="386116" cy="0"/>
           </a:xfrm>
           <a:prstGeom prst="straightConnector1">
@@ -23956,7 +24234,7 @@
       </p:grpSpPr>
       <p:pic>
         <p:nvPicPr>
-          <p:cNvPr id="5" name="Picture 4"/>
+          <p:cNvPr id="4" name="Picture 3"/>
           <p:cNvPicPr>
             <a:picLocks noChangeAspect="1"/>
           </p:cNvPicPr>
@@ -23966,7 +24244,7 @@
           <a:blip r:embed="rId2">
             <a:extLst>
               <a:ext uri="{28A0092B-C50C-407E-A947-70E740481C1C}">
-                <a14:useLocalDpi xmlns:a14="http://schemas.microsoft.com/office/drawing/2010/main"/>
+                <a14:useLocalDpi xmlns:a14="http://schemas.microsoft.com/office/drawing/2010/main" val="0"/>
               </a:ext>
             </a:extLst>
           </a:blip>
@@ -23976,8 +24254,8 @@
         </p:blipFill>
         <p:spPr>
           <a:xfrm>
-            <a:off x="599112" y="1666472"/>
-            <a:ext cx="2532266" cy="3102229"/>
+            <a:off x="612760" y="1479869"/>
+            <a:ext cx="2934110" cy="3610479"/>
           </a:xfrm>
           <a:prstGeom prst="rect">
             <a:avLst/>
@@ -24036,7 +24314,7 @@
         </p:nvSpPr>
         <p:spPr>
           <a:xfrm>
-            <a:off x="79958" y="2068102"/>
+            <a:off x="79958" y="1961227"/>
             <a:ext cx="338860" cy="369332"/>
           </a:xfrm>
           <a:prstGeom prst="rect">
@@ -24076,7 +24354,7 @@
         </p:nvCxnSpPr>
         <p:spPr>
           <a:xfrm>
-            <a:off x="418818" y="2252768"/>
+            <a:off x="418818" y="2145893"/>
             <a:ext cx="387884" cy="0"/>
           </a:xfrm>
           <a:prstGeom prst="straightConnector1">
@@ -24109,7 +24387,7 @@
         </p:nvSpPr>
         <p:spPr>
           <a:xfrm>
-            <a:off x="79958" y="3100443"/>
+            <a:off x="79958" y="2993568"/>
             <a:ext cx="338860" cy="369332"/>
           </a:xfrm>
           <a:prstGeom prst="rect">
@@ -24149,7 +24427,7 @@
         </p:nvCxnSpPr>
         <p:spPr>
           <a:xfrm>
-            <a:off x="418818" y="3285109"/>
+            <a:off x="418818" y="3178234"/>
             <a:ext cx="387884" cy="0"/>
           </a:xfrm>
           <a:prstGeom prst="straightConnector1">
@@ -24182,7 +24460,7 @@
         </p:nvSpPr>
         <p:spPr>
           <a:xfrm>
-            <a:off x="79958" y="2569023"/>
+            <a:off x="79958" y="2562100"/>
             <a:ext cx="338860" cy="369332"/>
           </a:xfrm>
           <a:prstGeom prst="rect">
@@ -24222,8 +24500,8 @@
         </p:nvCxnSpPr>
         <p:spPr>
           <a:xfrm>
-            <a:off x="418818" y="2753689"/>
-            <a:ext cx="858701" cy="0"/>
+            <a:off x="418818" y="2746766"/>
+            <a:ext cx="1105182" cy="8340"/>
           </a:xfrm>
           <a:prstGeom prst="straightConnector1">
             <a:avLst/>
@@ -24441,7 +24719,7 @@
         </p:nvSpPr>
         <p:spPr>
           <a:xfrm>
-            <a:off x="3329373" y="2038638"/>
+            <a:off x="3752190" y="1945413"/>
             <a:ext cx="338860" cy="369332"/>
           </a:xfrm>
           <a:prstGeom prst="rect">
@@ -24481,8 +24759,8 @@
         </p:nvCxnSpPr>
         <p:spPr>
           <a:xfrm flipH="1">
-            <a:off x="2550257" y="2223304"/>
-            <a:ext cx="779116" cy="0"/>
+            <a:off x="2895600" y="2130079"/>
+            <a:ext cx="856590" cy="0"/>
           </a:xfrm>
           <a:prstGeom prst="straightConnector1">
             <a:avLst/>
@@ -24514,7 +24792,7 @@
         </p:nvSpPr>
         <p:spPr>
           <a:xfrm>
-            <a:off x="3325931" y="1640975"/>
+            <a:off x="3748748" y="1500250"/>
             <a:ext cx="338860" cy="369332"/>
           </a:xfrm>
           <a:prstGeom prst="rect">
@@ -24554,7 +24832,7 @@
         </p:nvCxnSpPr>
         <p:spPr>
           <a:xfrm flipH="1">
-            <a:off x="2939815" y="1825641"/>
+            <a:off x="3362632" y="1684916"/>
             <a:ext cx="386116" cy="0"/>
           </a:xfrm>
           <a:prstGeom prst="straightConnector1">
@@ -24716,6 +24994,36 @@
           <a:chExt cx="0" cy="0"/>
         </a:xfrm>
       </p:grpSpPr>
+      <p:pic>
+        <p:nvPicPr>
+          <p:cNvPr id="4" name="Picture 3"/>
+          <p:cNvPicPr>
+            <a:picLocks noChangeAspect="1"/>
+          </p:cNvPicPr>
+          <p:nvPr/>
+        </p:nvPicPr>
+        <p:blipFill>
+          <a:blip r:embed="rId2">
+            <a:extLst>
+              <a:ext uri="{28A0092B-C50C-407E-A947-70E740481C1C}">
+                <a14:useLocalDpi xmlns:a14="http://schemas.microsoft.com/office/drawing/2010/main" val="0"/>
+              </a:ext>
+            </a:extLst>
+          </a:blip>
+          <a:stretch>
+            <a:fillRect/>
+          </a:stretch>
+        </p:blipFill>
+        <p:spPr>
+          <a:xfrm>
+            <a:off x="561235" y="1719967"/>
+            <a:ext cx="2934110" cy="4143954"/>
+          </a:xfrm>
+          <a:prstGeom prst="rect">
+            <a:avLst/>
+          </a:prstGeom>
+        </p:spPr>
+      </p:pic>
       <p:sp>
         <p:nvSpPr>
           <p:cNvPr id="2" name="Title 1"/>
@@ -24760,36 +25068,6 @@
           </a:p>
         </p:txBody>
       </p:sp>
-      <p:pic>
-        <p:nvPicPr>
-          <p:cNvPr id="3" name="Picture 2"/>
-          <p:cNvPicPr>
-            <a:picLocks noChangeAspect="1"/>
-          </p:cNvPicPr>
-          <p:nvPr/>
-        </p:nvPicPr>
-        <p:blipFill>
-          <a:blip r:embed="rId2">
-            <a:extLst>
-              <a:ext uri="{28A0092B-C50C-407E-A947-70E740481C1C}">
-                <a14:useLocalDpi xmlns:a14="http://schemas.microsoft.com/office/drawing/2010/main"/>
-              </a:ext>
-            </a:extLst>
-          </a:blip>
-          <a:stretch>
-            <a:fillRect/>
-          </a:stretch>
-        </p:blipFill>
-        <p:spPr>
-          <a:xfrm>
-            <a:off x="533400" y="1690255"/>
-            <a:ext cx="3000794" cy="4220164"/>
-          </a:xfrm>
-          <a:prstGeom prst="rect">
-            <a:avLst/>
-          </a:prstGeom>
-        </p:spPr>
-      </p:pic>
       <p:sp>
         <p:nvSpPr>
           <p:cNvPr id="5" name="TextBox 4"/>
@@ -24798,7 +25076,7 @@
         </p:nvSpPr>
         <p:spPr>
           <a:xfrm>
-            <a:off x="3675990" y="3010265"/>
+            <a:off x="3675990" y="2859768"/>
             <a:ext cx="338860" cy="369332"/>
           </a:xfrm>
           <a:prstGeom prst="rect">
@@ -24838,7 +25116,7 @@
         </p:nvCxnSpPr>
         <p:spPr>
           <a:xfrm flipH="1">
-            <a:off x="3286432" y="3194931"/>
+            <a:off x="3286432" y="3044434"/>
             <a:ext cx="389558" cy="0"/>
           </a:xfrm>
           <a:prstGeom prst="straightConnector1">
@@ -24871,7 +25149,7 @@
         </p:nvSpPr>
         <p:spPr>
           <a:xfrm>
-            <a:off x="3657600" y="3481450"/>
+            <a:off x="3657600" y="3315200"/>
             <a:ext cx="338860" cy="369332"/>
           </a:xfrm>
           <a:prstGeom prst="rect">
@@ -24911,7 +25189,7 @@
         </p:nvCxnSpPr>
         <p:spPr>
           <a:xfrm flipH="1">
-            <a:off x="3286432" y="3666116"/>
+            <a:off x="3286432" y="3499866"/>
             <a:ext cx="371168" cy="0"/>
           </a:xfrm>
           <a:prstGeom prst="straightConnector1">
@@ -24944,7 +25222,7 @@
         </p:nvSpPr>
         <p:spPr>
           <a:xfrm>
-            <a:off x="3623540" y="3962400"/>
+            <a:off x="3623540" y="3808025"/>
             <a:ext cx="338860" cy="369332"/>
           </a:xfrm>
           <a:prstGeom prst="rect">
@@ -24984,7 +25262,7 @@
         </p:nvCxnSpPr>
         <p:spPr>
           <a:xfrm flipH="1">
-            <a:off x="3286432" y="4147066"/>
+            <a:off x="3286432" y="3992691"/>
             <a:ext cx="337108" cy="0"/>
           </a:xfrm>
           <a:prstGeom prst="straightConnector1">
@@ -25017,7 +25295,7 @@
         </p:nvSpPr>
         <p:spPr>
           <a:xfrm>
-            <a:off x="3623540" y="4419600"/>
+            <a:off x="3623540" y="4253350"/>
             <a:ext cx="338860" cy="369332"/>
           </a:xfrm>
           <a:prstGeom prst="rect">
@@ -25057,7 +25335,7 @@
         </p:nvCxnSpPr>
         <p:spPr>
           <a:xfrm flipH="1">
-            <a:off x="3286432" y="4604266"/>
+            <a:off x="3286432" y="4438016"/>
             <a:ext cx="337108" cy="0"/>
           </a:xfrm>
           <a:prstGeom prst="straightConnector1">
@@ -25571,7 +25849,7 @@
       </p:grpSpPr>
       <p:pic>
         <p:nvPicPr>
-          <p:cNvPr id="4" name="Picture 3"/>
+          <p:cNvPr id="3" name="Picture 2"/>
           <p:cNvPicPr>
             <a:picLocks noChangeAspect="1"/>
           </p:cNvPicPr>
@@ -25591,8 +25869,8 @@
         </p:blipFill>
         <p:spPr>
           <a:xfrm>
-            <a:off x="3540825" y="900475"/>
-            <a:ext cx="5208595" cy="5786325"/>
+            <a:off x="3554832" y="871074"/>
+            <a:ext cx="5194588" cy="5885987"/>
           </a:xfrm>
           <a:prstGeom prst="rect">
             <a:avLst/>

--- a/ShookaDesktop Guide - Farsi.pptx
+++ b/ShookaDesktop Guide - Farsi.pptx
@@ -315,7 +315,7 @@
           <a:p>
             <a:fld id="{F32E560B-4F83-45FF-AAA0-7CF2EC396768}" type="datetimeFigureOut">
               <a:rPr lang="en-US" smtClean="0"/>
-              <a:t>8/17/2014</a:t>
+              <a:t>8/23/2014</a:t>
             </a:fld>
             <a:endParaRPr lang="en-US"/>
           </a:p>
@@ -485,7 +485,7 @@
           <a:p>
             <a:fld id="{F32E560B-4F83-45FF-AAA0-7CF2EC396768}" type="datetimeFigureOut">
               <a:rPr lang="en-US" smtClean="0"/>
-              <a:t>8/17/2014</a:t>
+              <a:t>8/23/2014</a:t>
             </a:fld>
             <a:endParaRPr lang="en-US"/>
           </a:p>
@@ -665,7 +665,7 @@
           <a:p>
             <a:fld id="{F32E560B-4F83-45FF-AAA0-7CF2EC396768}" type="datetimeFigureOut">
               <a:rPr lang="en-US" smtClean="0"/>
-              <a:t>8/17/2014</a:t>
+              <a:t>8/23/2014</a:t>
             </a:fld>
             <a:endParaRPr lang="en-US"/>
           </a:p>
@@ -835,7 +835,7 @@
           <a:p>
             <a:fld id="{F32E560B-4F83-45FF-AAA0-7CF2EC396768}" type="datetimeFigureOut">
               <a:rPr lang="en-US" smtClean="0"/>
-              <a:t>8/17/2014</a:t>
+              <a:t>8/23/2014</a:t>
             </a:fld>
             <a:endParaRPr lang="en-US"/>
           </a:p>
@@ -1081,7 +1081,7 @@
           <a:p>
             <a:fld id="{F32E560B-4F83-45FF-AAA0-7CF2EC396768}" type="datetimeFigureOut">
               <a:rPr lang="en-US" smtClean="0"/>
-              <a:t>8/17/2014</a:t>
+              <a:t>8/23/2014</a:t>
             </a:fld>
             <a:endParaRPr lang="en-US"/>
           </a:p>
@@ -1369,7 +1369,7 @@
           <a:p>
             <a:fld id="{F32E560B-4F83-45FF-AAA0-7CF2EC396768}" type="datetimeFigureOut">
               <a:rPr lang="en-US" smtClean="0"/>
-              <a:t>8/17/2014</a:t>
+              <a:t>8/23/2014</a:t>
             </a:fld>
             <a:endParaRPr lang="en-US"/>
           </a:p>
@@ -1791,7 +1791,7 @@
           <a:p>
             <a:fld id="{F32E560B-4F83-45FF-AAA0-7CF2EC396768}" type="datetimeFigureOut">
               <a:rPr lang="en-US" smtClean="0"/>
-              <a:t>8/17/2014</a:t>
+              <a:t>8/23/2014</a:t>
             </a:fld>
             <a:endParaRPr lang="en-US"/>
           </a:p>
@@ -1909,7 +1909,7 @@
           <a:p>
             <a:fld id="{F32E560B-4F83-45FF-AAA0-7CF2EC396768}" type="datetimeFigureOut">
               <a:rPr lang="en-US" smtClean="0"/>
-              <a:t>8/17/2014</a:t>
+              <a:t>8/23/2014</a:t>
             </a:fld>
             <a:endParaRPr lang="en-US"/>
           </a:p>
@@ -2004,7 +2004,7 @@
           <a:p>
             <a:fld id="{F32E560B-4F83-45FF-AAA0-7CF2EC396768}" type="datetimeFigureOut">
               <a:rPr lang="en-US" smtClean="0"/>
-              <a:t>8/17/2014</a:t>
+              <a:t>8/23/2014</a:t>
             </a:fld>
             <a:endParaRPr lang="en-US"/>
           </a:p>
@@ -2281,7 +2281,7 @@
           <a:p>
             <a:fld id="{F32E560B-4F83-45FF-AAA0-7CF2EC396768}" type="datetimeFigureOut">
               <a:rPr lang="en-US" smtClean="0"/>
-              <a:t>8/17/2014</a:t>
+              <a:t>8/23/2014</a:t>
             </a:fld>
             <a:endParaRPr lang="en-US"/>
           </a:p>
@@ -2534,7 +2534,7 @@
           <a:p>
             <a:fld id="{F32E560B-4F83-45FF-AAA0-7CF2EC396768}" type="datetimeFigureOut">
               <a:rPr lang="en-US" smtClean="0"/>
-              <a:t>8/17/2014</a:t>
+              <a:t>8/23/2014</a:t>
             </a:fld>
             <a:endParaRPr lang="en-US"/>
           </a:p>
@@ -2747,7 +2747,7 @@
           <a:p>
             <a:fld id="{F32E560B-4F83-45FF-AAA0-7CF2EC396768}" type="datetimeFigureOut">
               <a:rPr lang="en-US" smtClean="0"/>
-              <a:t>8/17/2014</a:t>
+              <a:t>8/23/2014</a:t>
             </a:fld>
             <a:endParaRPr lang="en-US"/>
           </a:p>
@@ -8780,7 +8780,7 @@
         </p:nvSpPr>
         <p:spPr>
           <a:xfrm>
-            <a:off x="3483794" y="2913148"/>
+            <a:off x="3483794" y="2885852"/>
             <a:ext cx="312906" cy="369332"/>
           </a:xfrm>
           <a:prstGeom prst="rect">
@@ -8888,7 +8888,7 @@
         </p:nvCxnSpPr>
         <p:spPr>
           <a:xfrm flipH="1">
-            <a:off x="2943469" y="3097814"/>
+            <a:off x="2943469" y="3070518"/>
             <a:ext cx="540325" cy="0"/>
           </a:xfrm>
           <a:prstGeom prst="straightConnector1">
@@ -8921,7 +8921,7 @@
         </p:nvSpPr>
         <p:spPr>
           <a:xfrm>
-            <a:off x="3448638" y="4056252"/>
+            <a:off x="3448638" y="4015308"/>
             <a:ext cx="312906" cy="369332"/>
           </a:xfrm>
           <a:prstGeom prst="rect">
@@ -8956,7 +8956,7 @@
         </p:nvCxnSpPr>
         <p:spPr>
           <a:xfrm flipH="1">
-            <a:off x="2843364" y="4240918"/>
+            <a:off x="2843364" y="4199974"/>
             <a:ext cx="605274" cy="0"/>
           </a:xfrm>
           <a:prstGeom prst="straightConnector1">
@@ -10486,7 +10486,7 @@
         <p:spPr>
           <a:xfrm>
             <a:off x="4343399" y="1143000"/>
-            <a:ext cx="4445617" cy="5109091"/>
+            <a:ext cx="4445617" cy="5170646"/>
           </a:xfrm>
           <a:prstGeom prst="rect">
             <a:avLst/>
@@ -10516,350 +10516,6 @@
           </a:p>
           <a:p>
             <a:pPr algn="just" rtl="1"/>
-            <a:r>
-              <a:rPr lang="fa-IR" b="1" dirty="0">
-                <a:solidFill>
-                  <a:schemeClr val="accent3">
-                    <a:lumMod val="50000"/>
-                  </a:schemeClr>
-                </a:solidFill>
-                <a:cs typeface="B Nazanin" pitchFamily="2" charset="-78"/>
-              </a:rPr>
-              <a:t>انواع روشهای </a:t>
-            </a:r>
-            <a:r>
-              <a:rPr lang="fa-IR" b="1" dirty="0" smtClean="0">
-                <a:solidFill>
-                  <a:schemeClr val="accent3">
-                    <a:lumMod val="50000"/>
-                  </a:schemeClr>
-                </a:solidFill>
-                <a:cs typeface="B Nazanin" pitchFamily="2" charset="-78"/>
-              </a:rPr>
-              <a:t>تماس</a:t>
-            </a:r>
-            <a:r>
-              <a:rPr lang="fa-IR" b="1" dirty="0" smtClean="0">
-                <a:cs typeface="B Nazanin" pitchFamily="2" charset="-78"/>
-              </a:rPr>
-              <a:t>:</a:t>
-            </a:r>
-            <a:endParaRPr lang="fa-IR" sz="1400" dirty="0">
-              <a:cs typeface="B Nazanin" pitchFamily="2" charset="-78"/>
-            </a:endParaRPr>
-          </a:p>
-          <a:p>
-            <a:pPr algn="just" rtl="1"/>
-            <a:endParaRPr lang="fa-IR" sz="1400" dirty="0">
-              <a:cs typeface="B Nazanin" pitchFamily="2" charset="-78"/>
-            </a:endParaRPr>
-          </a:p>
-          <a:p>
-            <a:pPr marL="285750" indent="-285750" algn="just" rtl="1">
-              <a:buFont typeface="Wingdings" pitchFamily="2" charset="2"/>
-              <a:buChar char="v"/>
-            </a:pPr>
-            <a:r>
-              <a:rPr lang="fa-IR" sz="1400" b="1" dirty="0" smtClean="0">
-                <a:solidFill>
-                  <a:srgbClr val="7030A0"/>
-                </a:solidFill>
-                <a:cs typeface="B Nazanin" pitchFamily="2" charset="-78"/>
-              </a:rPr>
-              <a:t>تماس با شماره افراد</a:t>
-            </a:r>
-            <a:r>
-              <a:rPr lang="fa-IR" sz="1400" dirty="0" smtClean="0">
-                <a:cs typeface="B Nazanin" pitchFamily="2" charset="-78"/>
-              </a:rPr>
-              <a:t>: شماره درون سازمانی فرد را </a:t>
-            </a:r>
-            <a:r>
-              <a:rPr lang="fa-IR" sz="1400" dirty="0" smtClean="0">
-                <a:solidFill>
-                  <a:srgbClr val="0070C0"/>
-                </a:solidFill>
-                <a:cs typeface="B Nazanin" pitchFamily="2" charset="-78"/>
-              </a:rPr>
-              <a:t>به تنهایی </a:t>
-            </a:r>
-            <a:r>
-              <a:rPr lang="fa-IR" sz="1400" dirty="0" smtClean="0">
-                <a:cs typeface="B Nazanin" pitchFamily="2" charset="-78"/>
-              </a:rPr>
-              <a:t>یا همراه با پ</a:t>
-            </a:r>
-            <a:r>
-              <a:rPr lang="fa-IR" sz="1400" dirty="0" smtClean="0">
-                <a:solidFill>
-                  <a:schemeClr val="accent6">
-                    <a:lumMod val="50000"/>
-                  </a:schemeClr>
-                </a:solidFill>
-                <a:cs typeface="B Nazanin" pitchFamily="2" charset="-78"/>
-              </a:rPr>
-              <a:t>یش شماره سازمانی</a:t>
-            </a:r>
-            <a:r>
-              <a:rPr lang="fa-IR" sz="1400" dirty="0" smtClean="0">
-                <a:cs typeface="B Nazanin" pitchFamily="2" charset="-78"/>
-              </a:rPr>
-              <a:t>) را وارد کنید. مثلا برای فردی با شماره </a:t>
-            </a:r>
-            <a:r>
-              <a:rPr lang="en-US" sz="1400" dirty="0" smtClean="0">
-                <a:latin typeface="Arial" pitchFamily="34" charset="0"/>
-                <a:cs typeface="Arial" pitchFamily="34" charset="0"/>
-              </a:rPr>
-              <a:t>(112)36</a:t>
-            </a:r>
-            <a:r>
-              <a:rPr lang="fa-IR" sz="1400" dirty="0" smtClean="0">
-                <a:latin typeface="Arial" pitchFamily="34" charset="0"/>
-                <a:cs typeface="Arial" pitchFamily="34" charset="0"/>
-              </a:rPr>
-              <a:t>:</a:t>
-            </a:r>
-            <a:endParaRPr lang="fa-IR" sz="1400" dirty="0" smtClean="0">
-              <a:cs typeface="B Nazanin" pitchFamily="2" charset="-78"/>
-            </a:endParaRPr>
-          </a:p>
-          <a:p>
-            <a:pPr rtl="1"/>
-            <a:r>
-              <a:rPr lang="fa-IR" sz="1400" dirty="0" smtClean="0">
-                <a:solidFill>
-                  <a:srgbClr val="0070C0"/>
-                </a:solidFill>
-                <a:latin typeface="Arial" pitchFamily="34" charset="0"/>
-                <a:cs typeface="Arial" pitchFamily="34" charset="0"/>
-              </a:rPr>
-              <a:t>6</a:t>
-            </a:r>
-            <a:r>
-              <a:rPr lang="en-US" sz="1400" dirty="0" smtClean="0">
-                <a:solidFill>
-                  <a:srgbClr val="0070C0"/>
-                </a:solidFill>
-                <a:latin typeface="Arial" pitchFamily="34" charset="0"/>
-                <a:cs typeface="Arial" pitchFamily="34" charset="0"/>
-              </a:rPr>
-              <a:t>3</a:t>
-            </a:r>
-            <a:endParaRPr lang="fa-IR" sz="1400" dirty="0" smtClean="0">
-              <a:solidFill>
-                <a:srgbClr val="0070C0"/>
-              </a:solidFill>
-              <a:latin typeface="Arial" pitchFamily="34" charset="0"/>
-              <a:cs typeface="Arial" pitchFamily="34" charset="0"/>
-            </a:endParaRPr>
-          </a:p>
-          <a:p>
-            <a:pPr rtl="1"/>
-            <a:r>
-              <a:rPr lang="fa-IR" sz="1400" dirty="0" smtClean="0">
-                <a:latin typeface="Arial" pitchFamily="34" charset="0"/>
-                <a:cs typeface="B Nazanin" pitchFamily="2" charset="-78"/>
-              </a:rPr>
-              <a:t>یا</a:t>
-            </a:r>
-            <a:r>
-              <a:rPr lang="fa-IR" sz="1400" dirty="0" smtClean="0">
-                <a:solidFill>
-                  <a:srgbClr val="FF0000"/>
-                </a:solidFill>
-                <a:latin typeface="Arial" pitchFamily="34" charset="0"/>
-                <a:cs typeface="Arial" pitchFamily="34" charset="0"/>
-              </a:rPr>
-              <a:t> </a:t>
-            </a:r>
-            <a:r>
-              <a:rPr lang="fa-IR" sz="1400" dirty="0" smtClean="0">
-                <a:solidFill>
-                  <a:schemeClr val="accent6">
-                    <a:lumMod val="50000"/>
-                  </a:schemeClr>
-                </a:solidFill>
-                <a:latin typeface="Arial" pitchFamily="34" charset="0"/>
-                <a:cs typeface="Arial" pitchFamily="34" charset="0"/>
-              </a:rPr>
-              <a:t>11236</a:t>
-            </a:r>
-            <a:endParaRPr lang="fa-IR" sz="1400" dirty="0" smtClean="0">
-              <a:solidFill>
-                <a:schemeClr val="accent6">
-                  <a:lumMod val="50000"/>
-                </a:schemeClr>
-              </a:solidFill>
-              <a:cs typeface="B Nazanin" pitchFamily="2" charset="-78"/>
-            </a:endParaRPr>
-          </a:p>
-          <a:p>
-            <a:pPr marL="285750" indent="-285750" algn="just" rtl="1">
-              <a:buFont typeface="Wingdings" pitchFamily="2" charset="2"/>
-              <a:buChar char="v"/>
-            </a:pPr>
-            <a:r>
-              <a:rPr lang="fa-IR" sz="1400" b="1" dirty="0" smtClean="0">
-                <a:solidFill>
-                  <a:srgbClr val="7030A0"/>
-                </a:solidFill>
-                <a:cs typeface="B Nazanin" pitchFamily="2" charset="-78"/>
-              </a:rPr>
-              <a:t>تماس بین سازمانی</a:t>
-            </a:r>
-            <a:r>
-              <a:rPr lang="fa-IR" sz="1400" dirty="0" smtClean="0">
-                <a:cs typeface="B Nazanin" pitchFamily="2" charset="-78"/>
-              </a:rPr>
-              <a:t>: نام کاربری فرد و پورتال سازمان مقصد را به </a:t>
-            </a:r>
-            <a:r>
-              <a:rPr lang="fa-IR" sz="1400" dirty="0">
-                <a:cs typeface="B Nazanin" pitchFamily="2" charset="-78"/>
-              </a:rPr>
-              <a:t>شکل </a:t>
-            </a:r>
-            <a:r>
-              <a:rPr lang="fa-IR" sz="1400" dirty="0" smtClean="0">
-                <a:cs typeface="B Nazanin" pitchFamily="2" charset="-78"/>
-              </a:rPr>
-              <a:t>«</a:t>
-            </a:r>
-            <a:r>
-              <a:rPr lang="fa-IR" sz="1400" dirty="0" smtClean="0">
-                <a:solidFill>
-                  <a:schemeClr val="accent6">
-                    <a:lumMod val="50000"/>
-                  </a:schemeClr>
-                </a:solidFill>
-                <a:cs typeface="B Nazanin" pitchFamily="2" charset="-78"/>
-              </a:rPr>
-              <a:t>پورتال </a:t>
-            </a:r>
-            <a:r>
-              <a:rPr lang="fa-IR" sz="1400" dirty="0">
-                <a:solidFill>
-                  <a:schemeClr val="accent6">
-                    <a:lumMod val="50000"/>
-                  </a:schemeClr>
-                </a:solidFill>
-                <a:cs typeface="B Nazanin" pitchFamily="2" charset="-78"/>
-              </a:rPr>
-              <a:t>سازمانی</a:t>
-            </a:r>
-            <a:r>
-              <a:rPr lang="fa-IR" sz="1400" dirty="0">
-                <a:cs typeface="B Nazanin" pitchFamily="2" charset="-78"/>
-              </a:rPr>
-              <a:t>@</a:t>
-            </a:r>
-            <a:r>
-              <a:rPr lang="fa-IR" sz="1400" dirty="0">
-                <a:solidFill>
-                  <a:srgbClr val="0070C0"/>
-                </a:solidFill>
-                <a:cs typeface="B Nazanin" pitchFamily="2" charset="-78"/>
-              </a:rPr>
-              <a:t>نام </a:t>
-            </a:r>
-            <a:r>
-              <a:rPr lang="fa-IR" sz="1400" dirty="0" smtClean="0">
-                <a:solidFill>
-                  <a:srgbClr val="0070C0"/>
-                </a:solidFill>
-                <a:cs typeface="B Nazanin" pitchFamily="2" charset="-78"/>
-              </a:rPr>
-              <a:t>کاربری</a:t>
-            </a:r>
-            <a:r>
-              <a:rPr lang="fa-IR" sz="1400" dirty="0" smtClean="0">
-                <a:cs typeface="B Nazanin" pitchFamily="2" charset="-78"/>
-              </a:rPr>
-              <a:t>» وارد کنید تا وارد اتاق جلسه مخاطب شوید.</a:t>
-            </a:r>
-            <a:r>
-              <a:rPr lang="fa-IR" sz="1400" dirty="0">
-                <a:cs typeface="B Nazanin" pitchFamily="2" charset="-78"/>
-              </a:rPr>
-              <a:t> </a:t>
-            </a:r>
-            <a:r>
-              <a:rPr lang="fa-IR" sz="1400" dirty="0" smtClean="0">
-                <a:cs typeface="B Nazanin" pitchFamily="2" charset="-78"/>
-              </a:rPr>
-              <a:t>مثل:</a:t>
-            </a:r>
-          </a:p>
-          <a:p>
-            <a:pPr rtl="1"/>
-            <a:r>
-              <a:rPr lang="en-US" sz="1400" dirty="0" smtClean="0">
-                <a:solidFill>
-                  <a:srgbClr val="0070C0"/>
-                </a:solidFill>
-                <a:cs typeface="B Nazanin" pitchFamily="2" charset="-78"/>
-              </a:rPr>
-              <a:t>m.hashemian</a:t>
-            </a:r>
-            <a:r>
-              <a:rPr lang="en-US" sz="1400" dirty="0" smtClean="0">
-                <a:cs typeface="B Nazanin" pitchFamily="2" charset="-78"/>
-              </a:rPr>
-              <a:t>@</a:t>
-            </a:r>
-            <a:r>
-              <a:rPr lang="en-US" sz="1400" dirty="0" smtClean="0">
-                <a:solidFill>
-                  <a:schemeClr val="accent6">
-                    <a:lumMod val="50000"/>
-                  </a:schemeClr>
-                </a:solidFill>
-                <a:cs typeface="B Nazanin" pitchFamily="2" charset="-78"/>
-              </a:rPr>
-              <a:t>hs.shooka.ir</a:t>
-            </a:r>
-            <a:endParaRPr lang="fa-IR" sz="1400" dirty="0" smtClean="0">
-              <a:solidFill>
-                <a:schemeClr val="accent6">
-                  <a:lumMod val="50000"/>
-                </a:schemeClr>
-              </a:solidFill>
-              <a:cs typeface="B Nazanin" pitchFamily="2" charset="-78"/>
-            </a:endParaRPr>
-          </a:p>
-          <a:p>
-            <a:pPr marL="285750" indent="-285750" algn="just" rtl="1">
-              <a:buFont typeface="Wingdings" pitchFamily="2" charset="2"/>
-              <a:buChar char="v"/>
-            </a:pPr>
-            <a:r>
-              <a:rPr lang="fa-IR" sz="1400" b="1" dirty="0" smtClean="0">
-                <a:solidFill>
-                  <a:srgbClr val="7030A0"/>
-                </a:solidFill>
-                <a:cs typeface="B Nazanin" pitchFamily="2" charset="-78"/>
-              </a:rPr>
-              <a:t>تماس با دستگاههای قدیمی</a:t>
-            </a:r>
-            <a:r>
-              <a:rPr lang="fa-IR" sz="1400" dirty="0" smtClean="0">
-                <a:cs typeface="B Nazanin" pitchFamily="2" charset="-78"/>
-              </a:rPr>
-              <a:t>: </a:t>
-            </a:r>
-            <a:r>
-              <a:rPr lang="fa-IR" sz="1400" dirty="0">
-                <a:cs typeface="B Nazanin" pitchFamily="2" charset="-78"/>
-              </a:rPr>
-              <a:t>برای برقراری تماس تصویری دونفره با دستگاههای قدیمی کافیست فرمول ارتباطی مورد نظرتان را در اینجا تایپ کرده و سپس روی دکمه برقراری تماس کلیک کنید. از آنجا که فرمول ارتباط با دستگاه‌های قدیمی بسته به کارخانه سازنده و نحوه اتصال آنها شکل‌های متفاوتی دارد، برای دریافت اطلاعات بیشتر با واحد پشتیبانی تماس بگیرید</a:t>
-            </a:r>
-            <a:r>
-              <a:rPr lang="fa-IR" sz="1400" dirty="0" smtClean="0">
-                <a:cs typeface="B Nazanin" pitchFamily="2" charset="-78"/>
-              </a:rPr>
-              <a:t>.</a:t>
-            </a:r>
             <a:endParaRPr lang="fa-IR" sz="1400" dirty="0">
               <a:solidFill>
                 <a:schemeClr val="accent6">
@@ -10872,6 +10528,438 @@
           </a:p>
           <a:p>
             <a:pPr algn="just" rtl="1"/>
+            <a:r>
+              <a:rPr lang="fa-IR" sz="1400" dirty="0">
+                <a:solidFill>
+                  <a:srgbClr val="FF0000"/>
+                </a:solidFill>
+              </a:rPr>
+              <a:t>2-</a:t>
+            </a:r>
+            <a:r>
+              <a:rPr lang="fa-IR" sz="1400" dirty="0">
+                <a:solidFill>
+                  <a:srgbClr val="FF0000"/>
+                </a:solidFill>
+                <a:cs typeface="B Nazanin" pitchFamily="2" charset="-78"/>
+              </a:rPr>
+              <a:t> </a:t>
+            </a:r>
+            <a:r>
+              <a:rPr lang="fa-IR" sz="1400" dirty="0">
+                <a:cs typeface="B Nazanin" pitchFamily="2" charset="-78"/>
+              </a:rPr>
+              <a:t>برای وارد کردن شماره مقصد با ماوس، می‌توانید از این صفحه کلید هم استفاده کنید.</a:t>
+            </a:r>
+          </a:p>
+          <a:p>
+            <a:pPr algn="just" rtl="1"/>
+            <a:endParaRPr lang="fa-IR" sz="1400" dirty="0">
+              <a:cs typeface="B Nazanin" pitchFamily="2" charset="-78"/>
+            </a:endParaRPr>
+          </a:p>
+          <a:p>
+            <a:pPr algn="just" rtl="1"/>
+            <a:r>
+              <a:rPr lang="fa-IR" sz="1400" dirty="0">
+                <a:solidFill>
+                  <a:srgbClr val="FF0000"/>
+                </a:solidFill>
+              </a:rPr>
+              <a:t>3- </a:t>
+            </a:r>
+            <a:r>
+              <a:rPr lang="fa-IR" sz="1400" dirty="0">
+                <a:cs typeface="B Nazanin" pitchFamily="2" charset="-78"/>
+              </a:rPr>
+              <a:t>پس از وارد کردن شماره مقصد این دکمه را فشار دهید.</a:t>
+            </a:r>
+          </a:p>
+          <a:p>
+            <a:pPr algn="just" rtl="1"/>
+            <a:endParaRPr lang="en-US" b="1" dirty="0" smtClean="0">
+              <a:solidFill>
+                <a:schemeClr val="accent3">
+                  <a:lumMod val="50000"/>
+                </a:schemeClr>
+              </a:solidFill>
+              <a:cs typeface="B Nazanin" pitchFamily="2" charset="-78"/>
+            </a:endParaRPr>
+          </a:p>
+          <a:p>
+            <a:pPr algn="just" rtl="1"/>
+            <a:r>
+              <a:rPr lang="fa-IR" b="1" dirty="0" smtClean="0">
+                <a:solidFill>
+                  <a:schemeClr val="accent3">
+                    <a:lumMod val="50000"/>
+                  </a:schemeClr>
+                </a:solidFill>
+                <a:cs typeface="B Nazanin" pitchFamily="2" charset="-78"/>
+              </a:rPr>
+              <a:t>روشهای </a:t>
+            </a:r>
+            <a:r>
+              <a:rPr lang="fa-IR" b="1" dirty="0" smtClean="0">
+                <a:solidFill>
+                  <a:schemeClr val="accent3">
+                    <a:lumMod val="50000"/>
+                  </a:schemeClr>
+                </a:solidFill>
+                <a:cs typeface="B Nazanin" pitchFamily="2" charset="-78"/>
+              </a:rPr>
+              <a:t>تماس</a:t>
+            </a:r>
+            <a:r>
+              <a:rPr lang="fa-IR" b="1" dirty="0" smtClean="0">
+                <a:cs typeface="B Nazanin" pitchFamily="2" charset="-78"/>
+              </a:rPr>
+              <a:t>:</a:t>
+            </a:r>
+            <a:endParaRPr lang="fa-IR" sz="1400" dirty="0">
+              <a:cs typeface="B Nazanin" pitchFamily="2" charset="-78"/>
+            </a:endParaRPr>
+          </a:p>
+          <a:p>
+            <a:pPr algn="just" rtl="1"/>
+            <a:endParaRPr lang="fa-IR" sz="1400" dirty="0">
+              <a:cs typeface="B Nazanin" pitchFamily="2" charset="-78"/>
+            </a:endParaRPr>
+          </a:p>
+          <a:p>
+            <a:pPr marL="285750" indent="-285750" algn="just" rtl="1">
+              <a:buFont typeface="Wingdings" pitchFamily="2" charset="2"/>
+              <a:buChar char="v"/>
+            </a:pPr>
+            <a:r>
+              <a:rPr lang="fa-IR" sz="1400" b="1" dirty="0" smtClean="0">
+                <a:solidFill>
+                  <a:srgbClr val="7030A0"/>
+                </a:solidFill>
+                <a:cs typeface="B Nazanin" pitchFamily="2" charset="-78"/>
+              </a:rPr>
+              <a:t>تماس با شماره افراد</a:t>
+            </a:r>
+            <a:r>
+              <a:rPr lang="fa-IR" sz="1400" dirty="0" smtClean="0">
+                <a:cs typeface="B Nazanin" pitchFamily="2" charset="-78"/>
+              </a:rPr>
+              <a:t>: شماره درون سازمانی فرد را </a:t>
+            </a:r>
+            <a:r>
+              <a:rPr lang="fa-IR" sz="1400" dirty="0" smtClean="0">
+                <a:solidFill>
+                  <a:srgbClr val="0070C0"/>
+                </a:solidFill>
+                <a:cs typeface="B Nazanin" pitchFamily="2" charset="-78"/>
+              </a:rPr>
+              <a:t>به تنهایی </a:t>
+            </a:r>
+            <a:r>
+              <a:rPr lang="fa-IR" sz="1400" dirty="0" smtClean="0">
+                <a:cs typeface="B Nazanin" pitchFamily="2" charset="-78"/>
+              </a:rPr>
+              <a:t>(یا </a:t>
+            </a:r>
+            <a:r>
+              <a:rPr lang="fa-IR" sz="1400" dirty="0" smtClean="0">
+                <a:cs typeface="B Nazanin" pitchFamily="2" charset="-78"/>
+              </a:rPr>
+              <a:t>همراه با </a:t>
+            </a:r>
+            <a:r>
+              <a:rPr lang="fa-IR" sz="1400" dirty="0" smtClean="0">
+                <a:solidFill>
+                  <a:schemeClr val="accent6">
+                    <a:lumMod val="75000"/>
+                  </a:schemeClr>
+                </a:solidFill>
+                <a:cs typeface="B Nazanin" pitchFamily="2" charset="-78"/>
+              </a:rPr>
+              <a:t>پ</a:t>
+            </a:r>
+            <a:r>
+              <a:rPr lang="fa-IR" sz="1400" dirty="0" smtClean="0">
+                <a:solidFill>
+                  <a:schemeClr val="accent6">
+                    <a:lumMod val="50000"/>
+                  </a:schemeClr>
+                </a:solidFill>
+                <a:cs typeface="B Nazanin" pitchFamily="2" charset="-78"/>
+              </a:rPr>
+              <a:t>یش </a:t>
+            </a:r>
+            <a:r>
+              <a:rPr lang="fa-IR" sz="1400" dirty="0" smtClean="0">
+                <a:solidFill>
+                  <a:schemeClr val="accent6">
+                    <a:lumMod val="50000"/>
+                  </a:schemeClr>
+                </a:solidFill>
+                <a:cs typeface="B Nazanin" pitchFamily="2" charset="-78"/>
+              </a:rPr>
+              <a:t>شماره سازمانی</a:t>
+            </a:r>
+            <a:r>
+              <a:rPr lang="fa-IR" sz="1400" dirty="0" smtClean="0">
+                <a:cs typeface="B Nazanin" pitchFamily="2" charset="-78"/>
+              </a:rPr>
+              <a:t>) را وارد کنید. مثلا برای فردی با شماره </a:t>
+            </a:r>
+            <a:r>
+              <a:rPr lang="en-US" sz="1400" dirty="0" smtClean="0">
+                <a:latin typeface="Arial" pitchFamily="34" charset="0"/>
+                <a:cs typeface="Arial" pitchFamily="34" charset="0"/>
+              </a:rPr>
+              <a:t>(112)36</a:t>
+            </a:r>
+            <a:r>
+              <a:rPr lang="fa-IR" sz="1400" dirty="0" smtClean="0">
+                <a:latin typeface="Arial" pitchFamily="34" charset="0"/>
+                <a:cs typeface="Arial" pitchFamily="34" charset="0"/>
+              </a:rPr>
+              <a:t>:</a:t>
+            </a:r>
+            <a:endParaRPr lang="fa-IR" sz="1400" dirty="0" smtClean="0">
+              <a:cs typeface="B Nazanin" pitchFamily="2" charset="-78"/>
+            </a:endParaRPr>
+          </a:p>
+          <a:p>
+            <a:pPr rtl="1"/>
+            <a:r>
+              <a:rPr lang="fa-IR" sz="1400" dirty="0" smtClean="0">
+                <a:solidFill>
+                  <a:srgbClr val="0070C0"/>
+                </a:solidFill>
+                <a:latin typeface="Arial" pitchFamily="34" charset="0"/>
+                <a:cs typeface="Arial" pitchFamily="34" charset="0"/>
+              </a:rPr>
+              <a:t>6</a:t>
+            </a:r>
+            <a:r>
+              <a:rPr lang="en-US" sz="1400" dirty="0" smtClean="0">
+                <a:solidFill>
+                  <a:srgbClr val="0070C0"/>
+                </a:solidFill>
+                <a:latin typeface="Arial" pitchFamily="34" charset="0"/>
+                <a:cs typeface="Arial" pitchFamily="34" charset="0"/>
+              </a:rPr>
+              <a:t>3</a:t>
+            </a:r>
+            <a:endParaRPr lang="fa-IR" sz="1400" dirty="0" smtClean="0">
+              <a:solidFill>
+                <a:srgbClr val="0070C0"/>
+              </a:solidFill>
+              <a:latin typeface="Arial" pitchFamily="34" charset="0"/>
+              <a:cs typeface="Arial" pitchFamily="34" charset="0"/>
+            </a:endParaRPr>
+          </a:p>
+          <a:p>
+            <a:pPr rtl="1"/>
+            <a:r>
+              <a:rPr lang="fa-IR" sz="1400" dirty="0" smtClean="0">
+                <a:latin typeface="Arial" pitchFamily="34" charset="0"/>
+                <a:cs typeface="B Nazanin" pitchFamily="2" charset="-78"/>
+              </a:rPr>
+              <a:t>یا</a:t>
+            </a:r>
+            <a:r>
+              <a:rPr lang="fa-IR" sz="1400" dirty="0" smtClean="0">
+                <a:solidFill>
+                  <a:srgbClr val="FF0000"/>
+                </a:solidFill>
+                <a:latin typeface="Arial" pitchFamily="34" charset="0"/>
+                <a:cs typeface="Arial" pitchFamily="34" charset="0"/>
+              </a:rPr>
+              <a:t> </a:t>
+            </a:r>
+            <a:r>
+              <a:rPr lang="fa-IR" sz="1400" dirty="0" smtClean="0">
+                <a:solidFill>
+                  <a:schemeClr val="accent6">
+                    <a:lumMod val="50000"/>
+                  </a:schemeClr>
+                </a:solidFill>
+                <a:latin typeface="Arial" pitchFamily="34" charset="0"/>
+                <a:cs typeface="Arial" pitchFamily="34" charset="0"/>
+              </a:rPr>
+              <a:t>11236</a:t>
+            </a:r>
+            <a:endParaRPr lang="fa-IR" sz="1400" dirty="0" smtClean="0">
+              <a:solidFill>
+                <a:schemeClr val="accent6">
+                  <a:lumMod val="50000"/>
+                </a:schemeClr>
+              </a:solidFill>
+              <a:cs typeface="B Nazanin" pitchFamily="2" charset="-78"/>
+            </a:endParaRPr>
+          </a:p>
+          <a:p>
+            <a:pPr marL="285750" indent="-285750" algn="just" rtl="1">
+              <a:buFont typeface="Wingdings" pitchFamily="2" charset="2"/>
+              <a:buChar char="v"/>
+            </a:pPr>
+            <a:r>
+              <a:rPr lang="fa-IR" sz="1400" b="1" dirty="0" smtClean="0">
+                <a:solidFill>
+                  <a:srgbClr val="7030A0"/>
+                </a:solidFill>
+                <a:cs typeface="B Nazanin" pitchFamily="2" charset="-78"/>
+              </a:rPr>
+              <a:t>تماس بین سازمانی</a:t>
+            </a:r>
+            <a:r>
+              <a:rPr lang="fa-IR" sz="1400" dirty="0" smtClean="0">
+                <a:cs typeface="B Nazanin" pitchFamily="2" charset="-78"/>
+              </a:rPr>
+              <a:t>: نام کاربری فرد و پورتال سازمان مقصد را به </a:t>
+            </a:r>
+            <a:r>
+              <a:rPr lang="fa-IR" sz="1400" dirty="0">
+                <a:cs typeface="B Nazanin" pitchFamily="2" charset="-78"/>
+              </a:rPr>
+              <a:t>شکل </a:t>
+            </a:r>
+            <a:r>
+              <a:rPr lang="fa-IR" sz="1400" dirty="0" smtClean="0">
+                <a:cs typeface="B Nazanin" pitchFamily="2" charset="-78"/>
+              </a:rPr>
+              <a:t>«</a:t>
+            </a:r>
+            <a:r>
+              <a:rPr lang="fa-IR" sz="1400" dirty="0" smtClean="0">
+                <a:solidFill>
+                  <a:schemeClr val="accent6">
+                    <a:lumMod val="50000"/>
+                  </a:schemeClr>
+                </a:solidFill>
+                <a:cs typeface="B Nazanin" pitchFamily="2" charset="-78"/>
+              </a:rPr>
+              <a:t>پورتال </a:t>
+            </a:r>
+            <a:r>
+              <a:rPr lang="fa-IR" sz="1400" dirty="0">
+                <a:solidFill>
+                  <a:schemeClr val="accent6">
+                    <a:lumMod val="50000"/>
+                  </a:schemeClr>
+                </a:solidFill>
+                <a:cs typeface="B Nazanin" pitchFamily="2" charset="-78"/>
+              </a:rPr>
+              <a:t>سازمانی</a:t>
+            </a:r>
+            <a:r>
+              <a:rPr lang="fa-IR" sz="1400" dirty="0">
+                <a:cs typeface="B Nazanin" pitchFamily="2" charset="-78"/>
+              </a:rPr>
+              <a:t>@</a:t>
+            </a:r>
+            <a:r>
+              <a:rPr lang="fa-IR" sz="1400" dirty="0">
+                <a:solidFill>
+                  <a:srgbClr val="0070C0"/>
+                </a:solidFill>
+                <a:cs typeface="B Nazanin" pitchFamily="2" charset="-78"/>
+              </a:rPr>
+              <a:t>نام </a:t>
+            </a:r>
+            <a:r>
+              <a:rPr lang="fa-IR" sz="1400" dirty="0" smtClean="0">
+                <a:solidFill>
+                  <a:srgbClr val="0070C0"/>
+                </a:solidFill>
+                <a:cs typeface="B Nazanin" pitchFamily="2" charset="-78"/>
+              </a:rPr>
+              <a:t>کاربری</a:t>
+            </a:r>
+            <a:r>
+              <a:rPr lang="fa-IR" sz="1400" dirty="0" smtClean="0">
+                <a:cs typeface="B Nazanin" pitchFamily="2" charset="-78"/>
+              </a:rPr>
+              <a:t>» وارد کنید تا وارد اتاق جلسه مخاطب شوید.</a:t>
+            </a:r>
+            <a:r>
+              <a:rPr lang="fa-IR" sz="1400" dirty="0">
+                <a:cs typeface="B Nazanin" pitchFamily="2" charset="-78"/>
+              </a:rPr>
+              <a:t> </a:t>
+            </a:r>
+            <a:r>
+              <a:rPr lang="fa-IR" sz="1400" dirty="0" smtClean="0">
+                <a:cs typeface="B Nazanin" pitchFamily="2" charset="-78"/>
+              </a:rPr>
+              <a:t>مثل:</a:t>
+            </a:r>
+          </a:p>
+          <a:p>
+            <a:pPr rtl="1"/>
+            <a:r>
+              <a:rPr lang="en-US" sz="1400" dirty="0" smtClean="0">
+                <a:solidFill>
+                  <a:srgbClr val="0070C0"/>
+                </a:solidFill>
+                <a:cs typeface="B Nazanin" pitchFamily="2" charset="-78"/>
+              </a:rPr>
+              <a:t>m.hashemian</a:t>
+            </a:r>
+            <a:r>
+              <a:rPr lang="en-US" sz="1400" dirty="0" smtClean="0">
+                <a:cs typeface="B Nazanin" pitchFamily="2" charset="-78"/>
+              </a:rPr>
+              <a:t>@</a:t>
+            </a:r>
+            <a:r>
+              <a:rPr lang="en-US" sz="1400" dirty="0" smtClean="0">
+                <a:solidFill>
+                  <a:schemeClr val="accent6">
+                    <a:lumMod val="50000"/>
+                  </a:schemeClr>
+                </a:solidFill>
+                <a:cs typeface="B Nazanin" pitchFamily="2" charset="-78"/>
+              </a:rPr>
+              <a:t>hs.shooka.ir</a:t>
+            </a:r>
+            <a:endParaRPr lang="fa-IR" sz="1400" dirty="0" smtClean="0">
+              <a:solidFill>
+                <a:schemeClr val="accent6">
+                  <a:lumMod val="50000"/>
+                </a:schemeClr>
+              </a:solidFill>
+              <a:cs typeface="B Nazanin" pitchFamily="2" charset="-78"/>
+            </a:endParaRPr>
+          </a:p>
+          <a:p>
+            <a:pPr marL="285750" indent="-285750" algn="just" rtl="1">
+              <a:buFont typeface="Wingdings" pitchFamily="2" charset="2"/>
+              <a:buChar char="v"/>
+            </a:pPr>
+            <a:r>
+              <a:rPr lang="fa-IR" sz="1400" b="1" dirty="0" smtClean="0">
+                <a:solidFill>
+                  <a:srgbClr val="7030A0"/>
+                </a:solidFill>
+                <a:cs typeface="B Nazanin" pitchFamily="2" charset="-78"/>
+              </a:rPr>
+              <a:t>تماس با دستگاههای قدیمی</a:t>
+            </a:r>
+            <a:r>
+              <a:rPr lang="fa-IR" sz="1400" dirty="0" smtClean="0">
+                <a:cs typeface="B Nazanin" pitchFamily="2" charset="-78"/>
+              </a:rPr>
+              <a:t>: </a:t>
+            </a:r>
+            <a:r>
+              <a:rPr lang="fa-IR" sz="1400" dirty="0">
+                <a:cs typeface="B Nazanin" pitchFamily="2" charset="-78"/>
+              </a:rPr>
+              <a:t>برای برقراری تماس تصویری دونفره با دستگاههای قدیمی کافیست فرمول ارتباطی مورد نظرتان را در اینجا تایپ کرده و سپس روی دکمه برقراری تماس کلیک کنید. از آنجا که فرمول ارتباط با دستگاه‌های قدیمی بسته به کارخانه سازنده و نحوه اتصال آنها شکل‌های متفاوتی دارد، برای دریافت اطلاعات بیشتر با واحد پشتیبانی تماس بگیرید</a:t>
+            </a:r>
+            <a:r>
+              <a:rPr lang="fa-IR" sz="1400" dirty="0" smtClean="0">
+                <a:cs typeface="B Nazanin" pitchFamily="2" charset="-78"/>
+              </a:rPr>
+              <a:t>.</a:t>
+            </a:r>
             <a:endParaRPr lang="fa-IR" sz="1400" dirty="0">
               <a:solidFill>
                 <a:schemeClr val="accent6">
@@ -10880,67 +10968,6 @@
               </a:solidFill>
               <a:latin typeface="Arial" pitchFamily="34" charset="0"/>
               <a:cs typeface="Arial" pitchFamily="34" charset="0"/>
-            </a:endParaRPr>
-          </a:p>
-          <a:p>
-            <a:pPr algn="just" rtl="1"/>
-            <a:r>
-              <a:rPr lang="fa-IR" sz="1400" dirty="0">
-                <a:solidFill>
-                  <a:srgbClr val="FF0000"/>
-                </a:solidFill>
-              </a:rPr>
-              <a:t>2-</a:t>
-            </a:r>
-            <a:r>
-              <a:rPr lang="fa-IR" sz="1400" dirty="0">
-                <a:solidFill>
-                  <a:srgbClr val="FF0000"/>
-                </a:solidFill>
-                <a:cs typeface="B Nazanin" pitchFamily="2" charset="-78"/>
-              </a:rPr>
-              <a:t> </a:t>
-            </a:r>
-            <a:r>
-              <a:rPr lang="fa-IR" sz="1400" dirty="0">
-                <a:cs typeface="B Nazanin" pitchFamily="2" charset="-78"/>
-              </a:rPr>
-              <a:t>برای وارد کردن شماره مقصد با ماوس، می‌توانید از این صفحه کلید هم استفاده کنید</a:t>
-            </a:r>
-            <a:r>
-              <a:rPr lang="fa-IR" sz="1400" dirty="0" smtClean="0">
-                <a:cs typeface="B Nazanin" pitchFamily="2" charset="-78"/>
-              </a:rPr>
-              <a:t>.</a:t>
-            </a:r>
-          </a:p>
-          <a:p>
-            <a:pPr algn="just" rtl="1"/>
-            <a:endParaRPr lang="fa-IR" sz="1400" dirty="0">
-              <a:cs typeface="B Nazanin" pitchFamily="2" charset="-78"/>
-            </a:endParaRPr>
-          </a:p>
-          <a:p>
-            <a:pPr algn="just" rtl="1"/>
-            <a:r>
-              <a:rPr lang="fa-IR" sz="1400" dirty="0">
-                <a:solidFill>
-                  <a:srgbClr val="FF0000"/>
-                </a:solidFill>
-              </a:rPr>
-              <a:t>3- </a:t>
-            </a:r>
-            <a:r>
-              <a:rPr lang="fa-IR" sz="1400" dirty="0">
-                <a:cs typeface="B Nazanin" pitchFamily="2" charset="-78"/>
-              </a:rPr>
-              <a:t>پس از وارد کردن شماره مقصد این دکمه را فشار دهید.</a:t>
-            </a:r>
-          </a:p>
-          <a:p>
-            <a:pPr algn="just" rtl="1"/>
-            <a:endParaRPr lang="fa-IR" sz="1400" dirty="0" smtClean="0">
-              <a:cs typeface="B Nazanin" pitchFamily="2" charset="-78"/>
             </a:endParaRPr>
           </a:p>
         </p:txBody>
@@ -27870,25 +27897,7 @@
                 </a:solidFill>
                 <a:cs typeface="B Titr" pitchFamily="2" charset="-78"/>
               </a:rPr>
-              <a:t>راهنمای پنجره </a:t>
-            </a:r>
-            <a:r>
-              <a:rPr lang="fa-IR" sz="2800" dirty="0" smtClean="0">
-                <a:solidFill>
-                  <a:srgbClr val="0070C0"/>
-                </a:solidFill>
-                <a:cs typeface="B Titr" pitchFamily="2" charset="-78"/>
-              </a:rPr>
-              <a:t>ارسال پیام</a:t>
-            </a:r>
-            <a:r>
-              <a:rPr lang="fa-IR" sz="2800" dirty="0" smtClean="0">
-                <a:solidFill>
-                  <a:srgbClr val="0070C0"/>
-                </a:solidFill>
-                <a:cs typeface="B Titr" pitchFamily="2" charset="-78"/>
-              </a:rPr>
-              <a:t> متنی</a:t>
+              <a:t>راهنمای پنجره ارسال پیام متنی</a:t>
             </a:r>
             <a:endParaRPr lang="en-US" sz="2800" dirty="0"/>
           </a:p>
@@ -27936,13 +27945,7 @@
               <a:rPr lang="fa-IR" sz="1400" dirty="0" smtClean="0">
                 <a:cs typeface="B Nazanin" pitchFamily="2" charset="-78"/>
               </a:rPr>
-              <a:t> </a:t>
-            </a:r>
-            <a:r>
-              <a:rPr lang="fa-IR" sz="1400" dirty="0" smtClean="0">
-                <a:cs typeface="B Nazanin" pitchFamily="2" charset="-78"/>
-              </a:rPr>
-              <a:t>پنجره نمایش پیامهای ردوبدل شده بین شما و این فرد</a:t>
+              <a:t> پنجره نمایش پیامهای ردوبدل شده بین شما و این فرد</a:t>
             </a:r>
           </a:p>
           <a:p>
@@ -27965,7 +27968,19 @@
               <a:rPr lang="fa-IR" sz="1400" dirty="0" smtClean="0">
                 <a:cs typeface="B Nazanin" pitchFamily="2" charset="-78"/>
               </a:rPr>
-              <a:t>اگر قصد دارید پیام جدیدی برای این فرد ارسال کنید، انرا اینجا تایپ کنید تا اگر آنلاین است آن را هم اکنون ببیند وگرنه به محض آنلاین شدنش آن را دریافت می‌کند.</a:t>
+              <a:t>اگر قصد دارید پیام جدیدی برای این فرد ارسال کنید، </a:t>
+            </a:r>
+            <a:r>
+              <a:rPr lang="fa-IR" sz="1400" dirty="0">
+                <a:cs typeface="B Nazanin" pitchFamily="2" charset="-78"/>
+              </a:rPr>
+              <a:t>آ</a:t>
+            </a:r>
+            <a:r>
+              <a:rPr lang="fa-IR" sz="1400" dirty="0" smtClean="0">
+                <a:cs typeface="B Nazanin" pitchFamily="2" charset="-78"/>
+              </a:rPr>
+              <a:t>نرا اینجا تایپ کنید تا اگر آنلاین است آن را هم اکنون ببیند وگرنه به محض آنلاین شدنش آن را دریافت می‌کند.</a:t>
             </a:r>
           </a:p>
           <a:p>

--- a/ShookaDesktop Guide - Farsi.pptx
+++ b/ShookaDesktop Guide - Farsi.pptx
@@ -31,8 +31,9 @@
     <p:sldId id="281" r:id="rId25"/>
     <p:sldId id="282" r:id="rId26"/>
     <p:sldId id="283" r:id="rId27"/>
-    <p:sldId id="284" r:id="rId28"/>
-    <p:sldId id="288" r:id="rId29"/>
+    <p:sldId id="290" r:id="rId28"/>
+    <p:sldId id="284" r:id="rId29"/>
+    <p:sldId id="288" r:id="rId30"/>
   </p:sldIdLst>
   <p:sldSz cx="9144000" cy="6858000" type="screen4x3"/>
   <p:notesSz cx="6858000" cy="9144000"/>
@@ -315,7 +316,7 @@
           <a:p>
             <a:fld id="{F32E560B-4F83-45FF-AAA0-7CF2EC396768}" type="datetimeFigureOut">
               <a:rPr lang="en-US" smtClean="0"/>
-              <a:t>8/23/2014</a:t>
+              <a:t>8/24/2014</a:t>
             </a:fld>
             <a:endParaRPr lang="en-US"/>
           </a:p>
@@ -485,7 +486,7 @@
           <a:p>
             <a:fld id="{F32E560B-4F83-45FF-AAA0-7CF2EC396768}" type="datetimeFigureOut">
               <a:rPr lang="en-US" smtClean="0"/>
-              <a:t>8/23/2014</a:t>
+              <a:t>8/24/2014</a:t>
             </a:fld>
             <a:endParaRPr lang="en-US"/>
           </a:p>
@@ -665,7 +666,7 @@
           <a:p>
             <a:fld id="{F32E560B-4F83-45FF-AAA0-7CF2EC396768}" type="datetimeFigureOut">
               <a:rPr lang="en-US" smtClean="0"/>
-              <a:t>8/23/2014</a:t>
+              <a:t>8/24/2014</a:t>
             </a:fld>
             <a:endParaRPr lang="en-US"/>
           </a:p>
@@ -835,7 +836,7 @@
           <a:p>
             <a:fld id="{F32E560B-4F83-45FF-AAA0-7CF2EC396768}" type="datetimeFigureOut">
               <a:rPr lang="en-US" smtClean="0"/>
-              <a:t>8/23/2014</a:t>
+              <a:t>8/24/2014</a:t>
             </a:fld>
             <a:endParaRPr lang="en-US"/>
           </a:p>
@@ -1081,7 +1082,7 @@
           <a:p>
             <a:fld id="{F32E560B-4F83-45FF-AAA0-7CF2EC396768}" type="datetimeFigureOut">
               <a:rPr lang="en-US" smtClean="0"/>
-              <a:t>8/23/2014</a:t>
+              <a:t>8/24/2014</a:t>
             </a:fld>
             <a:endParaRPr lang="en-US"/>
           </a:p>
@@ -1369,7 +1370,7 @@
           <a:p>
             <a:fld id="{F32E560B-4F83-45FF-AAA0-7CF2EC396768}" type="datetimeFigureOut">
               <a:rPr lang="en-US" smtClean="0"/>
-              <a:t>8/23/2014</a:t>
+              <a:t>8/24/2014</a:t>
             </a:fld>
             <a:endParaRPr lang="en-US"/>
           </a:p>
@@ -1791,7 +1792,7 @@
           <a:p>
             <a:fld id="{F32E560B-4F83-45FF-AAA0-7CF2EC396768}" type="datetimeFigureOut">
               <a:rPr lang="en-US" smtClean="0"/>
-              <a:t>8/23/2014</a:t>
+              <a:t>8/24/2014</a:t>
             </a:fld>
             <a:endParaRPr lang="en-US"/>
           </a:p>
@@ -1909,7 +1910,7 @@
           <a:p>
             <a:fld id="{F32E560B-4F83-45FF-AAA0-7CF2EC396768}" type="datetimeFigureOut">
               <a:rPr lang="en-US" smtClean="0"/>
-              <a:t>8/23/2014</a:t>
+              <a:t>8/24/2014</a:t>
             </a:fld>
             <a:endParaRPr lang="en-US"/>
           </a:p>
@@ -2004,7 +2005,7 @@
           <a:p>
             <a:fld id="{F32E560B-4F83-45FF-AAA0-7CF2EC396768}" type="datetimeFigureOut">
               <a:rPr lang="en-US" smtClean="0"/>
-              <a:t>8/23/2014</a:t>
+              <a:t>8/24/2014</a:t>
             </a:fld>
             <a:endParaRPr lang="en-US"/>
           </a:p>
@@ -2281,7 +2282,7 @@
           <a:p>
             <a:fld id="{F32E560B-4F83-45FF-AAA0-7CF2EC396768}" type="datetimeFigureOut">
               <a:rPr lang="en-US" smtClean="0"/>
-              <a:t>8/23/2014</a:t>
+              <a:t>8/24/2014</a:t>
             </a:fld>
             <a:endParaRPr lang="en-US"/>
           </a:p>
@@ -2534,7 +2535,7 @@
           <a:p>
             <a:fld id="{F32E560B-4F83-45FF-AAA0-7CF2EC396768}" type="datetimeFigureOut">
               <a:rPr lang="en-US" smtClean="0"/>
-              <a:t>8/23/2014</a:t>
+              <a:t>8/24/2014</a:t>
             </a:fld>
             <a:endParaRPr lang="en-US"/>
           </a:p>
@@ -2747,7 +2748,7 @@
           <a:p>
             <a:fld id="{F32E560B-4F83-45FF-AAA0-7CF2EC396768}" type="datetimeFigureOut">
               <a:rPr lang="en-US" smtClean="0"/>
-              <a:t>8/23/2014</a:t>
+              <a:t>8/24/2014</a:t>
             </a:fld>
             <a:endParaRPr lang="en-US"/>
           </a:p>
@@ -10597,18 +10598,7 @@
                 </a:solidFill>
                 <a:cs typeface="B Nazanin" pitchFamily="2" charset="-78"/>
               </a:rPr>
-              <a:t>روشهای </a:t>
-            </a:r>
-            <a:r>
-              <a:rPr lang="fa-IR" b="1" dirty="0" smtClean="0">
-                <a:solidFill>
-                  <a:schemeClr val="accent3">
-                    <a:lumMod val="50000"/>
-                  </a:schemeClr>
-                </a:solidFill>
-                <a:cs typeface="B Nazanin" pitchFamily="2" charset="-78"/>
-              </a:rPr>
-              <a:t>تماس</a:t>
+              <a:t>روشهای تماس</a:t>
             </a:r>
             <a:r>
               <a:rPr lang="fa-IR" b="1" dirty="0" smtClean="0">
@@ -10659,13 +10649,7 @@
               <a:rPr lang="fa-IR" sz="1400" dirty="0" smtClean="0">
                 <a:cs typeface="B Nazanin" pitchFamily="2" charset="-78"/>
               </a:rPr>
-              <a:t>(یا </a:t>
-            </a:r>
-            <a:r>
-              <a:rPr lang="fa-IR" sz="1400" dirty="0" smtClean="0">
-                <a:cs typeface="B Nazanin" pitchFamily="2" charset="-78"/>
-              </a:rPr>
-              <a:t>همراه با </a:t>
+              <a:t>(یا همراه با </a:t>
             </a:r>
             <a:r>
               <a:rPr lang="fa-IR" sz="1400" dirty="0" smtClean="0">
@@ -10687,18 +10671,7 @@
                 </a:solidFill>
                 <a:cs typeface="B Nazanin" pitchFamily="2" charset="-78"/>
               </a:rPr>
-              <a:t>یش </a:t>
-            </a:r>
-            <a:r>
-              <a:rPr lang="fa-IR" sz="1400" dirty="0" smtClean="0">
-                <a:solidFill>
-                  <a:schemeClr val="accent6">
-                    <a:lumMod val="50000"/>
-                  </a:schemeClr>
-                </a:solidFill>
-                <a:cs typeface="B Nazanin" pitchFamily="2" charset="-78"/>
-              </a:rPr>
-              <a:t>شماره سازمانی</a:t>
+              <a:t>یش شماره سازمانی</a:t>
             </a:r>
             <a:r>
               <a:rPr lang="fa-IR" sz="1400" dirty="0" smtClean="0">
@@ -18394,7 +18367,7 @@
       </p:grpSpPr>
       <p:pic>
         <p:nvPicPr>
-          <p:cNvPr id="4" name="Picture 3"/>
+          <p:cNvPr id="3" name="Picture 2"/>
           <p:cNvPicPr>
             <a:picLocks noChangeAspect="1"/>
           </p:cNvPicPr>
@@ -18404,7 +18377,7 @@
           <a:blip r:embed="rId2">
             <a:extLst>
               <a:ext uri="{28A0092B-C50C-407E-A947-70E740481C1C}">
-                <a14:useLocalDpi xmlns:a14="http://schemas.microsoft.com/office/drawing/2010/main"/>
+                <a14:useLocalDpi xmlns:a14="http://schemas.microsoft.com/office/drawing/2010/main" val="0"/>
               </a:ext>
             </a:extLst>
           </a:blip>
@@ -18414,8 +18387,8 @@
         </p:blipFill>
         <p:spPr>
           <a:xfrm>
-            <a:off x="457200" y="997424"/>
-            <a:ext cx="2973096" cy="5680900"/>
+            <a:off x="516404" y="997424"/>
+            <a:ext cx="2945959" cy="5734923"/>
           </a:xfrm>
           <a:prstGeom prst="rect">
             <a:avLst/>
@@ -18460,7 +18433,25 @@
                 </a:solidFill>
                 <a:cs typeface="B Titr" pitchFamily="2" charset="-78"/>
               </a:rPr>
-              <a:t>بخش نسخه نرم افزار سربرگ تنظیمات</a:t>
+              <a:t>بخش </a:t>
+            </a:r>
+            <a:r>
+              <a:rPr lang="fa-IR" sz="2800" dirty="0" smtClean="0">
+                <a:solidFill>
+                  <a:srgbClr val="0070C0"/>
+                </a:solidFill>
+                <a:cs typeface="B Titr" pitchFamily="2" charset="-78"/>
+              </a:rPr>
+              <a:t>ضبط کنفرانس سربرگ </a:t>
+            </a:r>
+            <a:r>
+              <a:rPr lang="fa-IR" sz="2800" dirty="0" smtClean="0">
+                <a:solidFill>
+                  <a:srgbClr val="0070C0"/>
+                </a:solidFill>
+                <a:cs typeface="B Titr" pitchFamily="2" charset="-78"/>
+              </a:rPr>
+              <a:t>تنظیمات</a:t>
             </a:r>
             <a:endParaRPr lang="en-US" sz="2800" dirty="0"/>
           </a:p>
@@ -18474,7 +18465,7 @@
         </p:nvSpPr>
         <p:spPr>
           <a:xfrm>
-            <a:off x="3483794" y="3265700"/>
+            <a:off x="3483794" y="3124200"/>
             <a:ext cx="312906" cy="369332"/>
           </a:xfrm>
           <a:prstGeom prst="rect">
@@ -18514,8 +18505,8 @@
         </p:nvCxnSpPr>
         <p:spPr>
           <a:xfrm flipH="1">
-            <a:off x="3048000" y="3450366"/>
-            <a:ext cx="435794" cy="0"/>
+            <a:off x="3124200" y="3308866"/>
+            <a:ext cx="359594" cy="0"/>
           </a:xfrm>
           <a:prstGeom prst="straightConnector1">
             <a:avLst/>
@@ -18547,7 +18538,7 @@
         </p:nvSpPr>
         <p:spPr>
           <a:xfrm>
-            <a:off x="3485219" y="3480450"/>
+            <a:off x="3485219" y="3998025"/>
             <a:ext cx="312906" cy="369332"/>
           </a:xfrm>
           <a:prstGeom prst="rect">
@@ -18582,8 +18573,8 @@
         </p:nvCxnSpPr>
         <p:spPr>
           <a:xfrm flipH="1">
-            <a:off x="3048000" y="3665116"/>
-            <a:ext cx="437219" cy="0"/>
+            <a:off x="2667000" y="4182691"/>
+            <a:ext cx="818219" cy="0"/>
           </a:xfrm>
           <a:prstGeom prst="straightConnector1">
             <a:avLst/>
@@ -18615,7 +18606,7 @@
         </p:nvSpPr>
         <p:spPr>
           <a:xfrm>
-            <a:off x="3483794" y="3707843"/>
+            <a:off x="3483794" y="4431268"/>
             <a:ext cx="312906" cy="369332"/>
           </a:xfrm>
           <a:prstGeom prst="rect">
@@ -18655,8 +18646,8 @@
         </p:nvCxnSpPr>
         <p:spPr>
           <a:xfrm flipH="1">
-            <a:off x="3048000" y="3892509"/>
-            <a:ext cx="435794" cy="0"/>
+            <a:off x="2667000" y="4615934"/>
+            <a:ext cx="816794" cy="0"/>
           </a:xfrm>
           <a:prstGeom prst="straightConnector1">
             <a:avLst/>
@@ -18688,7 +18679,7 @@
         </p:nvSpPr>
         <p:spPr>
           <a:xfrm>
-            <a:off x="3485219" y="4000000"/>
+            <a:off x="3485219" y="4683825"/>
             <a:ext cx="312906" cy="369332"/>
           </a:xfrm>
           <a:prstGeom prst="rect">
@@ -18723,8 +18714,8 @@
         </p:nvCxnSpPr>
         <p:spPr>
           <a:xfrm flipH="1">
-            <a:off x="2514600" y="4184666"/>
-            <a:ext cx="970619" cy="0"/>
+            <a:off x="3124200" y="4868491"/>
+            <a:ext cx="361019" cy="0"/>
           </a:xfrm>
           <a:prstGeom prst="straightConnector1">
             <a:avLst/>
@@ -18757,7 +18748,7 @@
         <p:spPr>
           <a:xfrm>
             <a:off x="4283987" y="1143000"/>
-            <a:ext cx="4505029" cy="3754874"/>
+            <a:ext cx="4505029" cy="3970318"/>
           </a:xfrm>
           <a:prstGeom prst="rect">
             <a:avLst/>
@@ -18776,49 +18767,20 @@
                   <a:srgbClr val="FF0000"/>
                 </a:solidFill>
               </a:rPr>
-              <a:t>1- </a:t>
-            </a:r>
-            <a:r>
-              <a:rPr lang="fa-IR" sz="1400" dirty="0" smtClean="0">
-                <a:cs typeface="B Nazanin" pitchFamily="2" charset="-78"/>
-              </a:rPr>
-              <a:t>شماره‌ی نسخه فعلی نرم‌افزار</a:t>
-            </a:r>
-          </a:p>
-          <a:p>
-            <a:pPr algn="just" rtl="1"/>
+              <a:t>1-</a:t>
+            </a:r>
+            <a:r>
+              <a:rPr lang="fa-IR" sz="1400" dirty="0" smtClean="0">
+                <a:cs typeface="B Nazanin" pitchFamily="2" charset="-78"/>
+              </a:rPr>
+              <a:t> وضعیت فعلی قابلیت ضبط کنفرانس – در صورت فعال نبودن روی دکمه فعالسازی که در زیر این نوشته ظاهر میشود کلیک کنید تا پس از دانلود خودکار به حجم 10 مگابایت، قابلیت ضبط کنفرانس فعال شود.</a:t>
+            </a:r>
             <a:endParaRPr lang="fa-IR" sz="1400" dirty="0" smtClean="0">
               <a:cs typeface="B Nazanin" pitchFamily="2" charset="-78"/>
             </a:endParaRPr>
           </a:p>
           <a:p>
             <a:pPr algn="just" rtl="1"/>
-            <a:r>
-              <a:rPr lang="fa-IR" sz="1400" dirty="0" smtClean="0">
-                <a:solidFill>
-                  <a:srgbClr val="FF0000"/>
-                </a:solidFill>
-              </a:rPr>
-              <a:t>2-</a:t>
-            </a:r>
-            <a:r>
-              <a:rPr lang="fa-IR" sz="1400" dirty="0" smtClean="0">
-                <a:solidFill>
-                  <a:srgbClr val="FF0000"/>
-                </a:solidFill>
-                <a:cs typeface="B Nazanin" pitchFamily="2" charset="-78"/>
-              </a:rPr>
-              <a:t> </a:t>
-            </a:r>
-            <a:r>
-              <a:rPr lang="fa-IR" sz="1400" dirty="0" smtClean="0">
-                <a:cs typeface="B Nazanin" pitchFamily="2" charset="-78"/>
-              </a:rPr>
-              <a:t>تاریخ انتشار این نسخه</a:t>
-            </a:r>
-          </a:p>
-          <a:p>
-            <a:pPr algn="just" rtl="1"/>
             <a:endParaRPr lang="fa-IR" sz="1400" dirty="0" smtClean="0">
               <a:cs typeface="B Nazanin" pitchFamily="2" charset="-78"/>
             </a:endParaRPr>
@@ -18831,23 +18793,61 @@
                   <a:srgbClr val="FF0000"/>
                 </a:solidFill>
               </a:rPr>
-              <a:t>3- </a:t>
-            </a:r>
-            <a:r>
-              <a:rPr lang="fa-IR" sz="1400" dirty="0" smtClean="0">
-                <a:cs typeface="B Nazanin" pitchFamily="2" charset="-78"/>
-              </a:rPr>
-              <a:t>نسخه‌ی مربوط به سرویس دریافتی‌تان</a:t>
-            </a:r>
-          </a:p>
-          <a:p>
-            <a:pPr algn="just" rtl="1"/>
+              <a:t>2-</a:t>
+            </a:r>
+            <a:r>
+              <a:rPr lang="fa-IR" sz="1400" dirty="0" smtClean="0">
+                <a:solidFill>
+                  <a:srgbClr val="FF0000"/>
+                </a:solidFill>
+                <a:cs typeface="B Nazanin" pitchFamily="2" charset="-78"/>
+              </a:rPr>
+              <a:t> </a:t>
+            </a:r>
+            <a:r>
+              <a:rPr lang="fa-IR" sz="1400" dirty="0" smtClean="0">
+                <a:cs typeface="B Nazanin" pitchFamily="2" charset="-78"/>
+              </a:rPr>
+              <a:t>نوع (فرمت) پیش فرض فایل ویدئویی خروجی ضبط شده از کنفرانس</a:t>
+            </a:r>
             <a:endParaRPr lang="fa-IR" sz="1400" dirty="0" smtClean="0">
               <a:cs typeface="B Nazanin" pitchFamily="2" charset="-78"/>
             </a:endParaRPr>
           </a:p>
           <a:p>
             <a:pPr algn="just" rtl="1"/>
+            <a:endParaRPr lang="fa-IR" sz="1400" dirty="0" smtClean="0">
+              <a:cs typeface="B Nazanin" pitchFamily="2" charset="-78"/>
+            </a:endParaRPr>
+          </a:p>
+          <a:p>
+            <a:pPr algn="just" rtl="1"/>
+            <a:r>
+              <a:rPr lang="fa-IR" sz="1400" dirty="0" smtClean="0">
+                <a:solidFill>
+                  <a:srgbClr val="FF0000"/>
+                </a:solidFill>
+              </a:rPr>
+              <a:t>3- </a:t>
+            </a:r>
+            <a:r>
+              <a:rPr lang="fa-IR" sz="1400" dirty="0" smtClean="0">
+                <a:cs typeface="B Nazanin" pitchFamily="2" charset="-78"/>
+              </a:rPr>
+              <a:t>تعداد تصاویر ضبط شونده در ثانیه</a:t>
+            </a:r>
+            <a:endParaRPr lang="fa-IR" sz="1400" dirty="0" smtClean="0">
+              <a:cs typeface="B Nazanin" pitchFamily="2" charset="-78"/>
+            </a:endParaRPr>
+          </a:p>
+          <a:p>
+            <a:pPr algn="just" rtl="1"/>
+            <a:endParaRPr lang="fa-IR" sz="1400" dirty="0" smtClean="0">
+              <a:cs typeface="B Nazanin" pitchFamily="2" charset="-78"/>
+            </a:endParaRPr>
+          </a:p>
+          <a:p>
+            <a:pPr algn="just" rtl="1"/>
             <a:r>
               <a:rPr lang="fa-IR" sz="1400" dirty="0" smtClean="0">
                 <a:solidFill>
@@ -18869,20 +18869,11 @@
               <a:rPr lang="fa-IR" sz="1400" dirty="0" smtClean="0">
                 <a:cs typeface="B Nazanin" pitchFamily="2" charset="-78"/>
               </a:rPr>
-              <a:t>بروزرسانی دستی - نرم‌افزار با آغاز اجرایش، نسخه‌ی به‌روزِ خود را </a:t>
-            </a:r>
-            <a:r>
-              <a:rPr lang="fa-IR" sz="1400" dirty="0">
-                <a:cs typeface="B Nazanin" pitchFamily="2" charset="-78"/>
-              </a:rPr>
-              <a:t> به </a:t>
-            </a:r>
-            <a:r>
-              <a:rPr lang="fa-IR" sz="1400" dirty="0" smtClean="0">
-                <a:cs typeface="B Nazanin" pitchFamily="2" charset="-78"/>
-              </a:rPr>
-              <a:t>صورت خودکار جستجو کرده و در صورت یافتنِ آن، از شما می‌پرسد که آیا می‌خواهید بروز رسانی انجام شود یا خیر؟ اما در صورتی که به هر دلیلی (عجله داشتن یا پهنای باند پائین شبکه) فرصت پذیرفتن درخواست به‌روز رسانی را ندارید، در حین کار با نرم‌افزار همواره می‌توانید با کلیک بر روی این دکمه، وجود نسخه‌ی به‌روزترِ نرم‌افزار را جستجو کرده و در صورت وجود، دانلود نمائید.</a:t>
-            </a:r>
+              <a:t>اگر شما هم در جلسه حرف می‌زنید این گزینه را تیک بزنید تا صدای خودتان هم همراه با صدای سایر اعضای جلسه ضبط شود، اما اگر فقط برای ترتیب دادن جلسه یا ضبط آن وارد جلسه شده‌اید و قصد صحبت کردن ندارید تیک این گزینه را بردارید تا تنها  صدای سایرین ضبط شود نه صدای خودتان.</a:t>
+            </a:r>
+            <a:endParaRPr lang="fa-IR" sz="1400" dirty="0" smtClean="0">
+              <a:cs typeface="B Nazanin" pitchFamily="2" charset="-78"/>
+            </a:endParaRPr>
           </a:p>
           <a:p>
             <a:pPr algn="just" rtl="1"/>
@@ -18911,11 +18902,17 @@
                 </a:solidFill>
                 <a:cs typeface="B Nazanin" pitchFamily="2" charset="-78"/>
               </a:rPr>
-              <a:t>در هر به‌روزرسانی فقط تغییرات برنامه دریافت می‌شوند،</a:t>
-            </a:r>
-          </a:p>
-          <a:p>
-            <a:pPr algn="ctr" rtl="1"/>
+              <a:t>با انتخاب نوع خروجی </a:t>
+            </a:r>
+            <a:r>
+              <a:rPr lang="en-US" sz="1400" b="1" dirty="0" smtClean="0">
+                <a:solidFill>
+                  <a:srgbClr val="7030A0"/>
+                </a:solidFill>
+                <a:cs typeface="B Nazanin" pitchFamily="2" charset="-78"/>
+              </a:rPr>
+              <a:t>mp3</a:t>
+            </a:r>
             <a:r>
               <a:rPr lang="fa-IR" sz="1400" b="1" dirty="0" smtClean="0">
                 <a:solidFill>
@@ -18923,16 +18920,16 @@
                 </a:solidFill>
                 <a:cs typeface="B Nazanin" pitchFamily="2" charset="-78"/>
               </a:rPr>
-              <a:t>که حجم آنها در </a:t>
-            </a:r>
-            <a:r>
-              <a:rPr lang="fa-IR" sz="1400" b="1" dirty="0">
+              <a:t>، </a:t>
+            </a:r>
+            <a:r>
+              <a:rPr lang="en-US" sz="1400" b="1" dirty="0" smtClean="0">
                 <a:solidFill>
                   <a:srgbClr val="7030A0"/>
                 </a:solidFill>
                 <a:cs typeface="B Nazanin" pitchFamily="2" charset="-78"/>
               </a:rPr>
-              <a:t>اکثر </a:t>
+              <a:t>wav</a:t>
             </a:r>
             <a:r>
               <a:rPr lang="fa-IR" sz="1400" b="1" dirty="0" smtClean="0">
@@ -18941,16 +18938,16 @@
                 </a:solidFill>
                 <a:cs typeface="B Nazanin" pitchFamily="2" charset="-78"/>
               </a:rPr>
-              <a:t>مواقع، حدود 500 </a:t>
-            </a:r>
-            <a:r>
-              <a:rPr lang="fa-IR" sz="1400" b="1" dirty="0">
+              <a:t> یا </a:t>
+            </a:r>
+            <a:r>
+              <a:rPr lang="en-US" sz="1400" b="1" dirty="0" smtClean="0">
                 <a:solidFill>
                   <a:srgbClr val="7030A0"/>
                 </a:solidFill>
                 <a:cs typeface="B Nazanin" pitchFamily="2" charset="-78"/>
               </a:rPr>
-              <a:t>کیلو بایت </a:t>
+              <a:t>wma</a:t>
             </a:r>
             <a:r>
               <a:rPr lang="fa-IR" sz="1400" b="1" dirty="0" smtClean="0">
@@ -18959,8 +18956,14 @@
                 </a:solidFill>
                 <a:cs typeface="B Nazanin" pitchFamily="2" charset="-78"/>
               </a:rPr>
-              <a:t>می‌باشد.</a:t>
-            </a:r>
+              <a:t> تنها صدای کنفرانس ضبط خواهد شد نه تصویر آن اما با انتخاب سایر انواع ویدئوی صوتی و تصویری کنفرانس ضبط خواهد شد.</a:t>
+            </a:r>
+            <a:endParaRPr lang="fa-IR" sz="1400" b="1" dirty="0" smtClean="0">
+              <a:solidFill>
+                <a:srgbClr val="7030A0"/>
+              </a:solidFill>
+              <a:cs typeface="B Nazanin" pitchFamily="2" charset="-78"/>
+            </a:endParaRPr>
           </a:p>
         </p:txBody>
       </p:sp>
@@ -19003,7 +19006,7 @@
       </p:grpSpPr>
       <p:pic>
         <p:nvPicPr>
-          <p:cNvPr id="16" name="Picture 15"/>
+          <p:cNvPr id="4" name="Picture 3"/>
           <p:cNvPicPr>
             <a:picLocks noChangeAspect="1"/>
           </p:cNvPicPr>
@@ -19023,8 +19026,8 @@
         </p:blipFill>
         <p:spPr>
           <a:xfrm>
-            <a:off x="1366846" y="1048043"/>
-            <a:ext cx="6393679" cy="5588817"/>
+            <a:off x="457200" y="997424"/>
+            <a:ext cx="2973096" cy="5680900"/>
           </a:xfrm>
           <a:prstGeom prst="rect">
             <a:avLst/>
@@ -19069,7 +19072,7 @@
                 </a:solidFill>
                 <a:cs typeface="B Titr" pitchFamily="2" charset="-78"/>
               </a:rPr>
-              <a:t>پنجره کنفرانس</a:t>
+              <a:t>بخش نسخه نرم افزار سربرگ تنظیمات</a:t>
             </a:r>
             <a:endParaRPr lang="en-US" sz="2800" dirty="0"/>
           </a:p>
@@ -19083,8 +19086,8 @@
         </p:nvSpPr>
         <p:spPr>
           <a:xfrm>
-            <a:off x="7146201" y="5415150"/>
-            <a:ext cx="441146" cy="369332"/>
+            <a:off x="3483794" y="3265700"/>
+            <a:ext cx="312906" cy="369332"/>
           </a:xfrm>
           <a:prstGeom prst="rect">
             <a:avLst/>
@@ -19103,7 +19106,7 @@
                   <a:srgbClr val="FF0000"/>
                 </a:solidFill>
               </a:rPr>
-              <a:t>10</a:t>
+              <a:t>1</a:t>
             </a:r>
             <a:endParaRPr lang="en-US" dirty="0">
               <a:solidFill>
@@ -19117,14 +19120,14 @@
         <p:nvCxnSpPr>
           <p:cNvPr id="15" name="Straight Arrow Connector 14"/>
           <p:cNvCxnSpPr>
-            <a:stCxn id="8" idx="2"/>
+            <a:stCxn id="8" idx="1"/>
           </p:cNvCxnSpPr>
           <p:nvPr/>
         </p:nvCxnSpPr>
         <p:spPr>
-          <a:xfrm>
-            <a:off x="7366774" y="5784482"/>
-            <a:ext cx="0" cy="296908"/>
+          <a:xfrm flipH="1">
+            <a:off x="3048000" y="3450366"/>
+            <a:ext cx="435794" cy="0"/>
           </a:xfrm>
           <a:prstGeom prst="straightConnector1">
             <a:avLst/>
@@ -19150,22 +19153,21 @@
       </p:cxnSp>
       <p:sp>
         <p:nvSpPr>
-          <p:cNvPr id="33" name="TextBox 32"/>
-          <p:cNvSpPr txBox="1"/>
+          <p:cNvPr id="39" name="Rectangle 38"/>
+          <p:cNvSpPr/>
           <p:nvPr/>
         </p:nvSpPr>
         <p:spPr>
           <a:xfrm>
-            <a:off x="1530032" y="5415150"/>
+            <a:off x="3485219" y="3480450"/>
             <a:ext cx="312906" cy="369332"/>
           </a:xfrm>
           <a:prstGeom prst="rect">
             <a:avLst/>
           </a:prstGeom>
-          <a:noFill/>
         </p:spPr>
         <p:txBody>
-          <a:bodyPr wrap="none" rtlCol="0">
+          <a:bodyPr wrap="none">
             <a:spAutoFit/>
           </a:bodyPr>
           <a:lstStyle/>
@@ -19176,28 +19178,24 @@
                   <a:srgbClr val="FF0000"/>
                 </a:solidFill>
               </a:rPr>
-              <a:t>1</a:t>
-            </a:r>
-            <a:endParaRPr lang="en-US" dirty="0">
-              <a:solidFill>
-                <a:srgbClr val="FF0000"/>
-              </a:solidFill>
-            </a:endParaRPr>
+              <a:t>2</a:t>
+            </a:r>
+            <a:endParaRPr lang="en-US" dirty="0"/>
           </a:p>
         </p:txBody>
       </p:sp>
       <p:cxnSp>
         <p:nvCxnSpPr>
-          <p:cNvPr id="34" name="Straight Arrow Connector 33"/>
+          <p:cNvPr id="40" name="Straight Arrow Connector 39"/>
           <p:cNvCxnSpPr>
-            <a:stCxn id="33" idx="2"/>
+            <a:stCxn id="39" idx="1"/>
           </p:cNvCxnSpPr>
           <p:nvPr/>
         </p:nvCxnSpPr>
         <p:spPr>
-          <a:xfrm>
-            <a:off x="1686485" y="5784482"/>
-            <a:ext cx="0" cy="296908"/>
+          <a:xfrm flipH="1">
+            <a:off x="3048000" y="3665116"/>
+            <a:ext cx="437219" cy="0"/>
           </a:xfrm>
           <a:prstGeom prst="straightConnector1">
             <a:avLst/>
@@ -19223,13 +19221,13 @@
       </p:cxnSp>
       <p:sp>
         <p:nvSpPr>
-          <p:cNvPr id="35" name="TextBox 34"/>
+          <p:cNvPr id="22" name="TextBox 21"/>
           <p:cNvSpPr txBox="1"/>
           <p:nvPr/>
         </p:nvSpPr>
         <p:spPr>
           <a:xfrm>
-            <a:off x="6528475" y="5422075"/>
+            <a:off x="3483794" y="3707843"/>
             <a:ext cx="312906" cy="369332"/>
           </a:xfrm>
           <a:prstGeom prst="rect">
@@ -19249,7 +19247,7 @@
                   <a:srgbClr val="FF0000"/>
                 </a:solidFill>
               </a:rPr>
-              <a:t>9</a:t>
+              <a:t>3</a:t>
             </a:r>
             <a:endParaRPr lang="en-US" dirty="0">
               <a:solidFill>
@@ -19261,16 +19259,16 @@
       </p:sp>
       <p:cxnSp>
         <p:nvCxnSpPr>
-          <p:cNvPr id="36" name="Straight Arrow Connector 35"/>
+          <p:cNvPr id="23" name="Straight Arrow Connector 22"/>
           <p:cNvCxnSpPr>
-            <a:stCxn id="35" idx="2"/>
+            <a:stCxn id="22" idx="1"/>
           </p:cNvCxnSpPr>
           <p:nvPr/>
         </p:nvCxnSpPr>
         <p:spPr>
-          <a:xfrm>
-            <a:off x="6684928" y="5791407"/>
-            <a:ext cx="1" cy="296908"/>
+          <a:xfrm flipH="1">
+            <a:off x="3048000" y="3892509"/>
+            <a:ext cx="435794" cy="0"/>
           </a:xfrm>
           <a:prstGeom prst="straightConnector1">
             <a:avLst/>
@@ -19296,22 +19294,21 @@
       </p:cxnSp>
       <p:sp>
         <p:nvSpPr>
-          <p:cNvPr id="37" name="TextBox 36"/>
-          <p:cNvSpPr txBox="1"/>
+          <p:cNvPr id="24" name="Rectangle 23"/>
+          <p:cNvSpPr/>
           <p:nvPr/>
         </p:nvSpPr>
         <p:spPr>
           <a:xfrm>
-            <a:off x="6019800" y="5422075"/>
+            <a:off x="3485219" y="4000000"/>
             <a:ext cx="312906" cy="369332"/>
           </a:xfrm>
           <a:prstGeom prst="rect">
             <a:avLst/>
           </a:prstGeom>
-          <a:noFill/>
         </p:spPr>
         <p:txBody>
-          <a:bodyPr wrap="none" rtlCol="0">
+          <a:bodyPr wrap="none">
             <a:spAutoFit/>
           </a:bodyPr>
           <a:lstStyle/>
@@ -19322,28 +19319,24 @@
                   <a:srgbClr val="FF0000"/>
                 </a:solidFill>
               </a:rPr>
-              <a:t>8</a:t>
-            </a:r>
-            <a:endParaRPr lang="en-US" dirty="0">
-              <a:solidFill>
-                <a:srgbClr val="FF0000"/>
-              </a:solidFill>
-            </a:endParaRPr>
+              <a:t>4</a:t>
+            </a:r>
+            <a:endParaRPr lang="en-US" dirty="0"/>
           </a:p>
         </p:txBody>
       </p:sp>
       <p:cxnSp>
         <p:nvCxnSpPr>
-          <p:cNvPr id="41" name="Straight Arrow Connector 40"/>
+          <p:cNvPr id="31" name="Straight Arrow Connector 30"/>
           <p:cNvCxnSpPr>
-            <a:stCxn id="37" idx="2"/>
+            <a:stCxn id="24" idx="1"/>
           </p:cNvCxnSpPr>
           <p:nvPr/>
         </p:nvCxnSpPr>
         <p:spPr>
-          <a:xfrm>
-            <a:off x="6176253" y="5791407"/>
-            <a:ext cx="0" cy="296908"/>
+          <a:xfrm flipH="1">
+            <a:off x="2514600" y="4184666"/>
+            <a:ext cx="970619" cy="0"/>
           </a:xfrm>
           <a:prstGeom prst="straightConnector1">
             <a:avLst/>
@@ -19369,452 +19362,14 @@
       </p:cxnSp>
       <p:sp>
         <p:nvSpPr>
-          <p:cNvPr id="45" name="TextBox 44"/>
-          <p:cNvSpPr txBox="1"/>
+          <p:cNvPr id="21" name="Rectangle 20"/>
+          <p:cNvSpPr/>
           <p:nvPr/>
         </p:nvSpPr>
         <p:spPr>
           <a:xfrm>
-            <a:off x="5402094" y="5417885"/>
-            <a:ext cx="312906" cy="369332"/>
-          </a:xfrm>
-          <a:prstGeom prst="rect">
-            <a:avLst/>
-          </a:prstGeom>
-          <a:noFill/>
-        </p:spPr>
-        <p:txBody>
-          <a:bodyPr wrap="none" rtlCol="0">
-            <a:spAutoFit/>
-          </a:bodyPr>
-          <a:lstStyle/>
-          <a:p>
-            <a:r>
-              <a:rPr lang="fa-IR" dirty="0" smtClean="0">
-                <a:solidFill>
-                  <a:srgbClr val="FF0000"/>
-                </a:solidFill>
-              </a:rPr>
-              <a:t>7</a:t>
-            </a:r>
-            <a:endParaRPr lang="en-US" dirty="0">
-              <a:solidFill>
-                <a:srgbClr val="FF0000"/>
-              </a:solidFill>
-            </a:endParaRPr>
-          </a:p>
-        </p:txBody>
-      </p:sp>
-      <p:cxnSp>
-        <p:nvCxnSpPr>
-          <p:cNvPr id="46" name="Straight Arrow Connector 45"/>
-          <p:cNvCxnSpPr>
-            <a:stCxn id="45" idx="2"/>
-          </p:cNvCxnSpPr>
-          <p:nvPr/>
-        </p:nvCxnSpPr>
-        <p:spPr>
-          <a:xfrm>
-            <a:off x="5558547" y="5787217"/>
-            <a:ext cx="1" cy="296908"/>
-          </a:xfrm>
-          <a:prstGeom prst="straightConnector1">
-            <a:avLst/>
-          </a:prstGeom>
-          <a:ln>
-            <a:tailEnd type="arrow"/>
-          </a:ln>
-        </p:spPr>
-        <p:style>
-          <a:lnRef idx="1">
-            <a:schemeClr val="accent1"/>
-          </a:lnRef>
-          <a:fillRef idx="0">
-            <a:schemeClr val="accent1"/>
-          </a:fillRef>
-          <a:effectRef idx="0">
-            <a:schemeClr val="accent1"/>
-          </a:effectRef>
-          <a:fontRef idx="minor">
-            <a:schemeClr val="tx1"/>
-          </a:fontRef>
-        </p:style>
-      </p:cxnSp>
-      <p:sp>
-        <p:nvSpPr>
-          <p:cNvPr id="47" name="TextBox 46"/>
-          <p:cNvSpPr txBox="1"/>
-          <p:nvPr/>
-        </p:nvSpPr>
-        <p:spPr>
-          <a:xfrm>
-            <a:off x="4794494" y="5422075"/>
-            <a:ext cx="312906" cy="369332"/>
-          </a:xfrm>
-          <a:prstGeom prst="rect">
-            <a:avLst/>
-          </a:prstGeom>
-          <a:noFill/>
-        </p:spPr>
-        <p:txBody>
-          <a:bodyPr wrap="none" rtlCol="0">
-            <a:spAutoFit/>
-          </a:bodyPr>
-          <a:lstStyle/>
-          <a:p>
-            <a:r>
-              <a:rPr lang="fa-IR" dirty="0" smtClean="0">
-                <a:solidFill>
-                  <a:srgbClr val="FF0000"/>
-                </a:solidFill>
-              </a:rPr>
-              <a:t>6</a:t>
-            </a:r>
-            <a:endParaRPr lang="en-US" dirty="0">
-              <a:solidFill>
-                <a:srgbClr val="FF0000"/>
-              </a:solidFill>
-            </a:endParaRPr>
-          </a:p>
-        </p:txBody>
-      </p:sp>
-      <p:cxnSp>
-        <p:nvCxnSpPr>
-          <p:cNvPr id="48" name="Straight Arrow Connector 47"/>
-          <p:cNvCxnSpPr>
-            <a:stCxn id="47" idx="2"/>
-          </p:cNvCxnSpPr>
-          <p:nvPr/>
-        </p:nvCxnSpPr>
-        <p:spPr>
-          <a:xfrm>
-            <a:off x="4950947" y="5791407"/>
-            <a:ext cx="1" cy="296908"/>
-          </a:xfrm>
-          <a:prstGeom prst="straightConnector1">
-            <a:avLst/>
-          </a:prstGeom>
-          <a:ln>
-            <a:tailEnd type="arrow"/>
-          </a:ln>
-        </p:spPr>
-        <p:style>
-          <a:lnRef idx="1">
-            <a:schemeClr val="accent1"/>
-          </a:lnRef>
-          <a:fillRef idx="0">
-            <a:schemeClr val="accent1"/>
-          </a:fillRef>
-          <a:effectRef idx="0">
-            <a:schemeClr val="accent1"/>
-          </a:effectRef>
-          <a:fontRef idx="minor">
-            <a:schemeClr val="tx1"/>
-          </a:fontRef>
-        </p:style>
-      </p:cxnSp>
-      <p:sp>
-        <p:nvSpPr>
-          <p:cNvPr id="49" name="TextBox 48"/>
-          <p:cNvSpPr txBox="1"/>
-          <p:nvPr/>
-        </p:nvSpPr>
-        <p:spPr>
-          <a:xfrm>
-            <a:off x="4220700" y="5422075"/>
-            <a:ext cx="312906" cy="369332"/>
-          </a:xfrm>
-          <a:prstGeom prst="rect">
-            <a:avLst/>
-          </a:prstGeom>
-          <a:noFill/>
-        </p:spPr>
-        <p:txBody>
-          <a:bodyPr wrap="none" rtlCol="0">
-            <a:spAutoFit/>
-          </a:bodyPr>
-          <a:lstStyle/>
-          <a:p>
-            <a:r>
-              <a:rPr lang="fa-IR" dirty="0">
-                <a:solidFill>
-                  <a:srgbClr val="FF0000"/>
-                </a:solidFill>
-              </a:rPr>
-              <a:t>5</a:t>
-            </a:r>
-            <a:endParaRPr lang="en-US" dirty="0">
-              <a:solidFill>
-                <a:srgbClr val="FF0000"/>
-              </a:solidFill>
-            </a:endParaRPr>
-          </a:p>
-        </p:txBody>
-      </p:sp>
-      <p:cxnSp>
-        <p:nvCxnSpPr>
-          <p:cNvPr id="50" name="Straight Arrow Connector 49"/>
-          <p:cNvCxnSpPr>
-            <a:stCxn id="49" idx="2"/>
-          </p:cNvCxnSpPr>
-          <p:nvPr/>
-        </p:nvCxnSpPr>
-        <p:spPr>
-          <a:xfrm>
-            <a:off x="4377153" y="5791407"/>
-            <a:ext cx="1" cy="296908"/>
-          </a:xfrm>
-          <a:prstGeom prst="straightConnector1">
-            <a:avLst/>
-          </a:prstGeom>
-          <a:ln>
-            <a:tailEnd type="arrow"/>
-          </a:ln>
-        </p:spPr>
-        <p:style>
-          <a:lnRef idx="1">
-            <a:schemeClr val="accent1"/>
-          </a:lnRef>
-          <a:fillRef idx="0">
-            <a:schemeClr val="accent1"/>
-          </a:fillRef>
-          <a:effectRef idx="0">
-            <a:schemeClr val="accent1"/>
-          </a:effectRef>
-          <a:fontRef idx="minor">
-            <a:schemeClr val="tx1"/>
-          </a:fontRef>
-        </p:style>
-      </p:cxnSp>
-      <p:sp>
-        <p:nvSpPr>
-          <p:cNvPr id="52" name="TextBox 51"/>
-          <p:cNvSpPr txBox="1"/>
-          <p:nvPr/>
-        </p:nvSpPr>
-        <p:spPr>
-          <a:xfrm>
-            <a:off x="2233344" y="5422075"/>
-            <a:ext cx="312906" cy="369332"/>
-          </a:xfrm>
-          <a:prstGeom prst="rect">
-            <a:avLst/>
-          </a:prstGeom>
-          <a:noFill/>
-        </p:spPr>
-        <p:txBody>
-          <a:bodyPr wrap="none" rtlCol="0">
-            <a:spAutoFit/>
-          </a:bodyPr>
-          <a:lstStyle/>
-          <a:p>
-            <a:r>
-              <a:rPr lang="fa-IR" dirty="0" smtClean="0">
-                <a:solidFill>
-                  <a:srgbClr val="FF0000"/>
-                </a:solidFill>
-              </a:rPr>
-              <a:t>2</a:t>
-            </a:r>
-            <a:endParaRPr lang="en-US" dirty="0">
-              <a:solidFill>
-                <a:srgbClr val="FF0000"/>
-              </a:solidFill>
-            </a:endParaRPr>
-          </a:p>
-        </p:txBody>
-      </p:sp>
-      <p:cxnSp>
-        <p:nvCxnSpPr>
-          <p:cNvPr id="53" name="Straight Arrow Connector 52"/>
-          <p:cNvCxnSpPr>
-            <a:stCxn id="52" idx="2"/>
-          </p:cNvCxnSpPr>
-          <p:nvPr/>
-        </p:nvCxnSpPr>
-        <p:spPr>
-          <a:xfrm>
-            <a:off x="2389797" y="5791407"/>
-            <a:ext cx="0" cy="296908"/>
-          </a:xfrm>
-          <a:prstGeom prst="straightConnector1">
-            <a:avLst/>
-          </a:prstGeom>
-          <a:ln>
-            <a:tailEnd type="arrow"/>
-          </a:ln>
-        </p:spPr>
-        <p:style>
-          <a:lnRef idx="1">
-            <a:schemeClr val="accent1"/>
-          </a:lnRef>
-          <a:fillRef idx="0">
-            <a:schemeClr val="accent1"/>
-          </a:fillRef>
-          <a:effectRef idx="0">
-            <a:schemeClr val="accent1"/>
-          </a:effectRef>
-          <a:fontRef idx="minor">
-            <a:schemeClr val="tx1"/>
-          </a:fontRef>
-        </p:style>
-      </p:cxnSp>
-      <p:sp>
-        <p:nvSpPr>
-          <p:cNvPr id="54" name="TextBox 53"/>
-          <p:cNvSpPr txBox="1"/>
-          <p:nvPr/>
-        </p:nvSpPr>
-        <p:spPr>
-          <a:xfrm>
-            <a:off x="2862925" y="5417885"/>
-            <a:ext cx="312906" cy="369332"/>
-          </a:xfrm>
-          <a:prstGeom prst="rect">
-            <a:avLst/>
-          </a:prstGeom>
-          <a:noFill/>
-        </p:spPr>
-        <p:txBody>
-          <a:bodyPr wrap="none" rtlCol="0">
-            <a:spAutoFit/>
-          </a:bodyPr>
-          <a:lstStyle/>
-          <a:p>
-            <a:r>
-              <a:rPr lang="fa-IR" dirty="0" smtClean="0">
-                <a:solidFill>
-                  <a:srgbClr val="FF0000"/>
-                </a:solidFill>
-              </a:rPr>
-              <a:t>3</a:t>
-            </a:r>
-            <a:endParaRPr lang="en-US" dirty="0">
-              <a:solidFill>
-                <a:srgbClr val="FF0000"/>
-              </a:solidFill>
-            </a:endParaRPr>
-          </a:p>
-        </p:txBody>
-      </p:sp>
-      <p:cxnSp>
-        <p:nvCxnSpPr>
-          <p:cNvPr id="55" name="Straight Arrow Connector 54"/>
-          <p:cNvCxnSpPr>
-            <a:stCxn id="54" idx="2"/>
-          </p:cNvCxnSpPr>
-          <p:nvPr/>
-        </p:nvCxnSpPr>
-        <p:spPr>
-          <a:xfrm>
-            <a:off x="3019378" y="5787217"/>
-            <a:ext cx="0" cy="296908"/>
-          </a:xfrm>
-          <a:prstGeom prst="straightConnector1">
-            <a:avLst/>
-          </a:prstGeom>
-          <a:ln>
-            <a:tailEnd type="arrow"/>
-          </a:ln>
-        </p:spPr>
-        <p:style>
-          <a:lnRef idx="1">
-            <a:schemeClr val="accent1"/>
-          </a:lnRef>
-          <a:fillRef idx="0">
-            <a:schemeClr val="accent1"/>
-          </a:fillRef>
-          <a:effectRef idx="0">
-            <a:schemeClr val="accent1"/>
-          </a:effectRef>
-          <a:fontRef idx="minor">
-            <a:schemeClr val="tx1"/>
-          </a:fontRef>
-        </p:style>
-      </p:cxnSp>
-      <p:sp>
-        <p:nvSpPr>
-          <p:cNvPr id="56" name="TextBox 55"/>
-          <p:cNvSpPr txBox="1"/>
-          <p:nvPr/>
-        </p:nvSpPr>
-        <p:spPr>
-          <a:xfrm>
-            <a:off x="3572475" y="5422075"/>
-            <a:ext cx="312906" cy="369332"/>
-          </a:xfrm>
-          <a:prstGeom prst="rect">
-            <a:avLst/>
-          </a:prstGeom>
-          <a:noFill/>
-        </p:spPr>
-        <p:txBody>
-          <a:bodyPr wrap="none" rtlCol="0">
-            <a:spAutoFit/>
-          </a:bodyPr>
-          <a:lstStyle/>
-          <a:p>
-            <a:r>
-              <a:rPr lang="fa-IR" dirty="0">
-                <a:solidFill>
-                  <a:srgbClr val="FF0000"/>
-                </a:solidFill>
-              </a:rPr>
-              <a:t>4</a:t>
-            </a:r>
-            <a:endParaRPr lang="en-US" dirty="0">
-              <a:solidFill>
-                <a:srgbClr val="FF0000"/>
-              </a:solidFill>
-            </a:endParaRPr>
-          </a:p>
-        </p:txBody>
-      </p:sp>
-      <p:cxnSp>
-        <p:nvCxnSpPr>
-          <p:cNvPr id="57" name="Straight Arrow Connector 56"/>
-          <p:cNvCxnSpPr>
-            <a:stCxn id="56" idx="2"/>
-          </p:cNvCxnSpPr>
-          <p:nvPr/>
-        </p:nvCxnSpPr>
-        <p:spPr>
-          <a:xfrm>
-            <a:off x="3728928" y="5791407"/>
-            <a:ext cx="0" cy="296908"/>
-          </a:xfrm>
-          <a:prstGeom prst="straightConnector1">
-            <a:avLst/>
-          </a:prstGeom>
-          <a:ln>
-            <a:tailEnd type="arrow"/>
-          </a:ln>
-        </p:spPr>
-        <p:style>
-          <a:lnRef idx="1">
-            <a:schemeClr val="accent1"/>
-          </a:lnRef>
-          <a:fillRef idx="0">
-            <a:schemeClr val="accent1"/>
-          </a:fillRef>
-          <a:effectRef idx="0">
-            <a:schemeClr val="accent1"/>
-          </a:effectRef>
-          <a:fontRef idx="minor">
-            <a:schemeClr val="tx1"/>
-          </a:fontRef>
-        </p:style>
-      </p:cxnSp>
-      <p:sp>
-        <p:nvSpPr>
-          <p:cNvPr id="25" name="Rectangle 24"/>
-          <p:cNvSpPr/>
-          <p:nvPr/>
-        </p:nvSpPr>
-        <p:spPr>
-          <a:xfrm>
-            <a:off x="1453329" y="1219200"/>
-            <a:ext cx="6166671" cy="3754874"/>
+            <a:off x="4283987" y="1143000"/>
+            <a:ext cx="4505029" cy="3754874"/>
           </a:xfrm>
           <a:prstGeom prst="rect">
             <a:avLst/>
@@ -19833,7 +19388,30 @@
                   <a:srgbClr val="FF0000"/>
                 </a:solidFill>
               </a:rPr>
-              <a:t>1-</a:t>
+              <a:t>1- </a:t>
+            </a:r>
+            <a:r>
+              <a:rPr lang="fa-IR" sz="1400" dirty="0" smtClean="0">
+                <a:cs typeface="B Nazanin" pitchFamily="2" charset="-78"/>
+              </a:rPr>
+              <a:t>شماره‌ی نسخه فعلی نرم‌افزار</a:t>
+            </a:r>
+          </a:p>
+          <a:p>
+            <a:pPr algn="just" rtl="1"/>
+            <a:endParaRPr lang="fa-IR" sz="1400" dirty="0" smtClean="0">
+              <a:cs typeface="B Nazanin" pitchFamily="2" charset="-78"/>
+            </a:endParaRPr>
+          </a:p>
+          <a:p>
+            <a:pPr algn="just" rtl="1"/>
+            <a:r>
+              <a:rPr lang="fa-IR" sz="1400" dirty="0" smtClean="0">
+                <a:solidFill>
+                  <a:srgbClr val="FF0000"/>
+                </a:solidFill>
+              </a:rPr>
+              <a:t>2-</a:t>
             </a:r>
             <a:r>
               <a:rPr lang="fa-IR" sz="1400" dirty="0" smtClean="0">
@@ -19846,830 +19424,162 @@
             </a:r>
             <a:r>
               <a:rPr lang="fa-IR" sz="1400" dirty="0" smtClean="0">
-                <a:solidFill>
-                  <a:schemeClr val="bg1"/>
-                </a:solidFill>
-                <a:cs typeface="B Nazanin" pitchFamily="2" charset="-78"/>
-              </a:rPr>
-              <a:t>برای ارسال (یا مشاهده‌ی) پیام‌های متنی اعضای جلسه، بر روی این قسمت کلیک کنید.</a:t>
-            </a:r>
+                <a:cs typeface="B Nazanin" pitchFamily="2" charset="-78"/>
+              </a:rPr>
+              <a:t>تاریخ انتشار این نسخه</a:t>
+            </a:r>
+          </a:p>
+          <a:p>
+            <a:pPr algn="just" rtl="1"/>
+            <a:endParaRPr lang="fa-IR" sz="1400" dirty="0" smtClean="0">
+              <a:cs typeface="B Nazanin" pitchFamily="2" charset="-78"/>
+            </a:endParaRPr>
+          </a:p>
+          <a:p>
+            <a:pPr algn="just" rtl="1"/>
+            <a:r>
+              <a:rPr lang="fa-IR" sz="1400" dirty="0" smtClean="0">
+                <a:solidFill>
+                  <a:srgbClr val="FF0000"/>
+                </a:solidFill>
+              </a:rPr>
+              <a:t>3- </a:t>
+            </a:r>
+            <a:r>
+              <a:rPr lang="fa-IR" sz="1400" dirty="0" smtClean="0">
+                <a:cs typeface="B Nazanin" pitchFamily="2" charset="-78"/>
+              </a:rPr>
+              <a:t>نسخه‌ی مربوط به سرویس دریافتی‌تان</a:t>
+            </a:r>
+          </a:p>
+          <a:p>
+            <a:pPr algn="just" rtl="1"/>
+            <a:endParaRPr lang="fa-IR" sz="1400" dirty="0" smtClean="0">
+              <a:cs typeface="B Nazanin" pitchFamily="2" charset="-78"/>
+            </a:endParaRPr>
+          </a:p>
+          <a:p>
+            <a:pPr algn="just" rtl="1"/>
+            <a:r>
+              <a:rPr lang="fa-IR" sz="1400" dirty="0" smtClean="0">
+                <a:solidFill>
+                  <a:srgbClr val="FF0000"/>
+                </a:solidFill>
+              </a:rPr>
+              <a:t>4-</a:t>
+            </a:r>
+            <a:r>
+              <a:rPr lang="fa-IR" sz="1400" dirty="0" smtClean="0">
+                <a:solidFill>
+                  <a:srgbClr val="FF0000"/>
+                </a:solidFill>
+                <a:cs typeface="B Nazanin" pitchFamily="2" charset="-78"/>
+              </a:rPr>
+              <a:t> </a:t>
+            </a:r>
+            <a:r>
+              <a:rPr lang="fa-IR" sz="1400" dirty="0" smtClean="0">
+                <a:cs typeface="B Nazanin" pitchFamily="2" charset="-78"/>
+              </a:rPr>
+              <a:t>بروزرسانی دستی - نرم‌افزار با آغاز اجرایش، نسخه‌ی به‌روزِ خود را </a:t>
+            </a:r>
+            <a:r>
+              <a:rPr lang="fa-IR" sz="1400" dirty="0">
+                <a:cs typeface="B Nazanin" pitchFamily="2" charset="-78"/>
+              </a:rPr>
+              <a:t> به </a:t>
+            </a:r>
+            <a:r>
+              <a:rPr lang="fa-IR" sz="1400" dirty="0" smtClean="0">
+                <a:cs typeface="B Nazanin" pitchFamily="2" charset="-78"/>
+              </a:rPr>
+              <a:t>صورت خودکار جستجو کرده و در صورت یافتنِ آن، از شما می‌پرسد که آیا می‌خواهید بروز رسانی انجام شود یا خیر؟ اما در صورتی که به هر دلیلی (عجله داشتن یا پهنای باند پائین شبکه) فرصت پذیرفتن درخواست به‌روز رسانی را ندارید، در حین کار با نرم‌افزار همواره می‌توانید با کلیک بر روی این دکمه، وجود نسخه‌ی به‌روزترِ نرم‌افزار را جستجو کرده و در صورت وجود، دانلود نمائید.</a:t>
+            </a:r>
+          </a:p>
+          <a:p>
+            <a:pPr algn="just" rtl="1"/>
             <a:endParaRPr lang="fa-IR" sz="1400" dirty="0">
-              <a:solidFill>
-                <a:schemeClr val="bg1"/>
-              </a:solidFill>
               <a:cs typeface="B Nazanin" pitchFamily="2" charset="-78"/>
             </a:endParaRPr>
           </a:p>
           <a:p>
             <a:pPr algn="just" rtl="1"/>
-            <a:r>
-              <a:rPr lang="fa-IR" sz="1400" dirty="0" smtClean="0">
-                <a:solidFill>
-                  <a:srgbClr val="FF0000"/>
-                </a:solidFill>
-              </a:rPr>
-              <a:t>2-</a:t>
-            </a:r>
-            <a:r>
-              <a:rPr lang="fa-IR" sz="1400" dirty="0" smtClean="0">
-                <a:solidFill>
-                  <a:srgbClr val="FF0000"/>
-                </a:solidFill>
-                <a:cs typeface="B Nazanin" pitchFamily="2" charset="-78"/>
-              </a:rPr>
-              <a:t> </a:t>
-            </a:r>
-            <a:r>
-              <a:rPr lang="fa-IR" sz="1400" dirty="0" smtClean="0">
-                <a:solidFill>
-                  <a:schemeClr val="bg1"/>
-                </a:solidFill>
-                <a:cs typeface="B Nazanin" pitchFamily="2" charset="-78"/>
-              </a:rPr>
-              <a:t>برای </a:t>
-            </a:r>
-            <a:r>
-              <a:rPr lang="fa-IR" sz="1400" dirty="0">
-                <a:solidFill>
-                  <a:schemeClr val="bg1"/>
-                </a:solidFill>
-                <a:cs typeface="B Nazanin" pitchFamily="2" charset="-78"/>
-              </a:rPr>
-              <a:t>نمایش پنجره </a:t>
-            </a:r>
-            <a:r>
-              <a:rPr lang="fa-IR" sz="1400" dirty="0" smtClean="0">
-                <a:solidFill>
-                  <a:schemeClr val="bg1"/>
-                </a:solidFill>
-                <a:cs typeface="B Nazanin" pitchFamily="2" charset="-78"/>
-              </a:rPr>
-              <a:t>کنفرانس در حالت تمام- صفحه یا خارج نمودن آن از این حالت، </a:t>
-            </a:r>
-            <a:r>
-              <a:rPr lang="fa-IR" sz="1400" dirty="0">
-                <a:solidFill>
-                  <a:schemeClr val="bg1"/>
-                </a:solidFill>
-                <a:cs typeface="B Nazanin" pitchFamily="2" charset="-78"/>
-              </a:rPr>
-              <a:t>بر روی این قسمت </a:t>
-            </a:r>
-            <a:r>
-              <a:rPr lang="fa-IR" sz="1400" dirty="0" smtClean="0">
-                <a:solidFill>
-                  <a:schemeClr val="bg1"/>
-                </a:solidFill>
-                <a:cs typeface="B Nazanin" pitchFamily="2" charset="-78"/>
-              </a:rPr>
-              <a:t>کلیک کنید.</a:t>
-            </a:r>
+            <a:endParaRPr lang="fa-IR" sz="1400" dirty="0" smtClean="0">
+              <a:cs typeface="B Nazanin" pitchFamily="2" charset="-78"/>
+            </a:endParaRPr>
+          </a:p>
+          <a:p>
+            <a:pPr algn="just" rtl="1"/>
             <a:endParaRPr lang="fa-IR" sz="1400" dirty="0">
-              <a:solidFill>
-                <a:schemeClr val="bg1"/>
-              </a:solidFill>
               <a:cs typeface="B Nazanin" pitchFamily="2" charset="-78"/>
             </a:endParaRPr>
           </a:p>
           <a:p>
-            <a:pPr algn="just" rtl="1"/>
-            <a:r>
-              <a:rPr lang="fa-IR" sz="1400" dirty="0" smtClean="0">
-                <a:solidFill>
-                  <a:srgbClr val="FF0000"/>
-                </a:solidFill>
-              </a:rPr>
-              <a:t>3-</a:t>
-            </a:r>
-            <a:r>
-              <a:rPr lang="fa-IR" sz="1400" dirty="0" smtClean="0">
-                <a:solidFill>
-                  <a:srgbClr val="FF0000"/>
-                </a:solidFill>
-                <a:cs typeface="B Nazanin" pitchFamily="2" charset="-78"/>
-              </a:rPr>
-              <a:t> </a:t>
-            </a:r>
-            <a:r>
-              <a:rPr lang="fa-IR" sz="1400" dirty="0" smtClean="0">
-                <a:solidFill>
-                  <a:schemeClr val="bg1"/>
-                </a:solidFill>
-                <a:cs typeface="B Nazanin" pitchFamily="2" charset="-78"/>
-              </a:rPr>
-              <a:t>برای اینکه پنجره‌ی یکی از برنامه‌های در حال اجرا یا صفحه نمایش را برای اعضای جلسه به اشتراک بگذارید، </a:t>
-            </a:r>
-            <a:r>
-              <a:rPr lang="fa-IR" sz="1400" dirty="0">
-                <a:solidFill>
-                  <a:schemeClr val="bg1"/>
-                </a:solidFill>
-                <a:cs typeface="B Nazanin" pitchFamily="2" charset="-78"/>
-              </a:rPr>
-              <a:t>بر روی این قسمت </a:t>
-            </a:r>
-            <a:r>
-              <a:rPr lang="fa-IR" sz="1400" dirty="0" smtClean="0">
-                <a:solidFill>
-                  <a:schemeClr val="bg1"/>
-                </a:solidFill>
-                <a:cs typeface="B Nazanin" pitchFamily="2" charset="-78"/>
-              </a:rPr>
-              <a:t>کلیک کنید.</a:t>
-            </a:r>
-            <a:endParaRPr lang="fa-IR" sz="1400" dirty="0">
-              <a:solidFill>
-                <a:schemeClr val="bg1"/>
-              </a:solidFill>
-              <a:cs typeface="B Nazanin" pitchFamily="2" charset="-78"/>
-            </a:endParaRPr>
-          </a:p>
-          <a:p>
-            <a:pPr algn="just" rtl="1"/>
-            <a:r>
-              <a:rPr lang="fa-IR" sz="1400" dirty="0" smtClean="0">
-                <a:solidFill>
-                  <a:srgbClr val="FF0000"/>
-                </a:solidFill>
-              </a:rPr>
-              <a:t>4-</a:t>
-            </a:r>
-            <a:r>
-              <a:rPr lang="fa-IR" sz="1400" dirty="0" smtClean="0">
-                <a:solidFill>
-                  <a:srgbClr val="FF0000"/>
-                </a:solidFill>
-                <a:cs typeface="B Nazanin" pitchFamily="2" charset="-78"/>
-              </a:rPr>
-              <a:t> </a:t>
-            </a:r>
-            <a:r>
-              <a:rPr lang="fa-IR" sz="1400" dirty="0" smtClean="0">
-                <a:solidFill>
-                  <a:schemeClr val="bg1"/>
-                </a:solidFill>
-                <a:cs typeface="B Nazanin" pitchFamily="2" charset="-78"/>
-              </a:rPr>
-              <a:t>اگر چند نفر از اعضای جلسه، برنامه‌هایشان را به اشتراک گذاشته‌اند، برای انتخاب از بین آن‌ها و مشاهده‌ی برنامه‌ی مورد نظرتان </a:t>
-            </a:r>
-            <a:r>
-              <a:rPr lang="fa-IR" sz="1400" dirty="0">
-                <a:solidFill>
-                  <a:schemeClr val="bg1"/>
-                </a:solidFill>
-                <a:cs typeface="B Nazanin" pitchFamily="2" charset="-78"/>
-              </a:rPr>
-              <a:t>بر روی این قسمت </a:t>
-            </a:r>
-            <a:r>
-              <a:rPr lang="fa-IR" sz="1400" dirty="0" smtClean="0">
-                <a:solidFill>
-                  <a:schemeClr val="bg1"/>
-                </a:solidFill>
-                <a:cs typeface="B Nazanin" pitchFamily="2" charset="-78"/>
-              </a:rPr>
-              <a:t>کلیک کنید. </a:t>
-            </a:r>
-            <a:endParaRPr lang="fa-IR" sz="1400" dirty="0">
-              <a:solidFill>
-                <a:schemeClr val="bg1"/>
-              </a:solidFill>
-              <a:cs typeface="B Nazanin" pitchFamily="2" charset="-78"/>
-            </a:endParaRPr>
-          </a:p>
-          <a:p>
-            <a:pPr algn="just" rtl="1"/>
-            <a:r>
-              <a:rPr lang="fa-IR" sz="1400" dirty="0" smtClean="0">
-                <a:solidFill>
-                  <a:srgbClr val="FF0000"/>
-                </a:solidFill>
-              </a:rPr>
-              <a:t>5- </a:t>
-            </a:r>
-            <a:r>
-              <a:rPr lang="fa-IR" sz="1400" dirty="0">
-                <a:solidFill>
-                  <a:schemeClr val="bg1"/>
-                </a:solidFill>
-                <a:cs typeface="B Nazanin" pitchFamily="2" charset="-78"/>
-              </a:rPr>
-              <a:t>با </a:t>
-            </a:r>
-            <a:r>
-              <a:rPr lang="fa-IR" sz="1400" dirty="0" smtClean="0">
-                <a:solidFill>
-                  <a:schemeClr val="bg1"/>
-                </a:solidFill>
-                <a:cs typeface="B Nazanin" pitchFamily="2" charset="-78"/>
-              </a:rPr>
-              <a:t>کلیک بر روی این قسمت، تصویرتان برای اعضای جلسه قطع (یا وصل) می‌شود.</a:t>
-            </a:r>
-            <a:endParaRPr lang="fa-IR" sz="1400" dirty="0">
-              <a:solidFill>
-                <a:schemeClr val="bg1"/>
-              </a:solidFill>
-              <a:cs typeface="B Nazanin" pitchFamily="2" charset="-78"/>
-            </a:endParaRPr>
-          </a:p>
-          <a:p>
-            <a:pPr algn="just" rtl="1"/>
-            <a:r>
-              <a:rPr lang="fa-IR" sz="1400" dirty="0" smtClean="0">
-                <a:solidFill>
-                  <a:srgbClr val="FF0000"/>
-                </a:solidFill>
-              </a:rPr>
-              <a:t>6-</a:t>
-            </a:r>
-            <a:r>
-              <a:rPr lang="fa-IR" sz="1400" dirty="0" smtClean="0">
-                <a:solidFill>
-                  <a:srgbClr val="FF0000"/>
-                </a:solidFill>
-                <a:cs typeface="B Nazanin" pitchFamily="2" charset="-78"/>
-              </a:rPr>
-              <a:t> </a:t>
-            </a:r>
-            <a:r>
-              <a:rPr lang="fa-IR" sz="1400" dirty="0">
-                <a:solidFill>
-                  <a:schemeClr val="bg1"/>
-                </a:solidFill>
-                <a:cs typeface="B Nazanin" pitchFamily="2" charset="-78"/>
-              </a:rPr>
-              <a:t>با کلیک کردن </a:t>
-            </a:r>
-            <a:r>
-              <a:rPr lang="fa-IR" sz="1400" dirty="0" smtClean="0">
-                <a:solidFill>
-                  <a:schemeClr val="bg1"/>
-                </a:solidFill>
-                <a:cs typeface="B Nazanin" pitchFamily="2" charset="-78"/>
-              </a:rPr>
-              <a:t>بر روی </a:t>
-            </a:r>
-            <a:r>
-              <a:rPr lang="fa-IR" sz="1400" dirty="0">
-                <a:solidFill>
-                  <a:schemeClr val="bg1"/>
-                </a:solidFill>
-                <a:cs typeface="B Nazanin" pitchFamily="2" charset="-78"/>
-              </a:rPr>
-              <a:t>تصویر بلندگو، صدای </a:t>
-            </a:r>
-            <a:r>
-              <a:rPr lang="fa-IR" sz="1400" dirty="0" smtClean="0">
-                <a:solidFill>
-                  <a:schemeClr val="bg1"/>
-                </a:solidFill>
-                <a:cs typeface="B Nazanin" pitchFamily="2" charset="-78"/>
-              </a:rPr>
-              <a:t>اعضای جلسه </a:t>
-            </a:r>
-            <a:r>
-              <a:rPr lang="fa-IR" sz="1400" dirty="0">
-                <a:solidFill>
-                  <a:schemeClr val="bg1"/>
-                </a:solidFill>
-                <a:cs typeface="B Nazanin" pitchFamily="2" charset="-78"/>
-              </a:rPr>
-              <a:t>برایتان </a:t>
-            </a:r>
-            <a:r>
-              <a:rPr lang="fa-IR" sz="1400" dirty="0" smtClean="0">
-                <a:solidFill>
-                  <a:schemeClr val="bg1"/>
-                </a:solidFill>
-                <a:cs typeface="B Nazanin" pitchFamily="2" charset="-78"/>
-              </a:rPr>
-              <a:t>قطع (یا وصل) می‌شود. </a:t>
-            </a:r>
-            <a:r>
-              <a:rPr lang="fa-IR" sz="1400" dirty="0">
-                <a:solidFill>
-                  <a:schemeClr val="bg1"/>
-                </a:solidFill>
-                <a:cs typeface="B Nazanin" pitchFamily="2" charset="-78"/>
-              </a:rPr>
-              <a:t>با </a:t>
-            </a:r>
-            <a:r>
-              <a:rPr lang="fa-IR" sz="1400" dirty="0" smtClean="0">
-                <a:solidFill>
-                  <a:schemeClr val="bg1"/>
-                </a:solidFill>
-                <a:cs typeface="B Nazanin" pitchFamily="2" charset="-78"/>
-              </a:rPr>
-              <a:t>کلیک بر روی </a:t>
-            </a:r>
-            <a:r>
-              <a:rPr lang="fa-IR" sz="1400" dirty="0">
-                <a:solidFill>
-                  <a:schemeClr val="bg1"/>
-                </a:solidFill>
-                <a:cs typeface="B Nazanin" pitchFamily="2" charset="-78"/>
-              </a:rPr>
-              <a:t>مثلث کوچک </a:t>
-            </a:r>
-            <a:r>
-              <a:rPr lang="fa-IR" sz="1400" dirty="0" smtClean="0">
-                <a:solidFill>
-                  <a:schemeClr val="bg1"/>
-                </a:solidFill>
-                <a:cs typeface="B Nazanin" pitchFamily="2" charset="-78"/>
-              </a:rPr>
-              <a:t>بالایی، </a:t>
-            </a:r>
-            <a:r>
-              <a:rPr lang="fa-IR" sz="1400" dirty="0">
-                <a:solidFill>
-                  <a:schemeClr val="bg1"/>
-                </a:solidFill>
-                <a:cs typeface="B Nazanin" pitchFamily="2" charset="-78"/>
-              </a:rPr>
-              <a:t>می‌توانید </a:t>
-            </a:r>
-            <a:r>
-              <a:rPr lang="fa-IR" sz="1400" dirty="0" smtClean="0">
-                <a:solidFill>
-                  <a:schemeClr val="bg1"/>
-                </a:solidFill>
-                <a:cs typeface="B Nazanin" pitchFamily="2" charset="-78"/>
-              </a:rPr>
-              <a:t>بلندی </a:t>
-            </a:r>
-            <a:r>
-              <a:rPr lang="fa-IR" sz="1400" dirty="0">
-                <a:solidFill>
-                  <a:schemeClr val="bg1"/>
-                </a:solidFill>
-                <a:cs typeface="B Nazanin" pitchFamily="2" charset="-78"/>
-              </a:rPr>
-              <a:t>صدای </a:t>
-            </a:r>
-            <a:r>
-              <a:rPr lang="fa-IR" sz="1400" dirty="0" smtClean="0">
-                <a:solidFill>
-                  <a:schemeClr val="bg1"/>
-                </a:solidFill>
-                <a:cs typeface="B Nazanin" pitchFamily="2" charset="-78"/>
-              </a:rPr>
-              <a:t>دیگران </a:t>
-            </a:r>
-            <a:r>
-              <a:rPr lang="fa-IR" sz="1400" dirty="0">
-                <a:solidFill>
-                  <a:schemeClr val="bg1"/>
-                </a:solidFill>
-                <a:cs typeface="B Nazanin" pitchFamily="2" charset="-78"/>
-              </a:rPr>
-              <a:t>را تنظیم کنید.</a:t>
-            </a:r>
-          </a:p>
-          <a:p>
-            <a:pPr algn="just" rtl="1"/>
-            <a:r>
-              <a:rPr lang="fa-IR" sz="1400" dirty="0" smtClean="0">
-                <a:solidFill>
-                  <a:srgbClr val="FF0000"/>
-                </a:solidFill>
-              </a:rPr>
-              <a:t>7- </a:t>
-            </a:r>
-            <a:r>
-              <a:rPr lang="fa-IR" sz="1400" dirty="0">
-                <a:solidFill>
-                  <a:schemeClr val="bg1"/>
-                </a:solidFill>
-                <a:cs typeface="B Nazanin" pitchFamily="2" charset="-78"/>
-              </a:rPr>
-              <a:t>با کلیک کردن </a:t>
-            </a:r>
-            <a:r>
-              <a:rPr lang="fa-IR" sz="1400" dirty="0" smtClean="0">
-                <a:solidFill>
-                  <a:schemeClr val="bg1"/>
-                </a:solidFill>
-                <a:cs typeface="B Nazanin" pitchFamily="2" charset="-78"/>
-              </a:rPr>
-              <a:t>بر روی </a:t>
-            </a:r>
-            <a:r>
-              <a:rPr lang="fa-IR" sz="1400" dirty="0">
-                <a:solidFill>
-                  <a:schemeClr val="bg1"/>
-                </a:solidFill>
-                <a:cs typeface="B Nazanin" pitchFamily="2" charset="-78"/>
-              </a:rPr>
-              <a:t>تصویر میکروفن صدایتان برای </a:t>
-            </a:r>
-            <a:r>
-              <a:rPr lang="fa-IR" sz="1400" dirty="0" smtClean="0">
-                <a:solidFill>
-                  <a:schemeClr val="bg1"/>
-                </a:solidFill>
-                <a:cs typeface="B Nazanin" pitchFamily="2" charset="-78"/>
-              </a:rPr>
-              <a:t>اعضای جلسه، قطع (یا وصل) می‌شود. </a:t>
-            </a:r>
-            <a:r>
-              <a:rPr lang="fa-IR" sz="1400" dirty="0">
-                <a:solidFill>
-                  <a:schemeClr val="bg1"/>
-                </a:solidFill>
-                <a:cs typeface="B Nazanin" pitchFamily="2" charset="-78"/>
-              </a:rPr>
-              <a:t>با کلیک </a:t>
-            </a:r>
-            <a:r>
-              <a:rPr lang="fa-IR" sz="1400" dirty="0" smtClean="0">
-                <a:solidFill>
-                  <a:schemeClr val="bg1"/>
-                </a:solidFill>
-                <a:cs typeface="B Nazanin" pitchFamily="2" charset="-78"/>
-              </a:rPr>
-              <a:t>بر روی </a:t>
-            </a:r>
-            <a:r>
-              <a:rPr lang="fa-IR" sz="1400" dirty="0">
-                <a:solidFill>
-                  <a:schemeClr val="bg1"/>
-                </a:solidFill>
-                <a:cs typeface="B Nazanin" pitchFamily="2" charset="-78"/>
-              </a:rPr>
-              <a:t>مثلث کوچک </a:t>
-            </a:r>
-            <a:r>
-              <a:rPr lang="fa-IR" sz="1400" dirty="0" smtClean="0">
-                <a:solidFill>
-                  <a:schemeClr val="bg1"/>
-                </a:solidFill>
-                <a:cs typeface="B Nazanin" pitchFamily="2" charset="-78"/>
-              </a:rPr>
-              <a:t>بالایی، </a:t>
-            </a:r>
-            <a:r>
-              <a:rPr lang="fa-IR" sz="1400" dirty="0">
-                <a:solidFill>
-                  <a:schemeClr val="bg1"/>
-                </a:solidFill>
-                <a:cs typeface="B Nazanin" pitchFamily="2" charset="-78"/>
-              </a:rPr>
-              <a:t>می‌توانید </a:t>
-            </a:r>
-            <a:r>
-              <a:rPr lang="fa-IR" sz="1400" dirty="0" smtClean="0">
-                <a:solidFill>
-                  <a:schemeClr val="bg1"/>
-                </a:solidFill>
-                <a:cs typeface="B Nazanin" pitchFamily="2" charset="-78"/>
-              </a:rPr>
-              <a:t>بلندی </a:t>
-            </a:r>
-            <a:r>
-              <a:rPr lang="fa-IR" sz="1400" dirty="0">
-                <a:solidFill>
-                  <a:schemeClr val="bg1"/>
-                </a:solidFill>
-                <a:cs typeface="B Nazanin" pitchFamily="2" charset="-78"/>
-              </a:rPr>
-              <a:t>صدای </a:t>
-            </a:r>
-            <a:r>
-              <a:rPr lang="fa-IR" sz="1400" dirty="0" smtClean="0">
-                <a:solidFill>
-                  <a:schemeClr val="bg1"/>
-                </a:solidFill>
-                <a:cs typeface="B Nazanin" pitchFamily="2" charset="-78"/>
-              </a:rPr>
-              <a:t>خودتان </a:t>
-            </a:r>
-            <a:r>
-              <a:rPr lang="fa-IR" sz="1400" dirty="0">
-                <a:solidFill>
-                  <a:schemeClr val="bg1"/>
-                </a:solidFill>
-                <a:cs typeface="B Nazanin" pitchFamily="2" charset="-78"/>
-              </a:rPr>
-              <a:t>را تنظیم کنید.</a:t>
-            </a:r>
-          </a:p>
-          <a:p>
-            <a:pPr algn="just" rtl="1"/>
-            <a:r>
-              <a:rPr lang="fa-IR" sz="1400" dirty="0" smtClean="0">
-                <a:solidFill>
-                  <a:srgbClr val="FF0000"/>
-                </a:solidFill>
-              </a:rPr>
-              <a:t>8-</a:t>
-            </a:r>
-            <a:r>
-              <a:rPr lang="fa-IR" sz="1400" dirty="0" smtClean="0">
-                <a:solidFill>
-                  <a:srgbClr val="FF0000"/>
-                </a:solidFill>
-                <a:cs typeface="B Nazanin" pitchFamily="2" charset="-78"/>
-              </a:rPr>
-              <a:t> </a:t>
-            </a:r>
-            <a:r>
-              <a:rPr lang="fa-IR" sz="1400" dirty="0">
-                <a:solidFill>
-                  <a:schemeClr val="bg1"/>
-                </a:solidFill>
-                <a:cs typeface="B Nazanin" pitchFamily="2" charset="-78"/>
-              </a:rPr>
-              <a:t>برای محدود کردن تعداد ویدئوهای </a:t>
-            </a:r>
-            <a:r>
-              <a:rPr lang="fa-IR" sz="1400" dirty="0" smtClean="0">
-                <a:solidFill>
-                  <a:schemeClr val="bg1"/>
-                </a:solidFill>
-                <a:cs typeface="B Nazanin" pitchFamily="2" charset="-78"/>
-              </a:rPr>
-              <a:t>پنجره، </a:t>
-            </a:r>
-            <a:r>
-              <a:rPr lang="fa-IR" sz="1400" dirty="0">
-                <a:solidFill>
-                  <a:schemeClr val="bg1"/>
-                </a:solidFill>
-                <a:cs typeface="B Nazanin" pitchFamily="2" charset="-78"/>
-              </a:rPr>
-              <a:t>بر روی این قسمت کلیک کنید. (برای سرعت </a:t>
-            </a:r>
-            <a:r>
-              <a:rPr lang="fa-IR" sz="1400" dirty="0" smtClean="0">
-                <a:solidFill>
-                  <a:schemeClr val="bg1"/>
-                </a:solidFill>
-                <a:cs typeface="B Nazanin" pitchFamily="2" charset="-78"/>
-              </a:rPr>
-              <a:t>پائین اینترنت) </a:t>
-            </a:r>
-            <a:r>
-              <a:rPr lang="fa-IR" sz="1400" dirty="0">
-                <a:solidFill>
-                  <a:schemeClr val="bg1"/>
-                </a:solidFill>
-                <a:cs typeface="B Nazanin" pitchFamily="2" charset="-78"/>
-              </a:rPr>
-              <a:t>گزینه «نمایش همه» </a:t>
-            </a:r>
-            <a:r>
-              <a:rPr lang="fa-IR" sz="1400" dirty="0" smtClean="0">
-                <a:solidFill>
-                  <a:schemeClr val="bg1"/>
-                </a:solidFill>
-                <a:cs typeface="B Nazanin" pitchFamily="2" charset="-78"/>
-              </a:rPr>
-              <a:t>تا سقف </a:t>
-            </a:r>
-            <a:r>
-              <a:rPr lang="fa-IR" sz="1400" dirty="0">
-                <a:solidFill>
-                  <a:schemeClr val="bg1"/>
-                </a:solidFill>
-                <a:cs typeface="B Nazanin" pitchFamily="2" charset="-78"/>
-              </a:rPr>
-              <a:t>8 </a:t>
-            </a:r>
-            <a:r>
-              <a:rPr lang="fa-IR" sz="1400" dirty="0" smtClean="0">
-                <a:solidFill>
-                  <a:schemeClr val="bg1"/>
-                </a:solidFill>
-                <a:cs typeface="B Nazanin" pitchFamily="2" charset="-78"/>
-              </a:rPr>
-              <a:t>ویدئوی همزمان را </a:t>
-            </a:r>
-            <a:r>
-              <a:rPr lang="fa-IR" sz="1400" dirty="0">
-                <a:solidFill>
-                  <a:schemeClr val="bg1"/>
-                </a:solidFill>
-                <a:cs typeface="B Nazanin" pitchFamily="2" charset="-78"/>
-              </a:rPr>
-              <a:t>نمایش می‌دهد و </a:t>
-            </a:r>
-            <a:r>
-              <a:rPr lang="fa-IR" sz="1400" dirty="0" smtClean="0">
-                <a:solidFill>
-                  <a:schemeClr val="bg1"/>
-                </a:solidFill>
-                <a:cs typeface="B Nazanin" pitchFamily="2" charset="-78"/>
-              </a:rPr>
-              <a:t>گزینه «بزرگنمایی خودکار» </a:t>
-            </a:r>
-            <a:r>
-              <a:rPr lang="fa-IR" sz="1400" dirty="0">
-                <a:solidFill>
-                  <a:schemeClr val="bg1"/>
-                </a:solidFill>
-                <a:cs typeface="B Nazanin" pitchFamily="2" charset="-78"/>
-              </a:rPr>
-              <a:t>باعث می‌شود </a:t>
-            </a:r>
-            <a:r>
-              <a:rPr lang="fa-IR" sz="1400" dirty="0" smtClean="0">
-                <a:solidFill>
-                  <a:schemeClr val="bg1"/>
-                </a:solidFill>
-                <a:cs typeface="B Nazanin" pitchFamily="2" charset="-78"/>
-              </a:rPr>
-              <a:t>تصویر کسی که </a:t>
-            </a:r>
-            <a:r>
-              <a:rPr lang="fa-IR" sz="1400" dirty="0">
-                <a:solidFill>
-                  <a:schemeClr val="bg1"/>
-                </a:solidFill>
-                <a:cs typeface="B Nazanin" pitchFamily="2" charset="-78"/>
-              </a:rPr>
-              <a:t>با صدای بلندتر صحبت </a:t>
-            </a:r>
-            <a:r>
-              <a:rPr lang="fa-IR" sz="1400" dirty="0" smtClean="0">
-                <a:solidFill>
-                  <a:schemeClr val="bg1"/>
-                </a:solidFill>
-                <a:cs typeface="B Nazanin" pitchFamily="2" charset="-78"/>
-              </a:rPr>
-              <a:t>می‌کند</a:t>
-            </a:r>
-            <a:r>
-              <a:rPr lang="fa-IR" sz="1400" dirty="0">
-                <a:solidFill>
-                  <a:schemeClr val="bg1"/>
-                </a:solidFill>
-                <a:cs typeface="B Nazanin" pitchFamily="2" charset="-78"/>
-              </a:rPr>
-              <a:t>، </a:t>
-            </a:r>
-            <a:r>
-              <a:rPr lang="fa-IR" sz="1400" dirty="0" smtClean="0">
-                <a:solidFill>
-                  <a:schemeClr val="bg1"/>
-                </a:solidFill>
-                <a:cs typeface="B Nazanin" pitchFamily="2" charset="-78"/>
-              </a:rPr>
-              <a:t>بزرگتر دیده شود</a:t>
-            </a:r>
-            <a:r>
-              <a:rPr lang="fa-IR" sz="1400" dirty="0">
-                <a:solidFill>
-                  <a:schemeClr val="bg1"/>
-                </a:solidFill>
-                <a:cs typeface="B Nazanin" pitchFamily="2" charset="-78"/>
-              </a:rPr>
-              <a:t>.</a:t>
-            </a:r>
-          </a:p>
-          <a:p>
-            <a:pPr algn="just" rtl="1"/>
-            <a:r>
-              <a:rPr lang="fa-IR" sz="1400" dirty="0" smtClean="0">
-                <a:solidFill>
-                  <a:srgbClr val="FF0000"/>
-                </a:solidFill>
-              </a:rPr>
-              <a:t>9- </a:t>
-            </a:r>
-            <a:r>
-              <a:rPr lang="fa-IR" sz="1400" dirty="0" smtClean="0">
-                <a:solidFill>
-                  <a:schemeClr val="bg1"/>
-                </a:solidFill>
-                <a:cs typeface="B Nazanin" pitchFamily="2" charset="-78"/>
-              </a:rPr>
-              <a:t>برای انتخاب نحوه‌ی نمایش تصویر </a:t>
-            </a:r>
-            <a:r>
-              <a:rPr lang="fa-IR" sz="1400" dirty="0">
-                <a:solidFill>
-                  <a:schemeClr val="bg1"/>
-                </a:solidFill>
-                <a:cs typeface="B Nazanin" pitchFamily="2" charset="-78"/>
-              </a:rPr>
-              <a:t>دریافتی از </a:t>
-            </a:r>
-            <a:r>
-              <a:rPr lang="fa-IR" sz="1400" dirty="0" smtClean="0">
-                <a:solidFill>
-                  <a:schemeClr val="bg1"/>
-                </a:solidFill>
-                <a:cs typeface="B Nazanin" pitchFamily="2" charset="-78"/>
-              </a:rPr>
-              <a:t>دوربین خودتان در سه حالت، </a:t>
-            </a:r>
-            <a:r>
-              <a:rPr lang="fa-IR" sz="1400" dirty="0">
-                <a:solidFill>
-                  <a:schemeClr val="bg1"/>
-                </a:solidFill>
-                <a:cs typeface="B Nazanin" pitchFamily="2" charset="-78"/>
-              </a:rPr>
-              <a:t>بر روی این قسمت کلیک </a:t>
-            </a:r>
-            <a:r>
-              <a:rPr lang="fa-IR" sz="1400" dirty="0" smtClean="0">
-                <a:solidFill>
-                  <a:schemeClr val="bg1"/>
-                </a:solidFill>
-                <a:cs typeface="B Nazanin" pitchFamily="2" charset="-78"/>
-              </a:rPr>
-              <a:t>کنید</a:t>
-            </a:r>
-            <a:r>
-              <a:rPr lang="fa-IR" sz="1400" dirty="0">
-                <a:solidFill>
-                  <a:schemeClr val="bg1"/>
-                </a:solidFill>
-                <a:cs typeface="B Nazanin" pitchFamily="2" charset="-78"/>
-              </a:rPr>
-              <a:t>.</a:t>
-            </a:r>
-          </a:p>
-          <a:p>
-            <a:pPr algn="just" rtl="1"/>
-            <a:r>
-              <a:rPr lang="fa-IR" sz="1400" dirty="0" smtClean="0">
-                <a:solidFill>
-                  <a:srgbClr val="FF0000"/>
-                </a:solidFill>
-              </a:rPr>
-              <a:t>10-</a:t>
-            </a:r>
-            <a:r>
-              <a:rPr lang="fa-IR" sz="1400" dirty="0" smtClean="0">
-                <a:solidFill>
-                  <a:srgbClr val="FF0000"/>
-                </a:solidFill>
-                <a:cs typeface="B Nazanin" pitchFamily="2" charset="-78"/>
-              </a:rPr>
-              <a:t> </a:t>
-            </a:r>
-            <a:r>
-              <a:rPr lang="fa-IR" sz="1400" dirty="0">
-                <a:solidFill>
-                  <a:schemeClr val="bg1"/>
-                </a:solidFill>
-                <a:cs typeface="B Nazanin" pitchFamily="2" charset="-78"/>
-              </a:rPr>
-              <a:t>ب</a:t>
-            </a:r>
-            <a:r>
-              <a:rPr lang="fa-IR" sz="1400" dirty="0" smtClean="0">
-                <a:solidFill>
-                  <a:schemeClr val="bg1"/>
-                </a:solidFill>
-                <a:cs typeface="B Nazanin" pitchFamily="2" charset="-78"/>
-              </a:rPr>
-              <a:t>رای خارج شدن از کنفرانس، </a:t>
-            </a:r>
-            <a:r>
-              <a:rPr lang="fa-IR" sz="1400" dirty="0">
-                <a:solidFill>
-                  <a:schemeClr val="bg1"/>
-                </a:solidFill>
-                <a:cs typeface="B Nazanin" pitchFamily="2" charset="-78"/>
-              </a:rPr>
-              <a:t>بر روی این قسمت کلیک </a:t>
-            </a:r>
-            <a:r>
-              <a:rPr lang="fa-IR" sz="1400" dirty="0" smtClean="0">
-                <a:solidFill>
-                  <a:schemeClr val="bg1"/>
-                </a:solidFill>
-                <a:cs typeface="B Nazanin" pitchFamily="2" charset="-78"/>
-              </a:rPr>
-              <a:t>کنید</a:t>
-            </a:r>
-            <a:r>
-              <a:rPr lang="fa-IR" sz="1400" dirty="0">
-                <a:solidFill>
-                  <a:schemeClr val="bg1"/>
-                </a:solidFill>
-                <a:cs typeface="B Nazanin" pitchFamily="2" charset="-78"/>
-              </a:rPr>
-              <a:t>.</a:t>
-            </a:r>
-            <a:endParaRPr lang="fa-IR" sz="1400" dirty="0" smtClean="0">
-              <a:solidFill>
-                <a:schemeClr val="bg1"/>
-              </a:solidFill>
-              <a:cs typeface="B Nazanin" pitchFamily="2" charset="-78"/>
-            </a:endParaRPr>
+            <a:pPr algn="ctr" rtl="1"/>
+            <a:r>
+              <a:rPr lang="fa-IR" sz="1400" b="1" dirty="0" smtClean="0">
+                <a:solidFill>
+                  <a:srgbClr val="7030A0"/>
+                </a:solidFill>
+                <a:cs typeface="B Nazanin" pitchFamily="2" charset="-78"/>
+              </a:rPr>
+              <a:t>در هر به‌روزرسانی فقط تغییرات برنامه دریافت می‌شوند،</a:t>
+            </a:r>
+          </a:p>
+          <a:p>
+            <a:pPr algn="ctr" rtl="1"/>
+            <a:r>
+              <a:rPr lang="fa-IR" sz="1400" b="1" dirty="0" smtClean="0">
+                <a:solidFill>
+                  <a:srgbClr val="7030A0"/>
+                </a:solidFill>
+                <a:cs typeface="B Nazanin" pitchFamily="2" charset="-78"/>
+              </a:rPr>
+              <a:t>که حجم آنها در </a:t>
+            </a:r>
+            <a:r>
+              <a:rPr lang="fa-IR" sz="1400" b="1" dirty="0">
+                <a:solidFill>
+                  <a:srgbClr val="7030A0"/>
+                </a:solidFill>
+                <a:cs typeface="B Nazanin" pitchFamily="2" charset="-78"/>
+              </a:rPr>
+              <a:t>اکثر </a:t>
+            </a:r>
+            <a:r>
+              <a:rPr lang="fa-IR" sz="1400" b="1" dirty="0" smtClean="0">
+                <a:solidFill>
+                  <a:srgbClr val="7030A0"/>
+                </a:solidFill>
+                <a:cs typeface="B Nazanin" pitchFamily="2" charset="-78"/>
+              </a:rPr>
+              <a:t>مواقع، حدود 500 </a:t>
+            </a:r>
+            <a:r>
+              <a:rPr lang="fa-IR" sz="1400" b="1" dirty="0">
+                <a:solidFill>
+                  <a:srgbClr val="7030A0"/>
+                </a:solidFill>
+                <a:cs typeface="B Nazanin" pitchFamily="2" charset="-78"/>
+              </a:rPr>
+              <a:t>کیلو بایت </a:t>
+            </a:r>
+            <a:r>
+              <a:rPr lang="fa-IR" sz="1400" b="1" dirty="0" smtClean="0">
+                <a:solidFill>
+                  <a:srgbClr val="7030A0"/>
+                </a:solidFill>
+                <a:cs typeface="B Nazanin" pitchFamily="2" charset="-78"/>
+              </a:rPr>
+              <a:t>می‌باشد.</a:t>
+            </a:r>
           </a:p>
         </p:txBody>
       </p:sp>
     </p:spTree>
     <p:extLst>
       <p:ext uri="{BB962C8B-B14F-4D97-AF65-F5344CB8AC3E}">
-        <p14:creationId xmlns:p14="http://schemas.microsoft.com/office/powerpoint/2010/main" val="3411010064"/>
+        <p14:creationId xmlns:p14="http://schemas.microsoft.com/office/powerpoint/2010/main" val="65327277"/>
       </p:ext>
     </p:extLst>
   </p:cSld>
@@ -20705,7 +19615,7 @@
       </p:grpSpPr>
       <p:pic>
         <p:nvPicPr>
-          <p:cNvPr id="3" name="Picture 2"/>
+          <p:cNvPr id="9" name="Picture 8"/>
           <p:cNvPicPr>
             <a:picLocks noChangeAspect="1"/>
           </p:cNvPicPr>
@@ -20725,8 +19635,8 @@
         </p:blipFill>
         <p:spPr>
           <a:xfrm>
-            <a:off x="1340724" y="1072783"/>
-            <a:ext cx="6416847" cy="5568488"/>
+            <a:off x="1087786" y="990600"/>
+            <a:ext cx="6646514" cy="5585230"/>
           </a:xfrm>
           <a:prstGeom prst="rect">
             <a:avLst/>
@@ -20771,7 +19681,7 @@
                 </a:solidFill>
                 <a:cs typeface="B Titr" pitchFamily="2" charset="-78"/>
               </a:rPr>
-              <a:t>پنجره ارسال پیام حین کنفرانس</a:t>
+              <a:t>پنجره کنفرانس</a:t>
             </a:r>
             <a:endParaRPr lang="en-US" sz="2800" dirty="0"/>
           </a:p>
@@ -20779,13 +19689,98 @@
       </p:sp>
       <p:sp>
         <p:nvSpPr>
+          <p:cNvPr id="8" name="TextBox 7"/>
+          <p:cNvSpPr txBox="1"/>
+          <p:nvPr/>
+        </p:nvSpPr>
+        <p:spPr>
+          <a:xfrm>
+            <a:off x="7107866" y="5415150"/>
+            <a:ext cx="441146" cy="369332"/>
+          </a:xfrm>
+          <a:prstGeom prst="rect">
+            <a:avLst/>
+          </a:prstGeom>
+          <a:noFill/>
+        </p:spPr>
+        <p:txBody>
+          <a:bodyPr wrap="none" rtlCol="0">
+            <a:spAutoFit/>
+          </a:bodyPr>
+          <a:lstStyle/>
+          <a:p>
+            <a:r>
+              <a:rPr lang="fa-IR" dirty="0" smtClean="0">
+                <a:solidFill>
+                  <a:srgbClr val="FF0000"/>
+                </a:solidFill>
+              </a:rPr>
+              <a:t>1</a:t>
+            </a:r>
+            <a:r>
+              <a:rPr lang="en-US" dirty="0" smtClean="0">
+                <a:solidFill>
+                  <a:srgbClr val="FF0000"/>
+                </a:solidFill>
+                <a:latin typeface="Arial" pitchFamily="34" charset="0"/>
+                <a:cs typeface="Arial" pitchFamily="34" charset="0"/>
+              </a:rPr>
+              <a:t>1</a:t>
+            </a:r>
+            <a:endParaRPr lang="en-US" dirty="0">
+              <a:solidFill>
+                <a:srgbClr val="FF0000"/>
+              </a:solidFill>
+              <a:latin typeface="Arial" pitchFamily="34" charset="0"/>
+              <a:cs typeface="Arial" pitchFamily="34" charset="0"/>
+            </a:endParaRPr>
+          </a:p>
+        </p:txBody>
+      </p:sp>
+      <p:cxnSp>
+        <p:nvCxnSpPr>
+          <p:cNvPr id="15" name="Straight Arrow Connector 14"/>
+          <p:cNvCxnSpPr>
+            <a:stCxn id="8" idx="2"/>
+          </p:cNvCxnSpPr>
+          <p:nvPr/>
+        </p:nvCxnSpPr>
+        <p:spPr>
+          <a:xfrm>
+            <a:off x="7328439" y="5784482"/>
+            <a:ext cx="0" cy="296908"/>
+          </a:xfrm>
+          <a:prstGeom prst="straightConnector1">
+            <a:avLst/>
+          </a:prstGeom>
+          <a:ln>
+            <a:tailEnd type="arrow"/>
+          </a:ln>
+        </p:spPr>
+        <p:style>
+          <a:lnRef idx="1">
+            <a:schemeClr val="accent1"/>
+          </a:lnRef>
+          <a:fillRef idx="0">
+            <a:schemeClr val="accent1"/>
+          </a:fillRef>
+          <a:effectRef idx="0">
+            <a:schemeClr val="accent1"/>
+          </a:effectRef>
+          <a:fontRef idx="minor">
+            <a:schemeClr val="tx1"/>
+          </a:fontRef>
+        </p:style>
+      </p:cxnSp>
+      <p:sp>
+        <p:nvSpPr>
           <p:cNvPr id="33" name="TextBox 32"/>
           <p:cNvSpPr txBox="1"/>
           <p:nvPr/>
         </p:nvSpPr>
         <p:spPr>
           <a:xfrm>
-            <a:off x="681729" y="1447800"/>
+            <a:off x="1295400" y="5415150"/>
             <a:ext cx="312906" cy="369332"/>
           </a:xfrm>
           <a:prstGeom prst="rect">
@@ -20819,14 +19814,379 @@
         <p:nvCxnSpPr>
           <p:cNvPr id="34" name="Straight Arrow Connector 33"/>
           <p:cNvCxnSpPr>
-            <a:stCxn id="33" idx="3"/>
+            <a:stCxn id="33" idx="2"/>
           </p:cNvCxnSpPr>
           <p:nvPr/>
         </p:nvCxnSpPr>
         <p:spPr>
           <a:xfrm>
-            <a:off x="994635" y="1632466"/>
-            <a:ext cx="458694" cy="0"/>
+            <a:off x="1451853" y="5784482"/>
+            <a:ext cx="0" cy="296908"/>
+          </a:xfrm>
+          <a:prstGeom prst="straightConnector1">
+            <a:avLst/>
+          </a:prstGeom>
+          <a:ln>
+            <a:tailEnd type="arrow"/>
+          </a:ln>
+        </p:spPr>
+        <p:style>
+          <a:lnRef idx="1">
+            <a:schemeClr val="accent1"/>
+          </a:lnRef>
+          <a:fillRef idx="0">
+            <a:schemeClr val="accent1"/>
+          </a:fillRef>
+          <a:effectRef idx="0">
+            <a:schemeClr val="accent1"/>
+          </a:effectRef>
+          <a:fontRef idx="minor">
+            <a:schemeClr val="tx1"/>
+          </a:fontRef>
+        </p:style>
+      </p:cxnSp>
+      <p:sp>
+        <p:nvSpPr>
+          <p:cNvPr id="35" name="TextBox 34"/>
+          <p:cNvSpPr txBox="1"/>
+          <p:nvPr/>
+        </p:nvSpPr>
+        <p:spPr>
+          <a:xfrm>
+            <a:off x="6087894" y="5422075"/>
+            <a:ext cx="312906" cy="369332"/>
+          </a:xfrm>
+          <a:prstGeom prst="rect">
+            <a:avLst/>
+          </a:prstGeom>
+          <a:noFill/>
+        </p:spPr>
+        <p:txBody>
+          <a:bodyPr wrap="none" rtlCol="0">
+            <a:spAutoFit/>
+          </a:bodyPr>
+          <a:lstStyle/>
+          <a:p>
+            <a:r>
+              <a:rPr lang="fa-IR" dirty="0" smtClean="0">
+                <a:solidFill>
+                  <a:srgbClr val="FF0000"/>
+                </a:solidFill>
+              </a:rPr>
+              <a:t>9</a:t>
+            </a:r>
+            <a:endParaRPr lang="en-US" dirty="0">
+              <a:solidFill>
+                <a:srgbClr val="FF0000"/>
+              </a:solidFill>
+            </a:endParaRPr>
+          </a:p>
+        </p:txBody>
+      </p:sp>
+      <p:cxnSp>
+        <p:nvCxnSpPr>
+          <p:cNvPr id="36" name="Straight Arrow Connector 35"/>
+          <p:cNvCxnSpPr>
+            <a:stCxn id="35" idx="2"/>
+          </p:cNvCxnSpPr>
+          <p:nvPr/>
+        </p:nvCxnSpPr>
+        <p:spPr>
+          <a:xfrm>
+            <a:off x="6244347" y="5791407"/>
+            <a:ext cx="1" cy="296908"/>
+          </a:xfrm>
+          <a:prstGeom prst="straightConnector1">
+            <a:avLst/>
+          </a:prstGeom>
+          <a:ln>
+            <a:tailEnd type="arrow"/>
+          </a:ln>
+        </p:spPr>
+        <p:style>
+          <a:lnRef idx="1">
+            <a:schemeClr val="accent1"/>
+          </a:lnRef>
+          <a:fillRef idx="0">
+            <a:schemeClr val="accent1"/>
+          </a:fillRef>
+          <a:effectRef idx="0">
+            <a:schemeClr val="accent1"/>
+          </a:effectRef>
+          <a:fontRef idx="minor">
+            <a:schemeClr val="tx1"/>
+          </a:fontRef>
+        </p:style>
+      </p:cxnSp>
+      <p:sp>
+        <p:nvSpPr>
+          <p:cNvPr id="37" name="TextBox 36"/>
+          <p:cNvSpPr txBox="1"/>
+          <p:nvPr/>
+        </p:nvSpPr>
+        <p:spPr>
+          <a:xfrm>
+            <a:off x="5562600" y="5422075"/>
+            <a:ext cx="312906" cy="369332"/>
+          </a:xfrm>
+          <a:prstGeom prst="rect">
+            <a:avLst/>
+          </a:prstGeom>
+          <a:noFill/>
+        </p:spPr>
+        <p:txBody>
+          <a:bodyPr wrap="none" rtlCol="0">
+            <a:spAutoFit/>
+          </a:bodyPr>
+          <a:lstStyle/>
+          <a:p>
+            <a:r>
+              <a:rPr lang="fa-IR" dirty="0" smtClean="0">
+                <a:solidFill>
+                  <a:srgbClr val="FF0000"/>
+                </a:solidFill>
+              </a:rPr>
+              <a:t>8</a:t>
+            </a:r>
+            <a:endParaRPr lang="en-US" dirty="0">
+              <a:solidFill>
+                <a:srgbClr val="FF0000"/>
+              </a:solidFill>
+            </a:endParaRPr>
+          </a:p>
+        </p:txBody>
+      </p:sp>
+      <p:cxnSp>
+        <p:nvCxnSpPr>
+          <p:cNvPr id="41" name="Straight Arrow Connector 40"/>
+          <p:cNvCxnSpPr>
+            <a:stCxn id="37" idx="2"/>
+          </p:cNvCxnSpPr>
+          <p:nvPr/>
+        </p:nvCxnSpPr>
+        <p:spPr>
+          <a:xfrm>
+            <a:off x="5719053" y="5791407"/>
+            <a:ext cx="0" cy="148454"/>
+          </a:xfrm>
+          <a:prstGeom prst="straightConnector1">
+            <a:avLst/>
+          </a:prstGeom>
+          <a:ln>
+            <a:tailEnd type="arrow"/>
+          </a:ln>
+        </p:spPr>
+        <p:style>
+          <a:lnRef idx="1">
+            <a:schemeClr val="accent1"/>
+          </a:lnRef>
+          <a:fillRef idx="0">
+            <a:schemeClr val="accent1"/>
+          </a:fillRef>
+          <a:effectRef idx="0">
+            <a:schemeClr val="accent1"/>
+          </a:effectRef>
+          <a:fontRef idx="minor">
+            <a:schemeClr val="tx1"/>
+          </a:fontRef>
+        </p:style>
+      </p:cxnSp>
+      <p:sp>
+        <p:nvSpPr>
+          <p:cNvPr id="45" name="TextBox 44"/>
+          <p:cNvSpPr txBox="1"/>
+          <p:nvPr/>
+        </p:nvSpPr>
+        <p:spPr>
+          <a:xfrm>
+            <a:off x="5021094" y="5417885"/>
+            <a:ext cx="312906" cy="369332"/>
+          </a:xfrm>
+          <a:prstGeom prst="rect">
+            <a:avLst/>
+          </a:prstGeom>
+          <a:noFill/>
+        </p:spPr>
+        <p:txBody>
+          <a:bodyPr wrap="none" rtlCol="0">
+            <a:spAutoFit/>
+          </a:bodyPr>
+          <a:lstStyle/>
+          <a:p>
+            <a:r>
+              <a:rPr lang="fa-IR" dirty="0" smtClean="0">
+                <a:solidFill>
+                  <a:srgbClr val="FF0000"/>
+                </a:solidFill>
+              </a:rPr>
+              <a:t>7</a:t>
+            </a:r>
+            <a:endParaRPr lang="en-US" dirty="0">
+              <a:solidFill>
+                <a:srgbClr val="FF0000"/>
+              </a:solidFill>
+            </a:endParaRPr>
+          </a:p>
+        </p:txBody>
+      </p:sp>
+      <p:cxnSp>
+        <p:nvCxnSpPr>
+          <p:cNvPr id="46" name="Straight Arrow Connector 45"/>
+          <p:cNvCxnSpPr>
+            <a:stCxn id="45" idx="2"/>
+          </p:cNvCxnSpPr>
+          <p:nvPr/>
+        </p:nvCxnSpPr>
+        <p:spPr>
+          <a:xfrm>
+            <a:off x="5177547" y="5787217"/>
+            <a:ext cx="0" cy="152644"/>
+          </a:xfrm>
+          <a:prstGeom prst="straightConnector1">
+            <a:avLst/>
+          </a:prstGeom>
+          <a:ln>
+            <a:tailEnd type="arrow"/>
+          </a:ln>
+        </p:spPr>
+        <p:style>
+          <a:lnRef idx="1">
+            <a:schemeClr val="accent1"/>
+          </a:lnRef>
+          <a:fillRef idx="0">
+            <a:schemeClr val="accent1"/>
+          </a:fillRef>
+          <a:effectRef idx="0">
+            <a:schemeClr val="accent1"/>
+          </a:effectRef>
+          <a:fontRef idx="minor">
+            <a:schemeClr val="tx1"/>
+          </a:fontRef>
+        </p:style>
+      </p:cxnSp>
+      <p:sp>
+        <p:nvSpPr>
+          <p:cNvPr id="47" name="TextBox 46"/>
+          <p:cNvSpPr txBox="1"/>
+          <p:nvPr/>
+        </p:nvSpPr>
+        <p:spPr>
+          <a:xfrm>
+            <a:off x="4454292" y="5422075"/>
+            <a:ext cx="312906" cy="369332"/>
+          </a:xfrm>
+          <a:prstGeom prst="rect">
+            <a:avLst/>
+          </a:prstGeom>
+          <a:noFill/>
+        </p:spPr>
+        <p:txBody>
+          <a:bodyPr wrap="none" rtlCol="0">
+            <a:spAutoFit/>
+          </a:bodyPr>
+          <a:lstStyle/>
+          <a:p>
+            <a:r>
+              <a:rPr lang="fa-IR" dirty="0" smtClean="0">
+                <a:solidFill>
+                  <a:srgbClr val="FF0000"/>
+                </a:solidFill>
+              </a:rPr>
+              <a:t>6</a:t>
+            </a:r>
+            <a:endParaRPr lang="en-US" dirty="0">
+              <a:solidFill>
+                <a:srgbClr val="FF0000"/>
+              </a:solidFill>
+            </a:endParaRPr>
+          </a:p>
+        </p:txBody>
+      </p:sp>
+      <p:cxnSp>
+        <p:nvCxnSpPr>
+          <p:cNvPr id="48" name="Straight Arrow Connector 47"/>
+          <p:cNvCxnSpPr>
+            <a:stCxn id="47" idx="2"/>
+          </p:cNvCxnSpPr>
+          <p:nvPr/>
+        </p:nvCxnSpPr>
+        <p:spPr>
+          <a:xfrm>
+            <a:off x="4610745" y="5791407"/>
+            <a:ext cx="1" cy="296908"/>
+          </a:xfrm>
+          <a:prstGeom prst="straightConnector1">
+            <a:avLst/>
+          </a:prstGeom>
+          <a:ln>
+            <a:tailEnd type="arrow"/>
+          </a:ln>
+        </p:spPr>
+        <p:style>
+          <a:lnRef idx="1">
+            <a:schemeClr val="accent1"/>
+          </a:lnRef>
+          <a:fillRef idx="0">
+            <a:schemeClr val="accent1"/>
+          </a:fillRef>
+          <a:effectRef idx="0">
+            <a:schemeClr val="accent1"/>
+          </a:effectRef>
+          <a:fontRef idx="minor">
+            <a:schemeClr val="tx1"/>
+          </a:fontRef>
+        </p:style>
+      </p:cxnSp>
+      <p:sp>
+        <p:nvSpPr>
+          <p:cNvPr id="49" name="TextBox 48"/>
+          <p:cNvSpPr txBox="1"/>
+          <p:nvPr/>
+        </p:nvSpPr>
+        <p:spPr>
+          <a:xfrm>
+            <a:off x="3889077" y="5422075"/>
+            <a:ext cx="312906" cy="369332"/>
+          </a:xfrm>
+          <a:prstGeom prst="rect">
+            <a:avLst/>
+          </a:prstGeom>
+          <a:noFill/>
+        </p:spPr>
+        <p:txBody>
+          <a:bodyPr wrap="none" rtlCol="0">
+            <a:spAutoFit/>
+          </a:bodyPr>
+          <a:lstStyle/>
+          <a:p>
+            <a:r>
+              <a:rPr lang="fa-IR" dirty="0">
+                <a:solidFill>
+                  <a:srgbClr val="FF0000"/>
+                </a:solidFill>
+              </a:rPr>
+              <a:t>5</a:t>
+            </a:r>
+            <a:endParaRPr lang="en-US" dirty="0">
+              <a:solidFill>
+                <a:srgbClr val="FF0000"/>
+              </a:solidFill>
+            </a:endParaRPr>
+          </a:p>
+        </p:txBody>
+      </p:sp>
+      <p:cxnSp>
+        <p:nvCxnSpPr>
+          <p:cNvPr id="50" name="Straight Arrow Connector 49"/>
+          <p:cNvCxnSpPr>
+            <a:stCxn id="49" idx="2"/>
+          </p:cNvCxnSpPr>
+          <p:nvPr/>
+        </p:nvCxnSpPr>
+        <p:spPr>
+          <a:xfrm>
+            <a:off x="4045530" y="5791407"/>
+            <a:ext cx="1" cy="296908"/>
           </a:xfrm>
           <a:prstGeom prst="straightConnector1">
             <a:avLst/>
@@ -20858,7 +20218,7 @@
         </p:nvSpPr>
         <p:spPr>
           <a:xfrm>
-            <a:off x="681729" y="4789408"/>
+            <a:off x="1905000" y="5422075"/>
             <a:ext cx="312906" cy="369332"/>
           </a:xfrm>
           <a:prstGeom prst="rect">
@@ -20892,14 +20252,14 @@
         <p:nvCxnSpPr>
           <p:cNvPr id="53" name="Straight Arrow Connector 52"/>
           <p:cNvCxnSpPr>
-            <a:stCxn id="52" idx="3"/>
+            <a:stCxn id="52" idx="2"/>
           </p:cNvCxnSpPr>
           <p:nvPr/>
         </p:nvCxnSpPr>
         <p:spPr>
           <a:xfrm>
-            <a:off x="994635" y="4974074"/>
-            <a:ext cx="458694" cy="0"/>
+            <a:off x="2061453" y="5791407"/>
+            <a:ext cx="0" cy="296908"/>
           </a:xfrm>
           <a:prstGeom prst="straightConnector1">
             <a:avLst/>
@@ -20931,7 +20291,7 @@
         </p:nvSpPr>
         <p:spPr>
           <a:xfrm>
-            <a:off x="681729" y="5317175"/>
+            <a:off x="2512298" y="5417885"/>
             <a:ext cx="312906" cy="369332"/>
           </a:xfrm>
           <a:prstGeom prst="rect">
@@ -20965,14 +20325,14 @@
         <p:nvCxnSpPr>
           <p:cNvPr id="55" name="Straight Arrow Connector 54"/>
           <p:cNvCxnSpPr>
-            <a:stCxn id="54" idx="3"/>
+            <a:stCxn id="54" idx="2"/>
           </p:cNvCxnSpPr>
           <p:nvPr/>
         </p:nvCxnSpPr>
         <p:spPr>
           <a:xfrm>
-            <a:off x="994635" y="5501841"/>
-            <a:ext cx="458694" cy="0"/>
+            <a:off x="2668751" y="5787217"/>
+            <a:ext cx="0" cy="296908"/>
           </a:xfrm>
           <a:prstGeom prst="straightConnector1">
             <a:avLst/>
@@ -21004,7 +20364,7 @@
         </p:nvSpPr>
         <p:spPr>
           <a:xfrm>
-            <a:off x="681729" y="5674425"/>
+            <a:off x="3178646" y="5414874"/>
             <a:ext cx="312906" cy="369332"/>
           </a:xfrm>
           <a:prstGeom prst="rect">
@@ -21038,14 +20398,14 @@
         <p:nvCxnSpPr>
           <p:cNvPr id="57" name="Straight Arrow Connector 56"/>
           <p:cNvCxnSpPr>
-            <a:stCxn id="56" idx="3"/>
+            <a:stCxn id="56" idx="2"/>
           </p:cNvCxnSpPr>
           <p:nvPr/>
         </p:nvCxnSpPr>
         <p:spPr>
           <a:xfrm>
-            <a:off x="994635" y="5859091"/>
-            <a:ext cx="458694" cy="0"/>
+            <a:off x="3335099" y="5784206"/>
+            <a:ext cx="0" cy="296908"/>
           </a:xfrm>
           <a:prstGeom prst="straightConnector1">
             <a:avLst/>
@@ -21077,7 +20437,1400 @@
         </p:nvSpPr>
         <p:spPr>
           <a:xfrm>
-            <a:off x="3352800" y="1219200"/>
+            <a:off x="1442696" y="1240466"/>
+            <a:ext cx="6166671" cy="3600986"/>
+          </a:xfrm>
+          <a:prstGeom prst="rect">
+            <a:avLst/>
+          </a:prstGeom>
+        </p:spPr>
+        <p:txBody>
+          <a:bodyPr wrap="square">
+            <a:spAutoFit/>
+          </a:bodyPr>
+          <a:lstStyle/>
+          <a:p>
+            <a:pPr algn="just" rtl="1"/>
+            <a:r>
+              <a:rPr lang="fa-IR" sz="1200" dirty="0" smtClean="0">
+                <a:solidFill>
+                  <a:srgbClr val="FF0000"/>
+                </a:solidFill>
+              </a:rPr>
+              <a:t>1-</a:t>
+            </a:r>
+            <a:r>
+              <a:rPr lang="fa-IR" sz="1200" dirty="0" smtClean="0">
+                <a:solidFill>
+                  <a:srgbClr val="FF0000"/>
+                </a:solidFill>
+                <a:cs typeface="B Nazanin" pitchFamily="2" charset="-78"/>
+              </a:rPr>
+              <a:t> </a:t>
+            </a:r>
+            <a:r>
+              <a:rPr lang="fa-IR" sz="1200" dirty="0" smtClean="0">
+                <a:solidFill>
+                  <a:schemeClr val="bg1"/>
+                </a:solidFill>
+                <a:cs typeface="B Nazanin" pitchFamily="2" charset="-78"/>
+              </a:rPr>
+              <a:t>برای ارسال (یا مشاهده‌ی) پیام‌های متنی اعضای جلسه، بر روی این قسمت کلیک کنید</a:t>
+            </a:r>
+            <a:r>
+              <a:rPr lang="fa-IR" sz="1200" dirty="0" smtClean="0">
+                <a:solidFill>
+                  <a:schemeClr val="bg1"/>
+                </a:solidFill>
+                <a:cs typeface="B Nazanin" pitchFamily="2" charset="-78"/>
+              </a:rPr>
+              <a:t>.</a:t>
+            </a:r>
+            <a:endParaRPr lang="en-US" sz="1200" dirty="0" smtClean="0">
+              <a:solidFill>
+                <a:schemeClr val="bg1"/>
+              </a:solidFill>
+              <a:cs typeface="B Nazanin" pitchFamily="2" charset="-78"/>
+            </a:endParaRPr>
+          </a:p>
+          <a:p>
+            <a:pPr algn="just" rtl="1"/>
+            <a:r>
+              <a:rPr lang="fa-IR" sz="1200" dirty="0">
+                <a:solidFill>
+                  <a:srgbClr val="FF0000"/>
+                </a:solidFill>
+              </a:rPr>
+              <a:t>2-</a:t>
+            </a:r>
+            <a:r>
+              <a:rPr lang="fa-IR" sz="1200" dirty="0">
+                <a:solidFill>
+                  <a:srgbClr val="FF0000"/>
+                </a:solidFill>
+                <a:cs typeface="B Nazanin" pitchFamily="2" charset="-78"/>
+              </a:rPr>
+              <a:t> </a:t>
+            </a:r>
+            <a:r>
+              <a:rPr lang="fa-IR" sz="1200" dirty="0">
+                <a:solidFill>
+                  <a:schemeClr val="bg1"/>
+                </a:solidFill>
+                <a:cs typeface="B Nazanin" pitchFamily="2" charset="-78"/>
+              </a:rPr>
+              <a:t>برای </a:t>
+            </a:r>
+            <a:r>
+              <a:rPr lang="fa-IR" sz="1200" dirty="0" smtClean="0">
+                <a:solidFill>
+                  <a:schemeClr val="bg1"/>
+                </a:solidFill>
+                <a:cs typeface="B Nazanin" pitchFamily="2" charset="-78"/>
+              </a:rPr>
+              <a:t>آغاز ضبط کنفرانس تان اینجا را کلیک کنید تا پنجره ای ظاهر شود و از شما بخواهد تا محل ذخیره فایل تصویری و نوع (فرمت) آن را مشخص کنید. بسته به نوع فایل، کنفرانستان به صورت تصویری یا صرفا صوتی ذخیره می‌شود.  (برای فعالسازی این قابلیت، به بخش ضبط کنفرانس در سربرگ تنظیمات مراجعه کنید.)</a:t>
+            </a:r>
+            <a:endParaRPr lang="fa-IR" sz="1200" dirty="0">
+              <a:solidFill>
+                <a:schemeClr val="bg1"/>
+              </a:solidFill>
+              <a:cs typeface="B Nazanin" pitchFamily="2" charset="-78"/>
+            </a:endParaRPr>
+          </a:p>
+          <a:p>
+            <a:pPr algn="just" rtl="1"/>
+            <a:r>
+              <a:rPr lang="fa-IR" sz="1200" dirty="0" smtClean="0">
+                <a:solidFill>
+                  <a:srgbClr val="FF0000"/>
+                </a:solidFill>
+              </a:rPr>
+              <a:t>3-</a:t>
+            </a:r>
+            <a:r>
+              <a:rPr lang="fa-IR" sz="1200" dirty="0" smtClean="0">
+                <a:solidFill>
+                  <a:srgbClr val="FF0000"/>
+                </a:solidFill>
+                <a:cs typeface="B Nazanin" pitchFamily="2" charset="-78"/>
+              </a:rPr>
+              <a:t> </a:t>
+            </a:r>
+            <a:r>
+              <a:rPr lang="fa-IR" sz="1200" dirty="0" smtClean="0">
+                <a:solidFill>
+                  <a:schemeClr val="bg1"/>
+                </a:solidFill>
+                <a:cs typeface="B Nazanin" pitchFamily="2" charset="-78"/>
+              </a:rPr>
+              <a:t>برای </a:t>
+            </a:r>
+            <a:r>
+              <a:rPr lang="fa-IR" sz="1200" dirty="0">
+                <a:solidFill>
+                  <a:schemeClr val="bg1"/>
+                </a:solidFill>
+                <a:cs typeface="B Nazanin" pitchFamily="2" charset="-78"/>
+              </a:rPr>
+              <a:t>نمایش پنجره </a:t>
+            </a:r>
+            <a:r>
+              <a:rPr lang="fa-IR" sz="1200" dirty="0" smtClean="0">
+                <a:solidFill>
+                  <a:schemeClr val="bg1"/>
+                </a:solidFill>
+                <a:cs typeface="B Nazanin" pitchFamily="2" charset="-78"/>
+              </a:rPr>
+              <a:t>کنفرانس در حالت تمام- صفحه یا خارج نمودن آن از این حالت، </a:t>
+            </a:r>
+            <a:r>
+              <a:rPr lang="fa-IR" sz="1200" dirty="0">
+                <a:solidFill>
+                  <a:schemeClr val="bg1"/>
+                </a:solidFill>
+                <a:cs typeface="B Nazanin" pitchFamily="2" charset="-78"/>
+              </a:rPr>
+              <a:t>بر روی این قسمت </a:t>
+            </a:r>
+            <a:r>
+              <a:rPr lang="fa-IR" sz="1200" dirty="0" smtClean="0">
+                <a:solidFill>
+                  <a:schemeClr val="bg1"/>
+                </a:solidFill>
+                <a:cs typeface="B Nazanin" pitchFamily="2" charset="-78"/>
+              </a:rPr>
+              <a:t>کلیک کنید.</a:t>
+            </a:r>
+            <a:endParaRPr lang="fa-IR" sz="1200" dirty="0">
+              <a:solidFill>
+                <a:schemeClr val="bg1"/>
+              </a:solidFill>
+              <a:cs typeface="B Nazanin" pitchFamily="2" charset="-78"/>
+            </a:endParaRPr>
+          </a:p>
+          <a:p>
+            <a:pPr algn="just" rtl="1"/>
+            <a:r>
+              <a:rPr lang="fa-IR" sz="1200" dirty="0" smtClean="0">
+                <a:solidFill>
+                  <a:srgbClr val="FF0000"/>
+                </a:solidFill>
+              </a:rPr>
+              <a:t>4-</a:t>
+            </a:r>
+            <a:r>
+              <a:rPr lang="fa-IR" sz="1200" dirty="0" smtClean="0">
+                <a:solidFill>
+                  <a:srgbClr val="FF0000"/>
+                </a:solidFill>
+                <a:cs typeface="B Nazanin" pitchFamily="2" charset="-78"/>
+              </a:rPr>
+              <a:t> </a:t>
+            </a:r>
+            <a:r>
+              <a:rPr lang="fa-IR" sz="1200" dirty="0" smtClean="0">
+                <a:solidFill>
+                  <a:schemeClr val="bg1"/>
+                </a:solidFill>
+                <a:cs typeface="B Nazanin" pitchFamily="2" charset="-78"/>
+              </a:rPr>
+              <a:t>برای اینکه پنجره‌ی یکی از برنامه‌های در حال اجرا یا صفحه نمایش را برای اعضای جلسه به اشتراک بگذارید، </a:t>
+            </a:r>
+            <a:r>
+              <a:rPr lang="fa-IR" sz="1200" dirty="0">
+                <a:solidFill>
+                  <a:schemeClr val="bg1"/>
+                </a:solidFill>
+                <a:cs typeface="B Nazanin" pitchFamily="2" charset="-78"/>
+              </a:rPr>
+              <a:t>بر روی این قسمت </a:t>
+            </a:r>
+            <a:r>
+              <a:rPr lang="fa-IR" sz="1200" dirty="0" smtClean="0">
+                <a:solidFill>
+                  <a:schemeClr val="bg1"/>
+                </a:solidFill>
+                <a:cs typeface="B Nazanin" pitchFamily="2" charset="-78"/>
+              </a:rPr>
+              <a:t>کلیک </a:t>
+            </a:r>
+            <a:r>
+              <a:rPr lang="fa-IR" sz="1200" dirty="0" smtClean="0">
+                <a:solidFill>
+                  <a:schemeClr val="bg1"/>
+                </a:solidFill>
+                <a:cs typeface="B Nazanin" pitchFamily="2" charset="-78"/>
+              </a:rPr>
+              <a:t>کنید.</a:t>
+            </a:r>
+          </a:p>
+          <a:p>
+            <a:pPr algn="just" rtl="1"/>
+            <a:r>
+              <a:rPr lang="fa-IR" sz="1200" dirty="0" smtClean="0">
+                <a:solidFill>
+                  <a:srgbClr val="FF0000"/>
+                </a:solidFill>
+              </a:rPr>
+              <a:t>5-</a:t>
+            </a:r>
+            <a:r>
+              <a:rPr lang="fa-IR" sz="1200" dirty="0" smtClean="0">
+                <a:solidFill>
+                  <a:srgbClr val="FF0000"/>
+                </a:solidFill>
+                <a:cs typeface="B Nazanin" pitchFamily="2" charset="-78"/>
+              </a:rPr>
+              <a:t> </a:t>
+            </a:r>
+            <a:r>
+              <a:rPr lang="fa-IR" sz="1200" dirty="0" smtClean="0">
+                <a:solidFill>
+                  <a:schemeClr val="bg1"/>
+                </a:solidFill>
+                <a:cs typeface="B Nazanin" pitchFamily="2" charset="-78"/>
+              </a:rPr>
+              <a:t>اگر چند نفر از اعضای جلسه، برنامه‌هایشان را به اشتراک گذاشته‌اند، برای انتخاب از بین آن‌ها و مشاهده‌ی برنامه‌ی مورد نظرتان </a:t>
+            </a:r>
+            <a:r>
+              <a:rPr lang="fa-IR" sz="1200" dirty="0">
+                <a:solidFill>
+                  <a:schemeClr val="bg1"/>
+                </a:solidFill>
+                <a:cs typeface="B Nazanin" pitchFamily="2" charset="-78"/>
+              </a:rPr>
+              <a:t>بر روی این قسمت </a:t>
+            </a:r>
+            <a:r>
+              <a:rPr lang="fa-IR" sz="1200" dirty="0" smtClean="0">
+                <a:solidFill>
+                  <a:schemeClr val="bg1"/>
+                </a:solidFill>
+                <a:cs typeface="B Nazanin" pitchFamily="2" charset="-78"/>
+              </a:rPr>
+              <a:t>کلیک کنید. </a:t>
+            </a:r>
+            <a:endParaRPr lang="fa-IR" sz="1200" dirty="0">
+              <a:solidFill>
+                <a:schemeClr val="bg1"/>
+              </a:solidFill>
+              <a:cs typeface="B Nazanin" pitchFamily="2" charset="-78"/>
+            </a:endParaRPr>
+          </a:p>
+          <a:p>
+            <a:pPr algn="just" rtl="1"/>
+            <a:r>
+              <a:rPr lang="fa-IR" sz="1200" dirty="0" smtClean="0">
+                <a:solidFill>
+                  <a:srgbClr val="FF0000"/>
+                </a:solidFill>
+              </a:rPr>
+              <a:t>6- </a:t>
+            </a:r>
+            <a:r>
+              <a:rPr lang="fa-IR" sz="1200" dirty="0">
+                <a:solidFill>
+                  <a:schemeClr val="bg1"/>
+                </a:solidFill>
+                <a:cs typeface="B Nazanin" pitchFamily="2" charset="-78"/>
+              </a:rPr>
+              <a:t>با </a:t>
+            </a:r>
+            <a:r>
+              <a:rPr lang="fa-IR" sz="1200" dirty="0" smtClean="0">
+                <a:solidFill>
+                  <a:schemeClr val="bg1"/>
+                </a:solidFill>
+                <a:cs typeface="B Nazanin" pitchFamily="2" charset="-78"/>
+              </a:rPr>
+              <a:t>کلیک بر روی این قسمت، تصویرتان برای اعضای جلسه قطع (یا وصل) می‌شود.</a:t>
+            </a:r>
+            <a:endParaRPr lang="fa-IR" sz="1200" dirty="0">
+              <a:solidFill>
+                <a:schemeClr val="bg1"/>
+              </a:solidFill>
+              <a:cs typeface="B Nazanin" pitchFamily="2" charset="-78"/>
+            </a:endParaRPr>
+          </a:p>
+          <a:p>
+            <a:pPr algn="just" rtl="1"/>
+            <a:r>
+              <a:rPr lang="fa-IR" sz="1200" dirty="0" smtClean="0">
+                <a:solidFill>
+                  <a:srgbClr val="FF0000"/>
+                </a:solidFill>
+              </a:rPr>
+              <a:t>7-</a:t>
+            </a:r>
+            <a:r>
+              <a:rPr lang="fa-IR" sz="1200" dirty="0" smtClean="0">
+                <a:solidFill>
+                  <a:srgbClr val="FF0000"/>
+                </a:solidFill>
+                <a:cs typeface="B Nazanin" pitchFamily="2" charset="-78"/>
+              </a:rPr>
+              <a:t> </a:t>
+            </a:r>
+            <a:r>
+              <a:rPr lang="fa-IR" sz="1200" dirty="0">
+                <a:solidFill>
+                  <a:schemeClr val="bg1"/>
+                </a:solidFill>
+                <a:cs typeface="B Nazanin" pitchFamily="2" charset="-78"/>
+              </a:rPr>
+              <a:t>با کلیک کردن </a:t>
+            </a:r>
+            <a:r>
+              <a:rPr lang="fa-IR" sz="1200" dirty="0" smtClean="0">
+                <a:solidFill>
+                  <a:schemeClr val="bg1"/>
+                </a:solidFill>
+                <a:cs typeface="B Nazanin" pitchFamily="2" charset="-78"/>
+              </a:rPr>
+              <a:t>بر روی </a:t>
+            </a:r>
+            <a:r>
+              <a:rPr lang="fa-IR" sz="1200" dirty="0">
+                <a:solidFill>
+                  <a:schemeClr val="bg1"/>
+                </a:solidFill>
+                <a:cs typeface="B Nazanin" pitchFamily="2" charset="-78"/>
+              </a:rPr>
+              <a:t>تصویر بلندگو، صدای </a:t>
+            </a:r>
+            <a:r>
+              <a:rPr lang="fa-IR" sz="1200" dirty="0" smtClean="0">
+                <a:solidFill>
+                  <a:schemeClr val="bg1"/>
+                </a:solidFill>
+                <a:cs typeface="B Nazanin" pitchFamily="2" charset="-78"/>
+              </a:rPr>
+              <a:t>اعضای جلسه </a:t>
+            </a:r>
+            <a:r>
+              <a:rPr lang="fa-IR" sz="1200" dirty="0">
+                <a:solidFill>
+                  <a:schemeClr val="bg1"/>
+                </a:solidFill>
+                <a:cs typeface="B Nazanin" pitchFamily="2" charset="-78"/>
+              </a:rPr>
+              <a:t>برایتان </a:t>
+            </a:r>
+            <a:r>
+              <a:rPr lang="fa-IR" sz="1200" dirty="0" smtClean="0">
+                <a:solidFill>
+                  <a:schemeClr val="bg1"/>
+                </a:solidFill>
+                <a:cs typeface="B Nazanin" pitchFamily="2" charset="-78"/>
+              </a:rPr>
+              <a:t>قطع (یا وصل) می‌شود. </a:t>
+            </a:r>
+            <a:r>
+              <a:rPr lang="fa-IR" sz="1200" dirty="0">
+                <a:solidFill>
+                  <a:schemeClr val="bg1"/>
+                </a:solidFill>
+                <a:cs typeface="B Nazanin" pitchFamily="2" charset="-78"/>
+              </a:rPr>
+              <a:t>با </a:t>
+            </a:r>
+            <a:r>
+              <a:rPr lang="fa-IR" sz="1200" dirty="0" smtClean="0">
+                <a:solidFill>
+                  <a:schemeClr val="bg1"/>
+                </a:solidFill>
+                <a:cs typeface="B Nazanin" pitchFamily="2" charset="-78"/>
+              </a:rPr>
+              <a:t>کلیک بر روی </a:t>
+            </a:r>
+            <a:r>
+              <a:rPr lang="fa-IR" sz="1200" dirty="0">
+                <a:solidFill>
+                  <a:schemeClr val="bg1"/>
+                </a:solidFill>
+                <a:cs typeface="B Nazanin" pitchFamily="2" charset="-78"/>
+              </a:rPr>
+              <a:t>مثلث کوچک </a:t>
+            </a:r>
+            <a:r>
+              <a:rPr lang="fa-IR" sz="1200" dirty="0" smtClean="0">
+                <a:solidFill>
+                  <a:schemeClr val="bg1"/>
+                </a:solidFill>
+                <a:cs typeface="B Nazanin" pitchFamily="2" charset="-78"/>
+              </a:rPr>
+              <a:t>بالایی، </a:t>
+            </a:r>
+            <a:r>
+              <a:rPr lang="fa-IR" sz="1200" dirty="0">
+                <a:solidFill>
+                  <a:schemeClr val="bg1"/>
+                </a:solidFill>
+                <a:cs typeface="B Nazanin" pitchFamily="2" charset="-78"/>
+              </a:rPr>
+              <a:t>می‌توانید </a:t>
+            </a:r>
+            <a:r>
+              <a:rPr lang="fa-IR" sz="1200" dirty="0" smtClean="0">
+                <a:solidFill>
+                  <a:schemeClr val="bg1"/>
+                </a:solidFill>
+                <a:cs typeface="B Nazanin" pitchFamily="2" charset="-78"/>
+              </a:rPr>
+              <a:t>بلندی </a:t>
+            </a:r>
+            <a:r>
+              <a:rPr lang="fa-IR" sz="1200" dirty="0">
+                <a:solidFill>
+                  <a:schemeClr val="bg1"/>
+                </a:solidFill>
+                <a:cs typeface="B Nazanin" pitchFamily="2" charset="-78"/>
+              </a:rPr>
+              <a:t>صدای </a:t>
+            </a:r>
+            <a:r>
+              <a:rPr lang="fa-IR" sz="1200" dirty="0" smtClean="0">
+                <a:solidFill>
+                  <a:schemeClr val="bg1"/>
+                </a:solidFill>
+                <a:cs typeface="B Nazanin" pitchFamily="2" charset="-78"/>
+              </a:rPr>
+              <a:t>دیگران </a:t>
+            </a:r>
+            <a:r>
+              <a:rPr lang="fa-IR" sz="1200" dirty="0">
+                <a:solidFill>
+                  <a:schemeClr val="bg1"/>
+                </a:solidFill>
+                <a:cs typeface="B Nazanin" pitchFamily="2" charset="-78"/>
+              </a:rPr>
+              <a:t>را تنظیم کنید.</a:t>
+            </a:r>
+          </a:p>
+          <a:p>
+            <a:pPr algn="just" rtl="1"/>
+            <a:r>
+              <a:rPr lang="fa-IR" sz="1200" dirty="0" smtClean="0">
+                <a:solidFill>
+                  <a:srgbClr val="FF0000"/>
+                </a:solidFill>
+              </a:rPr>
+              <a:t>8- </a:t>
+            </a:r>
+            <a:r>
+              <a:rPr lang="fa-IR" sz="1200" dirty="0">
+                <a:solidFill>
+                  <a:schemeClr val="bg1"/>
+                </a:solidFill>
+                <a:cs typeface="B Nazanin" pitchFamily="2" charset="-78"/>
+              </a:rPr>
+              <a:t>با کلیک کردن </a:t>
+            </a:r>
+            <a:r>
+              <a:rPr lang="fa-IR" sz="1200" dirty="0" smtClean="0">
+                <a:solidFill>
+                  <a:schemeClr val="bg1"/>
+                </a:solidFill>
+                <a:cs typeface="B Nazanin" pitchFamily="2" charset="-78"/>
+              </a:rPr>
+              <a:t>بر روی </a:t>
+            </a:r>
+            <a:r>
+              <a:rPr lang="fa-IR" sz="1200" dirty="0">
+                <a:solidFill>
+                  <a:schemeClr val="bg1"/>
+                </a:solidFill>
+                <a:cs typeface="B Nazanin" pitchFamily="2" charset="-78"/>
+              </a:rPr>
+              <a:t>تصویر میکروفن صدایتان برای </a:t>
+            </a:r>
+            <a:r>
+              <a:rPr lang="fa-IR" sz="1200" dirty="0" smtClean="0">
+                <a:solidFill>
+                  <a:schemeClr val="bg1"/>
+                </a:solidFill>
+                <a:cs typeface="B Nazanin" pitchFamily="2" charset="-78"/>
+              </a:rPr>
+              <a:t>اعضای جلسه، قطع (یا وصل) می‌شود. </a:t>
+            </a:r>
+            <a:r>
+              <a:rPr lang="fa-IR" sz="1200" dirty="0">
+                <a:solidFill>
+                  <a:schemeClr val="bg1"/>
+                </a:solidFill>
+                <a:cs typeface="B Nazanin" pitchFamily="2" charset="-78"/>
+              </a:rPr>
+              <a:t>با کلیک </a:t>
+            </a:r>
+            <a:r>
+              <a:rPr lang="fa-IR" sz="1200" dirty="0" smtClean="0">
+                <a:solidFill>
+                  <a:schemeClr val="bg1"/>
+                </a:solidFill>
+                <a:cs typeface="B Nazanin" pitchFamily="2" charset="-78"/>
+              </a:rPr>
+              <a:t>بر روی </a:t>
+            </a:r>
+            <a:r>
+              <a:rPr lang="fa-IR" sz="1200" dirty="0">
+                <a:solidFill>
+                  <a:schemeClr val="bg1"/>
+                </a:solidFill>
+                <a:cs typeface="B Nazanin" pitchFamily="2" charset="-78"/>
+              </a:rPr>
+              <a:t>مثلث کوچک </a:t>
+            </a:r>
+            <a:r>
+              <a:rPr lang="fa-IR" sz="1200" dirty="0" smtClean="0">
+                <a:solidFill>
+                  <a:schemeClr val="bg1"/>
+                </a:solidFill>
+                <a:cs typeface="B Nazanin" pitchFamily="2" charset="-78"/>
+              </a:rPr>
+              <a:t>بالایی، </a:t>
+            </a:r>
+            <a:r>
+              <a:rPr lang="fa-IR" sz="1200" dirty="0">
+                <a:solidFill>
+                  <a:schemeClr val="bg1"/>
+                </a:solidFill>
+                <a:cs typeface="B Nazanin" pitchFamily="2" charset="-78"/>
+              </a:rPr>
+              <a:t>می‌توانید </a:t>
+            </a:r>
+            <a:r>
+              <a:rPr lang="fa-IR" sz="1200" dirty="0" smtClean="0">
+                <a:solidFill>
+                  <a:schemeClr val="bg1"/>
+                </a:solidFill>
+                <a:cs typeface="B Nazanin" pitchFamily="2" charset="-78"/>
+              </a:rPr>
+              <a:t>بلندی </a:t>
+            </a:r>
+            <a:r>
+              <a:rPr lang="fa-IR" sz="1200" dirty="0">
+                <a:solidFill>
+                  <a:schemeClr val="bg1"/>
+                </a:solidFill>
+                <a:cs typeface="B Nazanin" pitchFamily="2" charset="-78"/>
+              </a:rPr>
+              <a:t>صدای </a:t>
+            </a:r>
+            <a:r>
+              <a:rPr lang="fa-IR" sz="1200" dirty="0" smtClean="0">
+                <a:solidFill>
+                  <a:schemeClr val="bg1"/>
+                </a:solidFill>
+                <a:cs typeface="B Nazanin" pitchFamily="2" charset="-78"/>
+              </a:rPr>
+              <a:t>خودتان </a:t>
+            </a:r>
+            <a:r>
+              <a:rPr lang="fa-IR" sz="1200" dirty="0">
+                <a:solidFill>
+                  <a:schemeClr val="bg1"/>
+                </a:solidFill>
+                <a:cs typeface="B Nazanin" pitchFamily="2" charset="-78"/>
+              </a:rPr>
+              <a:t>را تنظیم کنید.</a:t>
+            </a:r>
+          </a:p>
+          <a:p>
+            <a:pPr algn="just" rtl="1"/>
+            <a:r>
+              <a:rPr lang="fa-IR" sz="1200" dirty="0" smtClean="0">
+                <a:solidFill>
+                  <a:srgbClr val="FF0000"/>
+                </a:solidFill>
+              </a:rPr>
+              <a:t>9-</a:t>
+            </a:r>
+            <a:r>
+              <a:rPr lang="fa-IR" sz="1200" dirty="0" smtClean="0">
+                <a:solidFill>
+                  <a:srgbClr val="FF0000"/>
+                </a:solidFill>
+                <a:cs typeface="B Nazanin" pitchFamily="2" charset="-78"/>
+              </a:rPr>
+              <a:t> </a:t>
+            </a:r>
+            <a:r>
+              <a:rPr lang="fa-IR" sz="1200" dirty="0">
+                <a:solidFill>
+                  <a:schemeClr val="bg1"/>
+                </a:solidFill>
+                <a:cs typeface="B Nazanin" pitchFamily="2" charset="-78"/>
+              </a:rPr>
+              <a:t>برای محدود کردن تعداد ویدئوهای </a:t>
+            </a:r>
+            <a:r>
+              <a:rPr lang="fa-IR" sz="1200" dirty="0" smtClean="0">
+                <a:solidFill>
+                  <a:schemeClr val="bg1"/>
+                </a:solidFill>
+                <a:cs typeface="B Nazanin" pitchFamily="2" charset="-78"/>
+              </a:rPr>
+              <a:t>پنجره، </a:t>
+            </a:r>
+            <a:r>
+              <a:rPr lang="fa-IR" sz="1200" dirty="0">
+                <a:solidFill>
+                  <a:schemeClr val="bg1"/>
+                </a:solidFill>
+                <a:cs typeface="B Nazanin" pitchFamily="2" charset="-78"/>
+              </a:rPr>
+              <a:t>بر روی این قسمت کلیک کنید. (برای سرعت </a:t>
+            </a:r>
+            <a:r>
+              <a:rPr lang="fa-IR" sz="1200" dirty="0" smtClean="0">
+                <a:solidFill>
+                  <a:schemeClr val="bg1"/>
+                </a:solidFill>
+                <a:cs typeface="B Nazanin" pitchFamily="2" charset="-78"/>
+              </a:rPr>
+              <a:t>پائین اینترنت) </a:t>
+            </a:r>
+            <a:r>
+              <a:rPr lang="fa-IR" sz="1200" dirty="0">
+                <a:solidFill>
+                  <a:schemeClr val="bg1"/>
+                </a:solidFill>
+                <a:cs typeface="B Nazanin" pitchFamily="2" charset="-78"/>
+              </a:rPr>
+              <a:t>گزینه «نمایش همه» </a:t>
+            </a:r>
+            <a:r>
+              <a:rPr lang="fa-IR" sz="1200" dirty="0" smtClean="0">
+                <a:solidFill>
+                  <a:schemeClr val="bg1"/>
+                </a:solidFill>
+                <a:cs typeface="B Nazanin" pitchFamily="2" charset="-78"/>
+              </a:rPr>
+              <a:t>تا سقف </a:t>
+            </a:r>
+            <a:r>
+              <a:rPr lang="fa-IR" sz="1200" dirty="0">
+                <a:solidFill>
+                  <a:schemeClr val="bg1"/>
+                </a:solidFill>
+                <a:cs typeface="B Nazanin" pitchFamily="2" charset="-78"/>
+              </a:rPr>
+              <a:t>8 </a:t>
+            </a:r>
+            <a:r>
+              <a:rPr lang="fa-IR" sz="1200" dirty="0" smtClean="0">
+                <a:solidFill>
+                  <a:schemeClr val="bg1"/>
+                </a:solidFill>
+                <a:cs typeface="B Nazanin" pitchFamily="2" charset="-78"/>
+              </a:rPr>
+              <a:t>ویدئوی همزمان را </a:t>
+            </a:r>
+            <a:r>
+              <a:rPr lang="fa-IR" sz="1200" dirty="0">
+                <a:solidFill>
+                  <a:schemeClr val="bg1"/>
+                </a:solidFill>
+                <a:cs typeface="B Nazanin" pitchFamily="2" charset="-78"/>
+              </a:rPr>
+              <a:t>نمایش می‌دهد و </a:t>
+            </a:r>
+            <a:r>
+              <a:rPr lang="fa-IR" sz="1200" dirty="0" smtClean="0">
+                <a:solidFill>
+                  <a:schemeClr val="bg1"/>
+                </a:solidFill>
+                <a:cs typeface="B Nazanin" pitchFamily="2" charset="-78"/>
+              </a:rPr>
+              <a:t>گزینه «بزرگنمایی خودکار» </a:t>
+            </a:r>
+            <a:r>
+              <a:rPr lang="fa-IR" sz="1200" dirty="0">
+                <a:solidFill>
+                  <a:schemeClr val="bg1"/>
+                </a:solidFill>
+                <a:cs typeface="B Nazanin" pitchFamily="2" charset="-78"/>
+              </a:rPr>
+              <a:t>باعث می‌شود </a:t>
+            </a:r>
+            <a:r>
+              <a:rPr lang="fa-IR" sz="1200" dirty="0" smtClean="0">
+                <a:solidFill>
+                  <a:schemeClr val="bg1"/>
+                </a:solidFill>
+                <a:cs typeface="B Nazanin" pitchFamily="2" charset="-78"/>
+              </a:rPr>
+              <a:t>تصویر کسی که </a:t>
+            </a:r>
+            <a:r>
+              <a:rPr lang="fa-IR" sz="1200" dirty="0">
+                <a:solidFill>
+                  <a:schemeClr val="bg1"/>
+                </a:solidFill>
+                <a:cs typeface="B Nazanin" pitchFamily="2" charset="-78"/>
+              </a:rPr>
+              <a:t>با صدای بلندتر صحبت </a:t>
+            </a:r>
+            <a:r>
+              <a:rPr lang="fa-IR" sz="1200" dirty="0" smtClean="0">
+                <a:solidFill>
+                  <a:schemeClr val="bg1"/>
+                </a:solidFill>
+                <a:cs typeface="B Nazanin" pitchFamily="2" charset="-78"/>
+              </a:rPr>
+              <a:t>می‌کند</a:t>
+            </a:r>
+            <a:r>
+              <a:rPr lang="fa-IR" sz="1200" dirty="0">
+                <a:solidFill>
+                  <a:schemeClr val="bg1"/>
+                </a:solidFill>
+                <a:cs typeface="B Nazanin" pitchFamily="2" charset="-78"/>
+              </a:rPr>
+              <a:t>، </a:t>
+            </a:r>
+            <a:r>
+              <a:rPr lang="fa-IR" sz="1200" dirty="0" smtClean="0">
+                <a:solidFill>
+                  <a:schemeClr val="bg1"/>
+                </a:solidFill>
+                <a:cs typeface="B Nazanin" pitchFamily="2" charset="-78"/>
+              </a:rPr>
+              <a:t>بزرگتر دیده شود</a:t>
+            </a:r>
+            <a:r>
+              <a:rPr lang="fa-IR" sz="1200" dirty="0">
+                <a:solidFill>
+                  <a:schemeClr val="bg1"/>
+                </a:solidFill>
+                <a:cs typeface="B Nazanin" pitchFamily="2" charset="-78"/>
+              </a:rPr>
+              <a:t>.</a:t>
+            </a:r>
+          </a:p>
+          <a:p>
+            <a:pPr algn="just" rtl="1"/>
+            <a:r>
+              <a:rPr lang="fa-IR" sz="1200" dirty="0" smtClean="0">
+                <a:solidFill>
+                  <a:srgbClr val="FF0000"/>
+                </a:solidFill>
+              </a:rPr>
+              <a:t>10- </a:t>
+            </a:r>
+            <a:r>
+              <a:rPr lang="fa-IR" sz="1200" dirty="0" smtClean="0">
+                <a:solidFill>
+                  <a:schemeClr val="bg1"/>
+                </a:solidFill>
+                <a:cs typeface="B Nazanin" pitchFamily="2" charset="-78"/>
+              </a:rPr>
+              <a:t>برای انتخاب نحوه‌ی نمایش تصویر </a:t>
+            </a:r>
+            <a:r>
+              <a:rPr lang="fa-IR" sz="1200" dirty="0">
+                <a:solidFill>
+                  <a:schemeClr val="bg1"/>
+                </a:solidFill>
+                <a:cs typeface="B Nazanin" pitchFamily="2" charset="-78"/>
+              </a:rPr>
+              <a:t>دریافتی از </a:t>
+            </a:r>
+            <a:r>
+              <a:rPr lang="fa-IR" sz="1200" dirty="0" smtClean="0">
+                <a:solidFill>
+                  <a:schemeClr val="bg1"/>
+                </a:solidFill>
+                <a:cs typeface="B Nazanin" pitchFamily="2" charset="-78"/>
+              </a:rPr>
+              <a:t>دوربین خودتان در سه حالت، </a:t>
+            </a:r>
+            <a:r>
+              <a:rPr lang="fa-IR" sz="1200" dirty="0">
+                <a:solidFill>
+                  <a:schemeClr val="bg1"/>
+                </a:solidFill>
+                <a:cs typeface="B Nazanin" pitchFamily="2" charset="-78"/>
+              </a:rPr>
+              <a:t>بر روی این قسمت کلیک </a:t>
+            </a:r>
+            <a:r>
+              <a:rPr lang="fa-IR" sz="1200" dirty="0" smtClean="0">
+                <a:solidFill>
+                  <a:schemeClr val="bg1"/>
+                </a:solidFill>
+                <a:cs typeface="B Nazanin" pitchFamily="2" charset="-78"/>
+              </a:rPr>
+              <a:t>کنید</a:t>
+            </a:r>
+            <a:r>
+              <a:rPr lang="fa-IR" sz="1200" dirty="0">
+                <a:solidFill>
+                  <a:schemeClr val="bg1"/>
+                </a:solidFill>
+                <a:cs typeface="B Nazanin" pitchFamily="2" charset="-78"/>
+              </a:rPr>
+              <a:t>.</a:t>
+            </a:r>
+          </a:p>
+          <a:p>
+            <a:pPr algn="just" rtl="1"/>
+            <a:r>
+              <a:rPr lang="fa-IR" sz="1200" dirty="0" smtClean="0">
+                <a:solidFill>
+                  <a:srgbClr val="FF0000"/>
+                </a:solidFill>
+              </a:rPr>
+              <a:t>11-</a:t>
+            </a:r>
+            <a:r>
+              <a:rPr lang="fa-IR" sz="1200" dirty="0" smtClean="0">
+                <a:solidFill>
+                  <a:srgbClr val="FF0000"/>
+                </a:solidFill>
+                <a:cs typeface="B Nazanin" pitchFamily="2" charset="-78"/>
+              </a:rPr>
+              <a:t> </a:t>
+            </a:r>
+            <a:r>
+              <a:rPr lang="fa-IR" sz="1200" dirty="0">
+                <a:solidFill>
+                  <a:schemeClr val="bg1"/>
+                </a:solidFill>
+                <a:cs typeface="B Nazanin" pitchFamily="2" charset="-78"/>
+              </a:rPr>
+              <a:t>ب</a:t>
+            </a:r>
+            <a:r>
+              <a:rPr lang="fa-IR" sz="1200" dirty="0" smtClean="0">
+                <a:solidFill>
+                  <a:schemeClr val="bg1"/>
+                </a:solidFill>
+                <a:cs typeface="B Nazanin" pitchFamily="2" charset="-78"/>
+              </a:rPr>
+              <a:t>رای خارج شدن از کنفرانس، </a:t>
+            </a:r>
+            <a:r>
+              <a:rPr lang="fa-IR" sz="1200" dirty="0">
+                <a:solidFill>
+                  <a:schemeClr val="bg1"/>
+                </a:solidFill>
+                <a:cs typeface="B Nazanin" pitchFamily="2" charset="-78"/>
+              </a:rPr>
+              <a:t>بر روی این قسمت کلیک </a:t>
+            </a:r>
+            <a:r>
+              <a:rPr lang="fa-IR" sz="1200" dirty="0" smtClean="0">
+                <a:solidFill>
+                  <a:schemeClr val="bg1"/>
+                </a:solidFill>
+                <a:cs typeface="B Nazanin" pitchFamily="2" charset="-78"/>
+              </a:rPr>
+              <a:t>کنید</a:t>
+            </a:r>
+            <a:r>
+              <a:rPr lang="fa-IR" sz="1200" dirty="0">
+                <a:solidFill>
+                  <a:schemeClr val="bg1"/>
+                </a:solidFill>
+                <a:cs typeface="B Nazanin" pitchFamily="2" charset="-78"/>
+              </a:rPr>
+              <a:t>.</a:t>
+            </a:r>
+            <a:endParaRPr lang="fa-IR" sz="1200" dirty="0" smtClean="0">
+              <a:solidFill>
+                <a:schemeClr val="bg1"/>
+              </a:solidFill>
+              <a:cs typeface="B Nazanin" pitchFamily="2" charset="-78"/>
+            </a:endParaRPr>
+          </a:p>
+        </p:txBody>
+      </p:sp>
+      <p:sp>
+        <p:nvSpPr>
+          <p:cNvPr id="30" name="TextBox 29"/>
+          <p:cNvSpPr txBox="1"/>
+          <p:nvPr/>
+        </p:nvSpPr>
+        <p:spPr>
+          <a:xfrm>
+            <a:off x="6574466" y="5429760"/>
+            <a:ext cx="441146" cy="369332"/>
+          </a:xfrm>
+          <a:prstGeom prst="rect">
+            <a:avLst/>
+          </a:prstGeom>
+          <a:noFill/>
+        </p:spPr>
+        <p:txBody>
+          <a:bodyPr wrap="none" rtlCol="0">
+            <a:spAutoFit/>
+          </a:bodyPr>
+          <a:lstStyle/>
+          <a:p>
+            <a:r>
+              <a:rPr lang="fa-IR" dirty="0" smtClean="0">
+                <a:solidFill>
+                  <a:srgbClr val="FF0000"/>
+                </a:solidFill>
+              </a:rPr>
+              <a:t>10</a:t>
+            </a:r>
+            <a:endParaRPr lang="en-US" dirty="0">
+              <a:solidFill>
+                <a:srgbClr val="FF0000"/>
+              </a:solidFill>
+            </a:endParaRPr>
+          </a:p>
+        </p:txBody>
+      </p:sp>
+      <p:cxnSp>
+        <p:nvCxnSpPr>
+          <p:cNvPr id="31" name="Straight Arrow Connector 30"/>
+          <p:cNvCxnSpPr>
+            <a:stCxn id="30" idx="2"/>
+          </p:cNvCxnSpPr>
+          <p:nvPr/>
+        </p:nvCxnSpPr>
+        <p:spPr>
+          <a:xfrm>
+            <a:off x="6795039" y="5799092"/>
+            <a:ext cx="0" cy="296908"/>
+          </a:xfrm>
+          <a:prstGeom prst="straightConnector1">
+            <a:avLst/>
+          </a:prstGeom>
+          <a:ln>
+            <a:tailEnd type="arrow"/>
+          </a:ln>
+        </p:spPr>
+        <p:style>
+          <a:lnRef idx="1">
+            <a:schemeClr val="accent1"/>
+          </a:lnRef>
+          <a:fillRef idx="0">
+            <a:schemeClr val="accent1"/>
+          </a:fillRef>
+          <a:effectRef idx="0">
+            <a:schemeClr val="accent1"/>
+          </a:effectRef>
+          <a:fontRef idx="minor">
+            <a:schemeClr val="tx1"/>
+          </a:fontRef>
+        </p:style>
+      </p:cxnSp>
+    </p:spTree>
+    <p:extLst>
+      <p:ext uri="{BB962C8B-B14F-4D97-AF65-F5344CB8AC3E}">
+        <p14:creationId xmlns:p14="http://schemas.microsoft.com/office/powerpoint/2010/main" val="3411010064"/>
+      </p:ext>
+    </p:extLst>
+  </p:cSld>
+  <p:clrMapOvr>
+    <a:masterClrMapping/>
+  </p:clrMapOvr>
+  <p:timing>
+    <p:tnLst>
+      <p:par>
+        <p:cTn id="1" dur="indefinite" restart="never" nodeType="tmRoot"/>
+      </p:par>
+    </p:tnLst>
+  </p:timing>
+</p:sld>
+</file>
+
+<file path=ppt/slides/slide29.xml><?xml version="1.0" encoding="utf-8"?>
+<p:sld xmlns:a="http://schemas.openxmlformats.org/drawingml/2006/main" xmlns:r="http://schemas.openxmlformats.org/officeDocument/2006/relationships" xmlns:p="http://schemas.openxmlformats.org/presentationml/2006/main">
+  <p:cSld>
+    <p:spTree>
+      <p:nvGrpSpPr>
+        <p:cNvPr id="1" name=""/>
+        <p:cNvGrpSpPr/>
+        <p:nvPr/>
+      </p:nvGrpSpPr>
+      <p:grpSpPr>
+        <a:xfrm>
+          <a:off x="0" y="0"/>
+          <a:ext cx="0" cy="0"/>
+          <a:chOff x="0" y="0"/>
+          <a:chExt cx="0" cy="0"/>
+        </a:xfrm>
+      </p:grpSpPr>
+      <p:pic>
+        <p:nvPicPr>
+          <p:cNvPr id="4" name="Picture 3"/>
+          <p:cNvPicPr>
+            <a:picLocks noChangeAspect="1"/>
+          </p:cNvPicPr>
+          <p:nvPr/>
+        </p:nvPicPr>
+        <p:blipFill>
+          <a:blip r:embed="rId2">
+            <a:extLst>
+              <a:ext uri="{28A0092B-C50C-407E-A947-70E740481C1C}">
+                <a14:useLocalDpi xmlns:a14="http://schemas.microsoft.com/office/drawing/2010/main" val="0"/>
+              </a:ext>
+            </a:extLst>
+          </a:blip>
+          <a:stretch>
+            <a:fillRect/>
+          </a:stretch>
+        </p:blipFill>
+        <p:spPr>
+          <a:xfrm>
+            <a:off x="1028282" y="1043084"/>
+            <a:ext cx="6739432" cy="5632823"/>
+          </a:xfrm>
+          <a:prstGeom prst="rect">
+            <a:avLst/>
+          </a:prstGeom>
+        </p:spPr>
+      </p:pic>
+      <p:sp>
+        <p:nvSpPr>
+          <p:cNvPr id="2" name="Title 1"/>
+          <p:cNvSpPr>
+            <a:spLocks noGrp="1"/>
+          </p:cNvSpPr>
+          <p:nvPr>
+            <p:ph type="title"/>
+          </p:nvPr>
+        </p:nvSpPr>
+        <p:spPr>
+          <a:xfrm>
+            <a:off x="457200" y="0"/>
+            <a:ext cx="8229600" cy="1143000"/>
+          </a:xfrm>
+        </p:spPr>
+        <p:txBody>
+          <a:bodyPr>
+            <a:normAutofit/>
+          </a:bodyPr>
+          <a:lstStyle/>
+          <a:p>
+            <a:r>
+              <a:rPr lang="fa-IR" sz="2800" dirty="0">
+                <a:solidFill>
+                  <a:srgbClr val="0070C0"/>
+                </a:solidFill>
+                <a:cs typeface="B Titr" pitchFamily="2" charset="-78"/>
+              </a:rPr>
+              <a:t>راهنمای </a:t>
+            </a:r>
+            <a:r>
+              <a:rPr lang="fa-IR" sz="2800" dirty="0" smtClean="0">
+                <a:solidFill>
+                  <a:srgbClr val="0070C0"/>
+                </a:solidFill>
+                <a:cs typeface="B Titr" pitchFamily="2" charset="-78"/>
+              </a:rPr>
+              <a:t>پنجره ارسال پیام حین کنفرانس</a:t>
+            </a:r>
+            <a:endParaRPr lang="en-US" sz="2800" dirty="0"/>
+          </a:p>
+        </p:txBody>
+      </p:sp>
+      <p:sp>
+        <p:nvSpPr>
+          <p:cNvPr id="33" name="TextBox 32"/>
+          <p:cNvSpPr txBox="1"/>
+          <p:nvPr/>
+        </p:nvSpPr>
+        <p:spPr>
+          <a:xfrm>
+            <a:off x="404750" y="1447800"/>
+            <a:ext cx="312906" cy="369332"/>
+          </a:xfrm>
+          <a:prstGeom prst="rect">
+            <a:avLst/>
+          </a:prstGeom>
+          <a:noFill/>
+        </p:spPr>
+        <p:txBody>
+          <a:bodyPr wrap="none" rtlCol="0">
+            <a:spAutoFit/>
+          </a:bodyPr>
+          <a:lstStyle/>
+          <a:p>
+            <a:r>
+              <a:rPr lang="fa-IR" dirty="0" smtClean="0">
+                <a:solidFill>
+                  <a:srgbClr val="FF0000"/>
+                </a:solidFill>
+              </a:rPr>
+              <a:t>1</a:t>
+            </a:r>
+            <a:endParaRPr lang="en-US" dirty="0">
+              <a:solidFill>
+                <a:srgbClr val="FF0000"/>
+              </a:solidFill>
+            </a:endParaRPr>
+          </a:p>
+        </p:txBody>
+      </p:sp>
+      <p:cxnSp>
+        <p:nvCxnSpPr>
+          <p:cNvPr id="34" name="Straight Arrow Connector 33"/>
+          <p:cNvCxnSpPr>
+            <a:stCxn id="33" idx="3"/>
+          </p:cNvCxnSpPr>
+          <p:nvPr/>
+        </p:nvCxnSpPr>
+        <p:spPr>
+          <a:xfrm>
+            <a:off x="717656" y="1632466"/>
+            <a:ext cx="458694" cy="0"/>
+          </a:xfrm>
+          <a:prstGeom prst="straightConnector1">
+            <a:avLst/>
+          </a:prstGeom>
+          <a:ln>
+            <a:tailEnd type="arrow"/>
+          </a:ln>
+        </p:spPr>
+        <p:style>
+          <a:lnRef idx="1">
+            <a:schemeClr val="accent1"/>
+          </a:lnRef>
+          <a:fillRef idx="0">
+            <a:schemeClr val="accent1"/>
+          </a:fillRef>
+          <a:effectRef idx="0">
+            <a:schemeClr val="accent1"/>
+          </a:effectRef>
+          <a:fontRef idx="minor">
+            <a:schemeClr val="tx1"/>
+          </a:fontRef>
+        </p:style>
+      </p:cxnSp>
+      <p:sp>
+        <p:nvSpPr>
+          <p:cNvPr id="52" name="TextBox 51"/>
+          <p:cNvSpPr txBox="1"/>
+          <p:nvPr/>
+        </p:nvSpPr>
+        <p:spPr>
+          <a:xfrm>
+            <a:off x="404750" y="4789408"/>
+            <a:ext cx="312906" cy="369332"/>
+          </a:xfrm>
+          <a:prstGeom prst="rect">
+            <a:avLst/>
+          </a:prstGeom>
+          <a:noFill/>
+        </p:spPr>
+        <p:txBody>
+          <a:bodyPr wrap="none" rtlCol="0">
+            <a:spAutoFit/>
+          </a:bodyPr>
+          <a:lstStyle/>
+          <a:p>
+            <a:r>
+              <a:rPr lang="fa-IR" dirty="0" smtClean="0">
+                <a:solidFill>
+                  <a:srgbClr val="FF0000"/>
+                </a:solidFill>
+              </a:rPr>
+              <a:t>2</a:t>
+            </a:r>
+            <a:endParaRPr lang="en-US" dirty="0">
+              <a:solidFill>
+                <a:srgbClr val="FF0000"/>
+              </a:solidFill>
+            </a:endParaRPr>
+          </a:p>
+        </p:txBody>
+      </p:sp>
+      <p:cxnSp>
+        <p:nvCxnSpPr>
+          <p:cNvPr id="53" name="Straight Arrow Connector 52"/>
+          <p:cNvCxnSpPr>
+            <a:stCxn id="52" idx="3"/>
+          </p:cNvCxnSpPr>
+          <p:nvPr/>
+        </p:nvCxnSpPr>
+        <p:spPr>
+          <a:xfrm>
+            <a:off x="717656" y="4974074"/>
+            <a:ext cx="458694" cy="0"/>
+          </a:xfrm>
+          <a:prstGeom prst="straightConnector1">
+            <a:avLst/>
+          </a:prstGeom>
+          <a:ln>
+            <a:tailEnd type="arrow"/>
+          </a:ln>
+        </p:spPr>
+        <p:style>
+          <a:lnRef idx="1">
+            <a:schemeClr val="accent1"/>
+          </a:lnRef>
+          <a:fillRef idx="0">
+            <a:schemeClr val="accent1"/>
+          </a:fillRef>
+          <a:effectRef idx="0">
+            <a:schemeClr val="accent1"/>
+          </a:effectRef>
+          <a:fontRef idx="minor">
+            <a:schemeClr val="tx1"/>
+          </a:fontRef>
+        </p:style>
+      </p:cxnSp>
+      <p:sp>
+        <p:nvSpPr>
+          <p:cNvPr id="54" name="TextBox 53"/>
+          <p:cNvSpPr txBox="1"/>
+          <p:nvPr/>
+        </p:nvSpPr>
+        <p:spPr>
+          <a:xfrm>
+            <a:off x="404750" y="5317175"/>
+            <a:ext cx="312906" cy="369332"/>
+          </a:xfrm>
+          <a:prstGeom prst="rect">
+            <a:avLst/>
+          </a:prstGeom>
+          <a:noFill/>
+        </p:spPr>
+        <p:txBody>
+          <a:bodyPr wrap="none" rtlCol="0">
+            <a:spAutoFit/>
+          </a:bodyPr>
+          <a:lstStyle/>
+          <a:p>
+            <a:r>
+              <a:rPr lang="fa-IR" dirty="0" smtClean="0">
+                <a:solidFill>
+                  <a:srgbClr val="FF0000"/>
+                </a:solidFill>
+              </a:rPr>
+              <a:t>3</a:t>
+            </a:r>
+            <a:endParaRPr lang="en-US" dirty="0">
+              <a:solidFill>
+                <a:srgbClr val="FF0000"/>
+              </a:solidFill>
+            </a:endParaRPr>
+          </a:p>
+        </p:txBody>
+      </p:sp>
+      <p:cxnSp>
+        <p:nvCxnSpPr>
+          <p:cNvPr id="55" name="Straight Arrow Connector 54"/>
+          <p:cNvCxnSpPr>
+            <a:stCxn id="54" idx="3"/>
+          </p:cNvCxnSpPr>
+          <p:nvPr/>
+        </p:nvCxnSpPr>
+        <p:spPr>
+          <a:xfrm>
+            <a:off x="717656" y="5501841"/>
+            <a:ext cx="458694" cy="0"/>
+          </a:xfrm>
+          <a:prstGeom prst="straightConnector1">
+            <a:avLst/>
+          </a:prstGeom>
+          <a:ln>
+            <a:tailEnd type="arrow"/>
+          </a:ln>
+        </p:spPr>
+        <p:style>
+          <a:lnRef idx="1">
+            <a:schemeClr val="accent1"/>
+          </a:lnRef>
+          <a:fillRef idx="0">
+            <a:schemeClr val="accent1"/>
+          </a:fillRef>
+          <a:effectRef idx="0">
+            <a:schemeClr val="accent1"/>
+          </a:effectRef>
+          <a:fontRef idx="minor">
+            <a:schemeClr val="tx1"/>
+          </a:fontRef>
+        </p:style>
+      </p:cxnSp>
+      <p:sp>
+        <p:nvSpPr>
+          <p:cNvPr id="56" name="TextBox 55"/>
+          <p:cNvSpPr txBox="1"/>
+          <p:nvPr/>
+        </p:nvSpPr>
+        <p:spPr>
+          <a:xfrm>
+            <a:off x="404750" y="5674425"/>
+            <a:ext cx="312906" cy="369332"/>
+          </a:xfrm>
+          <a:prstGeom prst="rect">
+            <a:avLst/>
+          </a:prstGeom>
+          <a:noFill/>
+        </p:spPr>
+        <p:txBody>
+          <a:bodyPr wrap="none" rtlCol="0">
+            <a:spAutoFit/>
+          </a:bodyPr>
+          <a:lstStyle/>
+          <a:p>
+            <a:r>
+              <a:rPr lang="fa-IR" dirty="0">
+                <a:solidFill>
+                  <a:srgbClr val="FF0000"/>
+                </a:solidFill>
+              </a:rPr>
+              <a:t>4</a:t>
+            </a:r>
+            <a:endParaRPr lang="en-US" dirty="0">
+              <a:solidFill>
+                <a:srgbClr val="FF0000"/>
+              </a:solidFill>
+            </a:endParaRPr>
+          </a:p>
+        </p:txBody>
+      </p:sp>
+      <p:cxnSp>
+        <p:nvCxnSpPr>
+          <p:cNvPr id="57" name="Straight Arrow Connector 56"/>
+          <p:cNvCxnSpPr>
+            <a:stCxn id="56" idx="3"/>
+          </p:cNvCxnSpPr>
+          <p:nvPr/>
+        </p:nvCxnSpPr>
+        <p:spPr>
+          <a:xfrm>
+            <a:off x="717656" y="5859091"/>
+            <a:ext cx="458694" cy="0"/>
+          </a:xfrm>
+          <a:prstGeom prst="straightConnector1">
+            <a:avLst/>
+          </a:prstGeom>
+          <a:ln>
+            <a:tailEnd type="arrow"/>
+          </a:ln>
+        </p:spPr>
+        <p:style>
+          <a:lnRef idx="1">
+            <a:schemeClr val="accent1"/>
+          </a:lnRef>
+          <a:fillRef idx="0">
+            <a:schemeClr val="accent1"/>
+          </a:fillRef>
+          <a:effectRef idx="0">
+            <a:schemeClr val="accent1"/>
+          </a:effectRef>
+          <a:fontRef idx="minor">
+            <a:schemeClr val="tx1"/>
+          </a:fontRef>
+        </p:style>
+      </p:cxnSp>
+      <p:sp>
+        <p:nvSpPr>
+          <p:cNvPr id="25" name="Rectangle 24"/>
+          <p:cNvSpPr/>
+          <p:nvPr/>
+        </p:nvSpPr>
+        <p:spPr>
+          <a:xfrm>
+            <a:off x="3352800" y="1295400"/>
             <a:ext cx="4267200" cy="2677656"/>
           </a:xfrm>
           <a:prstGeom prst="rect">
@@ -21280,7 +22033,7 @@
         </p:nvSpPr>
         <p:spPr>
           <a:xfrm>
-            <a:off x="685800" y="6107668"/>
+            <a:off x="408821" y="6107668"/>
             <a:ext cx="312906" cy="369332"/>
           </a:xfrm>
           <a:prstGeom prst="rect">
@@ -21320,7 +22073,7 @@
         </p:nvCxnSpPr>
         <p:spPr>
           <a:xfrm>
-            <a:off x="998706" y="6292334"/>
+            <a:off x="721727" y="6292334"/>
             <a:ext cx="458694" cy="0"/>
           </a:xfrm>
           <a:prstGeom prst="straightConnector1">
